--- a/Adressage ip.pptx
+++ b/Adressage ip.pptx
@@ -5,7 +5,7 @@
     <p:sldMasterId id="2147483648" r:id="rId1"/>
   </p:sldMasterIdLst>
   <p:notesMasterIdLst>
-    <p:notesMasterId r:id="rId17"/>
+    <p:notesMasterId r:id="rId18"/>
   </p:notesMasterIdLst>
   <p:sldIdLst>
     <p:sldId id="256" r:id="rId2"/>
@@ -19,10 +19,11 @@
     <p:sldId id="263" r:id="rId10"/>
     <p:sldId id="266" r:id="rId11"/>
     <p:sldId id="267" r:id="rId12"/>
-    <p:sldId id="270" r:id="rId13"/>
-    <p:sldId id="268" r:id="rId14"/>
-    <p:sldId id="271" r:id="rId15"/>
-    <p:sldId id="269" r:id="rId16"/>
+    <p:sldId id="273" r:id="rId13"/>
+    <p:sldId id="270" r:id="rId14"/>
+    <p:sldId id="268" r:id="rId15"/>
+    <p:sldId id="271" r:id="rId16"/>
+    <p:sldId id="269" r:id="rId17"/>
   </p:sldIdLst>
   <p:sldSz cx="12192000" cy="6858000"/>
   <p:notesSz cx="6858000" cy="9144000"/>
@@ -12981,7 +12982,7 @@
           <p:nvPr>
             <p:extLst>
               <p:ext uri="{D42A27DB-BD31-4B8C-83A1-F6EECF244321}">
-                <p14:modId xmlns:p14="http://schemas.microsoft.com/office/powerpoint/2010/main" val="80681788"/>
+                <p14:modId xmlns:p14="http://schemas.microsoft.com/office/powerpoint/2010/main" val="1941159323"/>
               </p:ext>
             </p:extLst>
           </p:nvPr>
@@ -13121,7 +13122,7 @@
                     <a:p>
                       <a:r>
                         <a:rPr lang="fr-FR" dirty="0"/>
-                        <a:t>Adresse de sous-réseau</a:t>
+                        <a:t>Adresse du sous-réseau</a:t>
                       </a:r>
                       <a:endParaRPr lang="fr-CH" dirty="0"/>
                     </a:p>
@@ -13446,24 +13447,13 @@
             <p:ph type="title"/>
           </p:nvPr>
         </p:nvSpPr>
-        <p:spPr>
-          <a:xfrm>
-            <a:off x="1141413" y="618517"/>
-            <a:ext cx="2877336" cy="5507328"/>
-          </a:xfrm>
-        </p:spPr>
+        <p:spPr/>
         <p:txBody>
           <a:bodyPr anchor="t">
             <a:normAutofit/>
           </a:bodyPr>
           <a:lstStyle/>
           <a:p>
-            <a:br>
-              <a:rPr lang="fr-FR" b="1" dirty="0"/>
-            </a:br>
-            <a:br>
-              <a:rPr lang="fr-FR" b="1" dirty="0"/>
-            </a:br>
             <a:r>
               <a:rPr lang="fr-FR" b="1" dirty="0"/>
               <a:t>Comment choisir son masque?</a:t>
@@ -13488,12 +13478,7 @@
             <p:ph idx="1"/>
           </p:nvPr>
         </p:nvSpPr>
-        <p:spPr>
-          <a:xfrm>
-            <a:off x="4540743" y="570070"/>
-            <a:ext cx="7034485" cy="3782778"/>
-          </a:xfrm>
-        </p:spPr>
+        <p:spPr/>
         <p:txBody>
           <a:bodyPr>
             <a:normAutofit/>
@@ -13531,56 +13516,35 @@
           </a:p>
         </p:txBody>
       </p:sp>
-      <p:pic>
-        <p:nvPicPr>
-          <p:cNvPr id="14" name="Espace réservé du contenu 13" descr="Une image contenant texte, capture d’écran, Police, nombre&#10;&#10;Le contenu généré par l’IA peut être incorrect.">
+      <p:sp>
+        <p:nvSpPr>
+          <p:cNvPr id="22" name="Espace réservé du numéro de diapositive 21">
             <a:extLst>
               <a:ext uri="{FF2B5EF4-FFF2-40B4-BE49-F238E27FC236}">
-                <a16:creationId xmlns:a16="http://schemas.microsoft.com/office/drawing/2014/main" id="{D2E11512-074B-CCD3-7863-3CE388E22E00}"/>
+                <a16:creationId xmlns:a16="http://schemas.microsoft.com/office/drawing/2014/main" id="{E2B05EEA-C28E-91A5-D911-ADAD6B197562}"/>
               </a:ext>
             </a:extLst>
           </p:cNvPr>
-          <p:cNvPicPr>
-            <a:picLocks noChangeAspect="1"/>
-          </p:cNvPicPr>
-          <p:nvPr/>
-        </p:nvPicPr>
-        <p:blipFill>
-          <a:blip r:embed="rId3"/>
-          <a:stretch>
-            <a:fillRect/>
-          </a:stretch>
-        </p:blipFill>
-        <p:spPr>
-          <a:xfrm>
-            <a:off x="138941" y="4071147"/>
-            <a:ext cx="11914117" cy="1607820"/>
-          </a:xfrm>
-          <a:prstGeom prst="round2DiagRect">
-            <a:avLst>
-              <a:gd name="adj1" fmla="val 5608"/>
-              <a:gd name="adj2" fmla="val 0"/>
-            </a:avLst>
-          </a:prstGeom>
-          <a:ln w="19050" cap="sq">
-            <a:solidFill>
-              <a:schemeClr val="tx2">
-                <a:lumMod val="60000"/>
-                <a:lumOff val="40000"/>
-                <a:alpha val="60000"/>
-              </a:schemeClr>
-            </a:solidFill>
-            <a:miter lim="800000"/>
-          </a:ln>
-          <a:effectLst>
-            <a:outerShdw blurRad="88900" dist="38100" dir="5400000" algn="t" rotWithShape="0">
-              <a:prstClr val="black">
-                <a:alpha val="40000"/>
-              </a:prstClr>
-            </a:outerShdw>
-          </a:effectLst>
-        </p:spPr>
-      </p:pic>
+          <p:cNvSpPr>
+            <a:spLocks noGrp="1"/>
+          </p:cNvSpPr>
+          <p:nvPr>
+            <p:ph type="sldNum" sz="quarter" idx="12"/>
+          </p:nvPr>
+        </p:nvSpPr>
+        <p:spPr/>
+        <p:txBody>
+          <a:bodyPr/>
+          <a:lstStyle/>
+          <a:p>
+            <a:fld id="{6D22F896-40B5-4ADD-8801-0D06FADFA095}" type="slidenum">
+              <a:rPr lang="en-US" smtClean="0"/>
+              <a:t>11</a:t>
+            </a:fld>
+            <a:endParaRPr lang="en-US" dirty="0"/>
+          </a:p>
+        </p:txBody>
+      </p:sp>
       <p:graphicFrame>
         <p:nvGraphicFramePr>
           <p:cNvPr id="6" name="Tableau 5">
@@ -16711,7 +16675,7 @@
         </p:nvSpPr>
         <p:spPr>
           <a:xfrm>
-            <a:off x="4540743" y="2086981"/>
+            <a:off x="2480501" y="3574068"/>
             <a:ext cx="7391960" cy="646331"/>
           </a:xfrm>
           <a:prstGeom prst="rect">
@@ -16757,120 +16721,3392 @@
           </a:p>
         </p:txBody>
       </p:sp>
+    </p:spTree>
+    <p:extLst>
+      <p:ext uri="{BB962C8B-B14F-4D97-AF65-F5344CB8AC3E}">
+        <p14:creationId xmlns:p14="http://schemas.microsoft.com/office/powerpoint/2010/main" val="1184787775"/>
+      </p:ext>
+    </p:extLst>
+  </p:cSld>
+  <p:clrMapOvr>
+    <a:masterClrMapping/>
+  </p:clrMapOvr>
+</p:sld>
+</file>
+
+<file path=ppt/slides/slide12.xml><?xml version="1.0" encoding="utf-8"?>
+<p:sld xmlns:a="http://schemas.openxmlformats.org/drawingml/2006/main" xmlns:r="http://schemas.openxmlformats.org/officeDocument/2006/relationships" xmlns:p="http://schemas.openxmlformats.org/presentationml/2006/main">
+  <p:cSld>
+    <p:bg>
+      <p:bgPr>
+        <a:blipFill>
+          <a:blip r:embed="rId2">
+            <a:duotone>
+              <a:schemeClr val="bg2">
+                <a:shade val="88000"/>
+                <a:hueMod val="106000"/>
+                <a:satMod val="140000"/>
+                <a:lumMod val="54000"/>
+              </a:schemeClr>
+              <a:schemeClr val="bg2">
+                <a:tint val="98000"/>
+                <a:hueMod val="90000"/>
+                <a:satMod val="150000"/>
+                <a:lumMod val="160000"/>
+              </a:schemeClr>
+            </a:duotone>
+          </a:blip>
+          <a:stretch/>
+        </a:blipFill>
+        <a:effectLst/>
+      </p:bgPr>
+    </p:bg>
+    <p:spTree>
+      <p:nvGrpSpPr>
+        <p:cNvPr id="1" name="">
+          <a:extLst>
+            <a:ext uri="{FF2B5EF4-FFF2-40B4-BE49-F238E27FC236}">
+              <a16:creationId xmlns:a16="http://schemas.microsoft.com/office/drawing/2014/main" id="{76CD8B8C-2498-35FD-CDBD-AE974124F2F6}"/>
+            </a:ext>
+          </a:extLst>
+        </p:cNvPr>
+        <p:cNvGrpSpPr/>
+        <p:nvPr/>
+      </p:nvGrpSpPr>
+      <p:grpSpPr>
+        <a:xfrm>
+          <a:off x="0" y="0"/>
+          <a:ext cx="0" cy="0"/>
+          <a:chOff x="0" y="0"/>
+          <a:chExt cx="0" cy="0"/>
+        </a:xfrm>
+      </p:grpSpPr>
       <p:sp>
         <p:nvSpPr>
-          <p:cNvPr id="17" name="ZoneTexte 16">
+          <p:cNvPr id="2" name="Titre 1">
             <a:extLst>
               <a:ext uri="{FF2B5EF4-FFF2-40B4-BE49-F238E27FC236}">
-                <a16:creationId xmlns:a16="http://schemas.microsoft.com/office/drawing/2014/main" id="{D73A3C88-3542-5081-347A-887BFBC08836}"/>
+                <a16:creationId xmlns:a16="http://schemas.microsoft.com/office/drawing/2014/main" id="{7CE39478-358A-30FD-8EF1-B6CCCC92A2AC}"/>
               </a:ext>
             </a:extLst>
           </p:cNvPr>
-          <p:cNvSpPr txBox="1"/>
-          <p:nvPr/>
+          <p:cNvSpPr>
+            <a:spLocks noGrp="1"/>
+          </p:cNvSpPr>
+          <p:nvPr>
+            <p:ph type="title"/>
+          </p:nvPr>
         </p:nvSpPr>
         <p:spPr>
           <a:xfrm>
-            <a:off x="335280" y="3701529"/>
-            <a:ext cx="10097380" cy="2954655"/>
+            <a:off x="1141413" y="618517"/>
+            <a:ext cx="2877336" cy="5507328"/>
           </a:xfrm>
-          <a:prstGeom prst="rect">
-            <a:avLst/>
-          </a:prstGeom>
-          <a:noFill/>
         </p:spPr>
         <p:txBody>
-          <a:bodyPr wrap="none" rtlCol="0">
-            <a:spAutoFit/>
+          <a:bodyPr anchor="t">
+            <a:normAutofit/>
           </a:bodyPr>
           <a:lstStyle/>
           <a:p>
+            <a:br>
+              <a:rPr lang="fr-FR" b="1" dirty="0"/>
+            </a:br>
+            <a:br>
+              <a:rPr lang="fr-FR" b="1" dirty="0"/>
+            </a:br>
+            <a:r>
+              <a:rPr lang="fr-FR" b="1" dirty="0"/>
+              <a:t>Comment écrire un masque?</a:t>
+            </a:r>
+            <a:endParaRPr lang="fr-CH" b="1" dirty="0"/>
+          </a:p>
+        </p:txBody>
+      </p:sp>
+      <p:sp>
+        <p:nvSpPr>
+          <p:cNvPr id="18" name="Content Placeholder 17">
+            <a:extLst>
+              <a:ext uri="{FF2B5EF4-FFF2-40B4-BE49-F238E27FC236}">
+                <a16:creationId xmlns:a16="http://schemas.microsoft.com/office/drawing/2014/main" id="{BB7BF94D-7817-D8A5-F09C-DC57302EA963}"/>
+              </a:ext>
+            </a:extLst>
+          </p:cNvPr>
+          <p:cNvSpPr>
+            <a:spLocks noGrp="1"/>
+          </p:cNvSpPr>
+          <p:nvPr>
+            <p:ph idx="1"/>
+          </p:nvPr>
+        </p:nvSpPr>
+        <p:spPr>
+          <a:xfrm>
+            <a:off x="4540743" y="570070"/>
+            <a:ext cx="7034485" cy="3782778"/>
+          </a:xfrm>
+        </p:spPr>
+        <p:txBody>
+          <a:bodyPr>
+            <a:normAutofit fontScale="62500" lnSpcReduction="20000"/>
+          </a:bodyPr>
+          <a:lstStyle/>
+          <a:p>
             <a:r>
               <a:rPr lang="fr-FR" dirty="0"/>
-              <a:t>Le masque s’écrit soit de la même façon qu’une adresse IP (4 bytes), soit par un / suivi du bit correspondant.</a:t>
+              <a:t>Le masque peut s’écrire de 2 manières:</a:t>
             </a:r>
           </a:p>
           <a:p>
-            <a:endParaRPr lang="fr-FR" dirty="0"/>
-          </a:p>
-          <a:p>
-            <a:endParaRPr lang="fr-FR" dirty="0"/>
-          </a:p>
-          <a:p>
-            <a:endParaRPr lang="fr-FR" dirty="0"/>
-          </a:p>
-          <a:p>
-            <a:endParaRPr lang="fr-FR" dirty="0"/>
-          </a:p>
-          <a:p>
-            <a:endParaRPr lang="fr-FR" dirty="0"/>
-          </a:p>
-          <a:p>
-            <a:endParaRPr lang="fr-FR" dirty="0"/>
-          </a:p>
-          <a:p>
+            <a:pPr lvl="1"/>
+            <a:r>
+              <a:rPr lang="fr-FR" noProof="0" dirty="0"/>
+              <a:t>Comme les adresses IP: 4 bytes </a:t>
+            </a:r>
+            <a:r>
+              <a:rPr lang="fr-FR" noProof="0" dirty="0" err="1"/>
+              <a:t>d’int</a:t>
+            </a:r>
+            <a:r>
+              <a:rPr lang="fr-FR" noProof="0" dirty="0"/>
+              <a:t> compris entre 0 et 255.</a:t>
+            </a:r>
+          </a:p>
+          <a:p>
+            <a:pPr lvl="1"/>
             <a:r>
               <a:rPr lang="fr-FR" dirty="0"/>
-              <a:t>	Exemples:</a:t>
+              <a:t>Par un / suivit du bit correspondant (voir tableau).</a:t>
             </a:r>
           </a:p>
           <a:p>
+            <a:pPr marL="0" indent="0">
+              <a:buNone/>
+            </a:pPr>
+            <a:endParaRPr lang="fr-FR" dirty="0"/>
+          </a:p>
+          <a:p>
+            <a:endParaRPr lang="fr-FR" dirty="0"/>
+          </a:p>
+          <a:p>
+            <a:endParaRPr lang="fr-FR" dirty="0"/>
+          </a:p>
+          <a:p>
             <a:r>
-              <a:rPr lang="fr-FR" sz="1400" dirty="0"/>
-              <a:t>		255.255.255.192 </a:t>
+              <a:rPr lang="fr-FR" dirty="0"/>
+              <a:t>Une adresse IP comprend une partie réseau et une partie hôte.</a:t>
+            </a:r>
+          </a:p>
+          <a:p>
+            <a:pPr lvl="1"/>
+            <a:r>
+              <a:rPr lang="fr-FR" dirty="0"/>
+              <a:t>Réseau: du 1</a:t>
             </a:r>
             <a:r>
-              <a:rPr lang="fr-FR" sz="1400" dirty="0">
-                <a:sym typeface="Wingdings" panose="05000000000000000000" pitchFamily="2" charset="2"/>
-              </a:rPr>
-              <a:t></a:t>
+              <a:rPr lang="fr-FR" baseline="30000" dirty="0"/>
+              <a:t>er</a:t>
             </a:r>
             <a:r>
-              <a:rPr lang="fr-FR" sz="1400" dirty="0"/>
-              <a:t> /26</a:t>
-            </a:r>
-          </a:p>
-          <a:p>
-            <a:r>
-              <a:rPr lang="fr-FR" sz="1400" dirty="0"/>
-              <a:t>		255.255.0.0 </a:t>
+              <a:rPr lang="fr-FR" dirty="0"/>
+              <a:t> au 3</a:t>
             </a:r>
             <a:r>
-              <a:rPr lang="fr-FR" sz="1400" dirty="0">
-                <a:sym typeface="Wingdings" panose="05000000000000000000" pitchFamily="2" charset="2"/>
-              </a:rPr>
-              <a:t></a:t>
+              <a:rPr lang="fr-FR" baseline="30000" dirty="0"/>
+              <a:t>ème</a:t>
             </a:r>
             <a:r>
-              <a:rPr lang="fr-FR" sz="1400" dirty="0"/>
-              <a:t> /16</a:t>
+              <a:rPr lang="fr-FR" dirty="0"/>
+              <a:t> byte maximum.</a:t>
             </a:r>
           </a:p>
           <a:p>
+            <a:pPr lvl="1"/>
             <a:r>
-              <a:rPr lang="fr-FR" sz="1400" dirty="0"/>
-              <a:t>		255.224.0.0 </a:t>
+              <a:rPr lang="fr-FR" dirty="0"/>
+              <a:t>Hôte: ce qui reste après la partie réseau.</a:t>
             </a:r>
+            <a:endParaRPr lang="fr-CH" dirty="0"/>
+          </a:p>
+          <a:p>
             <a:r>
-              <a:rPr lang="fr-FR" sz="1400" dirty="0">
-                <a:sym typeface="Wingdings" panose="05000000000000000000" pitchFamily="2" charset="2"/>
-              </a:rPr>
-              <a:t></a:t>
+              <a:rPr lang="fr-CH" dirty="0"/>
+              <a:t>Un même (sous-)réseau = la même partie réseau = les mêmes x premiers bytes.</a:t>
             </a:r>
+          </a:p>
+          <a:p>
             <a:r>
-              <a:rPr lang="fr-FR" sz="1400" dirty="0"/>
-              <a:t> /3</a:t>
+              <a:rPr lang="fr-FR" dirty="0"/>
+              <a:t>Chaque byte d’un masque à 255 indique qu’il appartient à la partie réseau. S’il a une autre valeur, il appartient à la partie hôte.</a:t>
             </a:r>
-            <a:endParaRPr lang="fr-CH" sz="1400" dirty="0"/>
           </a:p>
         </p:txBody>
       </p:sp>
+      <p:pic>
+        <p:nvPicPr>
+          <p:cNvPr id="14" name="Espace réservé du contenu 13" descr="Une image contenant texte, capture d’écran, Police, nombre&#10;&#10;Le contenu généré par l’IA peut être incorrect.">
+            <a:extLst>
+              <a:ext uri="{FF2B5EF4-FFF2-40B4-BE49-F238E27FC236}">
+                <a16:creationId xmlns:a16="http://schemas.microsoft.com/office/drawing/2014/main" id="{4EA5FC2F-47AC-47AC-6880-C4BFD3FA5FE7}"/>
+              </a:ext>
+            </a:extLst>
+          </p:cNvPr>
+          <p:cNvPicPr>
+            <a:picLocks noChangeAspect="1"/>
+          </p:cNvPicPr>
+          <p:nvPr/>
+        </p:nvPicPr>
+        <p:blipFill>
+          <a:blip r:embed="rId3"/>
+          <a:stretch>
+            <a:fillRect/>
+          </a:stretch>
+        </p:blipFill>
+        <p:spPr>
+          <a:xfrm>
+            <a:off x="138941" y="4275454"/>
+            <a:ext cx="11914117" cy="1607820"/>
+          </a:xfrm>
+          <a:prstGeom prst="round2DiagRect">
+            <a:avLst>
+              <a:gd name="adj1" fmla="val 5608"/>
+              <a:gd name="adj2" fmla="val 0"/>
+            </a:avLst>
+          </a:prstGeom>
+          <a:ln w="19050" cap="sq">
+            <a:solidFill>
+              <a:schemeClr val="tx2">
+                <a:lumMod val="60000"/>
+                <a:lumOff val="40000"/>
+                <a:alpha val="60000"/>
+              </a:schemeClr>
+            </a:solidFill>
+            <a:miter lim="800000"/>
+          </a:ln>
+          <a:effectLst>
+            <a:outerShdw blurRad="88900" dist="38100" dir="5400000" algn="t" rotWithShape="0">
+              <a:prstClr val="black">
+                <a:alpha val="40000"/>
+              </a:prstClr>
+            </a:outerShdw>
+          </a:effectLst>
+        </p:spPr>
+      </p:pic>
+      <p:graphicFrame>
+        <p:nvGraphicFramePr>
+          <p:cNvPr id="6" name="Tableau 5">
+            <a:extLst>
+              <a:ext uri="{FF2B5EF4-FFF2-40B4-BE49-F238E27FC236}">
+                <a16:creationId xmlns:a16="http://schemas.microsoft.com/office/drawing/2014/main" id="{029F653D-8E65-16ED-4DF2-6EAE8947E9E8}"/>
+              </a:ext>
+            </a:extLst>
+          </p:cNvPr>
+          <p:cNvGraphicFramePr>
+            <a:graphicFrameLocks noGrp="1" noChangeAspect="1"/>
+          </p:cNvGraphicFramePr>
+          <p:nvPr/>
+        </p:nvGraphicFramePr>
+        <p:xfrm>
+          <a:off x="-1412874" y="7268181"/>
+          <a:ext cx="15654553" cy="1920240"/>
+        </p:xfrm>
+        <a:graphic>
+          <a:graphicData uri="http://schemas.openxmlformats.org/drawingml/2006/table">
+            <a:tbl>
+              <a:tblPr firstCol="1" bandRow="1">
+                <a:tableStyleId>{93296810-A885-4BE3-A3E7-6D5BEEA58F35}</a:tableStyleId>
+              </a:tblPr>
+              <a:tblGrid>
+                <a:gridCol w="1398553">
+                  <a:extLst>
+                    <a:ext uri="{9D8B030D-6E8A-4147-A177-3AD203B41FA5}">
+                      <a16:colId xmlns:a16="http://schemas.microsoft.com/office/drawing/2014/main" val="2448506419"/>
+                    </a:ext>
+                  </a:extLst>
+                </a:gridCol>
+                <a:gridCol w="396000">
+                  <a:extLst>
+                    <a:ext uri="{9D8B030D-6E8A-4147-A177-3AD203B41FA5}">
+                      <a16:colId xmlns:a16="http://schemas.microsoft.com/office/drawing/2014/main" val="1225215847"/>
+                    </a:ext>
+                  </a:extLst>
+                </a:gridCol>
+                <a:gridCol w="396000">
+                  <a:extLst>
+                    <a:ext uri="{9D8B030D-6E8A-4147-A177-3AD203B41FA5}">
+                      <a16:colId xmlns:a16="http://schemas.microsoft.com/office/drawing/2014/main" val="3946420717"/>
+                    </a:ext>
+                  </a:extLst>
+                </a:gridCol>
+                <a:gridCol w="396000">
+                  <a:extLst>
+                    <a:ext uri="{9D8B030D-6E8A-4147-A177-3AD203B41FA5}">
+                      <a16:colId xmlns:a16="http://schemas.microsoft.com/office/drawing/2014/main" val="3810684668"/>
+                    </a:ext>
+                  </a:extLst>
+                </a:gridCol>
+                <a:gridCol w="396000">
+                  <a:extLst>
+                    <a:ext uri="{9D8B030D-6E8A-4147-A177-3AD203B41FA5}">
+                      <a16:colId xmlns:a16="http://schemas.microsoft.com/office/drawing/2014/main" val="3846450161"/>
+                    </a:ext>
+                  </a:extLst>
+                </a:gridCol>
+                <a:gridCol w="396000">
+                  <a:extLst>
+                    <a:ext uri="{9D8B030D-6E8A-4147-A177-3AD203B41FA5}">
+                      <a16:colId xmlns:a16="http://schemas.microsoft.com/office/drawing/2014/main" val="500952331"/>
+                    </a:ext>
+                  </a:extLst>
+                </a:gridCol>
+                <a:gridCol w="396000">
+                  <a:extLst>
+                    <a:ext uri="{9D8B030D-6E8A-4147-A177-3AD203B41FA5}">
+                      <a16:colId xmlns:a16="http://schemas.microsoft.com/office/drawing/2014/main" val="3252991128"/>
+                    </a:ext>
+                  </a:extLst>
+                </a:gridCol>
+                <a:gridCol w="396000">
+                  <a:extLst>
+                    <a:ext uri="{9D8B030D-6E8A-4147-A177-3AD203B41FA5}">
+                      <a16:colId xmlns:a16="http://schemas.microsoft.com/office/drawing/2014/main" val="2172877697"/>
+                    </a:ext>
+                  </a:extLst>
+                </a:gridCol>
+                <a:gridCol w="396000">
+                  <a:extLst>
+                    <a:ext uri="{9D8B030D-6E8A-4147-A177-3AD203B41FA5}">
+                      <a16:colId xmlns:a16="http://schemas.microsoft.com/office/drawing/2014/main" val="2547080119"/>
+                    </a:ext>
+                  </a:extLst>
+                </a:gridCol>
+                <a:gridCol w="396000">
+                  <a:extLst>
+                    <a:ext uri="{9D8B030D-6E8A-4147-A177-3AD203B41FA5}">
+                      <a16:colId xmlns:a16="http://schemas.microsoft.com/office/drawing/2014/main" val="1321654655"/>
+                    </a:ext>
+                  </a:extLst>
+                </a:gridCol>
+                <a:gridCol w="396000">
+                  <a:extLst>
+                    <a:ext uri="{9D8B030D-6E8A-4147-A177-3AD203B41FA5}">
+                      <a16:colId xmlns:a16="http://schemas.microsoft.com/office/drawing/2014/main" val="2546811271"/>
+                    </a:ext>
+                  </a:extLst>
+                </a:gridCol>
+                <a:gridCol w="396000">
+                  <a:extLst>
+                    <a:ext uri="{9D8B030D-6E8A-4147-A177-3AD203B41FA5}">
+                      <a16:colId xmlns:a16="http://schemas.microsoft.com/office/drawing/2014/main" val="2116717546"/>
+                    </a:ext>
+                  </a:extLst>
+                </a:gridCol>
+                <a:gridCol w="396000">
+                  <a:extLst>
+                    <a:ext uri="{9D8B030D-6E8A-4147-A177-3AD203B41FA5}">
+                      <a16:colId xmlns:a16="http://schemas.microsoft.com/office/drawing/2014/main" val="1234059778"/>
+                    </a:ext>
+                  </a:extLst>
+                </a:gridCol>
+                <a:gridCol w="396000">
+                  <a:extLst>
+                    <a:ext uri="{9D8B030D-6E8A-4147-A177-3AD203B41FA5}">
+                      <a16:colId xmlns:a16="http://schemas.microsoft.com/office/drawing/2014/main" val="2099222228"/>
+                    </a:ext>
+                  </a:extLst>
+                </a:gridCol>
+                <a:gridCol w="396000">
+                  <a:extLst>
+                    <a:ext uri="{9D8B030D-6E8A-4147-A177-3AD203B41FA5}">
+                      <a16:colId xmlns:a16="http://schemas.microsoft.com/office/drawing/2014/main" val="2830271453"/>
+                    </a:ext>
+                  </a:extLst>
+                </a:gridCol>
+                <a:gridCol w="396000">
+                  <a:extLst>
+                    <a:ext uri="{9D8B030D-6E8A-4147-A177-3AD203B41FA5}">
+                      <a16:colId xmlns:a16="http://schemas.microsoft.com/office/drawing/2014/main" val="740471991"/>
+                    </a:ext>
+                  </a:extLst>
+                </a:gridCol>
+                <a:gridCol w="396000">
+                  <a:extLst>
+                    <a:ext uri="{9D8B030D-6E8A-4147-A177-3AD203B41FA5}">
+                      <a16:colId xmlns:a16="http://schemas.microsoft.com/office/drawing/2014/main" val="2057967167"/>
+                    </a:ext>
+                  </a:extLst>
+                </a:gridCol>
+                <a:gridCol w="396000">
+                  <a:extLst>
+                    <a:ext uri="{9D8B030D-6E8A-4147-A177-3AD203B41FA5}">
+                      <a16:colId xmlns:a16="http://schemas.microsoft.com/office/drawing/2014/main" val="4150124755"/>
+                    </a:ext>
+                  </a:extLst>
+                </a:gridCol>
+                <a:gridCol w="396000">
+                  <a:extLst>
+                    <a:ext uri="{9D8B030D-6E8A-4147-A177-3AD203B41FA5}">
+                      <a16:colId xmlns:a16="http://schemas.microsoft.com/office/drawing/2014/main" val="2133177352"/>
+                    </a:ext>
+                  </a:extLst>
+                </a:gridCol>
+                <a:gridCol w="396000">
+                  <a:extLst>
+                    <a:ext uri="{9D8B030D-6E8A-4147-A177-3AD203B41FA5}">
+                      <a16:colId xmlns:a16="http://schemas.microsoft.com/office/drawing/2014/main" val="907702282"/>
+                    </a:ext>
+                  </a:extLst>
+                </a:gridCol>
+                <a:gridCol w="396000">
+                  <a:extLst>
+                    <a:ext uri="{9D8B030D-6E8A-4147-A177-3AD203B41FA5}">
+                      <a16:colId xmlns:a16="http://schemas.microsoft.com/office/drawing/2014/main" val="2630565007"/>
+                    </a:ext>
+                  </a:extLst>
+                </a:gridCol>
+                <a:gridCol w="396000">
+                  <a:extLst>
+                    <a:ext uri="{9D8B030D-6E8A-4147-A177-3AD203B41FA5}">
+                      <a16:colId xmlns:a16="http://schemas.microsoft.com/office/drawing/2014/main" val="4150184506"/>
+                    </a:ext>
+                  </a:extLst>
+                </a:gridCol>
+                <a:gridCol w="396000">
+                  <a:extLst>
+                    <a:ext uri="{9D8B030D-6E8A-4147-A177-3AD203B41FA5}">
+                      <a16:colId xmlns:a16="http://schemas.microsoft.com/office/drawing/2014/main" val="2664285200"/>
+                    </a:ext>
+                  </a:extLst>
+                </a:gridCol>
+                <a:gridCol w="396000">
+                  <a:extLst>
+                    <a:ext uri="{9D8B030D-6E8A-4147-A177-3AD203B41FA5}">
+                      <a16:colId xmlns:a16="http://schemas.microsoft.com/office/drawing/2014/main" val="3895919444"/>
+                    </a:ext>
+                  </a:extLst>
+                </a:gridCol>
+                <a:gridCol w="396000">
+                  <a:extLst>
+                    <a:ext uri="{9D8B030D-6E8A-4147-A177-3AD203B41FA5}">
+                      <a16:colId xmlns:a16="http://schemas.microsoft.com/office/drawing/2014/main" val="1659164051"/>
+                    </a:ext>
+                  </a:extLst>
+                </a:gridCol>
+                <a:gridCol w="396000">
+                  <a:extLst>
+                    <a:ext uri="{9D8B030D-6E8A-4147-A177-3AD203B41FA5}">
+                      <a16:colId xmlns:a16="http://schemas.microsoft.com/office/drawing/2014/main" val="2130676883"/>
+                    </a:ext>
+                  </a:extLst>
+                </a:gridCol>
+                <a:gridCol w="396000">
+                  <a:extLst>
+                    <a:ext uri="{9D8B030D-6E8A-4147-A177-3AD203B41FA5}">
+                      <a16:colId xmlns:a16="http://schemas.microsoft.com/office/drawing/2014/main" val="1091871858"/>
+                    </a:ext>
+                  </a:extLst>
+                </a:gridCol>
+                <a:gridCol w="396000">
+                  <a:extLst>
+                    <a:ext uri="{9D8B030D-6E8A-4147-A177-3AD203B41FA5}">
+                      <a16:colId xmlns:a16="http://schemas.microsoft.com/office/drawing/2014/main" val="3014957880"/>
+                    </a:ext>
+                  </a:extLst>
+                </a:gridCol>
+                <a:gridCol w="396000">
+                  <a:extLst>
+                    <a:ext uri="{9D8B030D-6E8A-4147-A177-3AD203B41FA5}">
+                      <a16:colId xmlns:a16="http://schemas.microsoft.com/office/drawing/2014/main" val="3936588790"/>
+                    </a:ext>
+                  </a:extLst>
+                </a:gridCol>
+                <a:gridCol w="396000">
+                  <a:extLst>
+                    <a:ext uri="{9D8B030D-6E8A-4147-A177-3AD203B41FA5}">
+                      <a16:colId xmlns:a16="http://schemas.microsoft.com/office/drawing/2014/main" val="2215028918"/>
+                    </a:ext>
+                  </a:extLst>
+                </a:gridCol>
+                <a:gridCol w="396000">
+                  <a:extLst>
+                    <a:ext uri="{9D8B030D-6E8A-4147-A177-3AD203B41FA5}">
+                      <a16:colId xmlns:a16="http://schemas.microsoft.com/office/drawing/2014/main" val="590031723"/>
+                    </a:ext>
+                  </a:extLst>
+                </a:gridCol>
+                <a:gridCol w="396000">
+                  <a:extLst>
+                    <a:ext uri="{9D8B030D-6E8A-4147-A177-3AD203B41FA5}">
+                      <a16:colId xmlns:a16="http://schemas.microsoft.com/office/drawing/2014/main" val="1030441973"/>
+                    </a:ext>
+                  </a:extLst>
+                </a:gridCol>
+                <a:gridCol w="396000">
+                  <a:extLst>
+                    <a:ext uri="{9D8B030D-6E8A-4147-A177-3AD203B41FA5}">
+                      <a16:colId xmlns:a16="http://schemas.microsoft.com/office/drawing/2014/main" val="2012326701"/>
+                    </a:ext>
+                  </a:extLst>
+                </a:gridCol>
+                <a:gridCol w="396000">
+                  <a:extLst>
+                    <a:ext uri="{9D8B030D-6E8A-4147-A177-3AD203B41FA5}">
+                      <a16:colId xmlns:a16="http://schemas.microsoft.com/office/drawing/2014/main" val="1782735885"/>
+                    </a:ext>
+                  </a:extLst>
+                </a:gridCol>
+                <a:gridCol w="396000">
+                  <a:extLst>
+                    <a:ext uri="{9D8B030D-6E8A-4147-A177-3AD203B41FA5}">
+                      <a16:colId xmlns:a16="http://schemas.microsoft.com/office/drawing/2014/main" val="321547966"/>
+                    </a:ext>
+                  </a:extLst>
+                </a:gridCol>
+                <a:gridCol w="396000">
+                  <a:extLst>
+                    <a:ext uri="{9D8B030D-6E8A-4147-A177-3AD203B41FA5}">
+                      <a16:colId xmlns:a16="http://schemas.microsoft.com/office/drawing/2014/main" val="2705617834"/>
+                    </a:ext>
+                  </a:extLst>
+                </a:gridCol>
+                <a:gridCol w="396000">
+                  <a:extLst>
+                    <a:ext uri="{9D8B030D-6E8A-4147-A177-3AD203B41FA5}">
+                      <a16:colId xmlns:a16="http://schemas.microsoft.com/office/drawing/2014/main" val="773375555"/>
+                    </a:ext>
+                  </a:extLst>
+                </a:gridCol>
+              </a:tblGrid>
+              <a:tr h="0">
+                <a:tc>
+                  <a:txBody>
+                    <a:bodyPr/>
+                    <a:lstStyle/>
+                    <a:p>
+                      <a:r>
+                        <a:rPr lang="fr-FR" sz="1200" dirty="0"/>
+                        <a:t>Bit</a:t>
+                      </a:r>
+                      <a:endParaRPr lang="fr-CH" sz="1200" dirty="0"/>
+                    </a:p>
+                  </a:txBody>
+                  <a:tcPr/>
+                </a:tc>
+                <a:tc>
+                  <a:txBody>
+                    <a:bodyPr/>
+                    <a:lstStyle/>
+                    <a:p>
+                      <a:pPr algn="ctr"/>
+                      <a:endParaRPr lang="fr-CH" sz="1000" dirty="0"/>
+                    </a:p>
+                  </a:txBody>
+                  <a:tcPr anchor="ctr">
+                    <a:solidFill>
+                      <a:schemeClr val="tx1">
+                        <a:lumMod val="75000"/>
+                      </a:schemeClr>
+                    </a:solidFill>
+                  </a:tcPr>
+                </a:tc>
+                <a:tc>
+                  <a:txBody>
+                    <a:bodyPr/>
+                    <a:lstStyle/>
+                    <a:p>
+                      <a:pPr algn="ctr"/>
+                      <a:r>
+                        <a:rPr lang="fr-FR" sz="1000" dirty="0"/>
+                        <a:t>1</a:t>
+                      </a:r>
+                      <a:endParaRPr lang="fr-CH" sz="1000" dirty="0"/>
+                    </a:p>
+                  </a:txBody>
+                  <a:tcPr anchor="ctr"/>
+                </a:tc>
+                <a:tc>
+                  <a:txBody>
+                    <a:bodyPr/>
+                    <a:lstStyle/>
+                    <a:p>
+                      <a:pPr algn="ctr"/>
+                      <a:r>
+                        <a:rPr lang="fr-FR" sz="1000" dirty="0"/>
+                        <a:t>2</a:t>
+                      </a:r>
+                      <a:endParaRPr lang="fr-CH" sz="1000" dirty="0"/>
+                    </a:p>
+                  </a:txBody>
+                  <a:tcPr anchor="ctr"/>
+                </a:tc>
+                <a:tc>
+                  <a:txBody>
+                    <a:bodyPr/>
+                    <a:lstStyle/>
+                    <a:p>
+                      <a:pPr algn="ctr"/>
+                      <a:r>
+                        <a:rPr lang="fr-FR" sz="1000" dirty="0"/>
+                        <a:t>3</a:t>
+                      </a:r>
+                      <a:endParaRPr lang="fr-CH" sz="1000" dirty="0"/>
+                    </a:p>
+                  </a:txBody>
+                  <a:tcPr anchor="ctr"/>
+                </a:tc>
+                <a:tc>
+                  <a:txBody>
+                    <a:bodyPr/>
+                    <a:lstStyle/>
+                    <a:p>
+                      <a:pPr algn="ctr"/>
+                      <a:r>
+                        <a:rPr lang="fr-FR" sz="1000" dirty="0"/>
+                        <a:t>4</a:t>
+                      </a:r>
+                      <a:endParaRPr lang="fr-CH" sz="1000" dirty="0"/>
+                    </a:p>
+                  </a:txBody>
+                  <a:tcPr anchor="ctr"/>
+                </a:tc>
+                <a:tc>
+                  <a:txBody>
+                    <a:bodyPr/>
+                    <a:lstStyle/>
+                    <a:p>
+                      <a:pPr algn="ctr"/>
+                      <a:r>
+                        <a:rPr lang="fr-FR" sz="1000" dirty="0"/>
+                        <a:t>5</a:t>
+                      </a:r>
+                      <a:endParaRPr lang="fr-CH" sz="1000" dirty="0"/>
+                    </a:p>
+                  </a:txBody>
+                  <a:tcPr anchor="ctr"/>
+                </a:tc>
+                <a:tc>
+                  <a:txBody>
+                    <a:bodyPr/>
+                    <a:lstStyle/>
+                    <a:p>
+                      <a:pPr algn="ctr"/>
+                      <a:r>
+                        <a:rPr lang="fr-FR" sz="1000" dirty="0"/>
+                        <a:t>6</a:t>
+                      </a:r>
+                      <a:endParaRPr lang="fr-CH" sz="1000" dirty="0"/>
+                    </a:p>
+                  </a:txBody>
+                  <a:tcPr anchor="ctr"/>
+                </a:tc>
+                <a:tc>
+                  <a:txBody>
+                    <a:bodyPr/>
+                    <a:lstStyle/>
+                    <a:p>
+                      <a:pPr algn="ctr"/>
+                      <a:r>
+                        <a:rPr lang="fr-FR" sz="1000" dirty="0"/>
+                        <a:t>7</a:t>
+                      </a:r>
+                      <a:endParaRPr lang="fr-CH" sz="1000" dirty="0"/>
+                    </a:p>
+                  </a:txBody>
+                  <a:tcPr anchor="ctr"/>
+                </a:tc>
+                <a:tc>
+                  <a:txBody>
+                    <a:bodyPr/>
+                    <a:lstStyle/>
+                    <a:p>
+                      <a:pPr algn="ctr"/>
+                      <a:r>
+                        <a:rPr lang="fr-FR" sz="1000" dirty="0"/>
+                        <a:t>8</a:t>
+                      </a:r>
+                      <a:endParaRPr lang="fr-CH" sz="1000" dirty="0"/>
+                    </a:p>
+                  </a:txBody>
+                  <a:tcPr anchor="ctr"/>
+                </a:tc>
+                <a:tc>
+                  <a:txBody>
+                    <a:bodyPr/>
+                    <a:lstStyle/>
+                    <a:p>
+                      <a:pPr algn="ctr"/>
+                      <a:endParaRPr lang="fr-CH" sz="1000" dirty="0"/>
+                    </a:p>
+                  </a:txBody>
+                  <a:tcPr anchor="ctr">
+                    <a:solidFill>
+                      <a:schemeClr val="tx1">
+                        <a:lumMod val="75000"/>
+                      </a:schemeClr>
+                    </a:solidFill>
+                  </a:tcPr>
+                </a:tc>
+                <a:tc>
+                  <a:txBody>
+                    <a:bodyPr/>
+                    <a:lstStyle/>
+                    <a:p>
+                      <a:pPr algn="ctr"/>
+                      <a:r>
+                        <a:rPr lang="fr-FR" sz="1000" dirty="0"/>
+                        <a:t>9</a:t>
+                      </a:r>
+                      <a:endParaRPr lang="fr-CH" sz="1000" dirty="0"/>
+                    </a:p>
+                  </a:txBody>
+                  <a:tcPr anchor="ctr"/>
+                </a:tc>
+                <a:tc>
+                  <a:txBody>
+                    <a:bodyPr/>
+                    <a:lstStyle/>
+                    <a:p>
+                      <a:pPr algn="ctr"/>
+                      <a:r>
+                        <a:rPr lang="fr-FR" sz="1000" dirty="0"/>
+                        <a:t>10</a:t>
+                      </a:r>
+                      <a:endParaRPr lang="fr-CH" sz="1000" dirty="0"/>
+                    </a:p>
+                  </a:txBody>
+                  <a:tcPr anchor="ctr"/>
+                </a:tc>
+                <a:tc>
+                  <a:txBody>
+                    <a:bodyPr/>
+                    <a:lstStyle/>
+                    <a:p>
+                      <a:pPr algn="ctr"/>
+                      <a:r>
+                        <a:rPr lang="fr-FR" sz="1000" dirty="0"/>
+                        <a:t>11</a:t>
+                      </a:r>
+                      <a:endParaRPr lang="fr-CH" sz="1000" dirty="0"/>
+                    </a:p>
+                  </a:txBody>
+                  <a:tcPr anchor="ctr"/>
+                </a:tc>
+                <a:tc>
+                  <a:txBody>
+                    <a:bodyPr/>
+                    <a:lstStyle/>
+                    <a:p>
+                      <a:pPr algn="ctr"/>
+                      <a:r>
+                        <a:rPr lang="fr-FR" sz="1000" dirty="0"/>
+                        <a:t>12</a:t>
+                      </a:r>
+                      <a:endParaRPr lang="fr-CH" sz="1000" dirty="0"/>
+                    </a:p>
+                  </a:txBody>
+                  <a:tcPr anchor="ctr"/>
+                </a:tc>
+                <a:tc>
+                  <a:txBody>
+                    <a:bodyPr/>
+                    <a:lstStyle/>
+                    <a:p>
+                      <a:pPr algn="ctr"/>
+                      <a:r>
+                        <a:rPr lang="fr-FR" sz="1000" dirty="0"/>
+                        <a:t>13</a:t>
+                      </a:r>
+                      <a:endParaRPr lang="fr-CH" sz="1000" dirty="0"/>
+                    </a:p>
+                  </a:txBody>
+                  <a:tcPr anchor="ctr"/>
+                </a:tc>
+                <a:tc>
+                  <a:txBody>
+                    <a:bodyPr/>
+                    <a:lstStyle/>
+                    <a:p>
+                      <a:pPr algn="ctr"/>
+                      <a:r>
+                        <a:rPr lang="fr-FR" sz="1000" dirty="0"/>
+                        <a:t>14</a:t>
+                      </a:r>
+                      <a:endParaRPr lang="fr-CH" sz="1000" dirty="0"/>
+                    </a:p>
+                  </a:txBody>
+                  <a:tcPr anchor="ctr"/>
+                </a:tc>
+                <a:tc>
+                  <a:txBody>
+                    <a:bodyPr/>
+                    <a:lstStyle/>
+                    <a:p>
+                      <a:pPr algn="ctr"/>
+                      <a:r>
+                        <a:rPr lang="fr-FR" sz="1000" dirty="0"/>
+                        <a:t>15</a:t>
+                      </a:r>
+                      <a:endParaRPr lang="fr-CH" sz="1000" dirty="0"/>
+                    </a:p>
+                  </a:txBody>
+                  <a:tcPr anchor="ctr"/>
+                </a:tc>
+                <a:tc>
+                  <a:txBody>
+                    <a:bodyPr/>
+                    <a:lstStyle/>
+                    <a:p>
+                      <a:pPr algn="ctr"/>
+                      <a:r>
+                        <a:rPr lang="fr-FR" sz="1000" dirty="0"/>
+                        <a:t>16</a:t>
+                      </a:r>
+                      <a:endParaRPr lang="fr-CH" sz="1000" dirty="0"/>
+                    </a:p>
+                  </a:txBody>
+                  <a:tcPr anchor="ctr"/>
+                </a:tc>
+                <a:tc>
+                  <a:txBody>
+                    <a:bodyPr/>
+                    <a:lstStyle/>
+                    <a:p>
+                      <a:pPr algn="ctr"/>
+                      <a:endParaRPr lang="fr-CH" sz="1000" dirty="0"/>
+                    </a:p>
+                  </a:txBody>
+                  <a:tcPr anchor="ctr">
+                    <a:solidFill>
+                      <a:schemeClr val="tx1">
+                        <a:lumMod val="75000"/>
+                      </a:schemeClr>
+                    </a:solidFill>
+                  </a:tcPr>
+                </a:tc>
+                <a:tc>
+                  <a:txBody>
+                    <a:bodyPr/>
+                    <a:lstStyle/>
+                    <a:p>
+                      <a:pPr algn="ctr"/>
+                      <a:r>
+                        <a:rPr lang="fr-FR" sz="1000" dirty="0"/>
+                        <a:t>17</a:t>
+                      </a:r>
+                      <a:endParaRPr lang="fr-CH" sz="1000" dirty="0"/>
+                    </a:p>
+                  </a:txBody>
+                  <a:tcPr anchor="ctr"/>
+                </a:tc>
+                <a:tc>
+                  <a:txBody>
+                    <a:bodyPr/>
+                    <a:lstStyle/>
+                    <a:p>
+                      <a:pPr algn="ctr"/>
+                      <a:r>
+                        <a:rPr lang="fr-FR" sz="1000" dirty="0"/>
+                        <a:t>18</a:t>
+                      </a:r>
+                      <a:endParaRPr lang="fr-CH" sz="1000" dirty="0"/>
+                    </a:p>
+                  </a:txBody>
+                  <a:tcPr anchor="ctr"/>
+                </a:tc>
+                <a:tc>
+                  <a:txBody>
+                    <a:bodyPr/>
+                    <a:lstStyle/>
+                    <a:p>
+                      <a:pPr algn="ctr"/>
+                      <a:r>
+                        <a:rPr lang="fr-FR" sz="1000" dirty="0"/>
+                        <a:t>19</a:t>
+                      </a:r>
+                      <a:endParaRPr lang="fr-CH" sz="1000" dirty="0"/>
+                    </a:p>
+                  </a:txBody>
+                  <a:tcPr anchor="ctr"/>
+                </a:tc>
+                <a:tc>
+                  <a:txBody>
+                    <a:bodyPr/>
+                    <a:lstStyle/>
+                    <a:p>
+                      <a:pPr algn="ctr"/>
+                      <a:r>
+                        <a:rPr lang="fr-FR" sz="1000" dirty="0"/>
+                        <a:t>20</a:t>
+                      </a:r>
+                      <a:endParaRPr lang="fr-CH" sz="1000" dirty="0"/>
+                    </a:p>
+                  </a:txBody>
+                  <a:tcPr anchor="ctr"/>
+                </a:tc>
+                <a:tc>
+                  <a:txBody>
+                    <a:bodyPr/>
+                    <a:lstStyle/>
+                    <a:p>
+                      <a:pPr algn="ctr"/>
+                      <a:r>
+                        <a:rPr lang="fr-FR" sz="1000" dirty="0"/>
+                        <a:t>21</a:t>
+                      </a:r>
+                      <a:endParaRPr lang="fr-CH" sz="1000" dirty="0"/>
+                    </a:p>
+                  </a:txBody>
+                  <a:tcPr anchor="ctr"/>
+                </a:tc>
+                <a:tc>
+                  <a:txBody>
+                    <a:bodyPr/>
+                    <a:lstStyle/>
+                    <a:p>
+                      <a:pPr algn="ctr"/>
+                      <a:r>
+                        <a:rPr lang="fr-FR" sz="1000" dirty="0"/>
+                        <a:t>22</a:t>
+                      </a:r>
+                      <a:endParaRPr lang="fr-CH" sz="1000" dirty="0"/>
+                    </a:p>
+                  </a:txBody>
+                  <a:tcPr anchor="ctr"/>
+                </a:tc>
+                <a:tc>
+                  <a:txBody>
+                    <a:bodyPr/>
+                    <a:lstStyle/>
+                    <a:p>
+                      <a:pPr algn="ctr"/>
+                      <a:r>
+                        <a:rPr lang="fr-FR" sz="1000" dirty="0"/>
+                        <a:t>23</a:t>
+                      </a:r>
+                      <a:endParaRPr lang="fr-CH" sz="1000" dirty="0"/>
+                    </a:p>
+                  </a:txBody>
+                  <a:tcPr anchor="ctr"/>
+                </a:tc>
+                <a:tc>
+                  <a:txBody>
+                    <a:bodyPr/>
+                    <a:lstStyle/>
+                    <a:p>
+                      <a:pPr algn="ctr"/>
+                      <a:r>
+                        <a:rPr lang="fr-FR" sz="1000" dirty="0"/>
+                        <a:t>24</a:t>
+                      </a:r>
+                      <a:endParaRPr lang="fr-CH" sz="1000" dirty="0"/>
+                    </a:p>
+                  </a:txBody>
+                  <a:tcPr anchor="ctr"/>
+                </a:tc>
+                <a:tc>
+                  <a:txBody>
+                    <a:bodyPr/>
+                    <a:lstStyle/>
+                    <a:p>
+                      <a:pPr algn="ctr"/>
+                      <a:endParaRPr lang="fr-CH" sz="1000" dirty="0"/>
+                    </a:p>
+                  </a:txBody>
+                  <a:tcPr anchor="ctr">
+                    <a:solidFill>
+                      <a:schemeClr val="tx1">
+                        <a:lumMod val="75000"/>
+                      </a:schemeClr>
+                    </a:solidFill>
+                  </a:tcPr>
+                </a:tc>
+                <a:tc>
+                  <a:txBody>
+                    <a:bodyPr/>
+                    <a:lstStyle/>
+                    <a:p>
+                      <a:pPr algn="ctr"/>
+                      <a:r>
+                        <a:rPr lang="fr-FR" sz="1000" dirty="0"/>
+                        <a:t>25</a:t>
+                      </a:r>
+                      <a:endParaRPr lang="fr-CH" sz="1000" dirty="0"/>
+                    </a:p>
+                  </a:txBody>
+                  <a:tcPr anchor="ctr"/>
+                </a:tc>
+                <a:tc>
+                  <a:txBody>
+                    <a:bodyPr/>
+                    <a:lstStyle/>
+                    <a:p>
+                      <a:pPr algn="ctr"/>
+                      <a:r>
+                        <a:rPr lang="fr-FR" sz="1000" dirty="0"/>
+                        <a:t>26</a:t>
+                      </a:r>
+                      <a:endParaRPr lang="fr-CH" sz="1000" dirty="0"/>
+                    </a:p>
+                  </a:txBody>
+                  <a:tcPr anchor="ctr"/>
+                </a:tc>
+                <a:tc>
+                  <a:txBody>
+                    <a:bodyPr/>
+                    <a:lstStyle/>
+                    <a:p>
+                      <a:pPr algn="ctr"/>
+                      <a:r>
+                        <a:rPr lang="fr-FR" sz="1000" dirty="0"/>
+                        <a:t>27</a:t>
+                      </a:r>
+                      <a:endParaRPr lang="fr-CH" sz="1000" dirty="0"/>
+                    </a:p>
+                  </a:txBody>
+                  <a:tcPr anchor="ctr"/>
+                </a:tc>
+                <a:tc>
+                  <a:txBody>
+                    <a:bodyPr/>
+                    <a:lstStyle/>
+                    <a:p>
+                      <a:pPr algn="ctr"/>
+                      <a:r>
+                        <a:rPr lang="fr-FR" sz="1000" dirty="0"/>
+                        <a:t>28</a:t>
+                      </a:r>
+                      <a:endParaRPr lang="fr-CH" sz="1000" dirty="0"/>
+                    </a:p>
+                  </a:txBody>
+                  <a:tcPr anchor="ctr"/>
+                </a:tc>
+                <a:tc>
+                  <a:txBody>
+                    <a:bodyPr/>
+                    <a:lstStyle/>
+                    <a:p>
+                      <a:pPr algn="ctr"/>
+                      <a:r>
+                        <a:rPr lang="fr-FR" sz="1000" dirty="0"/>
+                        <a:t>29</a:t>
+                      </a:r>
+                      <a:endParaRPr lang="fr-CH" sz="1000" dirty="0"/>
+                    </a:p>
+                  </a:txBody>
+                  <a:tcPr anchor="ctr"/>
+                </a:tc>
+                <a:tc>
+                  <a:txBody>
+                    <a:bodyPr/>
+                    <a:lstStyle/>
+                    <a:p>
+                      <a:pPr algn="ctr"/>
+                      <a:r>
+                        <a:rPr lang="fr-FR" sz="1000" dirty="0"/>
+                        <a:t>30</a:t>
+                      </a:r>
+                      <a:endParaRPr lang="fr-CH" sz="1000" dirty="0"/>
+                    </a:p>
+                  </a:txBody>
+                  <a:tcPr anchor="ctr"/>
+                </a:tc>
+                <a:tc>
+                  <a:txBody>
+                    <a:bodyPr/>
+                    <a:lstStyle/>
+                    <a:p>
+                      <a:pPr algn="ctr"/>
+                      <a:r>
+                        <a:rPr lang="fr-FR" sz="1000" dirty="0"/>
+                        <a:t>31</a:t>
+                      </a:r>
+                      <a:endParaRPr lang="fr-CH" sz="1000" dirty="0"/>
+                    </a:p>
+                  </a:txBody>
+                  <a:tcPr anchor="ctr"/>
+                </a:tc>
+                <a:tc>
+                  <a:txBody>
+                    <a:bodyPr/>
+                    <a:lstStyle/>
+                    <a:p>
+                      <a:pPr algn="ctr"/>
+                      <a:r>
+                        <a:rPr lang="fr-FR" sz="1000" dirty="0"/>
+                        <a:t>32</a:t>
+                      </a:r>
+                      <a:endParaRPr lang="fr-CH" sz="1000" dirty="0"/>
+                    </a:p>
+                  </a:txBody>
+                  <a:tcPr anchor="ctr"/>
+                </a:tc>
+                <a:extLst>
+                  <a:ext uri="{0D108BD9-81ED-4DB2-BD59-A6C34878D82A}">
+                    <a16:rowId xmlns:a16="http://schemas.microsoft.com/office/drawing/2014/main" val="3856379816"/>
+                  </a:ext>
+                </a:extLst>
+              </a:tr>
+              <a:tr h="274320">
+                <a:tc>
+                  <a:txBody>
+                    <a:bodyPr/>
+                    <a:lstStyle/>
+                    <a:p>
+                      <a:r>
+                        <a:rPr lang="fr-FR" sz="1200" dirty="0"/>
+                        <a:t>Masque</a:t>
+                      </a:r>
+                      <a:endParaRPr lang="fr-CH" sz="1200" dirty="0"/>
+                    </a:p>
+                  </a:txBody>
+                  <a:tcPr/>
+                </a:tc>
+                <a:tc>
+                  <a:txBody>
+                    <a:bodyPr/>
+                    <a:lstStyle/>
+                    <a:p>
+                      <a:pPr algn="ctr"/>
+                      <a:r>
+                        <a:rPr lang="fr-FR" sz="1000" dirty="0"/>
+                        <a:t>0</a:t>
+                      </a:r>
+                      <a:endParaRPr lang="fr-CH" sz="1000" dirty="0"/>
+                    </a:p>
+                  </a:txBody>
+                  <a:tcPr anchor="ctr"/>
+                </a:tc>
+                <a:tc>
+                  <a:txBody>
+                    <a:bodyPr/>
+                    <a:lstStyle/>
+                    <a:p>
+                      <a:pPr algn="ctr"/>
+                      <a:r>
+                        <a:rPr lang="fr-FR" sz="1000" dirty="0"/>
+                        <a:t>128</a:t>
+                      </a:r>
+                      <a:endParaRPr lang="fr-CH" sz="1000" dirty="0"/>
+                    </a:p>
+                  </a:txBody>
+                  <a:tcPr anchor="ctr"/>
+                </a:tc>
+                <a:tc>
+                  <a:txBody>
+                    <a:bodyPr/>
+                    <a:lstStyle/>
+                    <a:p>
+                      <a:pPr algn="ctr"/>
+                      <a:r>
+                        <a:rPr lang="fr-FR" sz="1000" dirty="0"/>
+                        <a:t>192</a:t>
+                      </a:r>
+                      <a:endParaRPr lang="fr-CH" sz="1000" dirty="0"/>
+                    </a:p>
+                  </a:txBody>
+                  <a:tcPr anchor="ctr"/>
+                </a:tc>
+                <a:tc>
+                  <a:txBody>
+                    <a:bodyPr/>
+                    <a:lstStyle/>
+                    <a:p>
+                      <a:pPr algn="ctr"/>
+                      <a:r>
+                        <a:rPr lang="fr-FR" sz="1000" dirty="0"/>
+                        <a:t>224</a:t>
+                      </a:r>
+                      <a:endParaRPr lang="fr-CH" sz="1000" dirty="0"/>
+                    </a:p>
+                  </a:txBody>
+                  <a:tcPr anchor="ctr"/>
+                </a:tc>
+                <a:tc>
+                  <a:txBody>
+                    <a:bodyPr/>
+                    <a:lstStyle/>
+                    <a:p>
+                      <a:pPr algn="ctr"/>
+                      <a:r>
+                        <a:rPr lang="fr-FR" sz="1000" dirty="0"/>
+                        <a:t>240</a:t>
+                      </a:r>
+                      <a:endParaRPr lang="fr-CH" sz="1000" dirty="0"/>
+                    </a:p>
+                  </a:txBody>
+                  <a:tcPr anchor="ctr"/>
+                </a:tc>
+                <a:tc>
+                  <a:txBody>
+                    <a:bodyPr/>
+                    <a:lstStyle/>
+                    <a:p>
+                      <a:pPr algn="ctr"/>
+                      <a:r>
+                        <a:rPr lang="fr-FR" sz="1000" dirty="0"/>
+                        <a:t>248</a:t>
+                      </a:r>
+                      <a:endParaRPr lang="fr-CH" sz="1000" dirty="0"/>
+                    </a:p>
+                  </a:txBody>
+                  <a:tcPr anchor="ctr"/>
+                </a:tc>
+                <a:tc>
+                  <a:txBody>
+                    <a:bodyPr/>
+                    <a:lstStyle/>
+                    <a:p>
+                      <a:pPr algn="ctr"/>
+                      <a:r>
+                        <a:rPr lang="fr-FR" sz="1000" dirty="0"/>
+                        <a:t>252</a:t>
+                      </a:r>
+                      <a:endParaRPr lang="fr-CH" sz="1000" dirty="0"/>
+                    </a:p>
+                  </a:txBody>
+                  <a:tcPr anchor="ctr"/>
+                </a:tc>
+                <a:tc>
+                  <a:txBody>
+                    <a:bodyPr/>
+                    <a:lstStyle/>
+                    <a:p>
+                      <a:pPr algn="ctr"/>
+                      <a:r>
+                        <a:rPr lang="fr-FR" sz="1000" dirty="0"/>
+                        <a:t>254</a:t>
+                      </a:r>
+                      <a:endParaRPr lang="fr-CH" sz="1000" dirty="0"/>
+                    </a:p>
+                  </a:txBody>
+                  <a:tcPr anchor="ctr"/>
+                </a:tc>
+                <a:tc>
+                  <a:txBody>
+                    <a:bodyPr/>
+                    <a:lstStyle/>
+                    <a:p>
+                      <a:pPr algn="ctr"/>
+                      <a:r>
+                        <a:rPr lang="fr-FR" sz="1000" dirty="0"/>
+                        <a:t>255</a:t>
+                      </a:r>
+                      <a:endParaRPr lang="fr-CH" sz="1000" dirty="0"/>
+                    </a:p>
+                  </a:txBody>
+                  <a:tcPr anchor="ctr"/>
+                </a:tc>
+                <a:tc>
+                  <a:txBody>
+                    <a:bodyPr/>
+                    <a:lstStyle/>
+                    <a:p>
+                      <a:pPr algn="ctr"/>
+                      <a:r>
+                        <a:rPr lang="fr-FR" sz="1000" dirty="0"/>
+                        <a:t>0</a:t>
+                      </a:r>
+                      <a:endParaRPr lang="fr-CH" sz="1000" dirty="0"/>
+                    </a:p>
+                  </a:txBody>
+                  <a:tcPr anchor="ctr"/>
+                </a:tc>
+                <a:tc>
+                  <a:txBody>
+                    <a:bodyPr/>
+                    <a:lstStyle/>
+                    <a:p>
+                      <a:pPr algn="ctr"/>
+                      <a:r>
+                        <a:rPr lang="fr-FR" sz="1000" dirty="0"/>
+                        <a:t>128</a:t>
+                      </a:r>
+                      <a:endParaRPr lang="fr-CH" sz="1000" dirty="0"/>
+                    </a:p>
+                  </a:txBody>
+                  <a:tcPr anchor="ctr"/>
+                </a:tc>
+                <a:tc>
+                  <a:txBody>
+                    <a:bodyPr/>
+                    <a:lstStyle/>
+                    <a:p>
+                      <a:pPr algn="ctr"/>
+                      <a:r>
+                        <a:rPr lang="fr-FR" sz="1000" dirty="0"/>
+                        <a:t>192</a:t>
+                      </a:r>
+                      <a:endParaRPr lang="fr-CH" sz="1000" dirty="0"/>
+                    </a:p>
+                  </a:txBody>
+                  <a:tcPr anchor="ctr"/>
+                </a:tc>
+                <a:tc>
+                  <a:txBody>
+                    <a:bodyPr/>
+                    <a:lstStyle/>
+                    <a:p>
+                      <a:pPr algn="ctr"/>
+                      <a:r>
+                        <a:rPr lang="fr-FR" sz="1000" dirty="0"/>
+                        <a:t>224</a:t>
+                      </a:r>
+                      <a:endParaRPr lang="fr-CH" sz="1000" dirty="0"/>
+                    </a:p>
+                  </a:txBody>
+                  <a:tcPr anchor="ctr"/>
+                </a:tc>
+                <a:tc>
+                  <a:txBody>
+                    <a:bodyPr/>
+                    <a:lstStyle/>
+                    <a:p>
+                      <a:pPr algn="ctr"/>
+                      <a:r>
+                        <a:rPr lang="fr-FR" sz="1000" dirty="0"/>
+                        <a:t>240</a:t>
+                      </a:r>
+                      <a:endParaRPr lang="fr-CH" sz="1000" dirty="0"/>
+                    </a:p>
+                  </a:txBody>
+                  <a:tcPr anchor="ctr"/>
+                </a:tc>
+                <a:tc>
+                  <a:txBody>
+                    <a:bodyPr/>
+                    <a:lstStyle/>
+                    <a:p>
+                      <a:pPr algn="ctr"/>
+                      <a:r>
+                        <a:rPr lang="fr-FR" sz="1000" dirty="0"/>
+                        <a:t>248</a:t>
+                      </a:r>
+                      <a:endParaRPr lang="fr-CH" sz="1000" dirty="0"/>
+                    </a:p>
+                  </a:txBody>
+                  <a:tcPr anchor="ctr"/>
+                </a:tc>
+                <a:tc>
+                  <a:txBody>
+                    <a:bodyPr/>
+                    <a:lstStyle/>
+                    <a:p>
+                      <a:pPr algn="ctr"/>
+                      <a:r>
+                        <a:rPr lang="fr-FR" sz="1000" dirty="0"/>
+                        <a:t>252</a:t>
+                      </a:r>
+                      <a:endParaRPr lang="fr-CH" sz="1000" dirty="0"/>
+                    </a:p>
+                  </a:txBody>
+                  <a:tcPr anchor="ctr"/>
+                </a:tc>
+                <a:tc>
+                  <a:txBody>
+                    <a:bodyPr/>
+                    <a:lstStyle/>
+                    <a:p>
+                      <a:pPr algn="ctr"/>
+                      <a:r>
+                        <a:rPr lang="fr-FR" sz="1000" dirty="0"/>
+                        <a:t>254</a:t>
+                      </a:r>
+                      <a:endParaRPr lang="fr-CH" sz="1000" dirty="0"/>
+                    </a:p>
+                  </a:txBody>
+                  <a:tcPr anchor="ctr"/>
+                </a:tc>
+                <a:tc>
+                  <a:txBody>
+                    <a:bodyPr/>
+                    <a:lstStyle/>
+                    <a:p>
+                      <a:pPr algn="ctr"/>
+                      <a:r>
+                        <a:rPr lang="fr-FR" sz="1000" dirty="0"/>
+                        <a:t>255</a:t>
+                      </a:r>
+                      <a:endParaRPr lang="fr-CH" sz="1000" dirty="0"/>
+                    </a:p>
+                  </a:txBody>
+                  <a:tcPr anchor="ctr"/>
+                </a:tc>
+                <a:tc>
+                  <a:txBody>
+                    <a:bodyPr/>
+                    <a:lstStyle/>
+                    <a:p>
+                      <a:pPr algn="ctr"/>
+                      <a:r>
+                        <a:rPr lang="fr-FR" sz="1000" dirty="0"/>
+                        <a:t>0</a:t>
+                      </a:r>
+                      <a:endParaRPr lang="fr-CH" sz="1000" dirty="0"/>
+                    </a:p>
+                  </a:txBody>
+                  <a:tcPr anchor="ctr"/>
+                </a:tc>
+                <a:tc>
+                  <a:txBody>
+                    <a:bodyPr/>
+                    <a:lstStyle/>
+                    <a:p>
+                      <a:pPr algn="ctr"/>
+                      <a:r>
+                        <a:rPr lang="fr-FR" sz="1000" dirty="0"/>
+                        <a:t>128</a:t>
+                      </a:r>
+                      <a:endParaRPr lang="fr-CH" sz="1000" dirty="0"/>
+                    </a:p>
+                  </a:txBody>
+                  <a:tcPr anchor="ctr"/>
+                </a:tc>
+                <a:tc>
+                  <a:txBody>
+                    <a:bodyPr/>
+                    <a:lstStyle/>
+                    <a:p>
+                      <a:pPr algn="ctr"/>
+                      <a:r>
+                        <a:rPr lang="fr-FR" sz="1000" dirty="0"/>
+                        <a:t>192</a:t>
+                      </a:r>
+                      <a:endParaRPr lang="fr-CH" sz="1000" dirty="0"/>
+                    </a:p>
+                  </a:txBody>
+                  <a:tcPr anchor="ctr"/>
+                </a:tc>
+                <a:tc>
+                  <a:txBody>
+                    <a:bodyPr/>
+                    <a:lstStyle/>
+                    <a:p>
+                      <a:pPr algn="ctr"/>
+                      <a:r>
+                        <a:rPr lang="fr-FR" sz="1000" dirty="0"/>
+                        <a:t>224</a:t>
+                      </a:r>
+                      <a:endParaRPr lang="fr-CH" sz="1000" dirty="0"/>
+                    </a:p>
+                  </a:txBody>
+                  <a:tcPr anchor="ctr"/>
+                </a:tc>
+                <a:tc>
+                  <a:txBody>
+                    <a:bodyPr/>
+                    <a:lstStyle/>
+                    <a:p>
+                      <a:pPr algn="ctr"/>
+                      <a:r>
+                        <a:rPr lang="fr-FR" sz="1000" dirty="0"/>
+                        <a:t>240</a:t>
+                      </a:r>
+                      <a:endParaRPr lang="fr-CH" sz="1000" dirty="0"/>
+                    </a:p>
+                  </a:txBody>
+                  <a:tcPr anchor="ctr"/>
+                </a:tc>
+                <a:tc>
+                  <a:txBody>
+                    <a:bodyPr/>
+                    <a:lstStyle/>
+                    <a:p>
+                      <a:pPr algn="ctr"/>
+                      <a:r>
+                        <a:rPr lang="fr-FR" sz="1000" dirty="0"/>
+                        <a:t>248</a:t>
+                      </a:r>
+                      <a:endParaRPr lang="fr-CH" sz="1000" dirty="0"/>
+                    </a:p>
+                  </a:txBody>
+                  <a:tcPr anchor="ctr"/>
+                </a:tc>
+                <a:tc>
+                  <a:txBody>
+                    <a:bodyPr/>
+                    <a:lstStyle/>
+                    <a:p>
+                      <a:pPr algn="ctr"/>
+                      <a:r>
+                        <a:rPr lang="fr-FR" sz="1000" dirty="0"/>
+                        <a:t>252</a:t>
+                      </a:r>
+                      <a:endParaRPr lang="fr-CH" sz="1000" dirty="0"/>
+                    </a:p>
+                  </a:txBody>
+                  <a:tcPr anchor="ctr"/>
+                </a:tc>
+                <a:tc>
+                  <a:txBody>
+                    <a:bodyPr/>
+                    <a:lstStyle/>
+                    <a:p>
+                      <a:pPr algn="ctr"/>
+                      <a:r>
+                        <a:rPr lang="fr-FR" sz="1000" dirty="0"/>
+                        <a:t>254</a:t>
+                      </a:r>
+                      <a:endParaRPr lang="fr-CH" sz="1000" dirty="0"/>
+                    </a:p>
+                  </a:txBody>
+                  <a:tcPr anchor="ctr"/>
+                </a:tc>
+                <a:tc>
+                  <a:txBody>
+                    <a:bodyPr/>
+                    <a:lstStyle/>
+                    <a:p>
+                      <a:pPr algn="ctr"/>
+                      <a:r>
+                        <a:rPr lang="fr-FR" sz="1000" dirty="0"/>
+                        <a:t>255</a:t>
+                      </a:r>
+                      <a:endParaRPr lang="fr-CH" sz="1000" dirty="0"/>
+                    </a:p>
+                  </a:txBody>
+                  <a:tcPr anchor="ctr"/>
+                </a:tc>
+                <a:tc>
+                  <a:txBody>
+                    <a:bodyPr/>
+                    <a:lstStyle/>
+                    <a:p>
+                      <a:pPr algn="ctr"/>
+                      <a:r>
+                        <a:rPr lang="fr-FR" sz="1000" dirty="0"/>
+                        <a:t>0</a:t>
+                      </a:r>
+                      <a:endParaRPr lang="fr-CH" sz="1000" dirty="0"/>
+                    </a:p>
+                  </a:txBody>
+                  <a:tcPr anchor="ctr"/>
+                </a:tc>
+                <a:tc>
+                  <a:txBody>
+                    <a:bodyPr/>
+                    <a:lstStyle/>
+                    <a:p>
+                      <a:pPr algn="ctr"/>
+                      <a:r>
+                        <a:rPr lang="fr-FR" sz="1000" dirty="0"/>
+                        <a:t>128</a:t>
+                      </a:r>
+                      <a:endParaRPr lang="fr-CH" sz="1000" dirty="0"/>
+                    </a:p>
+                  </a:txBody>
+                  <a:tcPr anchor="ctr"/>
+                </a:tc>
+                <a:tc>
+                  <a:txBody>
+                    <a:bodyPr/>
+                    <a:lstStyle/>
+                    <a:p>
+                      <a:pPr algn="ctr"/>
+                      <a:r>
+                        <a:rPr lang="fr-FR" sz="1000" dirty="0"/>
+                        <a:t>192</a:t>
+                      </a:r>
+                      <a:endParaRPr lang="fr-CH" sz="1000" dirty="0"/>
+                    </a:p>
+                  </a:txBody>
+                  <a:tcPr anchor="ctr"/>
+                </a:tc>
+                <a:tc>
+                  <a:txBody>
+                    <a:bodyPr/>
+                    <a:lstStyle/>
+                    <a:p>
+                      <a:pPr algn="ctr"/>
+                      <a:r>
+                        <a:rPr lang="fr-FR" sz="1000" dirty="0"/>
+                        <a:t>224</a:t>
+                      </a:r>
+                      <a:endParaRPr lang="fr-CH" sz="1000" dirty="0"/>
+                    </a:p>
+                  </a:txBody>
+                  <a:tcPr anchor="ctr"/>
+                </a:tc>
+                <a:tc>
+                  <a:txBody>
+                    <a:bodyPr/>
+                    <a:lstStyle/>
+                    <a:p>
+                      <a:pPr algn="ctr"/>
+                      <a:r>
+                        <a:rPr lang="fr-FR" sz="1000" dirty="0"/>
+                        <a:t>240</a:t>
+                      </a:r>
+                      <a:endParaRPr lang="fr-CH" sz="1000" dirty="0"/>
+                    </a:p>
+                  </a:txBody>
+                  <a:tcPr anchor="ctr"/>
+                </a:tc>
+                <a:tc>
+                  <a:txBody>
+                    <a:bodyPr/>
+                    <a:lstStyle/>
+                    <a:p>
+                      <a:pPr algn="ctr"/>
+                      <a:r>
+                        <a:rPr lang="fr-FR" sz="1000" dirty="0"/>
+                        <a:t>248</a:t>
+                      </a:r>
+                      <a:endParaRPr lang="fr-CH" sz="1000" dirty="0"/>
+                    </a:p>
+                  </a:txBody>
+                  <a:tcPr anchor="ctr"/>
+                </a:tc>
+                <a:tc>
+                  <a:txBody>
+                    <a:bodyPr/>
+                    <a:lstStyle/>
+                    <a:p>
+                      <a:pPr algn="ctr"/>
+                      <a:r>
+                        <a:rPr lang="fr-FR" sz="1000" dirty="0"/>
+                        <a:t>252</a:t>
+                      </a:r>
+                      <a:endParaRPr lang="fr-CH" sz="1000" dirty="0"/>
+                    </a:p>
+                  </a:txBody>
+                  <a:tcPr anchor="ctr"/>
+                </a:tc>
+                <a:tc>
+                  <a:txBody>
+                    <a:bodyPr/>
+                    <a:lstStyle/>
+                    <a:p>
+                      <a:pPr algn="ctr"/>
+                      <a:r>
+                        <a:rPr lang="fr-FR" sz="1000" dirty="0"/>
+                        <a:t>254</a:t>
+                      </a:r>
+                      <a:endParaRPr lang="fr-CH" sz="1000" dirty="0"/>
+                    </a:p>
+                  </a:txBody>
+                  <a:tcPr anchor="ctr"/>
+                </a:tc>
+                <a:tc>
+                  <a:txBody>
+                    <a:bodyPr/>
+                    <a:lstStyle/>
+                    <a:p>
+                      <a:pPr algn="ctr"/>
+                      <a:r>
+                        <a:rPr lang="fr-FR" sz="1000" dirty="0"/>
+                        <a:t>255</a:t>
+                      </a:r>
+                      <a:endParaRPr lang="fr-CH" sz="1000" dirty="0"/>
+                    </a:p>
+                  </a:txBody>
+                  <a:tcPr anchor="ctr"/>
+                </a:tc>
+                <a:extLst>
+                  <a:ext uri="{0D108BD9-81ED-4DB2-BD59-A6C34878D82A}">
+                    <a16:rowId xmlns:a16="http://schemas.microsoft.com/office/drawing/2014/main" val="4187410400"/>
+                  </a:ext>
+                </a:extLst>
+              </a:tr>
+              <a:tr h="457200">
+                <a:tc>
+                  <a:txBody>
+                    <a:bodyPr/>
+                    <a:lstStyle/>
+                    <a:p>
+                      <a:r>
+                        <a:rPr lang="fr-FR" sz="1200" dirty="0"/>
+                        <a:t>Nbr sous-réseaux possibles</a:t>
+                      </a:r>
+                      <a:endParaRPr lang="fr-CH" sz="1200" dirty="0"/>
+                    </a:p>
+                  </a:txBody>
+                  <a:tcPr/>
+                </a:tc>
+                <a:tc>
+                  <a:txBody>
+                    <a:bodyPr/>
+                    <a:lstStyle/>
+                    <a:p>
+                      <a:pPr algn="ctr"/>
+                      <a:r>
+                        <a:rPr lang="fr-FR" sz="1000" dirty="0"/>
+                        <a:t>1</a:t>
+                      </a:r>
+                      <a:endParaRPr lang="fr-CH" sz="1000" dirty="0"/>
+                    </a:p>
+                  </a:txBody>
+                  <a:tcPr anchor="ctr"/>
+                </a:tc>
+                <a:tc>
+                  <a:txBody>
+                    <a:bodyPr/>
+                    <a:lstStyle/>
+                    <a:p>
+                      <a:pPr algn="ctr"/>
+                      <a:r>
+                        <a:rPr lang="fr-FR" sz="1000" dirty="0"/>
+                        <a:t>2</a:t>
+                      </a:r>
+                      <a:endParaRPr lang="fr-CH" sz="1000" dirty="0"/>
+                    </a:p>
+                  </a:txBody>
+                  <a:tcPr anchor="ctr"/>
+                </a:tc>
+                <a:tc>
+                  <a:txBody>
+                    <a:bodyPr/>
+                    <a:lstStyle/>
+                    <a:p>
+                      <a:pPr algn="ctr"/>
+                      <a:r>
+                        <a:rPr lang="fr-FR" sz="1000" dirty="0"/>
+                        <a:t>4</a:t>
+                      </a:r>
+                      <a:endParaRPr lang="fr-CH" sz="1000" dirty="0"/>
+                    </a:p>
+                  </a:txBody>
+                  <a:tcPr anchor="ctr"/>
+                </a:tc>
+                <a:tc>
+                  <a:txBody>
+                    <a:bodyPr/>
+                    <a:lstStyle/>
+                    <a:p>
+                      <a:pPr algn="ctr"/>
+                      <a:r>
+                        <a:rPr lang="fr-FR" sz="1000" dirty="0"/>
+                        <a:t>8</a:t>
+                      </a:r>
+                      <a:endParaRPr lang="fr-CH" sz="1000" dirty="0"/>
+                    </a:p>
+                  </a:txBody>
+                  <a:tcPr anchor="ctr"/>
+                </a:tc>
+                <a:tc>
+                  <a:txBody>
+                    <a:bodyPr/>
+                    <a:lstStyle/>
+                    <a:p>
+                      <a:pPr algn="ctr"/>
+                      <a:r>
+                        <a:rPr lang="fr-FR" sz="1000" dirty="0"/>
+                        <a:t>16</a:t>
+                      </a:r>
+                      <a:endParaRPr lang="fr-CH" sz="1000" dirty="0"/>
+                    </a:p>
+                  </a:txBody>
+                  <a:tcPr anchor="ctr"/>
+                </a:tc>
+                <a:tc>
+                  <a:txBody>
+                    <a:bodyPr/>
+                    <a:lstStyle/>
+                    <a:p>
+                      <a:pPr algn="ctr"/>
+                      <a:r>
+                        <a:rPr lang="fr-FR" sz="1000" dirty="0"/>
+                        <a:t>32</a:t>
+                      </a:r>
+                      <a:endParaRPr lang="fr-CH" sz="1000" dirty="0"/>
+                    </a:p>
+                  </a:txBody>
+                  <a:tcPr anchor="ctr"/>
+                </a:tc>
+                <a:tc>
+                  <a:txBody>
+                    <a:bodyPr/>
+                    <a:lstStyle/>
+                    <a:p>
+                      <a:pPr algn="ctr"/>
+                      <a:r>
+                        <a:rPr lang="fr-FR" sz="1000" dirty="0"/>
+                        <a:t>64</a:t>
+                      </a:r>
+                      <a:endParaRPr lang="fr-CH" sz="1000" dirty="0"/>
+                    </a:p>
+                  </a:txBody>
+                  <a:tcPr anchor="ctr"/>
+                </a:tc>
+                <a:tc>
+                  <a:txBody>
+                    <a:bodyPr/>
+                    <a:lstStyle/>
+                    <a:p>
+                      <a:pPr algn="ctr"/>
+                      <a:r>
+                        <a:rPr lang="fr-FR" sz="1000" dirty="0"/>
+                        <a:t>128</a:t>
+                      </a:r>
+                      <a:endParaRPr lang="fr-CH" sz="1000" dirty="0"/>
+                    </a:p>
+                  </a:txBody>
+                  <a:tcPr anchor="ctr"/>
+                </a:tc>
+                <a:tc>
+                  <a:txBody>
+                    <a:bodyPr/>
+                    <a:lstStyle/>
+                    <a:p>
+                      <a:pPr algn="ctr"/>
+                      <a:r>
+                        <a:rPr lang="fr-FR" sz="1000" dirty="0"/>
+                        <a:t>256</a:t>
+                      </a:r>
+                      <a:endParaRPr lang="fr-CH" sz="1000" dirty="0"/>
+                    </a:p>
+                  </a:txBody>
+                  <a:tcPr anchor="ctr"/>
+                </a:tc>
+                <a:tc>
+                  <a:txBody>
+                    <a:bodyPr/>
+                    <a:lstStyle/>
+                    <a:p>
+                      <a:pPr algn="ctr"/>
+                      <a:r>
+                        <a:rPr lang="fr-FR" sz="1000" dirty="0"/>
+                        <a:t>1</a:t>
+                      </a:r>
+                      <a:endParaRPr lang="fr-CH" sz="1000" dirty="0"/>
+                    </a:p>
+                  </a:txBody>
+                  <a:tcPr anchor="ctr"/>
+                </a:tc>
+                <a:tc>
+                  <a:txBody>
+                    <a:bodyPr/>
+                    <a:lstStyle/>
+                    <a:p>
+                      <a:pPr algn="ctr"/>
+                      <a:r>
+                        <a:rPr lang="fr-FR" sz="1000" dirty="0"/>
+                        <a:t>2</a:t>
+                      </a:r>
+                      <a:endParaRPr lang="fr-CH" sz="1000" dirty="0"/>
+                    </a:p>
+                  </a:txBody>
+                  <a:tcPr anchor="ctr"/>
+                </a:tc>
+                <a:tc>
+                  <a:txBody>
+                    <a:bodyPr/>
+                    <a:lstStyle/>
+                    <a:p>
+                      <a:pPr algn="ctr"/>
+                      <a:r>
+                        <a:rPr lang="fr-FR" sz="1000" dirty="0"/>
+                        <a:t>4</a:t>
+                      </a:r>
+                      <a:endParaRPr lang="fr-CH" sz="1000" dirty="0"/>
+                    </a:p>
+                  </a:txBody>
+                  <a:tcPr anchor="ctr"/>
+                </a:tc>
+                <a:tc>
+                  <a:txBody>
+                    <a:bodyPr/>
+                    <a:lstStyle/>
+                    <a:p>
+                      <a:pPr algn="ctr"/>
+                      <a:r>
+                        <a:rPr lang="fr-FR" sz="1000" dirty="0"/>
+                        <a:t>8</a:t>
+                      </a:r>
+                      <a:endParaRPr lang="fr-CH" sz="1000" dirty="0"/>
+                    </a:p>
+                  </a:txBody>
+                  <a:tcPr anchor="ctr"/>
+                </a:tc>
+                <a:tc>
+                  <a:txBody>
+                    <a:bodyPr/>
+                    <a:lstStyle/>
+                    <a:p>
+                      <a:pPr algn="ctr"/>
+                      <a:r>
+                        <a:rPr lang="fr-FR" sz="1000" dirty="0"/>
+                        <a:t>16</a:t>
+                      </a:r>
+                      <a:endParaRPr lang="fr-CH" sz="1000" dirty="0"/>
+                    </a:p>
+                  </a:txBody>
+                  <a:tcPr anchor="ctr"/>
+                </a:tc>
+                <a:tc>
+                  <a:txBody>
+                    <a:bodyPr/>
+                    <a:lstStyle/>
+                    <a:p>
+                      <a:pPr algn="ctr"/>
+                      <a:r>
+                        <a:rPr lang="fr-FR" sz="1000" dirty="0"/>
+                        <a:t>32</a:t>
+                      </a:r>
+                      <a:endParaRPr lang="fr-CH" sz="1000" dirty="0"/>
+                    </a:p>
+                  </a:txBody>
+                  <a:tcPr anchor="ctr"/>
+                </a:tc>
+                <a:tc>
+                  <a:txBody>
+                    <a:bodyPr/>
+                    <a:lstStyle/>
+                    <a:p>
+                      <a:pPr algn="ctr"/>
+                      <a:r>
+                        <a:rPr lang="fr-FR" sz="1000" dirty="0"/>
+                        <a:t>64</a:t>
+                      </a:r>
+                      <a:endParaRPr lang="fr-CH" sz="1000" dirty="0"/>
+                    </a:p>
+                  </a:txBody>
+                  <a:tcPr anchor="ctr"/>
+                </a:tc>
+                <a:tc>
+                  <a:txBody>
+                    <a:bodyPr/>
+                    <a:lstStyle/>
+                    <a:p>
+                      <a:pPr algn="ctr"/>
+                      <a:r>
+                        <a:rPr lang="fr-FR" sz="1000" dirty="0"/>
+                        <a:t>128</a:t>
+                      </a:r>
+                      <a:endParaRPr lang="fr-CH" sz="1000" dirty="0"/>
+                    </a:p>
+                  </a:txBody>
+                  <a:tcPr anchor="ctr"/>
+                </a:tc>
+                <a:tc>
+                  <a:txBody>
+                    <a:bodyPr/>
+                    <a:lstStyle/>
+                    <a:p>
+                      <a:pPr algn="ctr"/>
+                      <a:r>
+                        <a:rPr lang="fr-FR" sz="1000" dirty="0"/>
+                        <a:t>256</a:t>
+                      </a:r>
+                      <a:endParaRPr lang="fr-CH" sz="1000" dirty="0"/>
+                    </a:p>
+                  </a:txBody>
+                  <a:tcPr anchor="ctr"/>
+                </a:tc>
+                <a:tc>
+                  <a:txBody>
+                    <a:bodyPr/>
+                    <a:lstStyle/>
+                    <a:p>
+                      <a:pPr algn="ctr"/>
+                      <a:r>
+                        <a:rPr lang="fr-FR" sz="1000" dirty="0"/>
+                        <a:t>1</a:t>
+                      </a:r>
+                      <a:endParaRPr lang="fr-CH" sz="1000" dirty="0"/>
+                    </a:p>
+                  </a:txBody>
+                  <a:tcPr anchor="ctr"/>
+                </a:tc>
+                <a:tc>
+                  <a:txBody>
+                    <a:bodyPr/>
+                    <a:lstStyle/>
+                    <a:p>
+                      <a:pPr algn="ctr"/>
+                      <a:r>
+                        <a:rPr lang="fr-FR" sz="1000" dirty="0"/>
+                        <a:t>2</a:t>
+                      </a:r>
+                      <a:endParaRPr lang="fr-CH" sz="1000" dirty="0"/>
+                    </a:p>
+                  </a:txBody>
+                  <a:tcPr anchor="ctr"/>
+                </a:tc>
+                <a:tc>
+                  <a:txBody>
+                    <a:bodyPr/>
+                    <a:lstStyle/>
+                    <a:p>
+                      <a:pPr algn="ctr"/>
+                      <a:r>
+                        <a:rPr lang="fr-FR" sz="1000" dirty="0"/>
+                        <a:t>4</a:t>
+                      </a:r>
+                      <a:endParaRPr lang="fr-CH" sz="1000" dirty="0"/>
+                    </a:p>
+                  </a:txBody>
+                  <a:tcPr anchor="ctr"/>
+                </a:tc>
+                <a:tc>
+                  <a:txBody>
+                    <a:bodyPr/>
+                    <a:lstStyle/>
+                    <a:p>
+                      <a:pPr algn="ctr"/>
+                      <a:r>
+                        <a:rPr lang="fr-FR" sz="1000" dirty="0"/>
+                        <a:t>8</a:t>
+                      </a:r>
+                      <a:endParaRPr lang="fr-CH" sz="1000" dirty="0"/>
+                    </a:p>
+                  </a:txBody>
+                  <a:tcPr anchor="ctr"/>
+                </a:tc>
+                <a:tc>
+                  <a:txBody>
+                    <a:bodyPr/>
+                    <a:lstStyle/>
+                    <a:p>
+                      <a:pPr algn="ctr"/>
+                      <a:r>
+                        <a:rPr lang="fr-FR" sz="1000" dirty="0"/>
+                        <a:t>16</a:t>
+                      </a:r>
+                      <a:endParaRPr lang="fr-CH" sz="1000" dirty="0"/>
+                    </a:p>
+                  </a:txBody>
+                  <a:tcPr anchor="ctr"/>
+                </a:tc>
+                <a:tc>
+                  <a:txBody>
+                    <a:bodyPr/>
+                    <a:lstStyle/>
+                    <a:p>
+                      <a:pPr algn="ctr"/>
+                      <a:r>
+                        <a:rPr lang="fr-FR" sz="1000" dirty="0"/>
+                        <a:t>32</a:t>
+                      </a:r>
+                      <a:endParaRPr lang="fr-CH" sz="1000" dirty="0"/>
+                    </a:p>
+                  </a:txBody>
+                  <a:tcPr anchor="ctr"/>
+                </a:tc>
+                <a:tc>
+                  <a:txBody>
+                    <a:bodyPr/>
+                    <a:lstStyle/>
+                    <a:p>
+                      <a:pPr algn="ctr"/>
+                      <a:r>
+                        <a:rPr lang="fr-FR" sz="1000" dirty="0"/>
+                        <a:t>64</a:t>
+                      </a:r>
+                      <a:endParaRPr lang="fr-CH" sz="1000" dirty="0"/>
+                    </a:p>
+                  </a:txBody>
+                  <a:tcPr anchor="ctr"/>
+                </a:tc>
+                <a:tc>
+                  <a:txBody>
+                    <a:bodyPr/>
+                    <a:lstStyle/>
+                    <a:p>
+                      <a:pPr algn="ctr"/>
+                      <a:r>
+                        <a:rPr lang="fr-FR" sz="1000" dirty="0"/>
+                        <a:t>128</a:t>
+                      </a:r>
+                      <a:endParaRPr lang="fr-CH" sz="1000" dirty="0"/>
+                    </a:p>
+                  </a:txBody>
+                  <a:tcPr anchor="ctr"/>
+                </a:tc>
+                <a:tc>
+                  <a:txBody>
+                    <a:bodyPr/>
+                    <a:lstStyle/>
+                    <a:p>
+                      <a:pPr algn="ctr"/>
+                      <a:r>
+                        <a:rPr lang="fr-FR" sz="1000" dirty="0"/>
+                        <a:t>256</a:t>
+                      </a:r>
+                      <a:endParaRPr lang="fr-CH" sz="1000" dirty="0"/>
+                    </a:p>
+                  </a:txBody>
+                  <a:tcPr anchor="ctr"/>
+                </a:tc>
+                <a:tc>
+                  <a:txBody>
+                    <a:bodyPr/>
+                    <a:lstStyle/>
+                    <a:p>
+                      <a:pPr algn="ctr"/>
+                      <a:r>
+                        <a:rPr lang="fr-FR" sz="1000" dirty="0"/>
+                        <a:t>1</a:t>
+                      </a:r>
+                      <a:endParaRPr lang="fr-CH" sz="1000" dirty="0"/>
+                    </a:p>
+                  </a:txBody>
+                  <a:tcPr anchor="ctr"/>
+                </a:tc>
+                <a:tc>
+                  <a:txBody>
+                    <a:bodyPr/>
+                    <a:lstStyle/>
+                    <a:p>
+                      <a:pPr algn="ctr"/>
+                      <a:r>
+                        <a:rPr lang="fr-FR" sz="1000" dirty="0"/>
+                        <a:t>2</a:t>
+                      </a:r>
+                      <a:endParaRPr lang="fr-CH" sz="1000" dirty="0"/>
+                    </a:p>
+                  </a:txBody>
+                  <a:tcPr anchor="ctr"/>
+                </a:tc>
+                <a:tc>
+                  <a:txBody>
+                    <a:bodyPr/>
+                    <a:lstStyle/>
+                    <a:p>
+                      <a:pPr algn="ctr"/>
+                      <a:r>
+                        <a:rPr lang="fr-FR" sz="1000" dirty="0"/>
+                        <a:t>4</a:t>
+                      </a:r>
+                      <a:endParaRPr lang="fr-CH" sz="1000" dirty="0"/>
+                    </a:p>
+                  </a:txBody>
+                  <a:tcPr anchor="ctr"/>
+                </a:tc>
+                <a:tc>
+                  <a:txBody>
+                    <a:bodyPr/>
+                    <a:lstStyle/>
+                    <a:p>
+                      <a:pPr algn="ctr"/>
+                      <a:r>
+                        <a:rPr lang="fr-FR" sz="1000" dirty="0"/>
+                        <a:t>8</a:t>
+                      </a:r>
+                      <a:endParaRPr lang="fr-CH" sz="1000" dirty="0"/>
+                    </a:p>
+                  </a:txBody>
+                  <a:tcPr anchor="ctr"/>
+                </a:tc>
+                <a:tc>
+                  <a:txBody>
+                    <a:bodyPr/>
+                    <a:lstStyle/>
+                    <a:p>
+                      <a:pPr algn="ctr"/>
+                      <a:r>
+                        <a:rPr lang="fr-FR" sz="1000" dirty="0"/>
+                        <a:t>16</a:t>
+                      </a:r>
+                      <a:endParaRPr lang="fr-CH" sz="1000" dirty="0"/>
+                    </a:p>
+                  </a:txBody>
+                  <a:tcPr anchor="ctr"/>
+                </a:tc>
+                <a:tc>
+                  <a:txBody>
+                    <a:bodyPr/>
+                    <a:lstStyle/>
+                    <a:p>
+                      <a:pPr algn="ctr"/>
+                      <a:r>
+                        <a:rPr lang="fr-FR" sz="1000" dirty="0"/>
+                        <a:t>32</a:t>
+                      </a:r>
+                      <a:endParaRPr lang="fr-CH" sz="1000" dirty="0"/>
+                    </a:p>
+                  </a:txBody>
+                  <a:tcPr anchor="ctr"/>
+                </a:tc>
+                <a:tc>
+                  <a:txBody>
+                    <a:bodyPr/>
+                    <a:lstStyle/>
+                    <a:p>
+                      <a:pPr algn="ctr"/>
+                      <a:r>
+                        <a:rPr lang="fr-FR" sz="1000" dirty="0"/>
+                        <a:t>64</a:t>
+                      </a:r>
+                      <a:endParaRPr lang="fr-CH" sz="1000" dirty="0"/>
+                    </a:p>
+                  </a:txBody>
+                  <a:tcPr anchor="ctr"/>
+                </a:tc>
+                <a:tc>
+                  <a:txBody>
+                    <a:bodyPr/>
+                    <a:lstStyle/>
+                    <a:p>
+                      <a:pPr algn="ctr"/>
+                      <a:r>
+                        <a:rPr lang="fr-FR" sz="1000" dirty="0"/>
+                        <a:t>128</a:t>
+                      </a:r>
+                      <a:endParaRPr lang="fr-CH" sz="1000" dirty="0"/>
+                    </a:p>
+                  </a:txBody>
+                  <a:tcPr anchor="ctr"/>
+                </a:tc>
+                <a:tc>
+                  <a:txBody>
+                    <a:bodyPr/>
+                    <a:lstStyle/>
+                    <a:p>
+                      <a:pPr algn="ctr"/>
+                      <a:r>
+                        <a:rPr lang="fr-FR" sz="1000" dirty="0"/>
+                        <a:t>256</a:t>
+                      </a:r>
+                      <a:endParaRPr lang="fr-CH" sz="1000" dirty="0"/>
+                    </a:p>
+                  </a:txBody>
+                  <a:tcPr anchor="ctr"/>
+                </a:tc>
+                <a:extLst>
+                  <a:ext uri="{0D108BD9-81ED-4DB2-BD59-A6C34878D82A}">
+                    <a16:rowId xmlns:a16="http://schemas.microsoft.com/office/drawing/2014/main" val="1200158793"/>
+                  </a:ext>
+                </a:extLst>
+              </a:tr>
+              <a:tr h="457200">
+                <a:tc>
+                  <a:txBody>
+                    <a:bodyPr/>
+                    <a:lstStyle/>
+                    <a:p>
+                      <a:r>
+                        <a:rPr lang="fr-FR" sz="1200" dirty="0"/>
+                        <a:t>Nbr adresses par sous-réseaux</a:t>
+                      </a:r>
+                      <a:endParaRPr lang="fr-CH" sz="1200" dirty="0"/>
+                    </a:p>
+                  </a:txBody>
+                  <a:tcPr/>
+                </a:tc>
+                <a:tc>
+                  <a:txBody>
+                    <a:bodyPr/>
+                    <a:lstStyle/>
+                    <a:p>
+                      <a:pPr algn="ctr"/>
+                      <a:r>
+                        <a:rPr lang="fr-FR" sz="1000" dirty="0"/>
+                        <a:t>256</a:t>
+                      </a:r>
+                      <a:endParaRPr lang="fr-CH" sz="1000" dirty="0"/>
+                    </a:p>
+                  </a:txBody>
+                  <a:tcPr anchor="ctr"/>
+                </a:tc>
+                <a:tc>
+                  <a:txBody>
+                    <a:bodyPr/>
+                    <a:lstStyle/>
+                    <a:p>
+                      <a:pPr algn="ctr"/>
+                      <a:r>
+                        <a:rPr lang="fr-FR" sz="1000" dirty="0"/>
+                        <a:t>128</a:t>
+                      </a:r>
+                      <a:endParaRPr lang="fr-CH" sz="1000" dirty="0"/>
+                    </a:p>
+                  </a:txBody>
+                  <a:tcPr anchor="ctr"/>
+                </a:tc>
+                <a:tc>
+                  <a:txBody>
+                    <a:bodyPr/>
+                    <a:lstStyle/>
+                    <a:p>
+                      <a:pPr algn="ctr"/>
+                      <a:r>
+                        <a:rPr lang="fr-FR" sz="1000" dirty="0"/>
+                        <a:t>64</a:t>
+                      </a:r>
+                      <a:endParaRPr lang="fr-CH" sz="1000" dirty="0"/>
+                    </a:p>
+                  </a:txBody>
+                  <a:tcPr anchor="ctr"/>
+                </a:tc>
+                <a:tc>
+                  <a:txBody>
+                    <a:bodyPr/>
+                    <a:lstStyle/>
+                    <a:p>
+                      <a:pPr algn="ctr"/>
+                      <a:r>
+                        <a:rPr lang="fr-FR" sz="1000" dirty="0"/>
+                        <a:t>32</a:t>
+                      </a:r>
+                      <a:endParaRPr lang="fr-CH" sz="1000" dirty="0"/>
+                    </a:p>
+                  </a:txBody>
+                  <a:tcPr anchor="ctr"/>
+                </a:tc>
+                <a:tc>
+                  <a:txBody>
+                    <a:bodyPr/>
+                    <a:lstStyle/>
+                    <a:p>
+                      <a:pPr algn="ctr"/>
+                      <a:r>
+                        <a:rPr lang="fr-FR" sz="1000" dirty="0"/>
+                        <a:t>16</a:t>
+                      </a:r>
+                      <a:endParaRPr lang="fr-CH" sz="1000" dirty="0"/>
+                    </a:p>
+                  </a:txBody>
+                  <a:tcPr anchor="ctr"/>
+                </a:tc>
+                <a:tc>
+                  <a:txBody>
+                    <a:bodyPr/>
+                    <a:lstStyle/>
+                    <a:p>
+                      <a:pPr algn="ctr"/>
+                      <a:r>
+                        <a:rPr lang="fr-FR" sz="1000" dirty="0"/>
+                        <a:t>8</a:t>
+                      </a:r>
+                      <a:endParaRPr lang="fr-CH" sz="1000" dirty="0"/>
+                    </a:p>
+                  </a:txBody>
+                  <a:tcPr anchor="ctr"/>
+                </a:tc>
+                <a:tc>
+                  <a:txBody>
+                    <a:bodyPr/>
+                    <a:lstStyle/>
+                    <a:p>
+                      <a:pPr algn="ctr"/>
+                      <a:r>
+                        <a:rPr lang="fr-FR" sz="1000" dirty="0"/>
+                        <a:t>4</a:t>
+                      </a:r>
+                      <a:endParaRPr lang="fr-CH" sz="1000" dirty="0"/>
+                    </a:p>
+                  </a:txBody>
+                  <a:tcPr anchor="ctr"/>
+                </a:tc>
+                <a:tc>
+                  <a:txBody>
+                    <a:bodyPr/>
+                    <a:lstStyle/>
+                    <a:p>
+                      <a:pPr algn="ctr"/>
+                      <a:r>
+                        <a:rPr lang="fr-FR" sz="1000" dirty="0"/>
+                        <a:t>2</a:t>
+                      </a:r>
+                      <a:endParaRPr lang="fr-CH" sz="1000" dirty="0"/>
+                    </a:p>
+                  </a:txBody>
+                  <a:tcPr anchor="ctr"/>
+                </a:tc>
+                <a:tc>
+                  <a:txBody>
+                    <a:bodyPr/>
+                    <a:lstStyle/>
+                    <a:p>
+                      <a:pPr algn="ctr"/>
+                      <a:r>
+                        <a:rPr lang="fr-FR" sz="1000" dirty="0"/>
+                        <a:t>1</a:t>
+                      </a:r>
+                      <a:endParaRPr lang="fr-CH" sz="1000" dirty="0"/>
+                    </a:p>
+                  </a:txBody>
+                  <a:tcPr anchor="ctr"/>
+                </a:tc>
+                <a:tc>
+                  <a:txBody>
+                    <a:bodyPr/>
+                    <a:lstStyle/>
+                    <a:p>
+                      <a:pPr algn="ctr"/>
+                      <a:r>
+                        <a:rPr lang="fr-FR" sz="1000" dirty="0"/>
+                        <a:t>256</a:t>
+                      </a:r>
+                      <a:endParaRPr lang="fr-CH" sz="1000" dirty="0"/>
+                    </a:p>
+                  </a:txBody>
+                  <a:tcPr anchor="ctr"/>
+                </a:tc>
+                <a:tc>
+                  <a:txBody>
+                    <a:bodyPr/>
+                    <a:lstStyle/>
+                    <a:p>
+                      <a:pPr algn="ctr"/>
+                      <a:r>
+                        <a:rPr lang="fr-FR" sz="1000" dirty="0"/>
+                        <a:t>128</a:t>
+                      </a:r>
+                      <a:endParaRPr lang="fr-CH" sz="1000" dirty="0"/>
+                    </a:p>
+                  </a:txBody>
+                  <a:tcPr anchor="ctr"/>
+                </a:tc>
+                <a:tc>
+                  <a:txBody>
+                    <a:bodyPr/>
+                    <a:lstStyle/>
+                    <a:p>
+                      <a:pPr algn="ctr"/>
+                      <a:r>
+                        <a:rPr lang="fr-FR" sz="1000" dirty="0"/>
+                        <a:t>64</a:t>
+                      </a:r>
+                      <a:endParaRPr lang="fr-CH" sz="1000" dirty="0"/>
+                    </a:p>
+                  </a:txBody>
+                  <a:tcPr anchor="ctr"/>
+                </a:tc>
+                <a:tc>
+                  <a:txBody>
+                    <a:bodyPr/>
+                    <a:lstStyle/>
+                    <a:p>
+                      <a:pPr algn="ctr"/>
+                      <a:r>
+                        <a:rPr lang="fr-FR" sz="1000" dirty="0"/>
+                        <a:t>32</a:t>
+                      </a:r>
+                      <a:endParaRPr lang="fr-CH" sz="1000" dirty="0"/>
+                    </a:p>
+                  </a:txBody>
+                  <a:tcPr anchor="ctr"/>
+                </a:tc>
+                <a:tc>
+                  <a:txBody>
+                    <a:bodyPr/>
+                    <a:lstStyle/>
+                    <a:p>
+                      <a:pPr algn="ctr"/>
+                      <a:r>
+                        <a:rPr lang="fr-FR" sz="1000" dirty="0"/>
+                        <a:t>16</a:t>
+                      </a:r>
+                      <a:endParaRPr lang="fr-CH" sz="1000" dirty="0"/>
+                    </a:p>
+                  </a:txBody>
+                  <a:tcPr anchor="ctr"/>
+                </a:tc>
+                <a:tc>
+                  <a:txBody>
+                    <a:bodyPr/>
+                    <a:lstStyle/>
+                    <a:p>
+                      <a:pPr algn="ctr"/>
+                      <a:r>
+                        <a:rPr lang="fr-FR" sz="1000" dirty="0"/>
+                        <a:t>8</a:t>
+                      </a:r>
+                      <a:endParaRPr lang="fr-CH" sz="1000" dirty="0"/>
+                    </a:p>
+                  </a:txBody>
+                  <a:tcPr anchor="ctr"/>
+                </a:tc>
+                <a:tc>
+                  <a:txBody>
+                    <a:bodyPr/>
+                    <a:lstStyle/>
+                    <a:p>
+                      <a:pPr algn="ctr"/>
+                      <a:r>
+                        <a:rPr lang="fr-FR" sz="1000" dirty="0"/>
+                        <a:t>4</a:t>
+                      </a:r>
+                      <a:endParaRPr lang="fr-CH" sz="1000" dirty="0"/>
+                    </a:p>
+                  </a:txBody>
+                  <a:tcPr anchor="ctr"/>
+                </a:tc>
+                <a:tc>
+                  <a:txBody>
+                    <a:bodyPr/>
+                    <a:lstStyle/>
+                    <a:p>
+                      <a:pPr algn="ctr"/>
+                      <a:r>
+                        <a:rPr lang="fr-FR" sz="1000" dirty="0"/>
+                        <a:t>2</a:t>
+                      </a:r>
+                      <a:endParaRPr lang="fr-CH" sz="1000" dirty="0"/>
+                    </a:p>
+                  </a:txBody>
+                  <a:tcPr anchor="ctr"/>
+                </a:tc>
+                <a:tc>
+                  <a:txBody>
+                    <a:bodyPr/>
+                    <a:lstStyle/>
+                    <a:p>
+                      <a:pPr algn="ctr"/>
+                      <a:r>
+                        <a:rPr lang="fr-FR" sz="1000" dirty="0"/>
+                        <a:t>1</a:t>
+                      </a:r>
+                      <a:endParaRPr lang="fr-CH" sz="1000" dirty="0"/>
+                    </a:p>
+                  </a:txBody>
+                  <a:tcPr anchor="ctr"/>
+                </a:tc>
+                <a:tc>
+                  <a:txBody>
+                    <a:bodyPr/>
+                    <a:lstStyle/>
+                    <a:p>
+                      <a:pPr algn="ctr"/>
+                      <a:r>
+                        <a:rPr lang="fr-FR" sz="1000" dirty="0"/>
+                        <a:t>256</a:t>
+                      </a:r>
+                      <a:endParaRPr lang="fr-CH" sz="1000" dirty="0"/>
+                    </a:p>
+                  </a:txBody>
+                  <a:tcPr anchor="ctr"/>
+                </a:tc>
+                <a:tc>
+                  <a:txBody>
+                    <a:bodyPr/>
+                    <a:lstStyle/>
+                    <a:p>
+                      <a:pPr algn="ctr"/>
+                      <a:r>
+                        <a:rPr lang="fr-FR" sz="1000" dirty="0"/>
+                        <a:t>128</a:t>
+                      </a:r>
+                      <a:endParaRPr lang="fr-CH" sz="1000" dirty="0"/>
+                    </a:p>
+                  </a:txBody>
+                  <a:tcPr anchor="ctr"/>
+                </a:tc>
+                <a:tc>
+                  <a:txBody>
+                    <a:bodyPr/>
+                    <a:lstStyle/>
+                    <a:p>
+                      <a:pPr algn="ctr"/>
+                      <a:r>
+                        <a:rPr lang="fr-FR" sz="1000" dirty="0"/>
+                        <a:t>64</a:t>
+                      </a:r>
+                      <a:endParaRPr lang="fr-CH" sz="1000" dirty="0"/>
+                    </a:p>
+                  </a:txBody>
+                  <a:tcPr anchor="ctr"/>
+                </a:tc>
+                <a:tc>
+                  <a:txBody>
+                    <a:bodyPr/>
+                    <a:lstStyle/>
+                    <a:p>
+                      <a:pPr algn="ctr"/>
+                      <a:r>
+                        <a:rPr lang="fr-FR" sz="1000" dirty="0"/>
+                        <a:t>32</a:t>
+                      </a:r>
+                      <a:endParaRPr lang="fr-CH" sz="1000" dirty="0"/>
+                    </a:p>
+                  </a:txBody>
+                  <a:tcPr anchor="ctr"/>
+                </a:tc>
+                <a:tc>
+                  <a:txBody>
+                    <a:bodyPr/>
+                    <a:lstStyle/>
+                    <a:p>
+                      <a:pPr algn="ctr"/>
+                      <a:r>
+                        <a:rPr lang="fr-FR" sz="1000" dirty="0"/>
+                        <a:t>16</a:t>
+                      </a:r>
+                      <a:endParaRPr lang="fr-CH" sz="1000" dirty="0"/>
+                    </a:p>
+                  </a:txBody>
+                  <a:tcPr anchor="ctr"/>
+                </a:tc>
+                <a:tc>
+                  <a:txBody>
+                    <a:bodyPr/>
+                    <a:lstStyle/>
+                    <a:p>
+                      <a:pPr algn="ctr"/>
+                      <a:r>
+                        <a:rPr lang="fr-FR" sz="1000" dirty="0"/>
+                        <a:t>8</a:t>
+                      </a:r>
+                      <a:endParaRPr lang="fr-CH" sz="1000" dirty="0"/>
+                    </a:p>
+                  </a:txBody>
+                  <a:tcPr anchor="ctr"/>
+                </a:tc>
+                <a:tc>
+                  <a:txBody>
+                    <a:bodyPr/>
+                    <a:lstStyle/>
+                    <a:p>
+                      <a:pPr algn="ctr"/>
+                      <a:r>
+                        <a:rPr lang="fr-FR" sz="1000" dirty="0"/>
+                        <a:t>4</a:t>
+                      </a:r>
+                      <a:endParaRPr lang="fr-CH" sz="1000" dirty="0"/>
+                    </a:p>
+                  </a:txBody>
+                  <a:tcPr anchor="ctr"/>
+                </a:tc>
+                <a:tc>
+                  <a:txBody>
+                    <a:bodyPr/>
+                    <a:lstStyle/>
+                    <a:p>
+                      <a:pPr algn="ctr"/>
+                      <a:r>
+                        <a:rPr lang="fr-FR" sz="1000" dirty="0"/>
+                        <a:t>2</a:t>
+                      </a:r>
+                      <a:endParaRPr lang="fr-CH" sz="1000" dirty="0"/>
+                    </a:p>
+                  </a:txBody>
+                  <a:tcPr anchor="ctr"/>
+                </a:tc>
+                <a:tc>
+                  <a:txBody>
+                    <a:bodyPr/>
+                    <a:lstStyle/>
+                    <a:p>
+                      <a:pPr algn="ctr"/>
+                      <a:r>
+                        <a:rPr lang="fr-FR" sz="1000" dirty="0"/>
+                        <a:t>1</a:t>
+                      </a:r>
+                      <a:endParaRPr lang="fr-CH" sz="1000" dirty="0"/>
+                    </a:p>
+                  </a:txBody>
+                  <a:tcPr anchor="ctr"/>
+                </a:tc>
+                <a:tc>
+                  <a:txBody>
+                    <a:bodyPr/>
+                    <a:lstStyle/>
+                    <a:p>
+                      <a:pPr algn="ctr"/>
+                      <a:r>
+                        <a:rPr lang="fr-FR" sz="1000" dirty="0"/>
+                        <a:t>256</a:t>
+                      </a:r>
+                      <a:endParaRPr lang="fr-CH" sz="1000" dirty="0"/>
+                    </a:p>
+                  </a:txBody>
+                  <a:tcPr anchor="ctr"/>
+                </a:tc>
+                <a:tc>
+                  <a:txBody>
+                    <a:bodyPr/>
+                    <a:lstStyle/>
+                    <a:p>
+                      <a:pPr algn="ctr"/>
+                      <a:r>
+                        <a:rPr lang="fr-FR" sz="1000" dirty="0"/>
+                        <a:t>128</a:t>
+                      </a:r>
+                      <a:endParaRPr lang="fr-CH" sz="1000" dirty="0"/>
+                    </a:p>
+                  </a:txBody>
+                  <a:tcPr anchor="ctr"/>
+                </a:tc>
+                <a:tc>
+                  <a:txBody>
+                    <a:bodyPr/>
+                    <a:lstStyle/>
+                    <a:p>
+                      <a:pPr algn="ctr"/>
+                      <a:r>
+                        <a:rPr lang="fr-FR" sz="1000" dirty="0"/>
+                        <a:t>64</a:t>
+                      </a:r>
+                      <a:endParaRPr lang="fr-CH" sz="1000" dirty="0"/>
+                    </a:p>
+                  </a:txBody>
+                  <a:tcPr anchor="ctr"/>
+                </a:tc>
+                <a:tc>
+                  <a:txBody>
+                    <a:bodyPr/>
+                    <a:lstStyle/>
+                    <a:p>
+                      <a:pPr algn="ctr"/>
+                      <a:r>
+                        <a:rPr lang="fr-FR" sz="1000" dirty="0"/>
+                        <a:t>32</a:t>
+                      </a:r>
+                      <a:endParaRPr lang="fr-CH" sz="1000" dirty="0"/>
+                    </a:p>
+                  </a:txBody>
+                  <a:tcPr anchor="ctr"/>
+                </a:tc>
+                <a:tc>
+                  <a:txBody>
+                    <a:bodyPr/>
+                    <a:lstStyle/>
+                    <a:p>
+                      <a:pPr algn="ctr"/>
+                      <a:r>
+                        <a:rPr lang="fr-FR" sz="1000" dirty="0"/>
+                        <a:t>16</a:t>
+                      </a:r>
+                      <a:endParaRPr lang="fr-CH" sz="1000" dirty="0"/>
+                    </a:p>
+                  </a:txBody>
+                  <a:tcPr anchor="ctr"/>
+                </a:tc>
+                <a:tc>
+                  <a:txBody>
+                    <a:bodyPr/>
+                    <a:lstStyle/>
+                    <a:p>
+                      <a:pPr algn="ctr"/>
+                      <a:r>
+                        <a:rPr lang="fr-FR" sz="1000" dirty="0"/>
+                        <a:t>8</a:t>
+                      </a:r>
+                      <a:endParaRPr lang="fr-CH" sz="1000" dirty="0"/>
+                    </a:p>
+                  </a:txBody>
+                  <a:tcPr anchor="ctr"/>
+                </a:tc>
+                <a:tc>
+                  <a:txBody>
+                    <a:bodyPr/>
+                    <a:lstStyle/>
+                    <a:p>
+                      <a:pPr algn="ctr"/>
+                      <a:r>
+                        <a:rPr lang="fr-FR" sz="1000" dirty="0"/>
+                        <a:t>4</a:t>
+                      </a:r>
+                      <a:endParaRPr lang="fr-CH" sz="1000" dirty="0"/>
+                    </a:p>
+                  </a:txBody>
+                  <a:tcPr anchor="ctr"/>
+                </a:tc>
+                <a:tc>
+                  <a:txBody>
+                    <a:bodyPr/>
+                    <a:lstStyle/>
+                    <a:p>
+                      <a:pPr algn="ctr"/>
+                      <a:r>
+                        <a:rPr lang="fr-FR" sz="1000" dirty="0"/>
+                        <a:t>2</a:t>
+                      </a:r>
+                      <a:endParaRPr lang="fr-CH" sz="1000" dirty="0"/>
+                    </a:p>
+                  </a:txBody>
+                  <a:tcPr anchor="ctr"/>
+                </a:tc>
+                <a:tc>
+                  <a:txBody>
+                    <a:bodyPr/>
+                    <a:lstStyle/>
+                    <a:p>
+                      <a:pPr algn="ctr"/>
+                      <a:r>
+                        <a:rPr lang="fr-FR" sz="1000" dirty="0"/>
+                        <a:t>1</a:t>
+                      </a:r>
+                      <a:endParaRPr lang="fr-CH" sz="1000" dirty="0"/>
+                    </a:p>
+                  </a:txBody>
+                  <a:tcPr anchor="ctr"/>
+                </a:tc>
+                <a:extLst>
+                  <a:ext uri="{0D108BD9-81ED-4DB2-BD59-A6C34878D82A}">
+                    <a16:rowId xmlns:a16="http://schemas.microsoft.com/office/drawing/2014/main" val="4111345819"/>
+                  </a:ext>
+                </a:extLst>
+              </a:tr>
+              <a:tr h="457200">
+                <a:tc>
+                  <a:txBody>
+                    <a:bodyPr/>
+                    <a:lstStyle/>
+                    <a:p>
+                      <a:r>
+                        <a:rPr lang="fr-FR" sz="1200" dirty="0"/>
+                        <a:t>Nbr adresses utilisables par </a:t>
+                      </a:r>
+                      <a:r>
+                        <a:rPr lang="fr-FR" sz="1200" dirty="0" err="1"/>
+                        <a:t>ss</a:t>
+                      </a:r>
+                      <a:r>
+                        <a:rPr lang="fr-FR" sz="1200" dirty="0"/>
+                        <a:t>-r.</a:t>
+                      </a:r>
+                      <a:endParaRPr lang="fr-CH" sz="1200" dirty="0"/>
+                    </a:p>
+                  </a:txBody>
+                  <a:tcPr/>
+                </a:tc>
+                <a:tc>
+                  <a:txBody>
+                    <a:bodyPr/>
+                    <a:lstStyle/>
+                    <a:p>
+                      <a:pPr algn="ctr"/>
+                      <a:r>
+                        <a:rPr lang="fr-FR" sz="1000" dirty="0"/>
+                        <a:t>254</a:t>
+                      </a:r>
+                      <a:endParaRPr lang="fr-CH" sz="1000" dirty="0"/>
+                    </a:p>
+                  </a:txBody>
+                  <a:tcPr anchor="ctr"/>
+                </a:tc>
+                <a:tc>
+                  <a:txBody>
+                    <a:bodyPr/>
+                    <a:lstStyle/>
+                    <a:p>
+                      <a:pPr algn="ctr"/>
+                      <a:r>
+                        <a:rPr lang="fr-FR" sz="1000" dirty="0"/>
+                        <a:t>126</a:t>
+                      </a:r>
+                      <a:endParaRPr lang="fr-CH" sz="1000" dirty="0"/>
+                    </a:p>
+                  </a:txBody>
+                  <a:tcPr anchor="ctr"/>
+                </a:tc>
+                <a:tc>
+                  <a:txBody>
+                    <a:bodyPr/>
+                    <a:lstStyle/>
+                    <a:p>
+                      <a:pPr algn="ctr"/>
+                      <a:r>
+                        <a:rPr lang="fr-FR" sz="1000" dirty="0"/>
+                        <a:t>62</a:t>
+                      </a:r>
+                      <a:endParaRPr lang="fr-CH" sz="1000" dirty="0"/>
+                    </a:p>
+                  </a:txBody>
+                  <a:tcPr anchor="ctr"/>
+                </a:tc>
+                <a:tc>
+                  <a:txBody>
+                    <a:bodyPr/>
+                    <a:lstStyle/>
+                    <a:p>
+                      <a:pPr algn="ctr"/>
+                      <a:r>
+                        <a:rPr lang="fr-FR" sz="1000" dirty="0"/>
+                        <a:t>30</a:t>
+                      </a:r>
+                      <a:endParaRPr lang="fr-CH" sz="1000" dirty="0"/>
+                    </a:p>
+                  </a:txBody>
+                  <a:tcPr anchor="ctr"/>
+                </a:tc>
+                <a:tc>
+                  <a:txBody>
+                    <a:bodyPr/>
+                    <a:lstStyle/>
+                    <a:p>
+                      <a:pPr algn="ctr"/>
+                      <a:r>
+                        <a:rPr lang="fr-FR" sz="1000" dirty="0"/>
+                        <a:t>14</a:t>
+                      </a:r>
+                      <a:endParaRPr lang="fr-CH" sz="1000" dirty="0"/>
+                    </a:p>
+                  </a:txBody>
+                  <a:tcPr anchor="ctr"/>
+                </a:tc>
+                <a:tc>
+                  <a:txBody>
+                    <a:bodyPr/>
+                    <a:lstStyle/>
+                    <a:p>
+                      <a:pPr algn="ctr"/>
+                      <a:r>
+                        <a:rPr lang="fr-FR" sz="1000" dirty="0"/>
+                        <a:t>6</a:t>
+                      </a:r>
+                      <a:endParaRPr lang="fr-CH" sz="1000" dirty="0"/>
+                    </a:p>
+                  </a:txBody>
+                  <a:tcPr anchor="ctr"/>
+                </a:tc>
+                <a:tc>
+                  <a:txBody>
+                    <a:bodyPr/>
+                    <a:lstStyle/>
+                    <a:p>
+                      <a:pPr algn="ctr"/>
+                      <a:r>
+                        <a:rPr lang="fr-FR" sz="1000" dirty="0"/>
+                        <a:t>2</a:t>
+                      </a:r>
+                      <a:endParaRPr lang="fr-CH" sz="1000" dirty="0"/>
+                    </a:p>
+                  </a:txBody>
+                  <a:tcPr anchor="ctr"/>
+                </a:tc>
+                <a:tc>
+                  <a:txBody>
+                    <a:bodyPr/>
+                    <a:lstStyle/>
+                    <a:p>
+                      <a:pPr algn="ctr"/>
+                      <a:r>
+                        <a:rPr lang="fr-FR" sz="1000" dirty="0"/>
+                        <a:t>0</a:t>
+                      </a:r>
+                      <a:endParaRPr lang="fr-CH" sz="1000" dirty="0"/>
+                    </a:p>
+                  </a:txBody>
+                  <a:tcPr anchor="ctr"/>
+                </a:tc>
+                <a:tc>
+                  <a:txBody>
+                    <a:bodyPr/>
+                    <a:lstStyle/>
+                    <a:p>
+                      <a:pPr algn="ctr"/>
+                      <a:r>
+                        <a:rPr lang="fr-FR" sz="1000" dirty="0"/>
+                        <a:t>0</a:t>
+                      </a:r>
+                      <a:endParaRPr lang="fr-CH" sz="1000" dirty="0"/>
+                    </a:p>
+                  </a:txBody>
+                  <a:tcPr anchor="ctr"/>
+                </a:tc>
+                <a:tc>
+                  <a:txBody>
+                    <a:bodyPr/>
+                    <a:lstStyle/>
+                    <a:p>
+                      <a:pPr algn="ctr"/>
+                      <a:r>
+                        <a:rPr lang="fr-FR" sz="1000" dirty="0"/>
+                        <a:t>254</a:t>
+                      </a:r>
+                      <a:endParaRPr lang="fr-CH" sz="1000" dirty="0"/>
+                    </a:p>
+                  </a:txBody>
+                  <a:tcPr anchor="ctr"/>
+                </a:tc>
+                <a:tc>
+                  <a:txBody>
+                    <a:bodyPr/>
+                    <a:lstStyle/>
+                    <a:p>
+                      <a:pPr algn="ctr"/>
+                      <a:r>
+                        <a:rPr lang="fr-FR" sz="1000" dirty="0"/>
+                        <a:t>126</a:t>
+                      </a:r>
+                      <a:endParaRPr lang="fr-CH" sz="1000" dirty="0"/>
+                    </a:p>
+                  </a:txBody>
+                  <a:tcPr anchor="ctr"/>
+                </a:tc>
+                <a:tc>
+                  <a:txBody>
+                    <a:bodyPr/>
+                    <a:lstStyle/>
+                    <a:p>
+                      <a:pPr algn="ctr"/>
+                      <a:r>
+                        <a:rPr lang="fr-FR" sz="1000" dirty="0"/>
+                        <a:t>62</a:t>
+                      </a:r>
+                      <a:endParaRPr lang="fr-CH" sz="1000" dirty="0"/>
+                    </a:p>
+                  </a:txBody>
+                  <a:tcPr anchor="ctr"/>
+                </a:tc>
+                <a:tc>
+                  <a:txBody>
+                    <a:bodyPr/>
+                    <a:lstStyle/>
+                    <a:p>
+                      <a:pPr algn="ctr"/>
+                      <a:r>
+                        <a:rPr lang="fr-FR" sz="1000" dirty="0"/>
+                        <a:t>30</a:t>
+                      </a:r>
+                      <a:endParaRPr lang="fr-CH" sz="1000" dirty="0"/>
+                    </a:p>
+                  </a:txBody>
+                  <a:tcPr anchor="ctr"/>
+                </a:tc>
+                <a:tc>
+                  <a:txBody>
+                    <a:bodyPr/>
+                    <a:lstStyle/>
+                    <a:p>
+                      <a:pPr algn="ctr"/>
+                      <a:r>
+                        <a:rPr lang="fr-FR" sz="1000" dirty="0"/>
+                        <a:t>14</a:t>
+                      </a:r>
+                      <a:endParaRPr lang="fr-CH" sz="1000" dirty="0"/>
+                    </a:p>
+                  </a:txBody>
+                  <a:tcPr anchor="ctr"/>
+                </a:tc>
+                <a:tc>
+                  <a:txBody>
+                    <a:bodyPr/>
+                    <a:lstStyle/>
+                    <a:p>
+                      <a:pPr algn="ctr"/>
+                      <a:r>
+                        <a:rPr lang="fr-FR" sz="1000" dirty="0"/>
+                        <a:t>6</a:t>
+                      </a:r>
+                      <a:endParaRPr lang="fr-CH" sz="1000" dirty="0"/>
+                    </a:p>
+                  </a:txBody>
+                  <a:tcPr anchor="ctr"/>
+                </a:tc>
+                <a:tc>
+                  <a:txBody>
+                    <a:bodyPr/>
+                    <a:lstStyle/>
+                    <a:p>
+                      <a:pPr algn="ctr"/>
+                      <a:r>
+                        <a:rPr lang="fr-FR" sz="1000" dirty="0"/>
+                        <a:t>2</a:t>
+                      </a:r>
+                      <a:endParaRPr lang="fr-CH" sz="1000" dirty="0"/>
+                    </a:p>
+                  </a:txBody>
+                  <a:tcPr anchor="ctr"/>
+                </a:tc>
+                <a:tc>
+                  <a:txBody>
+                    <a:bodyPr/>
+                    <a:lstStyle/>
+                    <a:p>
+                      <a:pPr algn="ctr"/>
+                      <a:r>
+                        <a:rPr lang="fr-FR" sz="1000" dirty="0"/>
+                        <a:t>0</a:t>
+                      </a:r>
+                      <a:endParaRPr lang="fr-CH" sz="1000" dirty="0"/>
+                    </a:p>
+                  </a:txBody>
+                  <a:tcPr anchor="ctr"/>
+                </a:tc>
+                <a:tc>
+                  <a:txBody>
+                    <a:bodyPr/>
+                    <a:lstStyle/>
+                    <a:p>
+                      <a:pPr algn="ctr"/>
+                      <a:r>
+                        <a:rPr lang="fr-FR" sz="1000" dirty="0"/>
+                        <a:t>0</a:t>
+                      </a:r>
+                      <a:endParaRPr lang="fr-CH" sz="1000" dirty="0"/>
+                    </a:p>
+                  </a:txBody>
+                  <a:tcPr anchor="ctr"/>
+                </a:tc>
+                <a:tc>
+                  <a:txBody>
+                    <a:bodyPr/>
+                    <a:lstStyle/>
+                    <a:p>
+                      <a:pPr algn="ctr"/>
+                      <a:r>
+                        <a:rPr lang="fr-FR" sz="1000" dirty="0"/>
+                        <a:t>254</a:t>
+                      </a:r>
+                      <a:endParaRPr lang="fr-CH" sz="1000" dirty="0"/>
+                    </a:p>
+                  </a:txBody>
+                  <a:tcPr anchor="ctr"/>
+                </a:tc>
+                <a:tc>
+                  <a:txBody>
+                    <a:bodyPr/>
+                    <a:lstStyle/>
+                    <a:p>
+                      <a:pPr algn="ctr"/>
+                      <a:r>
+                        <a:rPr lang="fr-FR" sz="1000" dirty="0"/>
+                        <a:t>126</a:t>
+                      </a:r>
+                      <a:endParaRPr lang="fr-CH" sz="1000" dirty="0"/>
+                    </a:p>
+                  </a:txBody>
+                  <a:tcPr anchor="ctr"/>
+                </a:tc>
+                <a:tc>
+                  <a:txBody>
+                    <a:bodyPr/>
+                    <a:lstStyle/>
+                    <a:p>
+                      <a:pPr algn="ctr"/>
+                      <a:r>
+                        <a:rPr lang="fr-FR" sz="1000" dirty="0"/>
+                        <a:t>62</a:t>
+                      </a:r>
+                      <a:endParaRPr lang="fr-CH" sz="1000" dirty="0"/>
+                    </a:p>
+                  </a:txBody>
+                  <a:tcPr anchor="ctr"/>
+                </a:tc>
+                <a:tc>
+                  <a:txBody>
+                    <a:bodyPr/>
+                    <a:lstStyle/>
+                    <a:p>
+                      <a:pPr algn="ctr"/>
+                      <a:r>
+                        <a:rPr lang="fr-FR" sz="1000" dirty="0"/>
+                        <a:t>30</a:t>
+                      </a:r>
+                      <a:endParaRPr lang="fr-CH" sz="1000" dirty="0"/>
+                    </a:p>
+                  </a:txBody>
+                  <a:tcPr anchor="ctr"/>
+                </a:tc>
+                <a:tc>
+                  <a:txBody>
+                    <a:bodyPr/>
+                    <a:lstStyle/>
+                    <a:p>
+                      <a:pPr algn="ctr"/>
+                      <a:r>
+                        <a:rPr lang="fr-FR" sz="1000" dirty="0"/>
+                        <a:t>14</a:t>
+                      </a:r>
+                      <a:endParaRPr lang="fr-CH" sz="1000" dirty="0"/>
+                    </a:p>
+                  </a:txBody>
+                  <a:tcPr anchor="ctr"/>
+                </a:tc>
+                <a:tc>
+                  <a:txBody>
+                    <a:bodyPr/>
+                    <a:lstStyle/>
+                    <a:p>
+                      <a:pPr algn="ctr"/>
+                      <a:r>
+                        <a:rPr lang="fr-FR" sz="1000" dirty="0"/>
+                        <a:t>6</a:t>
+                      </a:r>
+                      <a:endParaRPr lang="fr-CH" sz="1000" dirty="0"/>
+                    </a:p>
+                  </a:txBody>
+                  <a:tcPr anchor="ctr"/>
+                </a:tc>
+                <a:tc>
+                  <a:txBody>
+                    <a:bodyPr/>
+                    <a:lstStyle/>
+                    <a:p>
+                      <a:pPr algn="ctr"/>
+                      <a:r>
+                        <a:rPr lang="fr-FR" sz="1000" dirty="0"/>
+                        <a:t>2</a:t>
+                      </a:r>
+                      <a:endParaRPr lang="fr-CH" sz="1000" dirty="0"/>
+                    </a:p>
+                  </a:txBody>
+                  <a:tcPr anchor="ctr"/>
+                </a:tc>
+                <a:tc>
+                  <a:txBody>
+                    <a:bodyPr/>
+                    <a:lstStyle/>
+                    <a:p>
+                      <a:pPr algn="ctr"/>
+                      <a:r>
+                        <a:rPr lang="fr-FR" sz="1000" dirty="0"/>
+                        <a:t>0</a:t>
+                      </a:r>
+                      <a:endParaRPr lang="fr-CH" sz="1000" dirty="0"/>
+                    </a:p>
+                  </a:txBody>
+                  <a:tcPr anchor="ctr"/>
+                </a:tc>
+                <a:tc>
+                  <a:txBody>
+                    <a:bodyPr/>
+                    <a:lstStyle/>
+                    <a:p>
+                      <a:pPr algn="ctr"/>
+                      <a:r>
+                        <a:rPr lang="fr-FR" sz="1000" dirty="0"/>
+                        <a:t>0</a:t>
+                      </a:r>
+                      <a:endParaRPr lang="fr-CH" sz="1000" dirty="0"/>
+                    </a:p>
+                  </a:txBody>
+                  <a:tcPr anchor="ctr"/>
+                </a:tc>
+                <a:tc>
+                  <a:txBody>
+                    <a:bodyPr/>
+                    <a:lstStyle/>
+                    <a:p>
+                      <a:pPr algn="ctr"/>
+                      <a:r>
+                        <a:rPr lang="fr-FR" sz="1000" dirty="0"/>
+                        <a:t>254</a:t>
+                      </a:r>
+                      <a:endParaRPr lang="fr-CH" sz="1000" dirty="0"/>
+                    </a:p>
+                  </a:txBody>
+                  <a:tcPr anchor="ctr"/>
+                </a:tc>
+                <a:tc>
+                  <a:txBody>
+                    <a:bodyPr/>
+                    <a:lstStyle/>
+                    <a:p>
+                      <a:pPr algn="ctr"/>
+                      <a:r>
+                        <a:rPr lang="fr-FR" sz="1000" dirty="0"/>
+                        <a:t>126</a:t>
+                      </a:r>
+                      <a:endParaRPr lang="fr-CH" sz="1000" dirty="0"/>
+                    </a:p>
+                  </a:txBody>
+                  <a:tcPr anchor="ctr"/>
+                </a:tc>
+                <a:tc>
+                  <a:txBody>
+                    <a:bodyPr/>
+                    <a:lstStyle/>
+                    <a:p>
+                      <a:pPr algn="ctr"/>
+                      <a:r>
+                        <a:rPr lang="fr-FR" sz="1000" dirty="0"/>
+                        <a:t>62</a:t>
+                      </a:r>
+                      <a:endParaRPr lang="fr-CH" sz="1000" dirty="0"/>
+                    </a:p>
+                  </a:txBody>
+                  <a:tcPr anchor="ctr"/>
+                </a:tc>
+                <a:tc>
+                  <a:txBody>
+                    <a:bodyPr/>
+                    <a:lstStyle/>
+                    <a:p>
+                      <a:pPr algn="ctr"/>
+                      <a:r>
+                        <a:rPr lang="fr-FR" sz="1000" dirty="0"/>
+                        <a:t>30</a:t>
+                      </a:r>
+                      <a:endParaRPr lang="fr-CH" sz="1000" dirty="0"/>
+                    </a:p>
+                  </a:txBody>
+                  <a:tcPr anchor="ctr"/>
+                </a:tc>
+                <a:tc>
+                  <a:txBody>
+                    <a:bodyPr/>
+                    <a:lstStyle/>
+                    <a:p>
+                      <a:pPr algn="ctr"/>
+                      <a:r>
+                        <a:rPr lang="fr-FR" sz="1000" dirty="0"/>
+                        <a:t>14</a:t>
+                      </a:r>
+                      <a:endParaRPr lang="fr-CH" sz="1000" dirty="0"/>
+                    </a:p>
+                  </a:txBody>
+                  <a:tcPr anchor="ctr"/>
+                </a:tc>
+                <a:tc>
+                  <a:txBody>
+                    <a:bodyPr/>
+                    <a:lstStyle/>
+                    <a:p>
+                      <a:pPr algn="ctr"/>
+                      <a:r>
+                        <a:rPr lang="fr-FR" sz="1000" dirty="0"/>
+                        <a:t>6</a:t>
+                      </a:r>
+                      <a:endParaRPr lang="fr-CH" sz="1000" dirty="0"/>
+                    </a:p>
+                  </a:txBody>
+                  <a:tcPr anchor="ctr"/>
+                </a:tc>
+                <a:tc>
+                  <a:txBody>
+                    <a:bodyPr/>
+                    <a:lstStyle/>
+                    <a:p>
+                      <a:pPr algn="ctr"/>
+                      <a:r>
+                        <a:rPr lang="fr-FR" sz="1000" dirty="0"/>
+                        <a:t>2</a:t>
+                      </a:r>
+                      <a:endParaRPr lang="fr-CH" sz="1000" dirty="0"/>
+                    </a:p>
+                  </a:txBody>
+                  <a:tcPr anchor="ctr"/>
+                </a:tc>
+                <a:tc>
+                  <a:txBody>
+                    <a:bodyPr/>
+                    <a:lstStyle/>
+                    <a:p>
+                      <a:pPr algn="ctr"/>
+                      <a:r>
+                        <a:rPr lang="fr-FR" sz="1000" dirty="0"/>
+                        <a:t>0</a:t>
+                      </a:r>
+                      <a:endParaRPr lang="fr-CH" sz="1000" dirty="0"/>
+                    </a:p>
+                  </a:txBody>
+                  <a:tcPr anchor="ctr"/>
+                </a:tc>
+                <a:tc>
+                  <a:txBody>
+                    <a:bodyPr/>
+                    <a:lstStyle/>
+                    <a:p>
+                      <a:pPr algn="ctr"/>
+                      <a:r>
+                        <a:rPr lang="fr-FR" sz="1000" dirty="0"/>
+                        <a:t>0</a:t>
+                      </a:r>
+                      <a:endParaRPr lang="fr-CH" sz="1000" dirty="0"/>
+                    </a:p>
+                  </a:txBody>
+                  <a:tcPr anchor="ctr"/>
+                </a:tc>
+                <a:extLst>
+                  <a:ext uri="{0D108BD9-81ED-4DB2-BD59-A6C34878D82A}">
+                    <a16:rowId xmlns:a16="http://schemas.microsoft.com/office/drawing/2014/main" val="1079840370"/>
+                  </a:ext>
+                </a:extLst>
+              </a:tr>
+            </a:tbl>
+          </a:graphicData>
+        </a:graphic>
+      </p:graphicFrame>
       <p:sp>
         <p:nvSpPr>
           <p:cNvPr id="22" name="Espace réservé du numéro de diapositive 21">
             <a:extLst>
               <a:ext uri="{FF2B5EF4-FFF2-40B4-BE49-F238E27FC236}">
-                <a16:creationId xmlns:a16="http://schemas.microsoft.com/office/drawing/2014/main" id="{E2B05EEA-C28E-91A5-D911-ADAD6B197562}"/>
+                <a16:creationId xmlns:a16="http://schemas.microsoft.com/office/drawing/2014/main" id="{9DE58D54-FFBF-0CCA-7D41-99E1BBC6FE63}"/>
               </a:ext>
             </a:extLst>
           </p:cNvPr>
@@ -16888,16 +20124,106 @@
           <a:p>
             <a:fld id="{6D22F896-40B5-4ADD-8801-0D06FADFA095}" type="slidenum">
               <a:rPr lang="en-US" smtClean="0"/>
-              <a:t>11</a:t>
+              <a:t>12</a:t>
             </a:fld>
             <a:endParaRPr lang="en-US" dirty="0"/>
+          </a:p>
+        </p:txBody>
+      </p:sp>
+      <p:sp>
+        <p:nvSpPr>
+          <p:cNvPr id="9" name="ZoneTexte 8">
+            <a:extLst>
+              <a:ext uri="{FF2B5EF4-FFF2-40B4-BE49-F238E27FC236}">
+                <a16:creationId xmlns:a16="http://schemas.microsoft.com/office/drawing/2014/main" id="{EBF9892A-1EA4-D86A-A66F-689D404B7D9D}"/>
+              </a:ext>
+            </a:extLst>
+          </p:cNvPr>
+          <p:cNvSpPr txBox="1"/>
+          <p:nvPr/>
+        </p:nvSpPr>
+        <p:spPr>
+          <a:xfrm>
+            <a:off x="4741301" y="1530210"/>
+            <a:ext cx="2709396" cy="892552"/>
+          </a:xfrm>
+          <a:prstGeom prst="rect">
+            <a:avLst/>
+          </a:prstGeom>
+          <a:noFill/>
+          <a:ln w="28575">
+            <a:solidFill>
+              <a:schemeClr val="accent2"/>
+            </a:solidFill>
+            <a:prstDash val="sysDot"/>
+          </a:ln>
+        </p:spPr>
+        <p:txBody>
+          <a:bodyPr wrap="none" rtlCol="0">
+            <a:spAutoFit/>
+          </a:bodyPr>
+          <a:lstStyle/>
+          <a:p>
+            <a:r>
+              <a:rPr lang="fr-FR" sz="1600" dirty="0"/>
+              <a:t>Exemples:</a:t>
+            </a:r>
+          </a:p>
+          <a:p>
+            <a:r>
+              <a:rPr lang="fr-FR" sz="1200" dirty="0"/>
+              <a:t>		255.255.255.192 </a:t>
+            </a:r>
+            <a:r>
+              <a:rPr lang="fr-FR" sz="1200" dirty="0">
+                <a:sym typeface="Wingdings" panose="05000000000000000000" pitchFamily="2" charset="2"/>
+              </a:rPr>
+              <a:t></a:t>
+            </a:r>
+            <a:r>
+              <a:rPr lang="fr-FR" sz="1200" dirty="0"/>
+              <a:t> /26</a:t>
+            </a:r>
+          </a:p>
+          <a:p>
+            <a:r>
+              <a:rPr lang="fr-FR" sz="1200" dirty="0"/>
+              <a:t>		255.255.0.0 </a:t>
+            </a:r>
+            <a:r>
+              <a:rPr lang="fr-FR" sz="1200" dirty="0">
+                <a:sym typeface="Wingdings" panose="05000000000000000000" pitchFamily="2" charset="2"/>
+              </a:rPr>
+              <a:t></a:t>
+            </a:r>
+            <a:r>
+              <a:rPr lang="fr-FR" sz="1200" dirty="0"/>
+              <a:t> /16</a:t>
+            </a:r>
+          </a:p>
+          <a:p>
+            <a:r>
+              <a:rPr lang="fr-FR" sz="1200" dirty="0"/>
+              <a:t>		255.224.0.0 </a:t>
+            </a:r>
+            <a:r>
+              <a:rPr lang="fr-FR" sz="1200" dirty="0">
+                <a:sym typeface="Wingdings" panose="05000000000000000000" pitchFamily="2" charset="2"/>
+              </a:rPr>
+              <a:t></a:t>
+            </a:r>
+            <a:r>
+              <a:rPr lang="fr-FR" sz="1200" dirty="0"/>
+              <a:t> /3</a:t>
+            </a:r>
+            <a:endParaRPr lang="fr-CH" sz="1200" dirty="0"/>
           </a:p>
         </p:txBody>
       </p:sp>
     </p:spTree>
     <p:extLst>
       <p:ext uri="{BB962C8B-B14F-4D97-AF65-F5344CB8AC3E}">
-        <p14:creationId xmlns:p14="http://schemas.microsoft.com/office/powerpoint/2010/main" val="1184787775"/>
+        <p14:creationId xmlns:p14="http://schemas.microsoft.com/office/powerpoint/2010/main" val="4129723449"/>
       </p:ext>
     </p:extLst>
   </p:cSld>
@@ -16907,7 +20233,7 @@
 </p:sld>
 </file>
 
-<file path=ppt/slides/slide12.xml><?xml version="1.0" encoding="utf-8"?>
+<file path=ppt/slides/slide13.xml><?xml version="1.0" encoding="utf-8"?>
 <p:sld xmlns:a="http://schemas.openxmlformats.org/drawingml/2006/main" xmlns:r="http://schemas.openxmlformats.org/officeDocument/2006/relationships" xmlns:p="http://schemas.openxmlformats.org/presentationml/2006/main">
   <p:cSld>
     <p:spTree>
@@ -17036,7 +20362,7 @@
           <a:p>
             <a:fld id="{6D22F896-40B5-4ADD-8801-0D06FADFA095}" type="slidenum">
               <a:rPr lang="en-US" smtClean="0"/>
-              <a:t>12</a:t>
+              <a:t>13</a:t>
             </a:fld>
             <a:endParaRPr lang="en-US" dirty="0"/>
           </a:p>
@@ -17055,7 +20381,7 @@
 </p:sld>
 </file>
 
-<file path=ppt/slides/slide13.xml><?xml version="1.0" encoding="utf-8"?>
+<file path=ppt/slides/slide14.xml><?xml version="1.0" encoding="utf-8"?>
 <p:sld xmlns:a="http://schemas.openxmlformats.org/drawingml/2006/main" xmlns:r="http://schemas.openxmlformats.org/officeDocument/2006/relationships" xmlns:p="http://schemas.openxmlformats.org/presentationml/2006/main">
   <p:cSld>
     <p:spTree>
@@ -17095,7 +20421,7 @@
           <a:p>
             <a:r>
               <a:rPr lang="fr-FR" b="1" dirty="0"/>
-              <a:t>Les routes</a:t>
+              <a:t>Les routes: c’est quoi?</a:t>
             </a:r>
             <a:endParaRPr lang="fr-CH" b="1" dirty="0"/>
           </a:p>
@@ -17353,7 +20679,7 @@
           <a:p>
             <a:fld id="{6D22F896-40B5-4ADD-8801-0D06FADFA095}" type="slidenum">
               <a:rPr lang="en-US" smtClean="0"/>
-              <a:t>13</a:t>
+              <a:t>14</a:t>
             </a:fld>
             <a:endParaRPr lang="en-US" dirty="0"/>
           </a:p>
@@ -17372,7 +20698,7 @@
 </p:sld>
 </file>
 
-<file path=ppt/slides/slide14.xml><?xml version="1.0" encoding="utf-8"?>
+<file path=ppt/slides/slide15.xml><?xml version="1.0" encoding="utf-8"?>
 <p:sld xmlns:a="http://schemas.openxmlformats.org/drawingml/2006/main" xmlns:r="http://schemas.openxmlformats.org/officeDocument/2006/relationships" xmlns:p="http://schemas.openxmlformats.org/presentationml/2006/main">
   <p:cSld>
     <p:spTree>
@@ -17418,7 +20744,7 @@
           <a:p>
             <a:r>
               <a:rPr lang="fr-FR" b="1" dirty="0"/>
-              <a:t>Les routes</a:t>
+              <a:t>Les routes: comment les construire?</a:t>
             </a:r>
             <a:endParaRPr lang="fr-CH" b="1" dirty="0"/>
           </a:p>
@@ -17443,7 +20769,7 @@
         <p:spPr/>
         <p:txBody>
           <a:bodyPr>
-            <a:normAutofit/>
+            <a:normAutofit fontScale="92500" lnSpcReduction="20000"/>
           </a:bodyPr>
           <a:lstStyle/>
           <a:p>
@@ -17457,15 +20783,32 @@
             </a:r>
             <a:r>
               <a:rPr lang="fr-FR" dirty="0"/>
-              <a:t> n’ont pas d’interface). A l’exception de celle </a:t>
+              <a:t> n’ont pas d’interface). A l’exception de celle d’internet?</a:t>
             </a:r>
+          </a:p>
+          <a:p>
             <a:r>
-              <a:rPr lang="fr-FR"/>
-              <a:t>d’internet?</a:t>
+              <a:rPr lang="fr-FR" dirty="0"/>
+              <a:t>La plage de destination se définit en fonction de la base commune des adresses visées, soit l’adresse du sous-réseau. Plus la base est haute, moins la plage est grande.</a:t>
             </a:r>
           </a:p>
           <a:p>
-            <a:endParaRPr lang="fr-FR" dirty="0"/>
+            <a:pPr marL="0" indent="0">
+              <a:buNone/>
+            </a:pPr>
+            <a:r>
+              <a:rPr lang="fr-FR" dirty="0"/>
+              <a:t>Exemple:</a:t>
+            </a:r>
+          </a:p>
+          <a:p>
+            <a:pPr marL="0" indent="0">
+              <a:buNone/>
+            </a:pPr>
+            <a:r>
+              <a:rPr lang="fr-FR" sz="1700" dirty="0"/>
+              <a:t>En partant par ex. de 120.7.18.192 sur un sous-réseau à un seul byte hôte, il ne nous reste plus que 64 adresses, ce qui reviendrait alors à un masque de /26. La plage de destination serait alors 120.7.18.192/26.</a:t>
+            </a:r>
           </a:p>
         </p:txBody>
       </p:sp>
@@ -17483,7 +20826,7 @@
         </p:nvSpPr>
         <p:spPr>
           <a:xfrm>
-            <a:off x="693420" y="5236943"/>
+            <a:off x="731520" y="6065836"/>
             <a:ext cx="11287705" cy="646331"/>
           </a:xfrm>
           <a:prstGeom prst="rect">
@@ -17544,7 +20887,7 @@
           <a:p>
             <a:fld id="{6D22F896-40B5-4ADD-8801-0D06FADFA095}" type="slidenum">
               <a:rPr lang="en-US" smtClean="0"/>
-              <a:t>14</a:t>
+              <a:t>15</a:t>
             </a:fld>
             <a:endParaRPr lang="en-US" dirty="0"/>
           </a:p>
@@ -17563,7 +20906,7 @@
 </p:sld>
 </file>
 
-<file path=ppt/slides/slide15.xml><?xml version="1.0" encoding="utf-8"?>
+<file path=ppt/slides/slide16.xml><?xml version="1.0" encoding="utf-8"?>
 <p:sld xmlns:a="http://schemas.openxmlformats.org/drawingml/2006/main" xmlns:r="http://schemas.openxmlformats.org/officeDocument/2006/relationships" xmlns:p="http://schemas.openxmlformats.org/presentationml/2006/main">
   <p:cSld>
     <p:spTree>
@@ -17655,7 +20998,7 @@
           <a:p>
             <a:fld id="{6D22F896-40B5-4ADD-8801-0D06FADFA095}" type="slidenum">
               <a:rPr lang="en-US" smtClean="0"/>
-              <a:t>15</a:t>
+              <a:t>16</a:t>
             </a:fld>
             <a:endParaRPr lang="en-US" dirty="0"/>
           </a:p>

--- a/Adressage ip.pptx
+++ b/Adressage ip.pptx
@@ -5,7 +5,7 @@
     <p:sldMasterId id="2147483648" r:id="rId1"/>
   </p:sldMasterIdLst>
   <p:notesMasterIdLst>
-    <p:notesMasterId r:id="rId18"/>
+    <p:notesMasterId r:id="rId21"/>
   </p:notesMasterIdLst>
   <p:sldIdLst>
     <p:sldId id="256" r:id="rId2"/>
@@ -18,12 +18,15 @@
     <p:sldId id="265" r:id="rId9"/>
     <p:sldId id="263" r:id="rId10"/>
     <p:sldId id="266" r:id="rId11"/>
-    <p:sldId id="267" r:id="rId12"/>
-    <p:sldId id="273" r:id="rId13"/>
-    <p:sldId id="270" r:id="rId14"/>
-    <p:sldId id="268" r:id="rId15"/>
-    <p:sldId id="271" r:id="rId16"/>
-    <p:sldId id="269" r:id="rId17"/>
+    <p:sldId id="274" r:id="rId12"/>
+    <p:sldId id="267" r:id="rId13"/>
+    <p:sldId id="273" r:id="rId14"/>
+    <p:sldId id="275" r:id="rId15"/>
+    <p:sldId id="270" r:id="rId16"/>
+    <p:sldId id="268" r:id="rId17"/>
+    <p:sldId id="271" r:id="rId18"/>
+    <p:sldId id="277" r:id="rId19"/>
+    <p:sldId id="269" r:id="rId20"/>
   </p:sldIdLst>
   <p:sldSz cx="12192000" cy="6858000"/>
   <p:notesSz cx="6858000" cy="9144000"/>
@@ -122,6 +125,11 @@
       </a:defRPr>
     </a:lvl9pPr>
   </p:defaultTextStyle>
+  <p:extLst>
+    <p:ext uri="{EFAFB233-063F-42B5-8137-9DF3F51BA10A}">
+      <p15:sldGuideLst xmlns:p15="http://schemas.microsoft.com/office/powerpoint/2012/main"/>
+    </p:ext>
+  </p:extLst>
 </p:presentation>
 </file>
 
@@ -207,7 +215,7 @@
           <a:p>
             <a:fld id="{880AD81D-A0AD-4219-98DA-75D3EF80A6A9}" type="datetimeFigureOut">
               <a:rPr lang="fr-CH" smtClean="0"/>
-              <a:t>13.08.2025</a:t>
+              <a:t>14.08.2025</a:t>
             </a:fld>
             <a:endParaRPr lang="fr-CH"/>
           </a:p>
@@ -475,6 +483,90 @@
 </p:notesMaster>
 </file>
 
+<file path=ppt/notesSlides/notesSlide1.xml><?xml version="1.0" encoding="utf-8"?>
+<p:notes xmlns:a="http://schemas.openxmlformats.org/drawingml/2006/main" xmlns:r="http://schemas.openxmlformats.org/officeDocument/2006/relationships" xmlns:p="http://schemas.openxmlformats.org/presentationml/2006/main">
+  <p:cSld>
+    <p:spTree>
+      <p:nvGrpSpPr>
+        <p:cNvPr id="1" name=""/>
+        <p:cNvGrpSpPr/>
+        <p:nvPr/>
+      </p:nvGrpSpPr>
+      <p:grpSpPr>
+        <a:xfrm>
+          <a:off x="0" y="0"/>
+          <a:ext cx="0" cy="0"/>
+          <a:chOff x="0" y="0"/>
+          <a:chExt cx="0" cy="0"/>
+        </a:xfrm>
+      </p:grpSpPr>
+      <p:sp>
+        <p:nvSpPr>
+          <p:cNvPr id="2" name="Espace réservé de l'image des diapositives 1"/>
+          <p:cNvSpPr>
+            <a:spLocks noGrp="1" noRot="1" noChangeAspect="1"/>
+          </p:cNvSpPr>
+          <p:nvPr>
+            <p:ph type="sldImg"/>
+          </p:nvPr>
+        </p:nvSpPr>
+        <p:spPr/>
+      </p:sp>
+      <p:sp>
+        <p:nvSpPr>
+          <p:cNvPr id="3" name="Espace réservé des notes 2"/>
+          <p:cNvSpPr>
+            <a:spLocks noGrp="1"/>
+          </p:cNvSpPr>
+          <p:nvPr>
+            <p:ph type="body" idx="1"/>
+          </p:nvPr>
+        </p:nvSpPr>
+        <p:spPr/>
+        <p:txBody>
+          <a:bodyPr/>
+          <a:lstStyle/>
+          <a:p>
+            <a:endParaRPr lang="fr-CH" dirty="0"/>
+          </a:p>
+        </p:txBody>
+      </p:sp>
+      <p:sp>
+        <p:nvSpPr>
+          <p:cNvPr id="4" name="Espace réservé du numéro de diapositive 3"/>
+          <p:cNvSpPr>
+            <a:spLocks noGrp="1"/>
+          </p:cNvSpPr>
+          <p:nvPr>
+            <p:ph type="sldNum" sz="quarter" idx="5"/>
+          </p:nvPr>
+        </p:nvSpPr>
+        <p:spPr/>
+        <p:txBody>
+          <a:bodyPr/>
+          <a:lstStyle/>
+          <a:p>
+            <a:fld id="{3D582766-26E7-48A2-BF64-CFD893C580DE}" type="slidenum">
+              <a:rPr lang="fr-CH" smtClean="0"/>
+              <a:t>17</a:t>
+            </a:fld>
+            <a:endParaRPr lang="fr-CH"/>
+          </a:p>
+        </p:txBody>
+      </p:sp>
+    </p:spTree>
+    <p:extLst>
+      <p:ext uri="{BB962C8B-B14F-4D97-AF65-F5344CB8AC3E}">
+        <p14:creationId xmlns:p14="http://schemas.microsoft.com/office/powerpoint/2010/main" val="1764340093"/>
+      </p:ext>
+    </p:extLst>
+  </p:cSld>
+  <p:clrMapOvr>
+    <a:masterClrMapping/>
+  </p:clrMapOvr>
+</p:notes>
+</file>
+
 <file path=ppt/slideLayouts/slideLayout1.xml><?xml version="1.0" encoding="utf-8"?>
 <p:sldLayout xmlns:a="http://schemas.openxmlformats.org/drawingml/2006/main" xmlns:r="http://schemas.openxmlformats.org/officeDocument/2006/relationships" xmlns:p="http://schemas.openxmlformats.org/presentationml/2006/main" showMasterSp="0" type="title" preserve="1">
   <p:cSld name="Diapositive de titre">
@@ -525,7 +617,7 @@
           <a:noFill/>
           <a:extLst>
             <a:ext uri="{909E8E84-426E-40dd-AFC4-6F175D3DCCD1}">
-              <a14:hiddenFill xmlns:a14="http://schemas.microsoft.com/office/drawing/2010/main" xmlns="">
+              <a14:hiddenFill xmlns="" xmlns:a14="http://schemas.microsoft.com/office/drawing/2010/main">
                 <a:solidFill>
                   <a:srgbClr val="FFFFFF"/>
                 </a:solidFill>
@@ -585,7 +677,7 @@
             </a:ln>
             <a:extLst>
               <a:ext uri="{91240B29-F687-4f45-9708-019B960494DF}">
-                <a14:hiddenLine xmlns:a14="http://schemas.microsoft.com/office/drawing/2010/main" xmlns="" w="9525">
+                <a14:hiddenLine xmlns="" xmlns:a14="http://schemas.microsoft.com/office/drawing/2010/main" w="9525">
                   <a:solidFill>
                     <a:srgbClr val="000000"/>
                   </a:solidFill>
@@ -675,7 +767,7 @@
             </a:ln>
             <a:extLst>
               <a:ext uri="{91240B29-F687-4f45-9708-019B960494DF}">
-                <a14:hiddenLine xmlns:a14="http://schemas.microsoft.com/office/drawing/2010/main" xmlns="" w="9525">
+                <a14:hiddenLine xmlns="" xmlns:a14="http://schemas.microsoft.com/office/drawing/2010/main" w="9525">
                   <a:solidFill>
                     <a:srgbClr val="000000"/>
                   </a:solidFill>
@@ -765,7 +857,7 @@
             </a:ln>
             <a:extLst>
               <a:ext uri="{91240B29-F687-4f45-9708-019B960494DF}">
-                <a14:hiddenLine xmlns:a14="http://schemas.microsoft.com/office/drawing/2010/main" xmlns="" w="9525">
+                <a14:hiddenLine xmlns="" xmlns:a14="http://schemas.microsoft.com/office/drawing/2010/main" w="9525">
                   <a:solidFill>
                     <a:srgbClr val="000000"/>
                   </a:solidFill>
@@ -799,7 +891,7 @@
             </a:ln>
             <a:extLst>
               <a:ext uri="{91240B29-F687-4f45-9708-019B960494DF}">
-                <a14:hiddenLine xmlns:a14="http://schemas.microsoft.com/office/drawing/2010/main" xmlns="" w="9525">
+                <a14:hiddenLine xmlns="" xmlns:a14="http://schemas.microsoft.com/office/drawing/2010/main" w="9525">
                   <a:solidFill>
                     <a:srgbClr val="000000"/>
                   </a:solidFill>
@@ -889,7 +981,7 @@
             </a:ln>
             <a:extLst>
               <a:ext uri="{91240B29-F687-4f45-9708-019B960494DF}">
-                <a14:hiddenLine xmlns:a14="http://schemas.microsoft.com/office/drawing/2010/main" xmlns="" w="9525">
+                <a14:hiddenLine xmlns="" xmlns:a14="http://schemas.microsoft.com/office/drawing/2010/main" w="9525">
                   <a:solidFill>
                     <a:srgbClr val="000000"/>
                   </a:solidFill>
@@ -951,7 +1043,7 @@
             </a:ln>
             <a:extLst>
               <a:ext uri="{91240B29-F687-4f45-9708-019B960494DF}">
-                <a14:hiddenLine xmlns:a14="http://schemas.microsoft.com/office/drawing/2010/main" xmlns="" w="9525">
+                <a14:hiddenLine xmlns="" xmlns:a14="http://schemas.microsoft.com/office/drawing/2010/main" w="9525">
                   <a:solidFill>
                     <a:srgbClr val="000000"/>
                   </a:solidFill>
@@ -1013,7 +1105,7 @@
             </a:ln>
             <a:extLst>
               <a:ext uri="{91240B29-F687-4f45-9708-019B960494DF}">
-                <a14:hiddenLine xmlns:a14="http://schemas.microsoft.com/office/drawing/2010/main" xmlns="" w="9525">
+                <a14:hiddenLine xmlns="" xmlns:a14="http://schemas.microsoft.com/office/drawing/2010/main" w="9525">
                   <a:solidFill>
                     <a:srgbClr val="000000"/>
                   </a:solidFill>
@@ -1103,7 +1195,7 @@
             </a:ln>
             <a:extLst>
               <a:ext uri="{91240B29-F687-4f45-9708-019B960494DF}">
-                <a14:hiddenLine xmlns:a14="http://schemas.microsoft.com/office/drawing/2010/main" xmlns="" w="9525">
+                <a14:hiddenLine xmlns="" xmlns:a14="http://schemas.microsoft.com/office/drawing/2010/main" w="9525">
                   <a:solidFill>
                     <a:srgbClr val="000000"/>
                   </a:solidFill>
@@ -1165,7 +1257,7 @@
             </a:ln>
             <a:extLst>
               <a:ext uri="{91240B29-F687-4f45-9708-019B960494DF}">
-                <a14:hiddenLine xmlns:a14="http://schemas.microsoft.com/office/drawing/2010/main" xmlns="" w="9525">
+                <a14:hiddenLine xmlns="" xmlns:a14="http://schemas.microsoft.com/office/drawing/2010/main" w="9525">
                   <a:solidFill>
                     <a:srgbClr val="000000"/>
                   </a:solidFill>
@@ -1227,7 +1319,7 @@
             </a:ln>
             <a:extLst>
               <a:ext uri="{91240B29-F687-4f45-9708-019B960494DF}">
-                <a14:hiddenLine xmlns:a14="http://schemas.microsoft.com/office/drawing/2010/main" xmlns="" w="9525">
+                <a14:hiddenLine xmlns="" xmlns:a14="http://schemas.microsoft.com/office/drawing/2010/main" w="9525">
                   <a:solidFill>
                     <a:srgbClr val="000000"/>
                   </a:solidFill>
@@ -1317,7 +1409,7 @@
             </a:ln>
             <a:extLst>
               <a:ext uri="{91240B29-F687-4f45-9708-019B960494DF}">
-                <a14:hiddenLine xmlns:a14="http://schemas.microsoft.com/office/drawing/2010/main" xmlns="" w="9525">
+                <a14:hiddenLine xmlns="" xmlns:a14="http://schemas.microsoft.com/office/drawing/2010/main" w="9525">
                   <a:solidFill>
                     <a:srgbClr val="000000"/>
                   </a:solidFill>
@@ -1407,7 +1499,7 @@
             </a:ln>
             <a:extLst>
               <a:ext uri="{91240B29-F687-4f45-9708-019B960494DF}">
-                <a14:hiddenLine xmlns:a14="http://schemas.microsoft.com/office/drawing/2010/main" xmlns="" w="9525">
+                <a14:hiddenLine xmlns="" xmlns:a14="http://schemas.microsoft.com/office/drawing/2010/main" w="9525">
                   <a:solidFill>
                     <a:srgbClr val="000000"/>
                   </a:solidFill>
@@ -1469,7 +1561,7 @@
             </a:ln>
             <a:extLst>
               <a:ext uri="{91240B29-F687-4f45-9708-019B960494DF}">
-                <a14:hiddenLine xmlns:a14="http://schemas.microsoft.com/office/drawing/2010/main" xmlns="" w="9525">
+                <a14:hiddenLine xmlns="" xmlns:a14="http://schemas.microsoft.com/office/drawing/2010/main" w="9525">
                   <a:solidFill>
                     <a:srgbClr val="000000"/>
                   </a:solidFill>
@@ -1579,7 +1671,7 @@
             </a:ln>
             <a:extLst>
               <a:ext uri="{91240B29-F687-4f45-9708-019B960494DF}">
-                <a14:hiddenLine xmlns:a14="http://schemas.microsoft.com/office/drawing/2010/main" xmlns="" w="9525">
+                <a14:hiddenLine xmlns="" xmlns:a14="http://schemas.microsoft.com/office/drawing/2010/main" w="9525">
                   <a:solidFill>
                     <a:srgbClr val="000000"/>
                   </a:solidFill>
@@ -1641,7 +1733,7 @@
             </a:ln>
             <a:extLst>
               <a:ext uri="{91240B29-F687-4f45-9708-019B960494DF}">
-                <a14:hiddenLine xmlns:a14="http://schemas.microsoft.com/office/drawing/2010/main" xmlns="" w="9525">
+                <a14:hiddenLine xmlns="" xmlns:a14="http://schemas.microsoft.com/office/drawing/2010/main" w="9525">
                   <a:solidFill>
                     <a:srgbClr val="000000"/>
                   </a:solidFill>
@@ -1731,7 +1823,7 @@
             </a:ln>
             <a:extLst>
               <a:ext uri="{91240B29-F687-4f45-9708-019B960494DF}">
-                <a14:hiddenLine xmlns:a14="http://schemas.microsoft.com/office/drawing/2010/main" xmlns="" w="9525">
+                <a14:hiddenLine xmlns="" xmlns:a14="http://schemas.microsoft.com/office/drawing/2010/main" w="9525">
                   <a:solidFill>
                     <a:srgbClr val="000000"/>
                   </a:solidFill>
@@ -1821,7 +1913,7 @@
             </a:ln>
             <a:extLst>
               <a:ext uri="{91240B29-F687-4f45-9708-019B960494DF}">
-                <a14:hiddenLine xmlns:a14="http://schemas.microsoft.com/office/drawing/2010/main" xmlns="" w="9525">
+                <a14:hiddenLine xmlns="" xmlns:a14="http://schemas.microsoft.com/office/drawing/2010/main" w="9525">
                   <a:solidFill>
                     <a:srgbClr val="000000"/>
                   </a:solidFill>
@@ -1883,7 +1975,7 @@
             </a:ln>
             <a:extLst>
               <a:ext uri="{91240B29-F687-4f45-9708-019B960494DF}">
-                <a14:hiddenLine xmlns:a14="http://schemas.microsoft.com/office/drawing/2010/main" xmlns="" w="9525">
+                <a14:hiddenLine xmlns="" xmlns:a14="http://schemas.microsoft.com/office/drawing/2010/main" w="9525">
                   <a:solidFill>
                     <a:srgbClr val="000000"/>
                   </a:solidFill>
@@ -1973,7 +2065,7 @@
             </a:ln>
             <a:extLst>
               <a:ext uri="{91240B29-F687-4f45-9708-019B960494DF}">
-                <a14:hiddenLine xmlns:a14="http://schemas.microsoft.com/office/drawing/2010/main" xmlns="" w="9525">
+                <a14:hiddenLine xmlns="" xmlns:a14="http://schemas.microsoft.com/office/drawing/2010/main" w="9525">
                   <a:solidFill>
                     <a:srgbClr val="000000"/>
                   </a:solidFill>
@@ -2063,7 +2155,7 @@
             </a:ln>
             <a:extLst>
               <a:ext uri="{91240B29-F687-4f45-9708-019B960494DF}">
-                <a14:hiddenLine xmlns:a14="http://schemas.microsoft.com/office/drawing/2010/main" xmlns="" w="9525">
+                <a14:hiddenLine xmlns="" xmlns:a14="http://schemas.microsoft.com/office/drawing/2010/main" w="9525">
                   <a:solidFill>
                     <a:srgbClr val="000000"/>
                   </a:solidFill>
@@ -2119,7 +2211,7 @@
             </a:ln>
             <a:extLst>
               <a:ext uri="{91240B29-F687-4f45-9708-019B960494DF}">
-                <a14:hiddenLine xmlns:a14="http://schemas.microsoft.com/office/drawing/2010/main" xmlns="" w="9525">
+                <a14:hiddenLine xmlns="" xmlns:a14="http://schemas.microsoft.com/office/drawing/2010/main" w="9525">
                   <a:solidFill>
                     <a:srgbClr val="000000"/>
                   </a:solidFill>
@@ -2209,7 +2301,7 @@
             </a:ln>
             <a:extLst>
               <a:ext uri="{91240B29-F687-4f45-9708-019B960494DF}">
-                <a14:hiddenLine xmlns:a14="http://schemas.microsoft.com/office/drawing/2010/main" xmlns="" w="9525">
+                <a14:hiddenLine xmlns="" xmlns:a14="http://schemas.microsoft.com/office/drawing/2010/main" w="9525">
                   <a:solidFill>
                     <a:srgbClr val="000000"/>
                   </a:solidFill>
@@ -2265,7 +2357,7 @@
             </a:ln>
             <a:extLst>
               <a:ext uri="{91240B29-F687-4f45-9708-019B960494DF}">
-                <a14:hiddenLine xmlns:a14="http://schemas.microsoft.com/office/drawing/2010/main" xmlns="" w="9525">
+                <a14:hiddenLine xmlns="" xmlns:a14="http://schemas.microsoft.com/office/drawing/2010/main" w="9525">
                   <a:solidFill>
                     <a:srgbClr val="000000"/>
                   </a:solidFill>
@@ -2355,7 +2447,7 @@
             </a:ln>
             <a:extLst>
               <a:ext uri="{91240B29-F687-4f45-9708-019B960494DF}">
-                <a14:hiddenLine xmlns:a14="http://schemas.microsoft.com/office/drawing/2010/main" xmlns="" w="9525">
+                <a14:hiddenLine xmlns="" xmlns:a14="http://schemas.microsoft.com/office/drawing/2010/main" w="9525">
                   <a:solidFill>
                     <a:srgbClr val="000000"/>
                   </a:solidFill>
@@ -2423,7 +2515,7 @@
             </a:ln>
             <a:extLst>
               <a:ext uri="{91240B29-F687-4f45-9708-019B960494DF}">
-                <a14:hiddenLine xmlns:a14="http://schemas.microsoft.com/office/drawing/2010/main" xmlns="" w="9525">
+                <a14:hiddenLine xmlns="" xmlns:a14="http://schemas.microsoft.com/office/drawing/2010/main" w="9525">
                   <a:solidFill>
                     <a:srgbClr val="000000"/>
                   </a:solidFill>
@@ -2513,7 +2605,7 @@
             </a:ln>
             <a:extLst>
               <a:ext uri="{91240B29-F687-4f45-9708-019B960494DF}">
-                <a14:hiddenLine xmlns:a14="http://schemas.microsoft.com/office/drawing/2010/main" xmlns="" w="9525">
+                <a14:hiddenLine xmlns="" xmlns:a14="http://schemas.microsoft.com/office/drawing/2010/main" w="9525">
                   <a:solidFill>
                     <a:srgbClr val="000000"/>
                   </a:solidFill>
@@ -2581,7 +2673,7 @@
             </a:ln>
             <a:extLst>
               <a:ext uri="{91240B29-F687-4f45-9708-019B960494DF}">
-                <a14:hiddenLine xmlns:a14="http://schemas.microsoft.com/office/drawing/2010/main" xmlns="" w="9525">
+                <a14:hiddenLine xmlns="" xmlns:a14="http://schemas.microsoft.com/office/drawing/2010/main" w="9525">
                   <a:solidFill>
                     <a:srgbClr val="000000"/>
                   </a:solidFill>
@@ -2671,7 +2763,7 @@
             </a:ln>
             <a:extLst>
               <a:ext uri="{91240B29-F687-4f45-9708-019B960494DF}">
-                <a14:hiddenLine xmlns:a14="http://schemas.microsoft.com/office/drawing/2010/main" xmlns="" w="9525">
+                <a14:hiddenLine xmlns="" xmlns:a14="http://schemas.microsoft.com/office/drawing/2010/main" w="9525">
                   <a:solidFill>
                     <a:srgbClr val="000000"/>
                   </a:solidFill>
@@ -2705,7 +2797,7 @@
             </a:ln>
             <a:extLst>
               <a:ext uri="{91240B29-F687-4f45-9708-019B960494DF}">
-                <a14:hiddenLine xmlns:a14="http://schemas.microsoft.com/office/drawing/2010/main" xmlns="" w="9525">
+                <a14:hiddenLine xmlns="" xmlns:a14="http://schemas.microsoft.com/office/drawing/2010/main" w="9525">
                   <a:solidFill>
                     <a:srgbClr val="000000"/>
                   </a:solidFill>
@@ -2795,7 +2887,7 @@
             </a:ln>
             <a:extLst>
               <a:ext uri="{91240B29-F687-4f45-9708-019B960494DF}">
-                <a14:hiddenLine xmlns:a14="http://schemas.microsoft.com/office/drawing/2010/main" xmlns="" w="9525">
+                <a14:hiddenLine xmlns="" xmlns:a14="http://schemas.microsoft.com/office/drawing/2010/main" w="9525">
                   <a:solidFill>
                     <a:srgbClr val="000000"/>
                   </a:solidFill>
@@ -2857,7 +2949,7 @@
             </a:ln>
             <a:extLst>
               <a:ext uri="{91240B29-F687-4f45-9708-019B960494DF}">
-                <a14:hiddenLine xmlns:a14="http://schemas.microsoft.com/office/drawing/2010/main" xmlns="" w="9525">
+                <a14:hiddenLine xmlns="" xmlns:a14="http://schemas.microsoft.com/office/drawing/2010/main" w="9525">
                   <a:solidFill>
                     <a:srgbClr val="000000"/>
                   </a:solidFill>
@@ -2919,7 +3011,7 @@
             </a:ln>
             <a:extLst>
               <a:ext uri="{91240B29-F687-4f45-9708-019B960494DF}">
-                <a14:hiddenLine xmlns:a14="http://schemas.microsoft.com/office/drawing/2010/main" xmlns="" w="9525">
+                <a14:hiddenLine xmlns="" xmlns:a14="http://schemas.microsoft.com/office/drawing/2010/main" w="9525">
                   <a:solidFill>
                     <a:srgbClr val="000000"/>
                   </a:solidFill>
@@ -3009,7 +3101,7 @@
             </a:ln>
             <a:extLst>
               <a:ext uri="{91240B29-F687-4f45-9708-019B960494DF}">
-                <a14:hiddenLine xmlns:a14="http://schemas.microsoft.com/office/drawing/2010/main" xmlns="" w="9525">
+                <a14:hiddenLine xmlns="" xmlns:a14="http://schemas.microsoft.com/office/drawing/2010/main" w="9525">
                   <a:solidFill>
                     <a:srgbClr val="000000"/>
                   </a:solidFill>
@@ -3077,7 +3169,7 @@
             </a:ln>
             <a:extLst>
               <a:ext uri="{91240B29-F687-4f45-9708-019B960494DF}">
-                <a14:hiddenLine xmlns:a14="http://schemas.microsoft.com/office/drawing/2010/main" xmlns="" w="9525">
+                <a14:hiddenLine xmlns="" xmlns:a14="http://schemas.microsoft.com/office/drawing/2010/main" w="9525">
                   <a:solidFill>
                     <a:srgbClr val="000000"/>
                   </a:solidFill>
@@ -3139,7 +3231,7 @@
             </a:ln>
             <a:extLst>
               <a:ext uri="{91240B29-F687-4f45-9708-019B960494DF}">
-                <a14:hiddenLine xmlns:a14="http://schemas.microsoft.com/office/drawing/2010/main" xmlns="" w="9525">
+                <a14:hiddenLine xmlns="" xmlns:a14="http://schemas.microsoft.com/office/drawing/2010/main" w="9525">
                   <a:solidFill>
                     <a:srgbClr val="000000"/>
                   </a:solidFill>
@@ -3229,7 +3321,7 @@
             </a:ln>
             <a:extLst>
               <a:ext uri="{91240B29-F687-4f45-9708-019B960494DF}">
-                <a14:hiddenLine xmlns:a14="http://schemas.microsoft.com/office/drawing/2010/main" xmlns="" w="9525">
+                <a14:hiddenLine xmlns="" xmlns:a14="http://schemas.microsoft.com/office/drawing/2010/main" w="9525">
                   <a:solidFill>
                     <a:srgbClr val="000000"/>
                   </a:solidFill>
@@ -3291,7 +3383,7 @@
             </a:ln>
             <a:extLst>
               <a:ext uri="{91240B29-F687-4f45-9708-019B960494DF}">
-                <a14:hiddenLine xmlns:a14="http://schemas.microsoft.com/office/drawing/2010/main" xmlns="" w="9525">
+                <a14:hiddenLine xmlns="" xmlns:a14="http://schemas.microsoft.com/office/drawing/2010/main" w="9525">
                   <a:solidFill>
                     <a:srgbClr val="000000"/>
                   </a:solidFill>
@@ -3381,7 +3473,7 @@
             </a:ln>
             <a:extLst>
               <a:ext uri="{91240B29-F687-4f45-9708-019B960494DF}">
-                <a14:hiddenLine xmlns:a14="http://schemas.microsoft.com/office/drawing/2010/main" xmlns="" w="9525">
+                <a14:hiddenLine xmlns="" xmlns:a14="http://schemas.microsoft.com/office/drawing/2010/main" w="9525">
                   <a:solidFill>
                     <a:srgbClr val="000000"/>
                   </a:solidFill>
@@ -3443,7 +3535,7 @@
             </a:ln>
             <a:extLst>
               <a:ext uri="{91240B29-F687-4f45-9708-019B960494DF}">
-                <a14:hiddenLine xmlns:a14="http://schemas.microsoft.com/office/drawing/2010/main" xmlns="" w="9525">
+                <a14:hiddenLine xmlns="" xmlns:a14="http://schemas.microsoft.com/office/drawing/2010/main" w="9525">
                   <a:solidFill>
                     <a:srgbClr val="000000"/>
                   </a:solidFill>
@@ -3533,7 +3625,7 @@
             </a:ln>
             <a:extLst>
               <a:ext uri="{91240B29-F687-4f45-9708-019B960494DF}">
-                <a14:hiddenLine xmlns:a14="http://schemas.microsoft.com/office/drawing/2010/main" xmlns="" w="9525">
+                <a14:hiddenLine xmlns="" xmlns:a14="http://schemas.microsoft.com/office/drawing/2010/main" w="9525">
                   <a:solidFill>
                     <a:srgbClr val="000000"/>
                   </a:solidFill>
@@ -3567,7 +3659,7 @@
             </a:ln>
             <a:extLst>
               <a:ext uri="{91240B29-F687-4f45-9708-019B960494DF}">
-                <a14:hiddenLine xmlns:a14="http://schemas.microsoft.com/office/drawing/2010/main" xmlns="" w="9525">
+                <a14:hiddenLine xmlns="" xmlns:a14="http://schemas.microsoft.com/office/drawing/2010/main" w="9525">
                   <a:solidFill>
                     <a:srgbClr val="000000"/>
                   </a:solidFill>
@@ -3632,7 +3724,7 @@
             </a:ln>
             <a:extLst>
               <a:ext uri="{91240B29-F687-4f45-9708-019B960494DF}">
-                <a14:hiddenLine xmlns:a14="http://schemas.microsoft.com/office/drawing/2010/main" xmlns="" w="9525">
+                <a14:hiddenLine xmlns="" xmlns:a14="http://schemas.microsoft.com/office/drawing/2010/main" w="9525">
                   <a:solidFill>
                     <a:srgbClr val="000000"/>
                   </a:solidFill>
@@ -3722,7 +3814,7 @@
             </a:ln>
             <a:extLst>
               <a:ext uri="{91240B29-F687-4f45-9708-019B960494DF}">
-                <a14:hiddenLine xmlns:a14="http://schemas.microsoft.com/office/drawing/2010/main" xmlns="" w="9525">
+                <a14:hiddenLine xmlns="" xmlns:a14="http://schemas.microsoft.com/office/drawing/2010/main" w="9525">
                   <a:solidFill>
                     <a:srgbClr val="000000"/>
                   </a:solidFill>
@@ -3784,7 +3876,7 @@
             </a:ln>
             <a:extLst>
               <a:ext uri="{91240B29-F687-4f45-9708-019B960494DF}">
-                <a14:hiddenLine xmlns:a14="http://schemas.microsoft.com/office/drawing/2010/main" xmlns="" w="9525">
+                <a14:hiddenLine xmlns="" xmlns:a14="http://schemas.microsoft.com/office/drawing/2010/main" w="9525">
                   <a:solidFill>
                     <a:srgbClr val="000000"/>
                   </a:solidFill>
@@ -3874,7 +3966,7 @@
             </a:ln>
             <a:extLst>
               <a:ext uri="{91240B29-F687-4f45-9708-019B960494DF}">
-                <a14:hiddenLine xmlns:a14="http://schemas.microsoft.com/office/drawing/2010/main" xmlns="" w="9525">
+                <a14:hiddenLine xmlns="" xmlns:a14="http://schemas.microsoft.com/office/drawing/2010/main" w="9525">
                   <a:solidFill>
                     <a:srgbClr val="000000"/>
                   </a:solidFill>
@@ -3964,7 +4056,7 @@
             </a:ln>
             <a:extLst>
               <a:ext uri="{91240B29-F687-4f45-9708-019B960494DF}">
-                <a14:hiddenLine xmlns:a14="http://schemas.microsoft.com/office/drawing/2010/main" xmlns="" w="9525">
+                <a14:hiddenLine xmlns="" xmlns:a14="http://schemas.microsoft.com/office/drawing/2010/main" w="9525">
                   <a:solidFill>
                     <a:srgbClr val="000000"/>
                   </a:solidFill>
@@ -4029,7 +4121,7 @@
             </a:ln>
             <a:extLst>
               <a:ext uri="{91240B29-F687-4f45-9708-019B960494DF}">
-                <a14:hiddenLine xmlns:a14="http://schemas.microsoft.com/office/drawing/2010/main" xmlns="" w="9525">
+                <a14:hiddenLine xmlns="" xmlns:a14="http://schemas.microsoft.com/office/drawing/2010/main" w="9525">
                   <a:solidFill>
                     <a:srgbClr val="000000"/>
                   </a:solidFill>
@@ -4091,7 +4183,7 @@
             </a:ln>
             <a:extLst>
               <a:ext uri="{91240B29-F687-4f45-9708-019B960494DF}">
-                <a14:hiddenLine xmlns:a14="http://schemas.microsoft.com/office/drawing/2010/main" xmlns="" w="9525">
+                <a14:hiddenLine xmlns="" xmlns:a14="http://schemas.microsoft.com/office/drawing/2010/main" w="9525">
                   <a:solidFill>
                     <a:srgbClr val="000000"/>
                   </a:solidFill>
@@ -4181,7 +4273,7 @@
             </a:ln>
             <a:extLst>
               <a:ext uri="{91240B29-F687-4f45-9708-019B960494DF}">
-                <a14:hiddenLine xmlns:a14="http://schemas.microsoft.com/office/drawing/2010/main" xmlns="" w="9525">
+                <a14:hiddenLine xmlns="" xmlns:a14="http://schemas.microsoft.com/office/drawing/2010/main" w="9525">
                   <a:solidFill>
                     <a:srgbClr val="000000"/>
                   </a:solidFill>
@@ -4271,7 +4363,7 @@
             </a:ln>
             <a:extLst>
               <a:ext uri="{91240B29-F687-4f45-9708-019B960494DF}">
-                <a14:hiddenLine xmlns:a14="http://schemas.microsoft.com/office/drawing/2010/main" xmlns="" w="9525">
+                <a14:hiddenLine xmlns="" xmlns:a14="http://schemas.microsoft.com/office/drawing/2010/main" w="9525">
                   <a:solidFill>
                     <a:srgbClr val="000000"/>
                   </a:solidFill>
@@ -4333,7 +4425,7 @@
             </a:ln>
             <a:extLst>
               <a:ext uri="{91240B29-F687-4f45-9708-019B960494DF}">
-                <a14:hiddenLine xmlns:a14="http://schemas.microsoft.com/office/drawing/2010/main" xmlns="" w="9525">
+                <a14:hiddenLine xmlns="" xmlns:a14="http://schemas.microsoft.com/office/drawing/2010/main" w="9525">
                   <a:solidFill>
                     <a:srgbClr val="000000"/>
                   </a:solidFill>
@@ -4453,7 +4545,7 @@
             </a:ln>
             <a:extLst>
               <a:ext uri="{91240B29-F687-4f45-9708-019B960494DF}">
-                <a14:hiddenLine xmlns:a14="http://schemas.microsoft.com/office/drawing/2010/main" xmlns="" w="9525">
+                <a14:hiddenLine xmlns="" xmlns:a14="http://schemas.microsoft.com/office/drawing/2010/main" w="9525">
                   <a:solidFill>
                     <a:srgbClr val="000000"/>
                   </a:solidFill>
@@ -4521,7 +4613,7 @@
             </a:ln>
             <a:extLst>
               <a:ext uri="{91240B29-F687-4f45-9708-019B960494DF}">
-                <a14:hiddenLine xmlns:a14="http://schemas.microsoft.com/office/drawing/2010/main" xmlns="" w="9525">
+                <a14:hiddenLine xmlns="" xmlns:a14="http://schemas.microsoft.com/office/drawing/2010/main" w="9525">
                   <a:solidFill>
                     <a:srgbClr val="000000"/>
                   </a:solidFill>
@@ -4611,7 +4703,7 @@
             </a:ln>
             <a:extLst>
               <a:ext uri="{91240B29-F687-4f45-9708-019B960494DF}">
-                <a14:hiddenLine xmlns:a14="http://schemas.microsoft.com/office/drawing/2010/main" xmlns="" w="9525">
+                <a14:hiddenLine xmlns="" xmlns:a14="http://schemas.microsoft.com/office/drawing/2010/main" w="9525">
                   <a:solidFill>
                     <a:srgbClr val="000000"/>
                   </a:solidFill>
@@ -4751,7 +4843,7 @@
           <a:p>
             <a:fld id="{0935FB8C-4D49-48E6-A2C2-4487B09AF536}" type="datetime1">
               <a:rPr lang="en-US" smtClean="0"/>
-              <a:t>8/13/2025</a:t>
+              <a:t>8/14/2025</a:t>
             </a:fld>
             <a:endParaRPr lang="en-US" dirty="0"/>
           </a:p>
@@ -5013,7 +5105,7 @@
           <a:p>
             <a:fld id="{2A40AEAD-A559-4050-97BA-6C4809874D9D}" type="datetime1">
               <a:rPr lang="en-US" smtClean="0"/>
-              <a:t>8/13/2025</a:t>
+              <a:t>8/14/2025</a:t>
             </a:fld>
             <a:endParaRPr lang="en-US" dirty="0"/>
           </a:p>
@@ -5204,7 +5296,7 @@
           <a:p>
             <a:fld id="{B4B34BEA-0490-4D33-A65E-FE61DA222C26}" type="datetime1">
               <a:rPr lang="en-US" smtClean="0"/>
-              <a:t>8/13/2025</a:t>
+              <a:t>8/14/2025</a:t>
             </a:fld>
             <a:endParaRPr lang="en-US" dirty="0"/>
           </a:p>
@@ -5462,7 +5554,7 @@
           <a:p>
             <a:fld id="{A92377DE-EE21-4114-BBA7-1DACFB519188}" type="datetime1">
               <a:rPr lang="en-US" smtClean="0"/>
-              <a:t>8/13/2025</a:t>
+              <a:t>8/14/2025</a:t>
             </a:fld>
             <a:endParaRPr lang="en-US" dirty="0"/>
           </a:p>
@@ -5891,7 +5983,7 @@
           <a:p>
             <a:fld id="{C8016095-A801-4333-9713-8EF8BB622D16}" type="datetime1">
               <a:rPr lang="en-US" smtClean="0"/>
-              <a:t>8/13/2025</a:t>
+              <a:t>8/14/2025</a:t>
             </a:fld>
             <a:endParaRPr lang="en-US" dirty="0"/>
           </a:p>
@@ -6432,7 +6524,7 @@
           <a:p>
             <a:fld id="{B401AD18-79FA-4079-BDD0-5A25E4EC4528}" type="datetime1">
               <a:rPr lang="en-US" smtClean="0"/>
-              <a:t>8/13/2025</a:t>
+              <a:t>8/14/2025</a:t>
             </a:fld>
             <a:endParaRPr lang="en-US" dirty="0"/>
           </a:p>
@@ -7147,7 +7239,7 @@
           <a:p>
             <a:fld id="{9BF861E8-3617-487F-B0C6-22A633ADE8D4}" type="datetime1">
               <a:rPr lang="en-US" smtClean="0"/>
-              <a:t>8/13/2025</a:t>
+              <a:t>8/14/2025</a:t>
             </a:fld>
             <a:endParaRPr lang="en-US" dirty="0"/>
           </a:p>
@@ -7312,7 +7404,7 @@
           <a:p>
             <a:fld id="{42B83CB8-929E-4E41-BE7E-729975AA201A}" type="datetime1">
               <a:rPr lang="en-US" smtClean="0"/>
-              <a:t>8/13/2025</a:t>
+              <a:t>8/14/2025</a:t>
             </a:fld>
             <a:endParaRPr lang="en-US" dirty="0"/>
           </a:p>
@@ -7487,7 +7579,7 @@
           <a:p>
             <a:fld id="{A53CF0FA-5145-48F8-B72F-91009B0C1F4F}" type="datetime1">
               <a:rPr lang="en-US" smtClean="0"/>
-              <a:t>8/13/2025</a:t>
+              <a:t>8/14/2025</a:t>
             </a:fld>
             <a:endParaRPr lang="en-US" dirty="0"/>
           </a:p>
@@ -7652,7 +7744,7 @@
           <a:p>
             <a:fld id="{1225E1A6-3354-4C52-9E1D-1340BA54A041}" type="datetime1">
               <a:rPr lang="en-US" smtClean="0"/>
-              <a:t>8/13/2025</a:t>
+              <a:t>8/14/2025</a:t>
             </a:fld>
             <a:endParaRPr lang="en-US" dirty="0"/>
           </a:p>
@@ -7897,7 +7989,7 @@
           <a:p>
             <a:fld id="{FCAEC299-2B29-4624-9DDA-8D516754AE00}" type="datetime1">
               <a:rPr lang="en-US" smtClean="0"/>
-              <a:t>8/13/2025</a:t>
+              <a:t>8/14/2025</a:t>
             </a:fld>
             <a:endParaRPr lang="en-US" dirty="0"/>
           </a:p>
@@ -8124,7 +8216,7 @@
           <a:p>
             <a:fld id="{51170FDE-8198-4A29-AA53-5EC40E541252}" type="datetime1">
               <a:rPr lang="en-US" smtClean="0"/>
-              <a:t>8/13/2025</a:t>
+              <a:t>8/14/2025</a:t>
             </a:fld>
             <a:endParaRPr lang="en-US" dirty="0"/>
           </a:p>
@@ -8500,7 +8592,7 @@
           <a:p>
             <a:fld id="{FC0C84AF-64DF-42AF-A0D6-6477A8E1CFFA}" type="datetime1">
               <a:rPr lang="en-US" smtClean="0"/>
-              <a:t>8/13/2025</a:t>
+              <a:t>8/14/2025</a:t>
             </a:fld>
             <a:endParaRPr lang="en-US" dirty="0"/>
           </a:p>
@@ -8613,7 +8705,7 @@
           <a:p>
             <a:fld id="{BD7F8CFD-406F-4658-A8ED-2C3A0C585094}" type="datetime1">
               <a:rPr lang="en-US" smtClean="0"/>
-              <a:t>8/13/2025</a:t>
+              <a:t>8/14/2025</a:t>
             </a:fld>
             <a:endParaRPr lang="en-US" dirty="0"/>
           </a:p>
@@ -8703,7 +8795,7 @@
           <a:p>
             <a:fld id="{C7F8FE3E-88A5-4226-BF84-E80290216322}" type="datetime1">
               <a:rPr lang="en-US" smtClean="0"/>
-              <a:t>8/13/2025</a:t>
+              <a:t>8/14/2025</a:t>
             </a:fld>
             <a:endParaRPr lang="en-US" dirty="0"/>
           </a:p>
@@ -8947,7 +9039,7 @@
           <a:p>
             <a:fld id="{515EDEA9-E486-4637-BFE8-37704EB2D651}" type="datetime1">
               <a:rPr lang="en-US" smtClean="0"/>
-              <a:t>8/13/2025</a:t>
+              <a:t>8/14/2025</a:t>
             </a:fld>
             <a:endParaRPr lang="en-US" dirty="0"/>
           </a:p>
@@ -9222,7 +9314,7 @@
           <a:p>
             <a:fld id="{278B6927-10E3-47F1-97F1-E58005017D3A}" type="datetime1">
               <a:rPr lang="en-US" smtClean="0"/>
-              <a:t>8/13/2025</a:t>
+              <a:t>8/14/2025</a:t>
             </a:fld>
             <a:endParaRPr lang="en-US" dirty="0"/>
           </a:p>
@@ -9333,7 +9425,7 @@
           <a:noFill/>
           <a:extLst>
             <a:ext uri="{909E8E84-426E-40dd-AFC4-6F175D3DCCD1}">
-              <a14:hiddenFill xmlns:a14="http://schemas.microsoft.com/office/drawing/2010/main" xmlns="">
+              <a14:hiddenFill xmlns="" xmlns:a14="http://schemas.microsoft.com/office/drawing/2010/main">
                 <a:solidFill>
                   <a:srgbClr val="FFFFFF"/>
                 </a:solidFill>
@@ -9407,7 +9499,7 @@
               </a:ln>
               <a:extLst>
                 <a:ext uri="{91240B29-F687-4f45-9708-019B960494DF}">
-                  <a14:hiddenLine xmlns:a14="http://schemas.microsoft.com/office/drawing/2010/main" xmlns="" w="9525">
+                  <a14:hiddenLine xmlns="" xmlns:a14="http://schemas.microsoft.com/office/drawing/2010/main" w="9525">
                     <a:solidFill>
                       <a:srgbClr val="000000"/>
                     </a:solidFill>
@@ -9497,7 +9589,7 @@
               </a:ln>
               <a:extLst>
                 <a:ext uri="{91240B29-F687-4f45-9708-019B960494DF}">
-                  <a14:hiddenLine xmlns:a14="http://schemas.microsoft.com/office/drawing/2010/main" xmlns="" w="9525">
+                  <a14:hiddenLine xmlns="" xmlns:a14="http://schemas.microsoft.com/office/drawing/2010/main" w="9525">
                     <a:solidFill>
                       <a:srgbClr val="000000"/>
                     </a:solidFill>
@@ -9587,7 +9679,7 @@
               </a:ln>
               <a:extLst>
                 <a:ext uri="{91240B29-F687-4f45-9708-019B960494DF}">
-                  <a14:hiddenLine xmlns:a14="http://schemas.microsoft.com/office/drawing/2010/main" xmlns="" w="9525">
+                  <a14:hiddenLine xmlns="" xmlns:a14="http://schemas.microsoft.com/office/drawing/2010/main" w="9525">
                     <a:solidFill>
                       <a:srgbClr val="000000"/>
                     </a:solidFill>
@@ -9649,7 +9741,7 @@
               </a:ln>
               <a:extLst>
                 <a:ext uri="{91240B29-F687-4f45-9708-019B960494DF}">
-                  <a14:hiddenLine xmlns:a14="http://schemas.microsoft.com/office/drawing/2010/main" xmlns="" w="9525">
+                  <a14:hiddenLine xmlns="" xmlns:a14="http://schemas.microsoft.com/office/drawing/2010/main" w="9525">
                     <a:solidFill>
                       <a:srgbClr val="000000"/>
                     </a:solidFill>
@@ -9739,7 +9831,7 @@
               </a:ln>
               <a:extLst>
                 <a:ext uri="{91240B29-F687-4f45-9708-019B960494DF}">
-                  <a14:hiddenLine xmlns:a14="http://schemas.microsoft.com/office/drawing/2010/main" xmlns="" w="9525">
+                  <a14:hiddenLine xmlns="" xmlns:a14="http://schemas.microsoft.com/office/drawing/2010/main" w="9525">
                     <a:solidFill>
                       <a:srgbClr val="000000"/>
                     </a:solidFill>
@@ -9801,7 +9893,7 @@
               </a:ln>
               <a:extLst>
                 <a:ext uri="{91240B29-F687-4f45-9708-019B960494DF}">
-                  <a14:hiddenLine xmlns:a14="http://schemas.microsoft.com/office/drawing/2010/main" xmlns="" w="9525">
+                  <a14:hiddenLine xmlns="" xmlns:a14="http://schemas.microsoft.com/office/drawing/2010/main" w="9525">
                     <a:solidFill>
                       <a:srgbClr val="000000"/>
                     </a:solidFill>
@@ -9863,7 +9955,7 @@
               </a:ln>
               <a:extLst>
                 <a:ext uri="{91240B29-F687-4f45-9708-019B960494DF}">
-                  <a14:hiddenLine xmlns:a14="http://schemas.microsoft.com/office/drawing/2010/main" xmlns="" w="9525">
+                  <a14:hiddenLine xmlns="" xmlns:a14="http://schemas.microsoft.com/office/drawing/2010/main" w="9525">
                     <a:solidFill>
                       <a:srgbClr val="000000"/>
                     </a:solidFill>
@@ -9953,7 +10045,7 @@
               </a:ln>
               <a:extLst>
                 <a:ext uri="{91240B29-F687-4f45-9708-019B960494DF}">
-                  <a14:hiddenLine xmlns:a14="http://schemas.microsoft.com/office/drawing/2010/main" xmlns="" w="9525">
+                  <a14:hiddenLine xmlns="" xmlns:a14="http://schemas.microsoft.com/office/drawing/2010/main" w="9525">
                     <a:solidFill>
                       <a:srgbClr val="000000"/>
                     </a:solidFill>
@@ -10043,7 +10135,7 @@
               </a:ln>
               <a:extLst>
                 <a:ext uri="{91240B29-F687-4f45-9708-019B960494DF}">
-                  <a14:hiddenLine xmlns:a14="http://schemas.microsoft.com/office/drawing/2010/main" xmlns="" w="9525">
+                  <a14:hiddenLine xmlns="" xmlns:a14="http://schemas.microsoft.com/office/drawing/2010/main" w="9525">
                     <a:solidFill>
                       <a:srgbClr val="000000"/>
                     </a:solidFill>
@@ -10105,7 +10197,7 @@
               </a:ln>
               <a:extLst>
                 <a:ext uri="{91240B29-F687-4f45-9708-019B960494DF}">
-                  <a14:hiddenLine xmlns:a14="http://schemas.microsoft.com/office/drawing/2010/main" xmlns="" w="9525">
+                  <a14:hiddenLine xmlns="" xmlns:a14="http://schemas.microsoft.com/office/drawing/2010/main" w="9525">
                     <a:solidFill>
                       <a:srgbClr val="000000"/>
                     </a:solidFill>
@@ -10215,7 +10307,7 @@
               </a:ln>
               <a:extLst>
                 <a:ext uri="{91240B29-F687-4f45-9708-019B960494DF}">
-                  <a14:hiddenLine xmlns:a14="http://schemas.microsoft.com/office/drawing/2010/main" xmlns="" w="9525">
+                  <a14:hiddenLine xmlns="" xmlns:a14="http://schemas.microsoft.com/office/drawing/2010/main" w="9525">
                     <a:solidFill>
                       <a:srgbClr val="000000"/>
                     </a:solidFill>
@@ -10299,7 +10391,7 @@
               </a:ln>
               <a:extLst>
                 <a:ext uri="{91240B29-F687-4f45-9708-019B960494DF}">
-                  <a14:hiddenLine xmlns:a14="http://schemas.microsoft.com/office/drawing/2010/main" xmlns="" w="9525">
+                  <a14:hiddenLine xmlns="" xmlns:a14="http://schemas.microsoft.com/office/drawing/2010/main" w="9525">
                     <a:solidFill>
                       <a:srgbClr val="000000"/>
                     </a:solidFill>
@@ -10361,7 +10453,7 @@
               </a:ln>
               <a:extLst>
                 <a:ext uri="{91240B29-F687-4f45-9708-019B960494DF}">
-                  <a14:hiddenLine xmlns:a14="http://schemas.microsoft.com/office/drawing/2010/main" xmlns="" w="9525">
+                  <a14:hiddenLine xmlns="" xmlns:a14="http://schemas.microsoft.com/office/drawing/2010/main" w="9525">
                     <a:solidFill>
                       <a:srgbClr val="000000"/>
                     </a:solidFill>
@@ -10423,7 +10515,7 @@
               </a:ln>
               <a:extLst>
                 <a:ext uri="{91240B29-F687-4f45-9708-019B960494DF}">
-                  <a14:hiddenLine xmlns:a14="http://schemas.microsoft.com/office/drawing/2010/main" xmlns="" w="9525">
+                  <a14:hiddenLine xmlns="" xmlns:a14="http://schemas.microsoft.com/office/drawing/2010/main" w="9525">
                     <a:solidFill>
                       <a:srgbClr val="000000"/>
                     </a:solidFill>
@@ -10513,7 +10605,7 @@
               </a:ln>
               <a:extLst>
                 <a:ext uri="{91240B29-F687-4f45-9708-019B960494DF}">
-                  <a14:hiddenLine xmlns:a14="http://schemas.microsoft.com/office/drawing/2010/main" xmlns="" w="9525">
+                  <a14:hiddenLine xmlns="" xmlns:a14="http://schemas.microsoft.com/office/drawing/2010/main" w="9525">
                     <a:solidFill>
                       <a:srgbClr val="000000"/>
                     </a:solidFill>
@@ -10547,7 +10639,7 @@
               </a:ln>
               <a:extLst>
                 <a:ext uri="{91240B29-F687-4f45-9708-019B960494DF}">
-                  <a14:hiddenLine xmlns:a14="http://schemas.microsoft.com/office/drawing/2010/main" xmlns="" w="9525">
+                  <a14:hiddenLine xmlns="" xmlns:a14="http://schemas.microsoft.com/office/drawing/2010/main" w="9525">
                     <a:solidFill>
                       <a:srgbClr val="000000"/>
                     </a:solidFill>
@@ -10612,7 +10704,7 @@
               </a:ln>
               <a:extLst>
                 <a:ext uri="{91240B29-F687-4f45-9708-019B960494DF}">
-                  <a14:hiddenLine xmlns:a14="http://schemas.microsoft.com/office/drawing/2010/main" xmlns="" w="9525">
+                  <a14:hiddenLine xmlns="" xmlns:a14="http://schemas.microsoft.com/office/drawing/2010/main" w="9525">
                     <a:solidFill>
                       <a:srgbClr val="000000"/>
                     </a:solidFill>
@@ -10702,7 +10794,7 @@
               </a:ln>
               <a:extLst>
                 <a:ext uri="{91240B29-F687-4f45-9708-019B960494DF}">
-                  <a14:hiddenLine xmlns:a14="http://schemas.microsoft.com/office/drawing/2010/main" xmlns="" w="9525">
+                  <a14:hiddenLine xmlns="" xmlns:a14="http://schemas.microsoft.com/office/drawing/2010/main" w="9525">
                     <a:solidFill>
                       <a:srgbClr val="000000"/>
                     </a:solidFill>
@@ -10764,7 +10856,7 @@
               </a:ln>
               <a:extLst>
                 <a:ext uri="{91240B29-F687-4f45-9708-019B960494DF}">
-                  <a14:hiddenLine xmlns:a14="http://schemas.microsoft.com/office/drawing/2010/main" xmlns="" w="9525">
+                  <a14:hiddenLine xmlns="" xmlns:a14="http://schemas.microsoft.com/office/drawing/2010/main" w="9525">
                     <a:solidFill>
                       <a:srgbClr val="000000"/>
                     </a:solidFill>
@@ -10854,7 +10946,7 @@
               </a:ln>
               <a:extLst>
                 <a:ext uri="{91240B29-F687-4f45-9708-019B960494DF}">
-                  <a14:hiddenLine xmlns:a14="http://schemas.microsoft.com/office/drawing/2010/main" xmlns="" w="9525">
+                  <a14:hiddenLine xmlns="" xmlns:a14="http://schemas.microsoft.com/office/drawing/2010/main" w="9525">
                     <a:solidFill>
                       <a:srgbClr val="000000"/>
                     </a:solidFill>
@@ -10919,7 +11011,7 @@
               </a:ln>
               <a:extLst>
                 <a:ext uri="{91240B29-F687-4f45-9708-019B960494DF}">
-                  <a14:hiddenLine xmlns:a14="http://schemas.microsoft.com/office/drawing/2010/main" xmlns="" w="9525">
+                  <a14:hiddenLine xmlns="" xmlns:a14="http://schemas.microsoft.com/office/drawing/2010/main" w="9525">
                     <a:solidFill>
                       <a:srgbClr val="000000"/>
                     </a:solidFill>
@@ -10981,7 +11073,7 @@
               </a:ln>
               <a:extLst>
                 <a:ext uri="{91240B29-F687-4f45-9708-019B960494DF}">
-                  <a14:hiddenLine xmlns:a14="http://schemas.microsoft.com/office/drawing/2010/main" xmlns="" w="9525">
+                  <a14:hiddenLine xmlns="" xmlns:a14="http://schemas.microsoft.com/office/drawing/2010/main" w="9525">
                     <a:solidFill>
                       <a:srgbClr val="000000"/>
                     </a:solidFill>
@@ -11071,7 +11163,7 @@
               </a:ln>
               <a:extLst>
                 <a:ext uri="{91240B29-F687-4f45-9708-019B960494DF}">
-                  <a14:hiddenLine xmlns:a14="http://schemas.microsoft.com/office/drawing/2010/main" xmlns="" w="9525">
+                  <a14:hiddenLine xmlns="" xmlns:a14="http://schemas.microsoft.com/office/drawing/2010/main" w="9525">
                     <a:solidFill>
                       <a:srgbClr val="000000"/>
                     </a:solidFill>
@@ -11161,7 +11253,7 @@
               </a:ln>
               <a:extLst>
                 <a:ext uri="{91240B29-F687-4f45-9708-019B960494DF}">
-                  <a14:hiddenLine xmlns:a14="http://schemas.microsoft.com/office/drawing/2010/main" xmlns="" w="9525">
+                  <a14:hiddenLine xmlns="" xmlns:a14="http://schemas.microsoft.com/office/drawing/2010/main" w="9525">
                     <a:solidFill>
                       <a:srgbClr val="000000"/>
                     </a:solidFill>
@@ -11226,7 +11318,7 @@
               </a:ln>
               <a:extLst>
                 <a:ext uri="{91240B29-F687-4f45-9708-019B960494DF}">
-                  <a14:hiddenLine xmlns:a14="http://schemas.microsoft.com/office/drawing/2010/main" xmlns="" w="9525">
+                  <a14:hiddenLine xmlns="" xmlns:a14="http://schemas.microsoft.com/office/drawing/2010/main" w="9525">
                     <a:solidFill>
                       <a:srgbClr val="000000"/>
                     </a:solidFill>
@@ -11346,7 +11438,7 @@
               </a:ln>
               <a:extLst>
                 <a:ext uri="{91240B29-F687-4f45-9708-019B960494DF}">
-                  <a14:hiddenLine xmlns:a14="http://schemas.microsoft.com/office/drawing/2010/main" xmlns="" w="9525">
+                  <a14:hiddenLine xmlns="" xmlns:a14="http://schemas.microsoft.com/office/drawing/2010/main" w="9525">
                     <a:solidFill>
                       <a:srgbClr val="000000"/>
                     </a:solidFill>
@@ -11444,7 +11536,7 @@
               </a:ln>
               <a:extLst>
                 <a:ext uri="{91240B29-F687-4f45-9708-019B960494DF}">
-                  <a14:hiddenLine xmlns:a14="http://schemas.microsoft.com/office/drawing/2010/main" xmlns="" w="9525">
+                  <a14:hiddenLine xmlns="" xmlns:a14="http://schemas.microsoft.com/office/drawing/2010/main" w="9525">
                     <a:solidFill>
                       <a:srgbClr val="000000"/>
                     </a:solidFill>
@@ -11559,7 +11651,7 @@
               </a:ln>
               <a:extLst>
                 <a:ext uri="{91240B29-F687-4f45-9708-019B960494DF}">
-                  <a14:hiddenLine xmlns:a14="http://schemas.microsoft.com/office/drawing/2010/main" xmlns="" w="9525">
+                  <a14:hiddenLine xmlns="" xmlns:a14="http://schemas.microsoft.com/office/drawing/2010/main" w="9525">
                     <a:solidFill>
                       <a:srgbClr val="000000"/>
                     </a:solidFill>
@@ -11649,7 +11741,7 @@
               </a:ln>
               <a:extLst>
                 <a:ext uri="{91240B29-F687-4f45-9708-019B960494DF}">
-                  <a14:hiddenLine xmlns:a14="http://schemas.microsoft.com/office/drawing/2010/main" xmlns="" w="9525">
+                  <a14:hiddenLine xmlns="" xmlns:a14="http://schemas.microsoft.com/office/drawing/2010/main" w="9525">
                     <a:solidFill>
                       <a:srgbClr val="000000"/>
                     </a:solidFill>
@@ -11714,7 +11806,7 @@
               </a:ln>
               <a:extLst>
                 <a:ext uri="{91240B29-F687-4f45-9708-019B960494DF}">
-                  <a14:hiddenLine xmlns:a14="http://schemas.microsoft.com/office/drawing/2010/main" xmlns="" w="9525">
+                  <a14:hiddenLine xmlns="" xmlns:a14="http://schemas.microsoft.com/office/drawing/2010/main" w="9525">
                     <a:solidFill>
                       <a:srgbClr val="000000"/>
                     </a:solidFill>
@@ -11804,7 +11896,7 @@
               </a:ln>
               <a:extLst>
                 <a:ext uri="{91240B29-F687-4f45-9708-019B960494DF}">
-                  <a14:hiddenLine xmlns:a14="http://schemas.microsoft.com/office/drawing/2010/main" xmlns="" w="9525">
+                  <a14:hiddenLine xmlns="" xmlns:a14="http://schemas.microsoft.com/office/drawing/2010/main" w="9525">
                     <a:solidFill>
                       <a:srgbClr val="000000"/>
                     </a:solidFill>
@@ -11872,7 +11964,7 @@
               </a:ln>
               <a:extLst>
                 <a:ext uri="{91240B29-F687-4f45-9708-019B960494DF}">
-                  <a14:hiddenLine xmlns:a14="http://schemas.microsoft.com/office/drawing/2010/main" xmlns="" w="9525">
+                  <a14:hiddenLine xmlns="" xmlns:a14="http://schemas.microsoft.com/office/drawing/2010/main" w="9525">
                     <a:solidFill>
                       <a:srgbClr val="000000"/>
                     </a:solidFill>
@@ -11962,7 +12054,7 @@
               </a:ln>
               <a:extLst>
                 <a:ext uri="{91240B29-F687-4f45-9708-019B960494DF}">
-                  <a14:hiddenLine xmlns:a14="http://schemas.microsoft.com/office/drawing/2010/main" xmlns="" w="9525">
+                  <a14:hiddenLine xmlns="" xmlns:a14="http://schemas.microsoft.com/office/drawing/2010/main" w="9525">
                     <a:solidFill>
                       <a:srgbClr val="000000"/>
                     </a:solidFill>
@@ -12030,7 +12122,7 @@
               </a:ln>
               <a:extLst>
                 <a:ext uri="{91240B29-F687-4f45-9708-019B960494DF}">
-                  <a14:hiddenLine xmlns:a14="http://schemas.microsoft.com/office/drawing/2010/main" xmlns="" w="9525">
+                  <a14:hiddenLine xmlns="" xmlns:a14="http://schemas.microsoft.com/office/drawing/2010/main" w="9525">
                     <a:solidFill>
                       <a:srgbClr val="000000"/>
                     </a:solidFill>
@@ -12120,7 +12212,7 @@
               </a:ln>
               <a:extLst>
                 <a:ext uri="{91240B29-F687-4f45-9708-019B960494DF}">
-                  <a14:hiddenLine xmlns:a14="http://schemas.microsoft.com/office/drawing/2010/main" xmlns="" w="9525">
+                  <a14:hiddenLine xmlns="" xmlns:a14="http://schemas.microsoft.com/office/drawing/2010/main" w="9525">
                     <a:solidFill>
                       <a:srgbClr val="000000"/>
                     </a:solidFill>
@@ -12154,7 +12246,7 @@
               </a:ln>
               <a:extLst>
                 <a:ext uri="{91240B29-F687-4f45-9708-019B960494DF}">
-                  <a14:hiddenLine xmlns:a14="http://schemas.microsoft.com/office/drawing/2010/main" xmlns="" w="9525">
+                  <a14:hiddenLine xmlns="" xmlns:a14="http://schemas.microsoft.com/office/drawing/2010/main" w="9525">
                     <a:solidFill>
                       <a:srgbClr val="000000"/>
                     </a:solidFill>
@@ -12294,7 +12386,7 @@
           <a:p>
             <a:fld id="{23A4A4BE-2037-407F-974F-49BBD6F022A1}" type="datetime1">
               <a:rPr lang="en-US" smtClean="0"/>
-              <a:t>8/13/2025</a:t>
+              <a:t>8/14/2025</a:t>
             </a:fld>
             <a:endParaRPr lang="en-US" dirty="0"/>
           </a:p>
@@ -13393,6 +13485,934 @@
 <file path=ppt/slides/slide11.xml><?xml version="1.0" encoding="utf-8"?>
 <p:sld xmlns:a="http://schemas.openxmlformats.org/drawingml/2006/main" xmlns:r="http://schemas.openxmlformats.org/officeDocument/2006/relationships" xmlns:p="http://schemas.openxmlformats.org/presentationml/2006/main">
   <p:cSld>
+    <p:spTree>
+      <p:nvGrpSpPr>
+        <p:cNvPr id="1" name=""/>
+        <p:cNvGrpSpPr/>
+        <p:nvPr/>
+      </p:nvGrpSpPr>
+      <p:grpSpPr>
+        <a:xfrm>
+          <a:off x="0" y="0"/>
+          <a:ext cx="0" cy="0"/>
+          <a:chOff x="0" y="0"/>
+          <a:chExt cx="0" cy="0"/>
+        </a:xfrm>
+      </p:grpSpPr>
+      <p:sp>
+        <p:nvSpPr>
+          <p:cNvPr id="2" name="Titre 1">
+            <a:extLst>
+              <a:ext uri="{FF2B5EF4-FFF2-40B4-BE49-F238E27FC236}">
+                <a16:creationId xmlns:a16="http://schemas.microsoft.com/office/drawing/2014/main" id="{DA5E3F13-31F4-BBEE-C044-C0573F14AA53}"/>
+              </a:ext>
+            </a:extLst>
+          </p:cNvPr>
+          <p:cNvSpPr>
+            <a:spLocks noGrp="1"/>
+          </p:cNvSpPr>
+          <p:nvPr>
+            <p:ph type="title"/>
+          </p:nvPr>
+        </p:nvSpPr>
+        <p:spPr/>
+        <p:txBody>
+          <a:bodyPr/>
+          <a:lstStyle/>
+          <a:p>
+            <a:r>
+              <a:rPr lang="fr-FR" b="1" dirty="0"/>
+              <a:t>Les parties d’une adresse IP</a:t>
+            </a:r>
+            <a:endParaRPr lang="fr-CH" b="1" dirty="0"/>
+          </a:p>
+        </p:txBody>
+      </p:sp>
+      <p:sp>
+        <p:nvSpPr>
+          <p:cNvPr id="3" name="Espace réservé du contenu 2">
+            <a:extLst>
+              <a:ext uri="{FF2B5EF4-FFF2-40B4-BE49-F238E27FC236}">
+                <a16:creationId xmlns:a16="http://schemas.microsoft.com/office/drawing/2014/main" id="{4DCFD1A9-DEA1-84D2-4811-7BD9C270D2BE}"/>
+              </a:ext>
+            </a:extLst>
+          </p:cNvPr>
+          <p:cNvSpPr>
+            <a:spLocks noGrp="1"/>
+          </p:cNvSpPr>
+          <p:nvPr>
+            <p:ph idx="1"/>
+          </p:nvPr>
+        </p:nvSpPr>
+        <p:spPr>
+          <a:xfrm>
+            <a:off x="1141412" y="2097089"/>
+            <a:ext cx="9905999" cy="3104832"/>
+          </a:xfrm>
+        </p:spPr>
+        <p:txBody>
+          <a:bodyPr>
+            <a:normAutofit fontScale="85000" lnSpcReduction="10000"/>
+          </a:bodyPr>
+          <a:lstStyle/>
+          <a:p>
+            <a:r>
+              <a:rPr lang="fr-FR" dirty="0"/>
+              <a:t>Une adresse IP comprend une partie réseau et une partie hôte, signifiées par le masque.</a:t>
+            </a:r>
+          </a:p>
+          <a:p>
+            <a:pPr lvl="1"/>
+            <a:r>
+              <a:rPr lang="fr-FR" b="1" dirty="0"/>
+              <a:t>Partie réseau: </a:t>
+            </a:r>
+            <a:r>
+              <a:rPr lang="fr-FR" dirty="0"/>
+              <a:t>du 1</a:t>
+            </a:r>
+            <a:r>
+              <a:rPr lang="fr-FR" baseline="30000" dirty="0"/>
+              <a:t>er</a:t>
+            </a:r>
+            <a:r>
+              <a:rPr lang="fr-FR" dirty="0"/>
+              <a:t> au 3</a:t>
+            </a:r>
+            <a:r>
+              <a:rPr lang="fr-FR" baseline="30000" dirty="0"/>
+              <a:t>ème</a:t>
+            </a:r>
+            <a:r>
+              <a:rPr lang="fr-FR" dirty="0"/>
+              <a:t> byte maximum.</a:t>
+            </a:r>
+          </a:p>
+          <a:p>
+            <a:pPr lvl="1"/>
+            <a:r>
+              <a:rPr lang="fr-FR" b="1" dirty="0"/>
+              <a:t>Partie hôte: </a:t>
+            </a:r>
+            <a:r>
+              <a:rPr lang="fr-FR" dirty="0"/>
+              <a:t>ce qui reste après la partie réseau.</a:t>
+            </a:r>
+            <a:endParaRPr lang="fr-CH" dirty="0"/>
+          </a:p>
+          <a:p>
+            <a:r>
+              <a:rPr lang="fr-CH" dirty="0"/>
+              <a:t>Un même (sous-)réseau = la même partie réseau = les mêmes x premiers bytes. </a:t>
+            </a:r>
+          </a:p>
+          <a:p>
+            <a:r>
+              <a:rPr lang="fr-FR" dirty="0"/>
+              <a:t>Chaque byte à 255 d’un masque indique qu’il appartient à la partie réseau. S’il a une autre valeur, il appartient à la partie hôte.</a:t>
+            </a:r>
+          </a:p>
+          <a:p>
+            <a:pPr marL="0" indent="0">
+              <a:buNone/>
+            </a:pPr>
+            <a:r>
+              <a:rPr lang="fr-FR" dirty="0"/>
+              <a:t>Exemple:</a:t>
+            </a:r>
+          </a:p>
+          <a:p>
+            <a:pPr marL="0" indent="0">
+              <a:buNone/>
+            </a:pPr>
+            <a:endParaRPr lang="fr-FR" dirty="0"/>
+          </a:p>
+          <a:p>
+            <a:endParaRPr lang="fr-CH" dirty="0"/>
+          </a:p>
+        </p:txBody>
+      </p:sp>
+      <p:sp>
+        <p:nvSpPr>
+          <p:cNvPr id="5" name="Espace réservé du numéro de diapositive 4">
+            <a:extLst>
+              <a:ext uri="{FF2B5EF4-FFF2-40B4-BE49-F238E27FC236}">
+                <a16:creationId xmlns:a16="http://schemas.microsoft.com/office/drawing/2014/main" id="{8C7557E4-F500-D943-37E4-472E05004E3D}"/>
+              </a:ext>
+            </a:extLst>
+          </p:cNvPr>
+          <p:cNvSpPr>
+            <a:spLocks noGrp="1"/>
+          </p:cNvSpPr>
+          <p:nvPr>
+            <p:ph type="sldNum" sz="quarter" idx="12"/>
+          </p:nvPr>
+        </p:nvSpPr>
+        <p:spPr/>
+        <p:txBody>
+          <a:bodyPr/>
+          <a:lstStyle/>
+          <a:p>
+            <a:fld id="{6D22F896-40B5-4ADD-8801-0D06FADFA095}" type="slidenum">
+              <a:rPr lang="en-US" smtClean="0"/>
+              <a:t>11</a:t>
+            </a:fld>
+            <a:endParaRPr lang="en-US" dirty="0"/>
+          </a:p>
+        </p:txBody>
+      </p:sp>
+      <p:graphicFrame>
+        <p:nvGraphicFramePr>
+          <p:cNvPr id="6" name="Tableau 5">
+            <a:extLst>
+              <a:ext uri="{FF2B5EF4-FFF2-40B4-BE49-F238E27FC236}">
+                <a16:creationId xmlns:a16="http://schemas.microsoft.com/office/drawing/2014/main" id="{05CC30CE-98DB-B7A2-4AAC-F3E784B10AEE}"/>
+              </a:ext>
+            </a:extLst>
+          </p:cNvPr>
+          <p:cNvGraphicFramePr>
+            <a:graphicFrameLocks noGrp="1"/>
+          </p:cNvGraphicFramePr>
+          <p:nvPr>
+            <p:extLst>
+              <p:ext uri="{D42A27DB-BD31-4B8C-83A1-F6EECF244321}">
+                <p14:modId xmlns:p14="http://schemas.microsoft.com/office/powerpoint/2010/main" val="2652337407"/>
+              </p:ext>
+            </p:extLst>
+          </p:nvPr>
+        </p:nvGraphicFramePr>
+        <p:xfrm>
+          <a:off x="2394139" y="4800918"/>
+          <a:ext cx="8128000" cy="1483360"/>
+        </p:xfrm>
+        <a:graphic>
+          <a:graphicData uri="http://schemas.openxmlformats.org/drawingml/2006/table">
+            <a:tbl>
+              <a:tblPr firstCol="1" bandRow="1">
+                <a:tableStyleId>{93296810-A885-4BE3-A3E7-6D5BEEA58F35}</a:tableStyleId>
+              </a:tblPr>
+              <a:tblGrid>
+                <a:gridCol w="1625600">
+                  <a:extLst>
+                    <a:ext uri="{9D8B030D-6E8A-4147-A177-3AD203B41FA5}">
+                      <a16:colId xmlns:a16="http://schemas.microsoft.com/office/drawing/2014/main" val="1711108821"/>
+                    </a:ext>
+                  </a:extLst>
+                </a:gridCol>
+                <a:gridCol w="1625600">
+                  <a:extLst>
+                    <a:ext uri="{9D8B030D-6E8A-4147-A177-3AD203B41FA5}">
+                      <a16:colId xmlns:a16="http://schemas.microsoft.com/office/drawing/2014/main" val="341551894"/>
+                    </a:ext>
+                  </a:extLst>
+                </a:gridCol>
+                <a:gridCol w="1625600">
+                  <a:extLst>
+                    <a:ext uri="{9D8B030D-6E8A-4147-A177-3AD203B41FA5}">
+                      <a16:colId xmlns:a16="http://schemas.microsoft.com/office/drawing/2014/main" val="795135207"/>
+                    </a:ext>
+                  </a:extLst>
+                </a:gridCol>
+                <a:gridCol w="1625600">
+                  <a:extLst>
+                    <a:ext uri="{9D8B030D-6E8A-4147-A177-3AD203B41FA5}">
+                      <a16:colId xmlns:a16="http://schemas.microsoft.com/office/drawing/2014/main" val="2390058210"/>
+                    </a:ext>
+                  </a:extLst>
+                </a:gridCol>
+                <a:gridCol w="1625600">
+                  <a:extLst>
+                    <a:ext uri="{9D8B030D-6E8A-4147-A177-3AD203B41FA5}">
+                      <a16:colId xmlns:a16="http://schemas.microsoft.com/office/drawing/2014/main" val="2412175125"/>
+                    </a:ext>
+                  </a:extLst>
+                </a:gridCol>
+              </a:tblGrid>
+              <a:tr h="370840">
+                <a:tc>
+                  <a:txBody>
+                    <a:bodyPr/>
+                    <a:lstStyle/>
+                    <a:p>
+                      <a:r>
+                        <a:rPr lang="fr-FR" dirty="0"/>
+                        <a:t>Masque</a:t>
+                      </a:r>
+                      <a:endParaRPr lang="fr-CH" dirty="0"/>
+                    </a:p>
+                  </a:txBody>
+                  <a:tcPr/>
+                </a:tc>
+                <a:tc>
+                  <a:txBody>
+                    <a:bodyPr/>
+                    <a:lstStyle/>
+                    <a:p>
+                      <a:pPr algn="ctr"/>
+                      <a:r>
+                        <a:rPr lang="fr-FR" dirty="0"/>
+                        <a:t>255</a:t>
+                      </a:r>
+                      <a:endParaRPr lang="fr-CH" dirty="0"/>
+                    </a:p>
+                  </a:txBody>
+                  <a:tcPr/>
+                </a:tc>
+                <a:tc>
+                  <a:txBody>
+                    <a:bodyPr/>
+                    <a:lstStyle/>
+                    <a:p>
+                      <a:pPr algn="ctr"/>
+                      <a:r>
+                        <a:rPr lang="fr-FR" dirty="0"/>
+                        <a:t>255</a:t>
+                      </a:r>
+                      <a:endParaRPr lang="fr-CH" dirty="0"/>
+                    </a:p>
+                  </a:txBody>
+                  <a:tcPr>
+                    <a:lnR w="38100" cap="flat" cmpd="sng" algn="ctr">
+                      <a:solidFill>
+                        <a:schemeClr val="accent6"/>
+                      </a:solidFill>
+                      <a:prstDash val="solid"/>
+                      <a:round/>
+                      <a:headEnd type="none" w="med" len="med"/>
+                      <a:tailEnd type="none" w="med" len="med"/>
+                    </a:lnR>
+                  </a:tcPr>
+                </a:tc>
+                <a:tc>
+                  <a:txBody>
+                    <a:bodyPr/>
+                    <a:lstStyle/>
+                    <a:p>
+                      <a:pPr algn="ctr"/>
+                      <a:r>
+                        <a:rPr lang="fr-FR" dirty="0"/>
+                        <a:t>240</a:t>
+                      </a:r>
+                      <a:endParaRPr lang="fr-CH" dirty="0"/>
+                    </a:p>
+                  </a:txBody>
+                  <a:tcPr>
+                    <a:lnL w="38100" cap="flat" cmpd="sng" algn="ctr">
+                      <a:solidFill>
+                        <a:schemeClr val="accent6"/>
+                      </a:solidFill>
+                      <a:prstDash val="solid"/>
+                      <a:round/>
+                      <a:headEnd type="none" w="med" len="med"/>
+                      <a:tailEnd type="none" w="med" len="med"/>
+                    </a:lnL>
+                    <a:lnR w="12700" cap="flat" cmpd="sng" algn="ctr">
+                      <a:solidFill>
+                        <a:schemeClr val="tx1"/>
+                      </a:solidFill>
+                      <a:prstDash val="solid"/>
+                      <a:round/>
+                      <a:headEnd type="none" w="med" len="med"/>
+                      <a:tailEnd type="none" w="med" len="med"/>
+                    </a:lnR>
+                    <a:lnT w="12700" cap="flat" cmpd="sng" algn="ctr">
+                      <a:solidFill>
+                        <a:schemeClr val="tx1"/>
+                      </a:solidFill>
+                      <a:prstDash val="solid"/>
+                      <a:round/>
+                      <a:headEnd type="none" w="med" len="med"/>
+                      <a:tailEnd type="none" w="med" len="med"/>
+                    </a:lnT>
+                    <a:lnB w="12700" cap="flat" cmpd="sng" algn="ctr">
+                      <a:solidFill>
+                        <a:schemeClr val="tx1"/>
+                      </a:solidFill>
+                      <a:prstDash val="solid"/>
+                      <a:round/>
+                      <a:headEnd type="none" w="med" len="med"/>
+                      <a:tailEnd type="none" w="med" len="med"/>
+                    </a:lnB>
+                  </a:tcPr>
+                </a:tc>
+                <a:tc>
+                  <a:txBody>
+                    <a:bodyPr/>
+                    <a:lstStyle/>
+                    <a:p>
+                      <a:pPr algn="ctr"/>
+                      <a:r>
+                        <a:rPr lang="fr-FR" dirty="0"/>
+                        <a:t>0</a:t>
+                      </a:r>
+                      <a:endParaRPr lang="fr-CH" dirty="0"/>
+                    </a:p>
+                  </a:txBody>
+                  <a:tcPr>
+                    <a:lnL w="12700" cap="flat" cmpd="sng" algn="ctr">
+                      <a:solidFill>
+                        <a:schemeClr val="tx1"/>
+                      </a:solidFill>
+                      <a:prstDash val="solid"/>
+                      <a:round/>
+                      <a:headEnd type="none" w="med" len="med"/>
+                      <a:tailEnd type="none" w="med" len="med"/>
+                    </a:lnL>
+                    <a:lnR w="12700" cap="flat" cmpd="sng" algn="ctr">
+                      <a:solidFill>
+                        <a:schemeClr val="tx1"/>
+                      </a:solidFill>
+                      <a:prstDash val="solid"/>
+                      <a:round/>
+                      <a:headEnd type="none" w="med" len="med"/>
+                      <a:tailEnd type="none" w="med" len="med"/>
+                    </a:lnR>
+                    <a:lnT w="12700" cap="flat" cmpd="sng" algn="ctr">
+                      <a:solidFill>
+                        <a:schemeClr val="tx1"/>
+                      </a:solidFill>
+                      <a:prstDash val="solid"/>
+                      <a:round/>
+                      <a:headEnd type="none" w="med" len="med"/>
+                      <a:tailEnd type="none" w="med" len="med"/>
+                    </a:lnT>
+                    <a:lnB w="12700" cap="flat" cmpd="sng" algn="ctr">
+                      <a:solidFill>
+                        <a:schemeClr val="tx1"/>
+                      </a:solidFill>
+                      <a:prstDash val="solid"/>
+                      <a:round/>
+                      <a:headEnd type="none" w="med" len="med"/>
+                      <a:tailEnd type="none" w="med" len="med"/>
+                    </a:lnB>
+                  </a:tcPr>
+                </a:tc>
+                <a:extLst>
+                  <a:ext uri="{0D108BD9-81ED-4DB2-BD59-A6C34878D82A}">
+                    <a16:rowId xmlns:a16="http://schemas.microsoft.com/office/drawing/2014/main" val="258842464"/>
+                  </a:ext>
+                </a:extLst>
+              </a:tr>
+              <a:tr h="370840">
+                <a:tc>
+                  <a:txBody>
+                    <a:bodyPr/>
+                    <a:lstStyle/>
+                    <a:p>
+                      <a:r>
+                        <a:rPr lang="fr-FR" dirty="0"/>
+                        <a:t>Répartition</a:t>
+                      </a:r>
+                      <a:endParaRPr lang="fr-CH" dirty="0"/>
+                    </a:p>
+                  </a:txBody>
+                  <a:tcPr/>
+                </a:tc>
+                <a:tc gridSpan="2">
+                  <a:txBody>
+                    <a:bodyPr/>
+                    <a:lstStyle/>
+                    <a:p>
+                      <a:pPr algn="ctr"/>
+                      <a:r>
+                        <a:rPr lang="fr-FR" dirty="0"/>
+                        <a:t>Partie réseau</a:t>
+                      </a:r>
+                      <a:endParaRPr lang="fr-CH" dirty="0"/>
+                    </a:p>
+                  </a:txBody>
+                  <a:tcPr>
+                    <a:lnR w="38100" cap="flat" cmpd="sng" algn="ctr">
+                      <a:solidFill>
+                        <a:schemeClr val="accent6"/>
+                      </a:solidFill>
+                      <a:prstDash val="solid"/>
+                      <a:round/>
+                      <a:headEnd type="none" w="med" len="med"/>
+                      <a:tailEnd type="none" w="med" len="med"/>
+                    </a:lnR>
+                  </a:tcPr>
+                </a:tc>
+                <a:tc hMerge="1">
+                  <a:txBody>
+                    <a:bodyPr/>
+                    <a:lstStyle/>
+                    <a:p>
+                      <a:pPr algn="ctr"/>
+                      <a:endParaRPr lang="fr-CH" dirty="0"/>
+                    </a:p>
+                  </a:txBody>
+                  <a:tcPr/>
+                </a:tc>
+                <a:tc gridSpan="2">
+                  <a:txBody>
+                    <a:bodyPr/>
+                    <a:lstStyle/>
+                    <a:p>
+                      <a:pPr algn="ctr"/>
+                      <a:r>
+                        <a:rPr lang="fr-FR" dirty="0"/>
+                        <a:t>Partie hôte</a:t>
+                      </a:r>
+                      <a:endParaRPr lang="fr-CH" dirty="0"/>
+                    </a:p>
+                  </a:txBody>
+                  <a:tcPr>
+                    <a:lnL w="38100" cap="flat" cmpd="sng" algn="ctr">
+                      <a:solidFill>
+                        <a:schemeClr val="accent6"/>
+                      </a:solidFill>
+                      <a:prstDash val="solid"/>
+                      <a:round/>
+                      <a:headEnd type="none" w="med" len="med"/>
+                      <a:tailEnd type="none" w="med" len="med"/>
+                    </a:lnL>
+                    <a:lnR w="12700" cap="flat" cmpd="sng" algn="ctr">
+                      <a:solidFill>
+                        <a:schemeClr val="tx1"/>
+                      </a:solidFill>
+                      <a:prstDash val="solid"/>
+                      <a:round/>
+                      <a:headEnd type="none" w="med" len="med"/>
+                      <a:tailEnd type="none" w="med" len="med"/>
+                    </a:lnR>
+                    <a:lnT w="12700" cap="flat" cmpd="sng" algn="ctr">
+                      <a:solidFill>
+                        <a:schemeClr val="tx1"/>
+                      </a:solidFill>
+                      <a:prstDash val="solid"/>
+                      <a:round/>
+                      <a:headEnd type="none" w="med" len="med"/>
+                      <a:tailEnd type="none" w="med" len="med"/>
+                    </a:lnT>
+                    <a:lnB w="12700" cap="flat" cmpd="sng" algn="ctr">
+                      <a:solidFill>
+                        <a:schemeClr val="tx1"/>
+                      </a:solidFill>
+                      <a:prstDash val="solid"/>
+                      <a:round/>
+                      <a:headEnd type="none" w="med" len="med"/>
+                      <a:tailEnd type="none" w="med" len="med"/>
+                    </a:lnB>
+                  </a:tcPr>
+                </a:tc>
+                <a:tc hMerge="1">
+                  <a:txBody>
+                    <a:bodyPr/>
+                    <a:lstStyle/>
+                    <a:p>
+                      <a:pPr algn="ctr"/>
+                      <a:endParaRPr lang="fr-CH" dirty="0"/>
+                    </a:p>
+                  </a:txBody>
+                  <a:tcPr/>
+                </a:tc>
+                <a:extLst>
+                  <a:ext uri="{0D108BD9-81ED-4DB2-BD59-A6C34878D82A}">
+                    <a16:rowId xmlns:a16="http://schemas.microsoft.com/office/drawing/2014/main" val="3173841818"/>
+                  </a:ext>
+                </a:extLst>
+              </a:tr>
+              <a:tr h="370840">
+                <a:tc>
+                  <a:txBody>
+                    <a:bodyPr/>
+                    <a:lstStyle/>
+                    <a:p>
+                      <a:pPr marL="0" marR="0" lvl="0" indent="0" algn="l" defTabSz="914400" rtl="0" eaLnBrk="1" fontAlgn="auto" latinLnBrk="0" hangingPunct="1">
+                        <a:lnSpc>
+                          <a:spcPct val="100000"/>
+                        </a:lnSpc>
+                        <a:spcBef>
+                          <a:spcPts val="0"/>
+                        </a:spcBef>
+                        <a:spcAft>
+                          <a:spcPts val="0"/>
+                        </a:spcAft>
+                        <a:buClrTx/>
+                        <a:buSzTx/>
+                        <a:buFontTx/>
+                        <a:buNone/>
+                        <a:tabLst/>
+                        <a:defRPr/>
+                      </a:pPr>
+                      <a:r>
+                        <a:rPr lang="fr-FR" dirty="0"/>
+                        <a:t>Machine</a:t>
+                      </a:r>
+                      <a:r>
+                        <a:rPr lang="fr-CH" dirty="0"/>
+                        <a:t> </a:t>
+                      </a:r>
+                      <a:r>
+                        <a:rPr lang="fr-FR" dirty="0"/>
+                        <a:t>1</a:t>
+                      </a:r>
+                      <a:endParaRPr lang="fr-CH" dirty="0"/>
+                    </a:p>
+                  </a:txBody>
+                  <a:tcPr/>
+                </a:tc>
+                <a:tc>
+                  <a:txBody>
+                    <a:bodyPr/>
+                    <a:lstStyle/>
+                    <a:p>
+                      <a:pPr algn="ctr"/>
+                      <a:r>
+                        <a:rPr lang="fr-FR" dirty="0"/>
+                        <a:t>175</a:t>
+                      </a:r>
+                      <a:endParaRPr lang="fr-CH" dirty="0"/>
+                    </a:p>
+                  </a:txBody>
+                  <a:tcPr/>
+                </a:tc>
+                <a:tc>
+                  <a:txBody>
+                    <a:bodyPr/>
+                    <a:lstStyle/>
+                    <a:p>
+                      <a:pPr algn="ctr"/>
+                      <a:r>
+                        <a:rPr lang="fr-FR" dirty="0"/>
+                        <a:t>34</a:t>
+                      </a:r>
+                      <a:endParaRPr lang="fr-CH" dirty="0"/>
+                    </a:p>
+                  </a:txBody>
+                  <a:tcPr>
+                    <a:lnR w="38100" cap="flat" cmpd="sng" algn="ctr">
+                      <a:solidFill>
+                        <a:schemeClr val="accent6"/>
+                      </a:solidFill>
+                      <a:prstDash val="solid"/>
+                      <a:round/>
+                      <a:headEnd type="none" w="med" len="med"/>
+                      <a:tailEnd type="none" w="med" len="med"/>
+                    </a:lnR>
+                  </a:tcPr>
+                </a:tc>
+                <a:tc>
+                  <a:txBody>
+                    <a:bodyPr/>
+                    <a:lstStyle/>
+                    <a:p>
+                      <a:pPr algn="ctr"/>
+                      <a:r>
+                        <a:rPr lang="fr-FR" dirty="0"/>
+                        <a:t>1</a:t>
+                      </a:r>
+                      <a:endParaRPr lang="fr-CH" dirty="0"/>
+                    </a:p>
+                  </a:txBody>
+                  <a:tcPr>
+                    <a:lnL w="38100" cap="flat" cmpd="sng" algn="ctr">
+                      <a:solidFill>
+                        <a:schemeClr val="accent6"/>
+                      </a:solidFill>
+                      <a:prstDash val="solid"/>
+                      <a:round/>
+                      <a:headEnd type="none" w="med" len="med"/>
+                      <a:tailEnd type="none" w="med" len="med"/>
+                    </a:lnL>
+                    <a:lnR w="12700" cap="flat" cmpd="sng" algn="ctr">
+                      <a:solidFill>
+                        <a:schemeClr val="tx1"/>
+                      </a:solidFill>
+                      <a:prstDash val="solid"/>
+                      <a:round/>
+                      <a:headEnd type="none" w="med" len="med"/>
+                      <a:tailEnd type="none" w="med" len="med"/>
+                    </a:lnR>
+                    <a:lnT w="12700" cap="flat" cmpd="sng" algn="ctr">
+                      <a:solidFill>
+                        <a:schemeClr val="tx1"/>
+                      </a:solidFill>
+                      <a:prstDash val="solid"/>
+                      <a:round/>
+                      <a:headEnd type="none" w="med" len="med"/>
+                      <a:tailEnd type="none" w="med" len="med"/>
+                    </a:lnT>
+                    <a:lnB w="12700" cap="flat" cmpd="sng" algn="ctr">
+                      <a:solidFill>
+                        <a:schemeClr val="tx1"/>
+                      </a:solidFill>
+                      <a:prstDash val="solid"/>
+                      <a:round/>
+                      <a:headEnd type="none" w="med" len="med"/>
+                      <a:tailEnd type="none" w="med" len="med"/>
+                    </a:lnB>
+                  </a:tcPr>
+                </a:tc>
+                <a:tc>
+                  <a:txBody>
+                    <a:bodyPr/>
+                    <a:lstStyle/>
+                    <a:p>
+                      <a:pPr algn="ctr"/>
+                      <a:r>
+                        <a:rPr lang="fr-FR" dirty="0"/>
+                        <a:t>16</a:t>
+                      </a:r>
+                      <a:endParaRPr lang="fr-CH" dirty="0"/>
+                    </a:p>
+                  </a:txBody>
+                  <a:tcPr>
+                    <a:lnL w="12700" cap="flat" cmpd="sng" algn="ctr">
+                      <a:solidFill>
+                        <a:schemeClr val="tx1"/>
+                      </a:solidFill>
+                      <a:prstDash val="solid"/>
+                      <a:round/>
+                      <a:headEnd type="none" w="med" len="med"/>
+                      <a:tailEnd type="none" w="med" len="med"/>
+                    </a:lnL>
+                    <a:lnR w="12700" cap="flat" cmpd="sng" algn="ctr">
+                      <a:solidFill>
+                        <a:schemeClr val="tx1"/>
+                      </a:solidFill>
+                      <a:prstDash val="solid"/>
+                      <a:round/>
+                      <a:headEnd type="none" w="med" len="med"/>
+                      <a:tailEnd type="none" w="med" len="med"/>
+                    </a:lnR>
+                    <a:lnT w="12700" cap="flat" cmpd="sng" algn="ctr">
+                      <a:solidFill>
+                        <a:schemeClr val="tx1"/>
+                      </a:solidFill>
+                      <a:prstDash val="solid"/>
+                      <a:round/>
+                      <a:headEnd type="none" w="med" len="med"/>
+                      <a:tailEnd type="none" w="med" len="med"/>
+                    </a:lnT>
+                    <a:lnB w="12700" cap="flat" cmpd="sng" algn="ctr">
+                      <a:solidFill>
+                        <a:schemeClr val="tx1"/>
+                      </a:solidFill>
+                      <a:prstDash val="solid"/>
+                      <a:round/>
+                      <a:headEnd type="none" w="med" len="med"/>
+                      <a:tailEnd type="none" w="med" len="med"/>
+                    </a:lnB>
+                  </a:tcPr>
+                </a:tc>
+                <a:extLst>
+                  <a:ext uri="{0D108BD9-81ED-4DB2-BD59-A6C34878D82A}">
+                    <a16:rowId xmlns:a16="http://schemas.microsoft.com/office/drawing/2014/main" val="843672567"/>
+                  </a:ext>
+                </a:extLst>
+              </a:tr>
+              <a:tr h="370840">
+                <a:tc>
+                  <a:txBody>
+                    <a:bodyPr/>
+                    <a:lstStyle/>
+                    <a:p>
+                      <a:pPr marL="0" marR="0" lvl="0" indent="0" algn="l" defTabSz="914400" rtl="0" eaLnBrk="1" fontAlgn="auto" latinLnBrk="0" hangingPunct="1">
+                        <a:lnSpc>
+                          <a:spcPct val="100000"/>
+                        </a:lnSpc>
+                        <a:spcBef>
+                          <a:spcPts val="0"/>
+                        </a:spcBef>
+                        <a:spcAft>
+                          <a:spcPts val="0"/>
+                        </a:spcAft>
+                        <a:buClrTx/>
+                        <a:buSzTx/>
+                        <a:buFontTx/>
+                        <a:buNone/>
+                        <a:tabLst/>
+                        <a:defRPr/>
+                      </a:pPr>
+                      <a:r>
+                        <a:rPr lang="fr-FR" dirty="0"/>
+                        <a:t>Machine</a:t>
+                      </a:r>
+                      <a:r>
+                        <a:rPr lang="fr-CH" dirty="0"/>
+                        <a:t> </a:t>
+                      </a:r>
+                      <a:r>
+                        <a:rPr lang="fr-FR" dirty="0"/>
+                        <a:t>2</a:t>
+                      </a:r>
+                      <a:endParaRPr lang="fr-CH" dirty="0"/>
+                    </a:p>
+                  </a:txBody>
+                  <a:tcPr/>
+                </a:tc>
+                <a:tc>
+                  <a:txBody>
+                    <a:bodyPr/>
+                    <a:lstStyle/>
+                    <a:p>
+                      <a:pPr algn="ctr"/>
+                      <a:r>
+                        <a:rPr lang="fr-FR" dirty="0"/>
+                        <a:t>175</a:t>
+                      </a:r>
+                      <a:endParaRPr lang="fr-CH" dirty="0"/>
+                    </a:p>
+                  </a:txBody>
+                  <a:tcPr/>
+                </a:tc>
+                <a:tc>
+                  <a:txBody>
+                    <a:bodyPr/>
+                    <a:lstStyle/>
+                    <a:p>
+                      <a:pPr algn="ctr"/>
+                      <a:r>
+                        <a:rPr lang="fr-FR" dirty="0"/>
+                        <a:t>34</a:t>
+                      </a:r>
+                      <a:endParaRPr lang="fr-CH" dirty="0"/>
+                    </a:p>
+                  </a:txBody>
+                  <a:tcPr>
+                    <a:lnR w="38100" cap="flat" cmpd="sng" algn="ctr">
+                      <a:solidFill>
+                        <a:schemeClr val="accent6"/>
+                      </a:solidFill>
+                      <a:prstDash val="solid"/>
+                      <a:round/>
+                      <a:headEnd type="none" w="med" len="med"/>
+                      <a:tailEnd type="none" w="med" len="med"/>
+                    </a:lnR>
+                  </a:tcPr>
+                </a:tc>
+                <a:tc>
+                  <a:txBody>
+                    <a:bodyPr/>
+                    <a:lstStyle/>
+                    <a:p>
+                      <a:pPr algn="ctr"/>
+                      <a:r>
+                        <a:rPr lang="fr-FR" dirty="0"/>
+                        <a:t>2</a:t>
+                      </a:r>
+                      <a:endParaRPr lang="fr-CH" dirty="0"/>
+                    </a:p>
+                  </a:txBody>
+                  <a:tcPr>
+                    <a:lnL w="38100" cap="flat" cmpd="sng" algn="ctr">
+                      <a:solidFill>
+                        <a:schemeClr val="accent6"/>
+                      </a:solidFill>
+                      <a:prstDash val="solid"/>
+                      <a:round/>
+                      <a:headEnd type="none" w="med" len="med"/>
+                      <a:tailEnd type="none" w="med" len="med"/>
+                    </a:lnL>
+                    <a:lnR w="12700" cap="flat" cmpd="sng" algn="ctr">
+                      <a:solidFill>
+                        <a:schemeClr val="tx1"/>
+                      </a:solidFill>
+                      <a:prstDash val="solid"/>
+                      <a:round/>
+                      <a:headEnd type="none" w="med" len="med"/>
+                      <a:tailEnd type="none" w="med" len="med"/>
+                    </a:lnR>
+                    <a:lnT w="12700" cap="flat" cmpd="sng" algn="ctr">
+                      <a:solidFill>
+                        <a:schemeClr val="tx1"/>
+                      </a:solidFill>
+                      <a:prstDash val="solid"/>
+                      <a:round/>
+                      <a:headEnd type="none" w="med" len="med"/>
+                      <a:tailEnd type="none" w="med" len="med"/>
+                    </a:lnT>
+                    <a:lnB w="12700" cap="flat" cmpd="sng" algn="ctr">
+                      <a:solidFill>
+                        <a:schemeClr val="tx1"/>
+                      </a:solidFill>
+                      <a:prstDash val="solid"/>
+                      <a:round/>
+                      <a:headEnd type="none" w="med" len="med"/>
+                      <a:tailEnd type="none" w="med" len="med"/>
+                    </a:lnB>
+                  </a:tcPr>
+                </a:tc>
+                <a:tc>
+                  <a:txBody>
+                    <a:bodyPr/>
+                    <a:lstStyle/>
+                    <a:p>
+                      <a:pPr algn="ctr"/>
+                      <a:r>
+                        <a:rPr lang="fr-FR" dirty="0"/>
+                        <a:t>28</a:t>
+                      </a:r>
+                      <a:endParaRPr lang="fr-CH" dirty="0"/>
+                    </a:p>
+                  </a:txBody>
+                  <a:tcPr>
+                    <a:lnL w="12700" cap="flat" cmpd="sng" algn="ctr">
+                      <a:solidFill>
+                        <a:schemeClr val="tx1"/>
+                      </a:solidFill>
+                      <a:prstDash val="solid"/>
+                      <a:round/>
+                      <a:headEnd type="none" w="med" len="med"/>
+                      <a:tailEnd type="none" w="med" len="med"/>
+                    </a:lnL>
+                    <a:lnR w="12700" cap="flat" cmpd="sng" algn="ctr">
+                      <a:solidFill>
+                        <a:schemeClr val="tx1"/>
+                      </a:solidFill>
+                      <a:prstDash val="solid"/>
+                      <a:round/>
+                      <a:headEnd type="none" w="med" len="med"/>
+                      <a:tailEnd type="none" w="med" len="med"/>
+                    </a:lnR>
+                    <a:lnT w="12700" cap="flat" cmpd="sng" algn="ctr">
+                      <a:solidFill>
+                        <a:schemeClr val="tx1"/>
+                      </a:solidFill>
+                      <a:prstDash val="solid"/>
+                      <a:round/>
+                      <a:headEnd type="none" w="med" len="med"/>
+                      <a:tailEnd type="none" w="med" len="med"/>
+                    </a:lnT>
+                    <a:lnB w="12700" cap="flat" cmpd="sng" algn="ctr">
+                      <a:solidFill>
+                        <a:schemeClr val="tx1"/>
+                      </a:solidFill>
+                      <a:prstDash val="solid"/>
+                      <a:round/>
+                      <a:headEnd type="none" w="med" len="med"/>
+                      <a:tailEnd type="none" w="med" len="med"/>
+                    </a:lnB>
+                  </a:tcPr>
+                </a:tc>
+                <a:extLst>
+                  <a:ext uri="{0D108BD9-81ED-4DB2-BD59-A6C34878D82A}">
+                    <a16:rowId xmlns:a16="http://schemas.microsoft.com/office/drawing/2014/main" val="3164789880"/>
+                  </a:ext>
+                </a:extLst>
+              </a:tr>
+            </a:tbl>
+          </a:graphicData>
+        </a:graphic>
+      </p:graphicFrame>
+    </p:spTree>
+    <p:extLst>
+      <p:ext uri="{BB962C8B-B14F-4D97-AF65-F5344CB8AC3E}">
+        <p14:creationId xmlns:p14="http://schemas.microsoft.com/office/powerpoint/2010/main" val="2647492618"/>
+      </p:ext>
+    </p:extLst>
+  </p:cSld>
+  <p:clrMapOvr>
+    <a:masterClrMapping/>
+  </p:clrMapOvr>
+</p:sld>
+</file>
+
+<file path=ppt/slides/slide12.xml><?xml version="1.0" encoding="utf-8"?>
+<p:sld xmlns:a="http://schemas.openxmlformats.org/drawingml/2006/main" xmlns:r="http://schemas.openxmlformats.org/officeDocument/2006/relationships" xmlns:p="http://schemas.openxmlformats.org/presentationml/2006/main">
+  <p:cSld>
     <p:bg>
       <p:bgPr>
         <a:blipFill>
@@ -13449,7 +14469,7 @@
         </p:nvSpPr>
         <p:spPr/>
         <p:txBody>
-          <a:bodyPr anchor="t">
+          <a:bodyPr anchor="ctr">
             <a:normAutofit/>
           </a:bodyPr>
           <a:lstStyle/>
@@ -13539,7 +14559,7 @@
           <a:p>
             <a:fld id="{6D22F896-40B5-4ADD-8801-0D06FADFA095}" type="slidenum">
               <a:rPr lang="en-US" smtClean="0"/>
-              <a:t>11</a:t>
+              <a:t>12</a:t>
             </a:fld>
             <a:endParaRPr lang="en-US" dirty="0"/>
           </a:p>
@@ -16675,8 +17695,8 @@
         </p:nvSpPr>
         <p:spPr>
           <a:xfrm>
-            <a:off x="2480501" y="3574068"/>
-            <a:ext cx="7391960" cy="646331"/>
+            <a:off x="2480501" y="3697178"/>
+            <a:ext cx="7920951" cy="646331"/>
           </a:xfrm>
           <a:prstGeom prst="rect">
             <a:avLst/>
@@ -16700,7 +17720,7 @@
               <a:t>besoin de 12 adresses = </a:t>
             </a:r>
             <a:r>
-              <a:rPr lang="fr-CH" sz="1050" dirty="0"/>
+              <a:rPr lang="fr-CH" sz="1400" dirty="0"/>
               <a:t>255.255.255.240</a:t>
             </a:r>
             <a:r>
@@ -16714,7 +17734,7 @@
               <a:t>					     </a:t>
             </a:r>
             <a:r>
-              <a:rPr lang="fr-CH" sz="1200" dirty="0"/>
+              <a:rPr lang="fr-CH" sz="1400" dirty="0"/>
               <a:t>ou /28</a:t>
             </a:r>
             <a:endParaRPr lang="fr-CH" dirty="0"/>
@@ -16734,7 +17754,7 @@
 </p:sld>
 </file>
 
-<file path=ppt/slides/slide12.xml><?xml version="1.0" encoding="utf-8"?>
+<file path=ppt/slides/slide13.xml><?xml version="1.0" encoding="utf-8"?>
 <p:sld xmlns:a="http://schemas.openxmlformats.org/drawingml/2006/main" xmlns:r="http://schemas.openxmlformats.org/officeDocument/2006/relationships" xmlns:p="http://schemas.openxmlformats.org/presentationml/2006/main">
   <p:cSld>
     <p:bg>
@@ -16847,7 +17867,7 @@
         </p:spPr>
         <p:txBody>
           <a:bodyPr>
-            <a:normAutofit fontScale="62500" lnSpcReduction="20000"/>
+            <a:normAutofit/>
           </a:bodyPr>
           <a:lstStyle/>
           <a:p>
@@ -16885,59 +17905,10 @@
             <a:endParaRPr lang="fr-FR" dirty="0"/>
           </a:p>
           <a:p>
+            <a:pPr marL="0" indent="0">
+              <a:buNone/>
+            </a:pPr>
             <a:endParaRPr lang="fr-FR" dirty="0"/>
-          </a:p>
-          <a:p>
-            <a:endParaRPr lang="fr-FR" dirty="0"/>
-          </a:p>
-          <a:p>
-            <a:r>
-              <a:rPr lang="fr-FR" dirty="0"/>
-              <a:t>Une adresse IP comprend une partie réseau et une partie hôte.</a:t>
-            </a:r>
-          </a:p>
-          <a:p>
-            <a:pPr lvl="1"/>
-            <a:r>
-              <a:rPr lang="fr-FR" dirty="0"/>
-              <a:t>Réseau: du 1</a:t>
-            </a:r>
-            <a:r>
-              <a:rPr lang="fr-FR" baseline="30000" dirty="0"/>
-              <a:t>er</a:t>
-            </a:r>
-            <a:r>
-              <a:rPr lang="fr-FR" dirty="0"/>
-              <a:t> au 3</a:t>
-            </a:r>
-            <a:r>
-              <a:rPr lang="fr-FR" baseline="30000" dirty="0"/>
-              <a:t>ème</a:t>
-            </a:r>
-            <a:r>
-              <a:rPr lang="fr-FR" dirty="0"/>
-              <a:t> byte maximum.</a:t>
-            </a:r>
-          </a:p>
-          <a:p>
-            <a:pPr lvl="1"/>
-            <a:r>
-              <a:rPr lang="fr-FR" dirty="0"/>
-              <a:t>Hôte: ce qui reste après la partie réseau.</a:t>
-            </a:r>
-            <a:endParaRPr lang="fr-CH" dirty="0"/>
-          </a:p>
-          <a:p>
-            <a:r>
-              <a:rPr lang="fr-CH" dirty="0"/>
-              <a:t>Un même (sous-)réseau = la même partie réseau = les mêmes x premiers bytes.</a:t>
-            </a:r>
-          </a:p>
-          <a:p>
-            <a:r>
-              <a:rPr lang="fr-FR" dirty="0"/>
-              <a:t>Chaque byte d’un masque à 255 indique qu’il appartient à la partie réseau. S’il a une autre valeur, il appartient à la partie hôte.</a:t>
-            </a:r>
           </a:p>
         </p:txBody>
       </p:sp>
@@ -20124,7 +21095,7 @@
           <a:p>
             <a:fld id="{6D22F896-40B5-4ADD-8801-0D06FADFA095}" type="slidenum">
               <a:rPr lang="en-US" smtClean="0"/>
-              <a:t>12</a:t>
+              <a:t>13</a:t>
             </a:fld>
             <a:endParaRPr lang="en-US" dirty="0"/>
           </a:p>
@@ -20144,8 +21115,8 @@
         </p:nvSpPr>
         <p:spPr>
           <a:xfrm>
-            <a:off x="4741301" y="1530210"/>
-            <a:ext cx="2709396" cy="892552"/>
+            <a:off x="5123856" y="2290339"/>
+            <a:ext cx="3504486" cy="1292662"/>
           </a:xfrm>
           <a:prstGeom prst="rect">
             <a:avLst/>
@@ -20165,58 +21136,58 @@
           <a:lstStyle/>
           <a:p>
             <a:r>
-              <a:rPr lang="fr-FR" sz="1600" dirty="0"/>
+              <a:rPr lang="fr-FR" sz="2400" dirty="0"/>
               <a:t>Exemples:</a:t>
             </a:r>
           </a:p>
           <a:p>
             <a:r>
-              <a:rPr lang="fr-FR" sz="1200" dirty="0"/>
+              <a:rPr lang="fr-FR" dirty="0"/>
               <a:t>		255.255.255.192 </a:t>
             </a:r>
             <a:r>
-              <a:rPr lang="fr-FR" sz="1200" dirty="0">
+              <a:rPr lang="fr-FR" dirty="0">
                 <a:sym typeface="Wingdings" panose="05000000000000000000" pitchFamily="2" charset="2"/>
               </a:rPr>
               <a:t></a:t>
             </a:r>
             <a:r>
-              <a:rPr lang="fr-FR" sz="1200" dirty="0"/>
+              <a:rPr lang="fr-FR" dirty="0"/>
               <a:t> /26</a:t>
             </a:r>
           </a:p>
           <a:p>
             <a:r>
-              <a:rPr lang="fr-FR" sz="1200" dirty="0"/>
+              <a:rPr lang="fr-FR" dirty="0"/>
               <a:t>		255.255.0.0 </a:t>
             </a:r>
             <a:r>
-              <a:rPr lang="fr-FR" sz="1200" dirty="0">
+              <a:rPr lang="fr-FR" dirty="0">
                 <a:sym typeface="Wingdings" panose="05000000000000000000" pitchFamily="2" charset="2"/>
               </a:rPr>
               <a:t></a:t>
             </a:r>
             <a:r>
-              <a:rPr lang="fr-FR" sz="1200" dirty="0"/>
+              <a:rPr lang="fr-FR" dirty="0"/>
               <a:t> /16</a:t>
             </a:r>
           </a:p>
           <a:p>
             <a:r>
-              <a:rPr lang="fr-FR" sz="1200" dirty="0"/>
-              <a:t>		255.224.0.0 </a:t>
-            </a:r>
-            <a:r>
-              <a:rPr lang="fr-FR" sz="1200" dirty="0">
+              <a:rPr lang="fr-FR" dirty="0"/>
+              <a:t>		224.0.0.0 </a:t>
+            </a:r>
+            <a:r>
+              <a:rPr lang="fr-FR" dirty="0">
                 <a:sym typeface="Wingdings" panose="05000000000000000000" pitchFamily="2" charset="2"/>
               </a:rPr>
               <a:t></a:t>
             </a:r>
             <a:r>
-              <a:rPr lang="fr-FR" sz="1200" dirty="0"/>
+              <a:rPr lang="fr-FR" dirty="0"/>
               <a:t> /3</a:t>
             </a:r>
-            <a:endParaRPr lang="fr-CH" sz="1200" dirty="0"/>
+            <a:endParaRPr lang="fr-CH" dirty="0"/>
           </a:p>
         </p:txBody>
       </p:sp>
@@ -20233,7 +21204,120 @@
 </p:sld>
 </file>
 
-<file path=ppt/slides/slide13.xml><?xml version="1.0" encoding="utf-8"?>
+<file path=ppt/slides/slide14.xml><?xml version="1.0" encoding="utf-8"?>
+<p:sld xmlns:a="http://schemas.openxmlformats.org/drawingml/2006/main" xmlns:r="http://schemas.openxmlformats.org/officeDocument/2006/relationships" xmlns:p="http://schemas.openxmlformats.org/presentationml/2006/main">
+  <p:cSld>
+    <p:spTree>
+      <p:nvGrpSpPr>
+        <p:cNvPr id="1" name=""/>
+        <p:cNvGrpSpPr/>
+        <p:nvPr/>
+      </p:nvGrpSpPr>
+      <p:grpSpPr>
+        <a:xfrm>
+          <a:off x="0" y="0"/>
+          <a:ext cx="0" cy="0"/>
+          <a:chOff x="0" y="0"/>
+          <a:chExt cx="0" cy="0"/>
+        </a:xfrm>
+      </p:grpSpPr>
+      <p:sp>
+        <p:nvSpPr>
+          <p:cNvPr id="2" name="Titre 1">
+            <a:extLst>
+              <a:ext uri="{FF2B5EF4-FFF2-40B4-BE49-F238E27FC236}">
+                <a16:creationId xmlns:a16="http://schemas.microsoft.com/office/drawing/2014/main" id="{FA386F64-2233-C41F-6835-04642D24E4F3}"/>
+              </a:ext>
+            </a:extLst>
+          </p:cNvPr>
+          <p:cNvSpPr>
+            <a:spLocks noGrp="1"/>
+          </p:cNvSpPr>
+          <p:nvPr>
+            <p:ph type="title"/>
+          </p:nvPr>
+        </p:nvSpPr>
+        <p:spPr/>
+        <p:txBody>
+          <a:bodyPr/>
+          <a:lstStyle/>
+          <a:p>
+            <a:r>
+              <a:rPr lang="fr-FR" dirty="0"/>
+              <a:t>Complexifier un réseau</a:t>
+            </a:r>
+            <a:endParaRPr lang="fr-CH" dirty="0"/>
+          </a:p>
+        </p:txBody>
+      </p:sp>
+      <p:sp>
+        <p:nvSpPr>
+          <p:cNvPr id="3" name="Espace réservé du texte 2">
+            <a:extLst>
+              <a:ext uri="{FF2B5EF4-FFF2-40B4-BE49-F238E27FC236}">
+                <a16:creationId xmlns:a16="http://schemas.microsoft.com/office/drawing/2014/main" id="{49E889A4-D56F-45BA-C02E-22832435B451}"/>
+              </a:ext>
+            </a:extLst>
+          </p:cNvPr>
+          <p:cNvSpPr>
+            <a:spLocks noGrp="1"/>
+          </p:cNvSpPr>
+          <p:nvPr>
+            <p:ph type="body" idx="1"/>
+          </p:nvPr>
+        </p:nvSpPr>
+        <p:spPr/>
+        <p:txBody>
+          <a:bodyPr/>
+          <a:lstStyle/>
+          <a:p>
+            <a:endParaRPr lang="fr-CH"/>
+          </a:p>
+        </p:txBody>
+      </p:sp>
+      <p:sp>
+        <p:nvSpPr>
+          <p:cNvPr id="5" name="Espace réservé du numéro de diapositive 4">
+            <a:extLst>
+              <a:ext uri="{FF2B5EF4-FFF2-40B4-BE49-F238E27FC236}">
+                <a16:creationId xmlns:a16="http://schemas.microsoft.com/office/drawing/2014/main" id="{A0FA17E3-0E73-78A7-19B5-449BEFA5F5EB}"/>
+              </a:ext>
+            </a:extLst>
+          </p:cNvPr>
+          <p:cNvSpPr>
+            <a:spLocks noGrp="1"/>
+          </p:cNvSpPr>
+          <p:nvPr>
+            <p:ph type="sldNum" sz="quarter" idx="12"/>
+          </p:nvPr>
+        </p:nvSpPr>
+        <p:spPr/>
+        <p:txBody>
+          <a:bodyPr/>
+          <a:lstStyle/>
+          <a:p>
+            <a:fld id="{6D22F896-40B5-4ADD-8801-0D06FADFA095}" type="slidenum">
+              <a:rPr lang="en-US" smtClean="0"/>
+              <a:t>14</a:t>
+            </a:fld>
+            <a:endParaRPr lang="en-US" dirty="0"/>
+          </a:p>
+        </p:txBody>
+      </p:sp>
+    </p:spTree>
+    <p:extLst>
+      <p:ext uri="{BB962C8B-B14F-4D97-AF65-F5344CB8AC3E}">
+        <p14:creationId xmlns:p14="http://schemas.microsoft.com/office/powerpoint/2010/main" val="830300298"/>
+      </p:ext>
+    </p:extLst>
+  </p:cSld>
+  <p:clrMapOvr>
+    <a:masterClrMapping/>
+  </p:clrMapOvr>
+</p:sld>
+</file>
+
+<file path=ppt/slides/slide15.xml><?xml version="1.0" encoding="utf-8"?>
 <p:sld xmlns:a="http://schemas.openxmlformats.org/drawingml/2006/main" xmlns:r="http://schemas.openxmlformats.org/officeDocument/2006/relationships" xmlns:p="http://schemas.openxmlformats.org/presentationml/2006/main">
   <p:cSld>
     <p:spTree>
@@ -20362,7 +21446,7 @@
           <a:p>
             <a:fld id="{6D22F896-40B5-4ADD-8801-0D06FADFA095}" type="slidenum">
               <a:rPr lang="en-US" smtClean="0"/>
-              <a:t>13</a:t>
+              <a:t>15</a:t>
             </a:fld>
             <a:endParaRPr lang="en-US" dirty="0"/>
           </a:p>
@@ -20381,7 +21465,7 @@
 </p:sld>
 </file>
 
-<file path=ppt/slides/slide14.xml><?xml version="1.0" encoding="utf-8"?>
+<file path=ppt/slides/slide16.xml><?xml version="1.0" encoding="utf-8"?>
 <p:sld xmlns:a="http://schemas.openxmlformats.org/drawingml/2006/main" xmlns:r="http://schemas.openxmlformats.org/officeDocument/2006/relationships" xmlns:p="http://schemas.openxmlformats.org/presentationml/2006/main">
   <p:cSld>
     <p:spTree>
@@ -20679,7 +21763,7 @@
           <a:p>
             <a:fld id="{6D22F896-40B5-4ADD-8801-0D06FADFA095}" type="slidenum">
               <a:rPr lang="en-US" smtClean="0"/>
-              <a:t>14</a:t>
+              <a:t>16</a:t>
             </a:fld>
             <a:endParaRPr lang="en-US" dirty="0"/>
           </a:p>
@@ -20698,7 +21782,7 @@
 </p:sld>
 </file>
 
-<file path=ppt/slides/slide15.xml><?xml version="1.0" encoding="utf-8"?>
+<file path=ppt/slides/slide17.xml><?xml version="1.0" encoding="utf-8"?>
 <p:sld xmlns:a="http://schemas.openxmlformats.org/drawingml/2006/main" xmlns:r="http://schemas.openxmlformats.org/officeDocument/2006/relationships" xmlns:p="http://schemas.openxmlformats.org/presentationml/2006/main">
   <p:cSld>
     <p:spTree>
@@ -20737,7 +21821,12 @@
             <p:ph type="title"/>
           </p:nvPr>
         </p:nvSpPr>
-        <p:spPr/>
+        <p:spPr>
+          <a:xfrm>
+            <a:off x="1141413" y="618517"/>
+            <a:ext cx="9905998" cy="1490940"/>
+          </a:xfrm>
+        </p:spPr>
         <p:txBody>
           <a:bodyPr/>
           <a:lstStyle/>
@@ -20766,7 +21855,12 @@
             <p:ph idx="1"/>
           </p:nvPr>
         </p:nvSpPr>
-        <p:spPr/>
+        <p:spPr>
+          <a:xfrm>
+            <a:off x="1141412" y="1941674"/>
+            <a:ext cx="9905999" cy="1654547"/>
+          </a:xfrm>
+        </p:spPr>
         <p:txBody>
           <a:bodyPr>
             <a:normAutofit fontScale="92500" lnSpcReduction="20000"/>
@@ -20774,22 +21868,12 @@
           <a:lstStyle/>
           <a:p>
             <a:r>
+              <a:rPr lang="fr-FR" b="1" dirty="0"/>
+              <a:t>L’adresse « relai » </a:t>
+            </a:r>
+            <a:r>
               <a:rPr lang="fr-FR" dirty="0"/>
-              <a:t>L’adresse « relai » sera toujours celle de la prochaine interface (celle suivant l’interface de la machine de départ; les </a:t>
-            </a:r>
-            <a:r>
-              <a:rPr lang="fr-FR" dirty="0" err="1"/>
-              <a:t>switchs</a:t>
-            </a:r>
-            <a:r>
-              <a:rPr lang="fr-FR" dirty="0"/>
-              <a:t> n’ont pas d’interface). A l’exception de celle d’internet?</a:t>
-            </a:r>
-          </a:p>
-          <a:p>
-            <a:r>
-              <a:rPr lang="fr-FR" dirty="0"/>
-              <a:t>La plage de destination se définit en fonction de la base commune des adresses visées, soit l’adresse du sous-réseau. Plus la base est haute, moins la plage est grande.</a:t>
+              <a:t>sera toujours celle de la prochaine interface, soit celle suivant l’interface de la machine de départ. </a:t>
             </a:r>
           </a:p>
           <a:p>
@@ -20797,8 +21881,16 @@
               <a:buNone/>
             </a:pPr>
             <a:r>
-              <a:rPr lang="fr-FR" dirty="0"/>
-              <a:t>Exemple:</a:t>
+              <a:rPr lang="fr-FR" sz="2000" i="1" dirty="0"/>
+              <a:t>A l’exception, dans </a:t>
+            </a:r>
+            <a:r>
+              <a:rPr lang="fr-FR" sz="2000" i="1" dirty="0" err="1"/>
+              <a:t>Netpractice</a:t>
+            </a:r>
+            <a:r>
+              <a:rPr lang="fr-FR" sz="2000" i="1" dirty="0"/>
+              <a:t>, de celle menant à internet, qui est une adresse à part?</a:t>
             </a:r>
           </a:p>
           <a:p>
@@ -20806,61 +21898,9 @@
               <a:buNone/>
             </a:pPr>
             <a:r>
-              <a:rPr lang="fr-FR" sz="1700" dirty="0"/>
-              <a:t>En partant par ex. de 120.7.18.192 sur un sous-réseau à un seul byte hôte, il ne nous reste plus que 64 adresses, ce qui reviendrait alors à un masque de /26. La plage de destination serait alors 120.7.18.192/26.</a:t>
-            </a:r>
-          </a:p>
-        </p:txBody>
-      </p:sp>
-      <p:sp>
-        <p:nvSpPr>
-          <p:cNvPr id="7" name="ZoneTexte 6">
-            <a:extLst>
-              <a:ext uri="{FF2B5EF4-FFF2-40B4-BE49-F238E27FC236}">
-                <a16:creationId xmlns:a16="http://schemas.microsoft.com/office/drawing/2014/main" id="{E8F934F6-97B0-EA5D-E3D1-87515DE4132B}"/>
-              </a:ext>
-            </a:extLst>
-          </p:cNvPr>
-          <p:cNvSpPr txBox="1"/>
-          <p:nvPr/>
-        </p:nvSpPr>
-        <p:spPr>
-          <a:xfrm>
-            <a:off x="731520" y="6065836"/>
-            <a:ext cx="11287705" cy="646331"/>
-          </a:xfrm>
-          <a:prstGeom prst="rect">
-            <a:avLst/>
-          </a:prstGeom>
-          <a:noFill/>
-        </p:spPr>
-        <p:txBody>
-          <a:bodyPr wrap="none" rtlCol="0">
-            <a:spAutoFit/>
-          </a:bodyPr>
-          <a:lstStyle/>
-          <a:p>
-            <a:pPr algn="ctr"/>
-            <a:r>
               <a:rPr lang="fr-FR" dirty="0"/>
-              <a:t>Dans </a:t>
-            </a:r>
-            <a:r>
-              <a:rPr lang="fr-FR" dirty="0" err="1"/>
-              <a:t>Netpractice</a:t>
-            </a:r>
-            <a:r>
-              <a:rPr lang="fr-FR" dirty="0"/>
-              <a:t>, on utilise généralement le default (0.0.0.0/0) pour les destinations d’une route partant d’un ordinateur.</a:t>
-            </a:r>
-          </a:p>
-          <a:p>
-            <a:pPr algn="ctr"/>
-            <a:r>
-              <a:rPr lang="fr-FR" dirty="0"/>
-              <a:t>En effet, peu importe où l’information doit être envoyée, il faudra passer par un même relai.</a:t>
-            </a:r>
-            <a:endParaRPr lang="fr-CH" dirty="0"/>
+              <a:t>Exemple:</a:t>
+            </a:r>
           </a:p>
         </p:txBody>
       </p:sp>
@@ -20887,9 +21927,1367 @@
           <a:p>
             <a:fld id="{6D22F896-40B5-4ADD-8801-0D06FADFA095}" type="slidenum">
               <a:rPr lang="en-US" smtClean="0"/>
-              <a:t>15</a:t>
+              <a:t>17</a:t>
             </a:fld>
             <a:endParaRPr lang="en-US" dirty="0"/>
+          </a:p>
+        </p:txBody>
+      </p:sp>
+      <p:sp>
+        <p:nvSpPr>
+          <p:cNvPr id="6" name="ZoneTexte 5">
+            <a:extLst>
+              <a:ext uri="{FF2B5EF4-FFF2-40B4-BE49-F238E27FC236}">
+                <a16:creationId xmlns:a16="http://schemas.microsoft.com/office/drawing/2014/main" id="{D5AA30C2-9FD2-24D6-104C-6E6ABFABFB43}"/>
+              </a:ext>
+            </a:extLst>
+          </p:cNvPr>
+          <p:cNvSpPr txBox="1"/>
+          <p:nvPr/>
+        </p:nvSpPr>
+        <p:spPr>
+          <a:xfrm>
+            <a:off x="4365188" y="5998598"/>
+            <a:ext cx="5139933" cy="646331"/>
+          </a:xfrm>
+          <a:prstGeom prst="rect">
+            <a:avLst/>
+          </a:prstGeom>
+          <a:noFill/>
+        </p:spPr>
+        <p:txBody>
+          <a:bodyPr wrap="none" rtlCol="0">
+            <a:spAutoFit/>
+          </a:bodyPr>
+          <a:lstStyle/>
+          <a:p>
+            <a:r>
+              <a:rPr lang="fr-FR" dirty="0"/>
+              <a:t>Les </a:t>
+            </a:r>
+            <a:r>
+              <a:rPr lang="fr-FR" dirty="0" err="1"/>
+              <a:t>switchs</a:t>
+            </a:r>
+            <a:r>
+              <a:rPr lang="fr-FR" dirty="0"/>
+              <a:t> n’ont pas d’interface. </a:t>
+            </a:r>
+          </a:p>
+          <a:p>
+            <a:r>
+              <a:rPr lang="fr-FR" dirty="0"/>
+              <a:t>Le routeur en a autant que de routes qui le rejoignent.</a:t>
+            </a:r>
+          </a:p>
+        </p:txBody>
+      </p:sp>
+      <p:pic>
+        <p:nvPicPr>
+          <p:cNvPr id="11" name="Graphique 10" descr="Écran avec un remplissage uni">
+            <a:extLst>
+              <a:ext uri="{FF2B5EF4-FFF2-40B4-BE49-F238E27FC236}">
+                <a16:creationId xmlns:a16="http://schemas.microsoft.com/office/drawing/2014/main" id="{1F2FFF25-BE8C-10A9-3F9B-020617D8945D}"/>
+              </a:ext>
+            </a:extLst>
+          </p:cNvPr>
+          <p:cNvPicPr>
+            <a:picLocks noChangeAspect="1"/>
+          </p:cNvPicPr>
+          <p:nvPr/>
+        </p:nvPicPr>
+        <p:blipFill>
+          <a:blip r:embed="rId3">
+            <a:extLst>
+              <a:ext uri="{96DAC541-7B7A-43D3-8B79-37D633B846F1}">
+                <asvg:svgBlip xmlns:asvg="http://schemas.microsoft.com/office/drawing/2016/SVG/main" r:embed="rId4"/>
+              </a:ext>
+            </a:extLst>
+          </a:blip>
+          <a:stretch>
+            <a:fillRect/>
+          </a:stretch>
+        </p:blipFill>
+        <p:spPr>
+          <a:xfrm>
+            <a:off x="3169428" y="4053663"/>
+            <a:ext cx="914400" cy="914400"/>
+          </a:xfrm>
+          <a:prstGeom prst="rect">
+            <a:avLst/>
+          </a:prstGeom>
+        </p:spPr>
+      </p:pic>
+      <p:pic>
+        <p:nvPicPr>
+          <p:cNvPr id="12" name="Graphique 11" descr="Écran avec un remplissage uni">
+            <a:extLst>
+              <a:ext uri="{FF2B5EF4-FFF2-40B4-BE49-F238E27FC236}">
+                <a16:creationId xmlns:a16="http://schemas.microsoft.com/office/drawing/2014/main" id="{0EBBABB1-69FB-3860-837D-BAFDBE62C5DF}"/>
+              </a:ext>
+            </a:extLst>
+          </p:cNvPr>
+          <p:cNvPicPr>
+            <a:picLocks noChangeAspect="1"/>
+          </p:cNvPicPr>
+          <p:nvPr/>
+        </p:nvPicPr>
+        <p:blipFill>
+          <a:blip r:embed="rId3">
+            <a:extLst>
+              <a:ext uri="{96DAC541-7B7A-43D3-8B79-37D633B846F1}">
+                <asvg:svgBlip xmlns:asvg="http://schemas.microsoft.com/office/drawing/2016/SVG/main" r:embed="rId4"/>
+              </a:ext>
+            </a:extLst>
+          </a:blip>
+          <a:stretch>
+            <a:fillRect/>
+          </a:stretch>
+        </p:blipFill>
+        <p:spPr>
+          <a:xfrm>
+            <a:off x="3177048" y="5816849"/>
+            <a:ext cx="914400" cy="914400"/>
+          </a:xfrm>
+          <a:prstGeom prst="rect">
+            <a:avLst/>
+          </a:prstGeom>
+        </p:spPr>
+      </p:pic>
+      <p:sp>
+        <p:nvSpPr>
+          <p:cNvPr id="86" name="Graphique 13" descr="Monde avec un remplissage uni">
+            <a:extLst>
+              <a:ext uri="{FF2B5EF4-FFF2-40B4-BE49-F238E27FC236}">
+                <a16:creationId xmlns:a16="http://schemas.microsoft.com/office/drawing/2014/main" id="{DF24828B-F8BB-B1C3-FFF4-4F34F55C7C33}"/>
+              </a:ext>
+            </a:extLst>
+          </p:cNvPr>
+          <p:cNvSpPr/>
+          <p:nvPr/>
+        </p:nvSpPr>
+        <p:spPr>
+          <a:xfrm>
+            <a:off x="4173866" y="3312484"/>
+            <a:ext cx="723900" cy="723900"/>
+          </a:xfrm>
+          <a:custGeom>
+            <a:avLst/>
+            <a:gdLst>
+              <a:gd name="connsiteX0" fmla="*/ 414338 w 723900"/>
+              <a:gd name="connsiteY0" fmla="*/ 661988 h 723900"/>
+              <a:gd name="connsiteX1" fmla="*/ 551498 w 723900"/>
+              <a:gd name="connsiteY1" fmla="*/ 381000 h 723900"/>
+              <a:gd name="connsiteX2" fmla="*/ 665798 w 723900"/>
+              <a:gd name="connsiteY2" fmla="*/ 381000 h 723900"/>
+              <a:gd name="connsiteX3" fmla="*/ 414338 w 723900"/>
+              <a:gd name="connsiteY3" fmla="*/ 661988 h 723900"/>
+              <a:gd name="connsiteX4" fmla="*/ 58103 w 723900"/>
+              <a:gd name="connsiteY4" fmla="*/ 381000 h 723900"/>
+              <a:gd name="connsiteX5" fmla="*/ 172403 w 723900"/>
+              <a:gd name="connsiteY5" fmla="*/ 381000 h 723900"/>
+              <a:gd name="connsiteX6" fmla="*/ 309563 w 723900"/>
+              <a:gd name="connsiteY6" fmla="*/ 661988 h 723900"/>
+              <a:gd name="connsiteX7" fmla="*/ 58103 w 723900"/>
+              <a:gd name="connsiteY7" fmla="*/ 381000 h 723900"/>
+              <a:gd name="connsiteX8" fmla="*/ 309563 w 723900"/>
+              <a:gd name="connsiteY8" fmla="*/ 61913 h 723900"/>
+              <a:gd name="connsiteX9" fmla="*/ 172403 w 723900"/>
+              <a:gd name="connsiteY9" fmla="*/ 342900 h 723900"/>
+              <a:gd name="connsiteX10" fmla="*/ 58103 w 723900"/>
+              <a:gd name="connsiteY10" fmla="*/ 342900 h 723900"/>
+              <a:gd name="connsiteX11" fmla="*/ 309563 w 723900"/>
+              <a:gd name="connsiteY11" fmla="*/ 61913 h 723900"/>
+              <a:gd name="connsiteX12" fmla="*/ 381000 w 723900"/>
+              <a:gd name="connsiteY12" fmla="*/ 381000 h 723900"/>
+              <a:gd name="connsiteX13" fmla="*/ 513398 w 723900"/>
+              <a:gd name="connsiteY13" fmla="*/ 381000 h 723900"/>
+              <a:gd name="connsiteX14" fmla="*/ 381000 w 723900"/>
+              <a:gd name="connsiteY14" fmla="*/ 642938 h 723900"/>
+              <a:gd name="connsiteX15" fmla="*/ 381000 w 723900"/>
+              <a:gd name="connsiteY15" fmla="*/ 381000 h 723900"/>
+              <a:gd name="connsiteX16" fmla="*/ 342900 w 723900"/>
+              <a:gd name="connsiteY16" fmla="*/ 381000 h 723900"/>
+              <a:gd name="connsiteX17" fmla="*/ 342900 w 723900"/>
+              <a:gd name="connsiteY17" fmla="*/ 642938 h 723900"/>
+              <a:gd name="connsiteX18" fmla="*/ 210502 w 723900"/>
+              <a:gd name="connsiteY18" fmla="*/ 381000 h 723900"/>
+              <a:gd name="connsiteX19" fmla="*/ 342900 w 723900"/>
+              <a:gd name="connsiteY19" fmla="*/ 381000 h 723900"/>
+              <a:gd name="connsiteX20" fmla="*/ 381000 w 723900"/>
+              <a:gd name="connsiteY20" fmla="*/ 80963 h 723900"/>
+              <a:gd name="connsiteX21" fmla="*/ 513398 w 723900"/>
+              <a:gd name="connsiteY21" fmla="*/ 342900 h 723900"/>
+              <a:gd name="connsiteX22" fmla="*/ 381000 w 723900"/>
+              <a:gd name="connsiteY22" fmla="*/ 342900 h 723900"/>
+              <a:gd name="connsiteX23" fmla="*/ 381000 w 723900"/>
+              <a:gd name="connsiteY23" fmla="*/ 80963 h 723900"/>
+              <a:gd name="connsiteX24" fmla="*/ 342900 w 723900"/>
+              <a:gd name="connsiteY24" fmla="*/ 342900 h 723900"/>
+              <a:gd name="connsiteX25" fmla="*/ 210502 w 723900"/>
+              <a:gd name="connsiteY25" fmla="*/ 342900 h 723900"/>
+              <a:gd name="connsiteX26" fmla="*/ 342900 w 723900"/>
+              <a:gd name="connsiteY26" fmla="*/ 80963 h 723900"/>
+              <a:gd name="connsiteX27" fmla="*/ 342900 w 723900"/>
+              <a:gd name="connsiteY27" fmla="*/ 342900 h 723900"/>
+              <a:gd name="connsiteX28" fmla="*/ 665798 w 723900"/>
+              <a:gd name="connsiteY28" fmla="*/ 342900 h 723900"/>
+              <a:gd name="connsiteX29" fmla="*/ 551498 w 723900"/>
+              <a:gd name="connsiteY29" fmla="*/ 342900 h 723900"/>
+              <a:gd name="connsiteX30" fmla="*/ 414338 w 723900"/>
+              <a:gd name="connsiteY30" fmla="*/ 61913 h 723900"/>
+              <a:gd name="connsiteX31" fmla="*/ 665798 w 723900"/>
+              <a:gd name="connsiteY31" fmla="*/ 342900 h 723900"/>
+              <a:gd name="connsiteX32" fmla="*/ 361950 w 723900"/>
+              <a:gd name="connsiteY32" fmla="*/ 0 h 723900"/>
+              <a:gd name="connsiteX33" fmla="*/ 0 w 723900"/>
+              <a:gd name="connsiteY33" fmla="*/ 361950 h 723900"/>
+              <a:gd name="connsiteX34" fmla="*/ 361950 w 723900"/>
+              <a:gd name="connsiteY34" fmla="*/ 723900 h 723900"/>
+              <a:gd name="connsiteX35" fmla="*/ 723900 w 723900"/>
+              <a:gd name="connsiteY35" fmla="*/ 361950 h 723900"/>
+              <a:gd name="connsiteX36" fmla="*/ 361950 w 723900"/>
+              <a:gd name="connsiteY36" fmla="*/ 0 h 723900"/>
+            </a:gdLst>
+            <a:ahLst/>
+            <a:cxnLst>
+              <a:cxn ang="0">
+                <a:pos x="connsiteX0" y="connsiteY0"/>
+              </a:cxn>
+              <a:cxn ang="0">
+                <a:pos x="connsiteX1" y="connsiteY1"/>
+              </a:cxn>
+              <a:cxn ang="0">
+                <a:pos x="connsiteX2" y="connsiteY2"/>
+              </a:cxn>
+              <a:cxn ang="0">
+                <a:pos x="connsiteX3" y="connsiteY3"/>
+              </a:cxn>
+              <a:cxn ang="0">
+                <a:pos x="connsiteX4" y="connsiteY4"/>
+              </a:cxn>
+              <a:cxn ang="0">
+                <a:pos x="connsiteX5" y="connsiteY5"/>
+              </a:cxn>
+              <a:cxn ang="0">
+                <a:pos x="connsiteX6" y="connsiteY6"/>
+              </a:cxn>
+              <a:cxn ang="0">
+                <a:pos x="connsiteX7" y="connsiteY7"/>
+              </a:cxn>
+              <a:cxn ang="0">
+                <a:pos x="connsiteX8" y="connsiteY8"/>
+              </a:cxn>
+              <a:cxn ang="0">
+                <a:pos x="connsiteX9" y="connsiteY9"/>
+              </a:cxn>
+              <a:cxn ang="0">
+                <a:pos x="connsiteX10" y="connsiteY10"/>
+              </a:cxn>
+              <a:cxn ang="0">
+                <a:pos x="connsiteX11" y="connsiteY11"/>
+              </a:cxn>
+              <a:cxn ang="0">
+                <a:pos x="connsiteX12" y="connsiteY12"/>
+              </a:cxn>
+              <a:cxn ang="0">
+                <a:pos x="connsiteX13" y="connsiteY13"/>
+              </a:cxn>
+              <a:cxn ang="0">
+                <a:pos x="connsiteX14" y="connsiteY14"/>
+              </a:cxn>
+              <a:cxn ang="0">
+                <a:pos x="connsiteX15" y="connsiteY15"/>
+              </a:cxn>
+              <a:cxn ang="0">
+                <a:pos x="connsiteX16" y="connsiteY16"/>
+              </a:cxn>
+              <a:cxn ang="0">
+                <a:pos x="connsiteX17" y="connsiteY17"/>
+              </a:cxn>
+              <a:cxn ang="0">
+                <a:pos x="connsiteX18" y="connsiteY18"/>
+              </a:cxn>
+              <a:cxn ang="0">
+                <a:pos x="connsiteX19" y="connsiteY19"/>
+              </a:cxn>
+              <a:cxn ang="0">
+                <a:pos x="connsiteX20" y="connsiteY20"/>
+              </a:cxn>
+              <a:cxn ang="0">
+                <a:pos x="connsiteX21" y="connsiteY21"/>
+              </a:cxn>
+              <a:cxn ang="0">
+                <a:pos x="connsiteX22" y="connsiteY22"/>
+              </a:cxn>
+              <a:cxn ang="0">
+                <a:pos x="connsiteX23" y="connsiteY23"/>
+              </a:cxn>
+              <a:cxn ang="0">
+                <a:pos x="connsiteX24" y="connsiteY24"/>
+              </a:cxn>
+              <a:cxn ang="0">
+                <a:pos x="connsiteX25" y="connsiteY25"/>
+              </a:cxn>
+              <a:cxn ang="0">
+                <a:pos x="connsiteX26" y="connsiteY26"/>
+              </a:cxn>
+              <a:cxn ang="0">
+                <a:pos x="connsiteX27" y="connsiteY27"/>
+              </a:cxn>
+              <a:cxn ang="0">
+                <a:pos x="connsiteX28" y="connsiteY28"/>
+              </a:cxn>
+              <a:cxn ang="0">
+                <a:pos x="connsiteX29" y="connsiteY29"/>
+              </a:cxn>
+              <a:cxn ang="0">
+                <a:pos x="connsiteX30" y="connsiteY30"/>
+              </a:cxn>
+              <a:cxn ang="0">
+                <a:pos x="connsiteX31" y="connsiteY31"/>
+              </a:cxn>
+              <a:cxn ang="0">
+                <a:pos x="connsiteX32" y="connsiteY32"/>
+              </a:cxn>
+              <a:cxn ang="0">
+                <a:pos x="connsiteX33" y="connsiteY33"/>
+              </a:cxn>
+              <a:cxn ang="0">
+                <a:pos x="connsiteX34" y="connsiteY34"/>
+              </a:cxn>
+              <a:cxn ang="0">
+                <a:pos x="connsiteX35" y="connsiteY35"/>
+              </a:cxn>
+              <a:cxn ang="0">
+                <a:pos x="connsiteX36" y="connsiteY36"/>
+              </a:cxn>
+            </a:cxnLst>
+            <a:rect l="l" t="t" r="r" b="b"/>
+            <a:pathLst>
+              <a:path w="723900" h="723900">
+                <a:moveTo>
+                  <a:pt x="414338" y="661988"/>
+                </a:moveTo>
+                <a:cubicBezTo>
+                  <a:pt x="476250" y="585788"/>
+                  <a:pt x="544830" y="489585"/>
+                  <a:pt x="551498" y="381000"/>
+                </a:cubicBezTo>
+                <a:lnTo>
+                  <a:pt x="665798" y="381000"/>
+                </a:lnTo>
+                <a:cubicBezTo>
+                  <a:pt x="657225" y="522923"/>
+                  <a:pt x="551498" y="638175"/>
+                  <a:pt x="414338" y="661988"/>
+                </a:cubicBezTo>
+                <a:close/>
+                <a:moveTo>
+                  <a:pt x="58103" y="381000"/>
+                </a:moveTo>
+                <a:lnTo>
+                  <a:pt x="172403" y="381000"/>
+                </a:lnTo>
+                <a:cubicBezTo>
+                  <a:pt x="180023" y="489585"/>
+                  <a:pt x="247650" y="585788"/>
+                  <a:pt x="309563" y="661988"/>
+                </a:cubicBezTo>
+                <a:cubicBezTo>
+                  <a:pt x="172403" y="638175"/>
+                  <a:pt x="66675" y="522923"/>
+                  <a:pt x="58103" y="381000"/>
+                </a:cubicBezTo>
+                <a:close/>
+                <a:moveTo>
+                  <a:pt x="309563" y="61913"/>
+                </a:moveTo>
+                <a:cubicBezTo>
+                  <a:pt x="247650" y="138113"/>
+                  <a:pt x="179070" y="234315"/>
+                  <a:pt x="172403" y="342900"/>
+                </a:cubicBezTo>
+                <a:lnTo>
+                  <a:pt x="58103" y="342900"/>
+                </a:lnTo>
+                <a:cubicBezTo>
+                  <a:pt x="66675" y="200978"/>
+                  <a:pt x="172403" y="85725"/>
+                  <a:pt x="309563" y="61913"/>
+                </a:cubicBezTo>
+                <a:close/>
+                <a:moveTo>
+                  <a:pt x="381000" y="381000"/>
+                </a:moveTo>
+                <a:lnTo>
+                  <a:pt x="513398" y="381000"/>
+                </a:lnTo>
+                <a:cubicBezTo>
+                  <a:pt x="505778" y="479108"/>
+                  <a:pt x="441960" y="567690"/>
+                  <a:pt x="381000" y="642938"/>
+                </a:cubicBezTo>
+                <a:lnTo>
+                  <a:pt x="381000" y="381000"/>
+                </a:lnTo>
+                <a:close/>
+                <a:moveTo>
+                  <a:pt x="342900" y="381000"/>
+                </a:moveTo>
+                <a:lnTo>
+                  <a:pt x="342900" y="642938"/>
+                </a:lnTo>
+                <a:cubicBezTo>
+                  <a:pt x="281940" y="567690"/>
+                  <a:pt x="218123" y="479108"/>
+                  <a:pt x="210502" y="381000"/>
+                </a:cubicBezTo>
+                <a:lnTo>
+                  <a:pt x="342900" y="381000"/>
+                </a:lnTo>
+                <a:close/>
+                <a:moveTo>
+                  <a:pt x="381000" y="80963"/>
+                </a:moveTo>
+                <a:cubicBezTo>
+                  <a:pt x="441960" y="156210"/>
+                  <a:pt x="505778" y="243840"/>
+                  <a:pt x="513398" y="342900"/>
+                </a:cubicBezTo>
+                <a:lnTo>
+                  <a:pt x="381000" y="342900"/>
+                </a:lnTo>
+                <a:lnTo>
+                  <a:pt x="381000" y="80963"/>
+                </a:lnTo>
+                <a:close/>
+                <a:moveTo>
+                  <a:pt x="342900" y="342900"/>
+                </a:moveTo>
+                <a:lnTo>
+                  <a:pt x="210502" y="342900"/>
+                </a:lnTo>
+                <a:cubicBezTo>
+                  <a:pt x="218123" y="244793"/>
+                  <a:pt x="281940" y="156210"/>
+                  <a:pt x="342900" y="80963"/>
+                </a:cubicBezTo>
+                <a:lnTo>
+                  <a:pt x="342900" y="342900"/>
+                </a:lnTo>
+                <a:close/>
+                <a:moveTo>
+                  <a:pt x="665798" y="342900"/>
+                </a:moveTo>
+                <a:lnTo>
+                  <a:pt x="551498" y="342900"/>
+                </a:lnTo>
+                <a:cubicBezTo>
+                  <a:pt x="544830" y="234315"/>
+                  <a:pt x="476250" y="138113"/>
+                  <a:pt x="414338" y="61913"/>
+                </a:cubicBezTo>
+                <a:cubicBezTo>
+                  <a:pt x="551498" y="85725"/>
+                  <a:pt x="657225" y="200978"/>
+                  <a:pt x="665798" y="342900"/>
+                </a:cubicBezTo>
+                <a:close/>
+                <a:moveTo>
+                  <a:pt x="361950" y="0"/>
+                </a:moveTo>
+                <a:cubicBezTo>
+                  <a:pt x="161925" y="0"/>
+                  <a:pt x="0" y="161925"/>
+                  <a:pt x="0" y="361950"/>
+                </a:cubicBezTo>
+                <a:cubicBezTo>
+                  <a:pt x="0" y="561975"/>
+                  <a:pt x="161925" y="723900"/>
+                  <a:pt x="361950" y="723900"/>
+                </a:cubicBezTo>
+                <a:cubicBezTo>
+                  <a:pt x="561975" y="723900"/>
+                  <a:pt x="723900" y="561975"/>
+                  <a:pt x="723900" y="361950"/>
+                </a:cubicBezTo>
+                <a:cubicBezTo>
+                  <a:pt x="723900" y="161925"/>
+                  <a:pt x="561975" y="0"/>
+                  <a:pt x="361950" y="0"/>
+                </a:cubicBezTo>
+                <a:close/>
+              </a:path>
+            </a:pathLst>
+          </a:custGeom>
+          <a:solidFill>
+            <a:srgbClr val="000000"/>
+          </a:solidFill>
+          <a:ln w="9525" cap="flat">
+            <a:noFill/>
+            <a:prstDash val="solid"/>
+            <a:miter/>
+          </a:ln>
+        </p:spPr>
+        <p:txBody>
+          <a:bodyPr rtlCol="0" anchor="ctr"/>
+          <a:lstStyle/>
+          <a:p>
+            <a:endParaRPr lang="fr-CH"/>
+          </a:p>
+        </p:txBody>
+      </p:sp>
+      <p:pic>
+        <p:nvPicPr>
+          <p:cNvPr id="15" name="Graphique 14" descr="Écran avec un remplissage uni">
+            <a:extLst>
+              <a:ext uri="{FF2B5EF4-FFF2-40B4-BE49-F238E27FC236}">
+                <a16:creationId xmlns:a16="http://schemas.microsoft.com/office/drawing/2014/main" id="{1E33EDA3-2453-6054-D11A-18EE08519969}"/>
+              </a:ext>
+            </a:extLst>
+          </p:cNvPr>
+          <p:cNvPicPr>
+            <a:picLocks noChangeAspect="1"/>
+          </p:cNvPicPr>
+          <p:nvPr/>
+        </p:nvPicPr>
+        <p:blipFill>
+          <a:blip r:embed="rId3">
+            <a:extLst>
+              <a:ext uri="{96DAC541-7B7A-43D3-8B79-37D633B846F1}">
+                <asvg:svgBlip xmlns:asvg="http://schemas.microsoft.com/office/drawing/2016/SVG/main" r:embed="rId4"/>
+              </a:ext>
+            </a:extLst>
+          </a:blip>
+          <a:stretch>
+            <a:fillRect/>
+          </a:stretch>
+        </p:blipFill>
+        <p:spPr>
+          <a:xfrm>
+            <a:off x="8711075" y="4255284"/>
+            <a:ext cx="914400" cy="914400"/>
+          </a:xfrm>
+          <a:prstGeom prst="rect">
+            <a:avLst/>
+          </a:prstGeom>
+        </p:spPr>
+      </p:pic>
+      <p:cxnSp>
+        <p:nvCxnSpPr>
+          <p:cNvPr id="19" name="Connecteur droit 18">
+            <a:extLst>
+              <a:ext uri="{FF2B5EF4-FFF2-40B4-BE49-F238E27FC236}">
+                <a16:creationId xmlns:a16="http://schemas.microsoft.com/office/drawing/2014/main" id="{41A06144-DF16-6DB8-9917-C8D0B5A44DA9}"/>
+              </a:ext>
+            </a:extLst>
+          </p:cNvPr>
+          <p:cNvCxnSpPr>
+            <a:cxnSpLocks/>
+          </p:cNvCxnSpPr>
+          <p:nvPr/>
+        </p:nvCxnSpPr>
+        <p:spPr>
+          <a:xfrm flipV="1">
+            <a:off x="3711916" y="5392278"/>
+            <a:ext cx="2954424" cy="15814"/>
+          </a:xfrm>
+          <a:prstGeom prst="line">
+            <a:avLst/>
+          </a:prstGeom>
+          <a:ln w="57150">
+            <a:solidFill>
+              <a:schemeClr val="accent2"/>
+            </a:solidFill>
+          </a:ln>
+        </p:spPr>
+        <p:style>
+          <a:lnRef idx="1">
+            <a:schemeClr val="accent1"/>
+          </a:lnRef>
+          <a:fillRef idx="0">
+            <a:schemeClr val="accent1"/>
+          </a:fillRef>
+          <a:effectRef idx="0">
+            <a:schemeClr val="accent1"/>
+          </a:effectRef>
+          <a:fontRef idx="minor">
+            <a:schemeClr val="tx1"/>
+          </a:fontRef>
+        </p:style>
+      </p:cxnSp>
+      <p:cxnSp>
+        <p:nvCxnSpPr>
+          <p:cNvPr id="23" name="Connecteur droit 22">
+            <a:extLst>
+              <a:ext uri="{FF2B5EF4-FFF2-40B4-BE49-F238E27FC236}">
+                <a16:creationId xmlns:a16="http://schemas.microsoft.com/office/drawing/2014/main" id="{DF22F98F-142C-54B3-7D09-40E2C79EB508}"/>
+              </a:ext>
+            </a:extLst>
+          </p:cNvPr>
+          <p:cNvCxnSpPr>
+            <a:cxnSpLocks/>
+            <a:endCxn id="73" idx="3"/>
+          </p:cNvCxnSpPr>
+          <p:nvPr/>
+        </p:nvCxnSpPr>
+        <p:spPr>
+          <a:xfrm flipH="1">
+            <a:off x="7100687" y="5013118"/>
+            <a:ext cx="1888742" cy="0"/>
+          </a:xfrm>
+          <a:prstGeom prst="line">
+            <a:avLst/>
+          </a:prstGeom>
+          <a:ln w="57150">
+            <a:solidFill>
+              <a:schemeClr val="accent2"/>
+            </a:solidFill>
+          </a:ln>
+        </p:spPr>
+        <p:style>
+          <a:lnRef idx="1">
+            <a:schemeClr val="accent1"/>
+          </a:lnRef>
+          <a:fillRef idx="0">
+            <a:schemeClr val="accent1"/>
+          </a:fillRef>
+          <a:effectRef idx="0">
+            <a:schemeClr val="accent1"/>
+          </a:effectRef>
+          <a:fontRef idx="minor">
+            <a:schemeClr val="tx1"/>
+          </a:fontRef>
+        </p:style>
+      </p:cxnSp>
+      <p:cxnSp>
+        <p:nvCxnSpPr>
+          <p:cNvPr id="24" name="Connecteur droit 23">
+            <a:extLst>
+              <a:ext uri="{FF2B5EF4-FFF2-40B4-BE49-F238E27FC236}">
+                <a16:creationId xmlns:a16="http://schemas.microsoft.com/office/drawing/2014/main" id="{3838F5D2-CE54-F9EC-F40A-23A322A61EC5}"/>
+              </a:ext>
+            </a:extLst>
+          </p:cNvPr>
+          <p:cNvCxnSpPr>
+            <a:cxnSpLocks/>
+            <a:stCxn id="73" idx="1"/>
+          </p:cNvCxnSpPr>
+          <p:nvPr/>
+        </p:nvCxnSpPr>
+        <p:spPr>
+          <a:xfrm flipH="1">
+            <a:off x="4501908" y="5013118"/>
+            <a:ext cx="1769513" cy="6514"/>
+          </a:xfrm>
+          <a:prstGeom prst="line">
+            <a:avLst/>
+          </a:prstGeom>
+          <a:ln w="57150">
+            <a:solidFill>
+              <a:schemeClr val="accent2"/>
+            </a:solidFill>
+          </a:ln>
+        </p:spPr>
+        <p:style>
+          <a:lnRef idx="1">
+            <a:schemeClr val="accent1"/>
+          </a:lnRef>
+          <a:fillRef idx="0">
+            <a:schemeClr val="accent1"/>
+          </a:fillRef>
+          <a:effectRef idx="0">
+            <a:schemeClr val="accent1"/>
+          </a:effectRef>
+          <a:fontRef idx="minor">
+            <a:schemeClr val="tx1"/>
+          </a:fontRef>
+        </p:style>
+      </p:cxnSp>
+      <p:cxnSp>
+        <p:nvCxnSpPr>
+          <p:cNvPr id="26" name="Connecteur droit 25">
+            <a:extLst>
+              <a:ext uri="{FF2B5EF4-FFF2-40B4-BE49-F238E27FC236}">
+                <a16:creationId xmlns:a16="http://schemas.microsoft.com/office/drawing/2014/main" id="{719825AC-BC7E-6D41-16D3-E868504AB21B}"/>
+              </a:ext>
+            </a:extLst>
+          </p:cNvPr>
+          <p:cNvCxnSpPr>
+            <a:cxnSpLocks/>
+          </p:cNvCxnSpPr>
+          <p:nvPr/>
+        </p:nvCxnSpPr>
+        <p:spPr>
+          <a:xfrm>
+            <a:off x="6666340" y="5053055"/>
+            <a:ext cx="0" cy="366382"/>
+          </a:xfrm>
+          <a:prstGeom prst="line">
+            <a:avLst/>
+          </a:prstGeom>
+          <a:ln w="57150">
+            <a:solidFill>
+              <a:schemeClr val="accent2"/>
+            </a:solidFill>
+          </a:ln>
+        </p:spPr>
+        <p:style>
+          <a:lnRef idx="1">
+            <a:schemeClr val="accent1"/>
+          </a:lnRef>
+          <a:fillRef idx="0">
+            <a:schemeClr val="accent1"/>
+          </a:fillRef>
+          <a:effectRef idx="0">
+            <a:schemeClr val="accent1"/>
+          </a:effectRef>
+          <a:fontRef idx="minor">
+            <a:schemeClr val="tx1"/>
+          </a:fontRef>
+        </p:style>
+      </p:cxnSp>
+      <p:cxnSp>
+        <p:nvCxnSpPr>
+          <p:cNvPr id="33" name="Connecteur droit 32">
+            <a:extLst>
+              <a:ext uri="{FF2B5EF4-FFF2-40B4-BE49-F238E27FC236}">
+                <a16:creationId xmlns:a16="http://schemas.microsoft.com/office/drawing/2014/main" id="{6C6DA64C-69D8-38B0-595C-B751D0CA44A6}"/>
+              </a:ext>
+            </a:extLst>
+          </p:cNvPr>
+          <p:cNvCxnSpPr>
+            <a:cxnSpLocks/>
+          </p:cNvCxnSpPr>
+          <p:nvPr/>
+        </p:nvCxnSpPr>
+        <p:spPr>
+          <a:xfrm flipH="1">
+            <a:off x="3631961" y="4840855"/>
+            <a:ext cx="6526" cy="1104580"/>
+          </a:xfrm>
+          <a:prstGeom prst="line">
+            <a:avLst/>
+          </a:prstGeom>
+          <a:ln w="57150">
+            <a:solidFill>
+              <a:schemeClr val="accent2"/>
+            </a:solidFill>
+          </a:ln>
+        </p:spPr>
+        <p:style>
+          <a:lnRef idx="1">
+            <a:schemeClr val="accent1"/>
+          </a:lnRef>
+          <a:fillRef idx="0">
+            <a:schemeClr val="accent1"/>
+          </a:fillRef>
+          <a:effectRef idx="0">
+            <a:schemeClr val="accent1"/>
+          </a:effectRef>
+          <a:fontRef idx="minor">
+            <a:schemeClr val="tx1"/>
+          </a:fontRef>
+        </p:style>
+      </p:cxnSp>
+      <p:cxnSp>
+        <p:nvCxnSpPr>
+          <p:cNvPr id="38" name="Connecteur droit 37">
+            <a:extLst>
+              <a:ext uri="{FF2B5EF4-FFF2-40B4-BE49-F238E27FC236}">
+                <a16:creationId xmlns:a16="http://schemas.microsoft.com/office/drawing/2014/main" id="{8C9D35A5-D2E4-2DEF-3A52-821CC6F5F625}"/>
+              </a:ext>
+            </a:extLst>
+          </p:cNvPr>
+          <p:cNvCxnSpPr>
+            <a:cxnSpLocks/>
+            <a:stCxn id="86" idx="34"/>
+          </p:cNvCxnSpPr>
+          <p:nvPr/>
+        </p:nvCxnSpPr>
+        <p:spPr>
+          <a:xfrm flipH="1">
+            <a:off x="4525460" y="4036384"/>
+            <a:ext cx="10356" cy="1006596"/>
+          </a:xfrm>
+          <a:prstGeom prst="line">
+            <a:avLst/>
+          </a:prstGeom>
+          <a:ln w="57150">
+            <a:solidFill>
+              <a:schemeClr val="accent2"/>
+            </a:solidFill>
+          </a:ln>
+        </p:spPr>
+        <p:style>
+          <a:lnRef idx="1">
+            <a:schemeClr val="accent1"/>
+          </a:lnRef>
+          <a:fillRef idx="0">
+            <a:schemeClr val="accent1"/>
+          </a:fillRef>
+          <a:effectRef idx="0">
+            <a:schemeClr val="accent1"/>
+          </a:effectRef>
+          <a:fontRef idx="minor">
+            <a:schemeClr val="tx1"/>
+          </a:fontRef>
+        </p:style>
+      </p:cxnSp>
+      <p:sp>
+        <p:nvSpPr>
+          <p:cNvPr id="54" name="ZoneTexte 53">
+            <a:extLst>
+              <a:ext uri="{FF2B5EF4-FFF2-40B4-BE49-F238E27FC236}">
+                <a16:creationId xmlns:a16="http://schemas.microsoft.com/office/drawing/2014/main" id="{7D84BDD2-392A-F4B7-B28E-FF83D392A4A6}"/>
+              </a:ext>
+            </a:extLst>
+          </p:cNvPr>
+          <p:cNvSpPr txBox="1"/>
+          <p:nvPr/>
+        </p:nvSpPr>
+        <p:spPr>
+          <a:xfrm>
+            <a:off x="8566988" y="3947547"/>
+            <a:ext cx="1329210" cy="369332"/>
+          </a:xfrm>
+          <a:prstGeom prst="rect">
+            <a:avLst/>
+          </a:prstGeom>
+          <a:noFill/>
+          <a:ln w="28575">
+            <a:solidFill>
+              <a:schemeClr val="accent2"/>
+            </a:solidFill>
+          </a:ln>
+        </p:spPr>
+        <p:txBody>
+          <a:bodyPr wrap="none" rtlCol="0">
+            <a:spAutoFit/>
+          </a:bodyPr>
+          <a:lstStyle/>
+          <a:p>
+            <a:r>
+              <a:rPr lang="fr-FR" dirty="0"/>
+              <a:t>Interface A1</a:t>
+            </a:r>
+            <a:endParaRPr lang="fr-CH" dirty="0"/>
+          </a:p>
+        </p:txBody>
+      </p:sp>
+      <p:sp>
+        <p:nvSpPr>
+          <p:cNvPr id="55" name="ZoneTexte 54">
+            <a:extLst>
+              <a:ext uri="{FF2B5EF4-FFF2-40B4-BE49-F238E27FC236}">
+                <a16:creationId xmlns:a16="http://schemas.microsoft.com/office/drawing/2014/main" id="{E1F695A9-95C8-C339-5AE5-5A0CFF0D49FE}"/>
+              </a:ext>
+            </a:extLst>
+          </p:cNvPr>
+          <p:cNvSpPr txBox="1"/>
+          <p:nvPr/>
+        </p:nvSpPr>
+        <p:spPr>
+          <a:xfrm>
+            <a:off x="1807878" y="6029150"/>
+            <a:ext cx="1329210" cy="369332"/>
+          </a:xfrm>
+          <a:prstGeom prst="rect">
+            <a:avLst/>
+          </a:prstGeom>
+          <a:noFill/>
+          <a:ln w="28575">
+            <a:solidFill>
+              <a:schemeClr val="accent2"/>
+            </a:solidFill>
+          </a:ln>
+        </p:spPr>
+        <p:txBody>
+          <a:bodyPr wrap="none" rtlCol="0">
+            <a:spAutoFit/>
+          </a:bodyPr>
+          <a:lstStyle/>
+          <a:p>
+            <a:r>
+              <a:rPr lang="fr-FR" dirty="0"/>
+              <a:t>Interface C1</a:t>
+            </a:r>
+            <a:endParaRPr lang="fr-CH" dirty="0"/>
+          </a:p>
+        </p:txBody>
+      </p:sp>
+      <p:sp>
+        <p:nvSpPr>
+          <p:cNvPr id="56" name="ZoneTexte 55">
+            <a:extLst>
+              <a:ext uri="{FF2B5EF4-FFF2-40B4-BE49-F238E27FC236}">
+                <a16:creationId xmlns:a16="http://schemas.microsoft.com/office/drawing/2014/main" id="{E67AF49B-237A-5418-A19B-7B12000BD22B}"/>
+              </a:ext>
+            </a:extLst>
+          </p:cNvPr>
+          <p:cNvSpPr txBox="1"/>
+          <p:nvPr/>
+        </p:nvSpPr>
+        <p:spPr>
+          <a:xfrm>
+            <a:off x="1831923" y="4278997"/>
+            <a:ext cx="1305165" cy="369332"/>
+          </a:xfrm>
+          <a:prstGeom prst="rect">
+            <a:avLst/>
+          </a:prstGeom>
+          <a:noFill/>
+          <a:ln w="28575">
+            <a:solidFill>
+              <a:schemeClr val="accent2"/>
+            </a:solidFill>
+          </a:ln>
+        </p:spPr>
+        <p:txBody>
+          <a:bodyPr wrap="none" rtlCol="0">
+            <a:spAutoFit/>
+          </a:bodyPr>
+          <a:lstStyle/>
+          <a:p>
+            <a:r>
+              <a:rPr lang="fr-FR" dirty="0"/>
+              <a:t>Interface B1</a:t>
+            </a:r>
+            <a:endParaRPr lang="fr-CH" dirty="0"/>
+          </a:p>
+        </p:txBody>
+      </p:sp>
+      <p:sp>
+        <p:nvSpPr>
+          <p:cNvPr id="57" name="ZoneTexte 56">
+            <a:extLst>
+              <a:ext uri="{FF2B5EF4-FFF2-40B4-BE49-F238E27FC236}">
+                <a16:creationId xmlns:a16="http://schemas.microsoft.com/office/drawing/2014/main" id="{98ADA873-1B2D-4CCF-6D9E-D1D31F0EBC5E}"/>
+              </a:ext>
+            </a:extLst>
+          </p:cNvPr>
+          <p:cNvSpPr txBox="1"/>
+          <p:nvPr/>
+        </p:nvSpPr>
+        <p:spPr>
+          <a:xfrm>
+            <a:off x="5966924" y="5549444"/>
+            <a:ext cx="1305165" cy="369332"/>
+          </a:xfrm>
+          <a:prstGeom prst="rect">
+            <a:avLst/>
+          </a:prstGeom>
+          <a:noFill/>
+          <a:ln w="28575">
+            <a:solidFill>
+              <a:schemeClr val="accent2"/>
+            </a:solidFill>
+          </a:ln>
+        </p:spPr>
+        <p:txBody>
+          <a:bodyPr wrap="none" rtlCol="0">
+            <a:spAutoFit/>
+          </a:bodyPr>
+          <a:lstStyle/>
+          <a:p>
+            <a:r>
+              <a:rPr lang="fr-FR" dirty="0"/>
+              <a:t>Interface R2</a:t>
+            </a:r>
+            <a:endParaRPr lang="fr-CH" dirty="0"/>
+          </a:p>
+        </p:txBody>
+      </p:sp>
+      <p:sp>
+        <p:nvSpPr>
+          <p:cNvPr id="60" name="ZoneTexte 59">
+            <a:extLst>
+              <a:ext uri="{FF2B5EF4-FFF2-40B4-BE49-F238E27FC236}">
+                <a16:creationId xmlns:a16="http://schemas.microsoft.com/office/drawing/2014/main" id="{9577754E-A35F-62F4-8477-A9DBE5118D1F}"/>
+              </a:ext>
+            </a:extLst>
+          </p:cNvPr>
+          <p:cNvSpPr txBox="1"/>
+          <p:nvPr/>
+        </p:nvSpPr>
+        <p:spPr>
+          <a:xfrm>
+            <a:off x="3303495" y="5238020"/>
+            <a:ext cx="725455" cy="369332"/>
+          </a:xfrm>
+          <a:prstGeom prst="rect">
+            <a:avLst/>
+          </a:prstGeom>
+          <a:solidFill>
+            <a:schemeClr val="bg1"/>
+          </a:solidFill>
+          <a:ln w="28575">
+            <a:noFill/>
+          </a:ln>
+        </p:spPr>
+        <p:txBody>
+          <a:bodyPr wrap="none" rtlCol="0">
+            <a:spAutoFit/>
+          </a:bodyPr>
+          <a:lstStyle/>
+          <a:p>
+            <a:r>
+              <a:rPr lang="fr-FR" dirty="0"/>
+              <a:t>switch</a:t>
+            </a:r>
+            <a:endParaRPr lang="fr-CH" dirty="0"/>
+          </a:p>
+        </p:txBody>
+      </p:sp>
+      <p:sp>
+        <p:nvSpPr>
+          <p:cNvPr id="62" name="ZoneTexte 61">
+            <a:extLst>
+              <a:ext uri="{FF2B5EF4-FFF2-40B4-BE49-F238E27FC236}">
+                <a16:creationId xmlns:a16="http://schemas.microsoft.com/office/drawing/2014/main" id="{17449ACB-01E4-2803-F0A8-50CDC4D32BEF}"/>
+              </a:ext>
+            </a:extLst>
+          </p:cNvPr>
+          <p:cNvSpPr txBox="1"/>
+          <p:nvPr/>
+        </p:nvSpPr>
+        <p:spPr>
+          <a:xfrm>
+            <a:off x="7183495" y="4489386"/>
+            <a:ext cx="1305165" cy="369332"/>
+          </a:xfrm>
+          <a:prstGeom prst="rect">
+            <a:avLst/>
+          </a:prstGeom>
+          <a:noFill/>
+          <a:ln w="28575">
+            <a:solidFill>
+              <a:schemeClr val="accent2"/>
+            </a:solidFill>
+          </a:ln>
+        </p:spPr>
+        <p:txBody>
+          <a:bodyPr wrap="none" rtlCol="0">
+            <a:spAutoFit/>
+          </a:bodyPr>
+          <a:lstStyle/>
+          <a:p>
+            <a:r>
+              <a:rPr lang="fr-FR" dirty="0"/>
+              <a:t>Interface R1</a:t>
+            </a:r>
+            <a:endParaRPr lang="fr-CH" dirty="0"/>
+          </a:p>
+        </p:txBody>
+      </p:sp>
+      <p:sp>
+        <p:nvSpPr>
+          <p:cNvPr id="63" name="ZoneTexte 62">
+            <a:extLst>
+              <a:ext uri="{FF2B5EF4-FFF2-40B4-BE49-F238E27FC236}">
+                <a16:creationId xmlns:a16="http://schemas.microsoft.com/office/drawing/2014/main" id="{8BEF35C8-958E-1D2E-6157-4E9B6C8B0D6F}"/>
+              </a:ext>
+            </a:extLst>
+          </p:cNvPr>
+          <p:cNvSpPr txBox="1"/>
+          <p:nvPr/>
+        </p:nvSpPr>
+        <p:spPr>
+          <a:xfrm>
+            <a:off x="4883831" y="4494250"/>
+            <a:ext cx="1305165" cy="369332"/>
+          </a:xfrm>
+          <a:prstGeom prst="rect">
+            <a:avLst/>
+          </a:prstGeom>
+          <a:noFill/>
+          <a:ln w="28575">
+            <a:solidFill>
+              <a:schemeClr val="accent2"/>
+            </a:solidFill>
+          </a:ln>
+        </p:spPr>
+        <p:txBody>
+          <a:bodyPr wrap="none" rtlCol="0">
+            <a:spAutoFit/>
+          </a:bodyPr>
+          <a:lstStyle/>
+          <a:p>
+            <a:r>
+              <a:rPr lang="fr-FR" dirty="0"/>
+              <a:t>Interface R3</a:t>
+            </a:r>
+            <a:endParaRPr lang="fr-CH" dirty="0"/>
+          </a:p>
+        </p:txBody>
+      </p:sp>
+      <p:sp>
+        <p:nvSpPr>
+          <p:cNvPr id="69" name="ZoneTexte 68">
+            <a:extLst>
+              <a:ext uri="{FF2B5EF4-FFF2-40B4-BE49-F238E27FC236}">
+                <a16:creationId xmlns:a16="http://schemas.microsoft.com/office/drawing/2014/main" id="{EA884902-DDFF-504D-7B7B-6C253E0B95D4}"/>
+              </a:ext>
+            </a:extLst>
+          </p:cNvPr>
+          <p:cNvSpPr txBox="1"/>
+          <p:nvPr/>
+        </p:nvSpPr>
+        <p:spPr>
+          <a:xfrm>
+            <a:off x="8566988" y="3337818"/>
+            <a:ext cx="1911101" cy="523220"/>
+          </a:xfrm>
+          <a:prstGeom prst="rect">
+            <a:avLst/>
+          </a:prstGeom>
+          <a:noFill/>
+          <a:ln w="28575">
+            <a:solidFill>
+              <a:schemeClr val="accent6"/>
+            </a:solidFill>
+          </a:ln>
+        </p:spPr>
+        <p:txBody>
+          <a:bodyPr wrap="none" rtlCol="0">
+            <a:spAutoFit/>
+          </a:bodyPr>
+          <a:lstStyle/>
+          <a:p>
+            <a:pPr algn="ctr"/>
+            <a:r>
+              <a:rPr lang="fr-FR" sz="1400" dirty="0"/>
+              <a:t>Route </a:t>
+            </a:r>
+            <a:r>
+              <a:rPr lang="fr-FR" sz="1400" dirty="0">
+                <a:sym typeface="Wingdings" panose="05000000000000000000" pitchFamily="2" charset="2"/>
+              </a:rPr>
+              <a:t></a:t>
+            </a:r>
+            <a:endParaRPr lang="fr-FR" sz="1400" dirty="0"/>
+          </a:p>
+          <a:p>
+            <a:pPr algn="ctr"/>
+            <a:r>
+              <a:rPr lang="fr-FR" sz="1400" dirty="0"/>
+              <a:t>default =&gt; interface R1</a:t>
+            </a:r>
+            <a:endParaRPr lang="fr-CH" sz="1400" dirty="0"/>
+          </a:p>
+        </p:txBody>
+      </p:sp>
+      <p:sp>
+        <p:nvSpPr>
+          <p:cNvPr id="71" name="ZoneTexte 70">
+            <a:extLst>
+              <a:ext uri="{FF2B5EF4-FFF2-40B4-BE49-F238E27FC236}">
+                <a16:creationId xmlns:a16="http://schemas.microsoft.com/office/drawing/2014/main" id="{DE5F005C-0F4E-C4FB-4B0D-4FF5652F9FE9}"/>
+              </a:ext>
+            </a:extLst>
+          </p:cNvPr>
+          <p:cNvSpPr txBox="1"/>
+          <p:nvPr/>
+        </p:nvSpPr>
+        <p:spPr>
+          <a:xfrm>
+            <a:off x="1343991" y="5157827"/>
+            <a:ext cx="1911101" cy="523220"/>
+          </a:xfrm>
+          <a:prstGeom prst="rect">
+            <a:avLst/>
+          </a:prstGeom>
+          <a:noFill/>
+          <a:ln w="28575">
+            <a:solidFill>
+              <a:schemeClr val="accent6"/>
+            </a:solidFill>
+          </a:ln>
+        </p:spPr>
+        <p:txBody>
+          <a:bodyPr wrap="none" rtlCol="0">
+            <a:spAutoFit/>
+          </a:bodyPr>
+          <a:lstStyle/>
+          <a:p>
+            <a:pPr algn="ctr"/>
+            <a:r>
+              <a:rPr lang="fr-FR" sz="1400" dirty="0"/>
+              <a:t>Route </a:t>
+            </a:r>
+            <a:r>
+              <a:rPr lang="fr-FR" sz="1400" dirty="0">
+                <a:sym typeface="Wingdings" panose="05000000000000000000" pitchFamily="2" charset="2"/>
+              </a:rPr>
+              <a:t></a:t>
+            </a:r>
+            <a:endParaRPr lang="fr-FR" sz="1400" dirty="0"/>
+          </a:p>
+          <a:p>
+            <a:pPr algn="ctr"/>
+            <a:r>
+              <a:rPr lang="fr-FR" sz="1400" dirty="0"/>
+              <a:t>default =&gt; interface R2</a:t>
+            </a:r>
+            <a:endParaRPr lang="fr-CH" sz="1400" dirty="0"/>
+          </a:p>
+        </p:txBody>
+      </p:sp>
+      <p:sp>
+        <p:nvSpPr>
+          <p:cNvPr id="73" name="ZoneTexte 72">
+            <a:extLst>
+              <a:ext uri="{FF2B5EF4-FFF2-40B4-BE49-F238E27FC236}">
+                <a16:creationId xmlns:a16="http://schemas.microsoft.com/office/drawing/2014/main" id="{E88990A4-6406-501D-4E82-A46DDDF04247}"/>
+              </a:ext>
+            </a:extLst>
+          </p:cNvPr>
+          <p:cNvSpPr txBox="1"/>
+          <p:nvPr/>
+        </p:nvSpPr>
+        <p:spPr>
+          <a:xfrm>
+            <a:off x="6271421" y="4828452"/>
+            <a:ext cx="829266" cy="369332"/>
+          </a:xfrm>
+          <a:prstGeom prst="rect">
+            <a:avLst/>
+          </a:prstGeom>
+          <a:solidFill>
+            <a:schemeClr val="bg1"/>
+          </a:solidFill>
+          <a:ln w="28575">
+            <a:noFill/>
+          </a:ln>
+        </p:spPr>
+        <p:txBody>
+          <a:bodyPr wrap="none" rtlCol="0">
+            <a:spAutoFit/>
+          </a:bodyPr>
+          <a:lstStyle/>
+          <a:p>
+            <a:r>
+              <a:rPr lang="fr-FR" dirty="0"/>
+              <a:t>routeur</a:t>
+            </a:r>
+            <a:endParaRPr lang="fr-CH" dirty="0"/>
+          </a:p>
+        </p:txBody>
+      </p:sp>
+      <p:sp>
+        <p:nvSpPr>
+          <p:cNvPr id="81" name="ZoneTexte 80">
+            <a:extLst>
+              <a:ext uri="{FF2B5EF4-FFF2-40B4-BE49-F238E27FC236}">
+                <a16:creationId xmlns:a16="http://schemas.microsoft.com/office/drawing/2014/main" id="{9EF493DE-2EED-D6C4-C524-DCA30CD629D7}"/>
+              </a:ext>
+            </a:extLst>
+          </p:cNvPr>
+          <p:cNvSpPr txBox="1"/>
+          <p:nvPr/>
+        </p:nvSpPr>
+        <p:spPr>
+          <a:xfrm>
+            <a:off x="5898626" y="3900860"/>
+            <a:ext cx="1574855" cy="523220"/>
+          </a:xfrm>
+          <a:prstGeom prst="rect">
+            <a:avLst/>
+          </a:prstGeom>
+          <a:noFill/>
+          <a:ln w="28575">
+            <a:solidFill>
+              <a:schemeClr val="accent6"/>
+            </a:solidFill>
+          </a:ln>
+        </p:spPr>
+        <p:txBody>
+          <a:bodyPr wrap="none" rtlCol="0">
+            <a:spAutoFit/>
+          </a:bodyPr>
+          <a:lstStyle/>
+          <a:p>
+            <a:pPr algn="ctr"/>
+            <a:r>
+              <a:rPr lang="fr-FR" sz="1400" dirty="0"/>
+              <a:t>Route </a:t>
+            </a:r>
+            <a:r>
+              <a:rPr lang="fr-FR" sz="1400" dirty="0">
+                <a:sym typeface="Wingdings" panose="05000000000000000000" pitchFamily="2" charset="2"/>
+              </a:rPr>
+              <a:t></a:t>
+            </a:r>
+            <a:endParaRPr lang="fr-FR" sz="1400" dirty="0"/>
+          </a:p>
+          <a:p>
+            <a:pPr algn="ctr"/>
+            <a:r>
+              <a:rPr lang="fr-FR" sz="1400" dirty="0"/>
+              <a:t>default =&gt; internet</a:t>
+            </a:r>
+            <a:endParaRPr lang="fr-CH" sz="1400" dirty="0"/>
+          </a:p>
+        </p:txBody>
+      </p:sp>
+      <p:sp>
+        <p:nvSpPr>
+          <p:cNvPr id="82" name="ZoneTexte 81">
+            <a:extLst>
+              <a:ext uri="{FF2B5EF4-FFF2-40B4-BE49-F238E27FC236}">
+                <a16:creationId xmlns:a16="http://schemas.microsoft.com/office/drawing/2014/main" id="{ABE32469-B517-1667-2EB4-59ABB8FA56D1}"/>
+              </a:ext>
+            </a:extLst>
+          </p:cNvPr>
+          <p:cNvSpPr txBox="1"/>
+          <p:nvPr/>
+        </p:nvSpPr>
+        <p:spPr>
+          <a:xfrm>
+            <a:off x="4979997" y="3275276"/>
+            <a:ext cx="2564741" cy="523220"/>
+          </a:xfrm>
+          <a:prstGeom prst="rect">
+            <a:avLst/>
+          </a:prstGeom>
+          <a:noFill/>
+          <a:ln w="28575">
+            <a:solidFill>
+              <a:schemeClr val="accent6"/>
+            </a:solidFill>
+          </a:ln>
+        </p:spPr>
+        <p:txBody>
+          <a:bodyPr wrap="none" rtlCol="0">
+            <a:spAutoFit/>
+          </a:bodyPr>
+          <a:lstStyle/>
+          <a:p>
+            <a:pPr algn="ctr"/>
+            <a:r>
+              <a:rPr lang="fr-FR" sz="1400" dirty="0"/>
+              <a:t>Route </a:t>
+            </a:r>
+            <a:r>
+              <a:rPr lang="fr-FR" sz="1400" dirty="0">
+                <a:sym typeface="Wingdings" panose="05000000000000000000" pitchFamily="2" charset="2"/>
+              </a:rPr>
+              <a:t></a:t>
+            </a:r>
+            <a:endParaRPr lang="fr-FR" sz="1400" dirty="0"/>
+          </a:p>
+          <a:p>
+            <a:pPr algn="ctr"/>
+            <a:r>
+              <a:rPr lang="fr-FR" sz="1400" dirty="0" err="1"/>
+              <a:t>ss</a:t>
+            </a:r>
+            <a:r>
+              <a:rPr lang="fr-FR" sz="1400" dirty="0"/>
+              <a:t>-réseau/plage =&gt; interface R3</a:t>
+            </a:r>
+            <a:endParaRPr lang="fr-CH" sz="1400" dirty="0"/>
           </a:p>
         </p:txBody>
       </p:sp>
@@ -20906,7 +23304,552 @@
 </p:sld>
 </file>
 
-<file path=ppt/slides/slide16.xml><?xml version="1.0" encoding="utf-8"?>
+<file path=ppt/slides/slide18.xml><?xml version="1.0" encoding="utf-8"?>
+<p:sld xmlns:a="http://schemas.openxmlformats.org/drawingml/2006/main" xmlns:r="http://schemas.openxmlformats.org/officeDocument/2006/relationships" xmlns:p="http://schemas.openxmlformats.org/presentationml/2006/main">
+  <p:cSld>
+    <p:spTree>
+      <p:nvGrpSpPr>
+        <p:cNvPr id="1" name="">
+          <a:extLst>
+            <a:ext uri="{FF2B5EF4-FFF2-40B4-BE49-F238E27FC236}">
+              <a16:creationId xmlns:a16="http://schemas.microsoft.com/office/drawing/2014/main" id="{F8CB6B80-2E31-E75D-3472-1982F8DD9FA3}"/>
+            </a:ext>
+          </a:extLst>
+        </p:cNvPr>
+        <p:cNvGrpSpPr/>
+        <p:nvPr/>
+      </p:nvGrpSpPr>
+      <p:grpSpPr>
+        <a:xfrm>
+          <a:off x="0" y="0"/>
+          <a:ext cx="0" cy="0"/>
+          <a:chOff x="0" y="0"/>
+          <a:chExt cx="0" cy="0"/>
+        </a:xfrm>
+      </p:grpSpPr>
+      <p:sp>
+        <p:nvSpPr>
+          <p:cNvPr id="2" name="Titre 1">
+            <a:extLst>
+              <a:ext uri="{FF2B5EF4-FFF2-40B4-BE49-F238E27FC236}">
+                <a16:creationId xmlns:a16="http://schemas.microsoft.com/office/drawing/2014/main" id="{3EEBBF90-402F-7462-50F2-2B8D761209FB}"/>
+              </a:ext>
+            </a:extLst>
+          </p:cNvPr>
+          <p:cNvSpPr>
+            <a:spLocks noGrp="1"/>
+          </p:cNvSpPr>
+          <p:nvPr>
+            <p:ph type="title"/>
+          </p:nvPr>
+        </p:nvSpPr>
+        <p:spPr>
+          <a:xfrm>
+            <a:off x="1141413" y="618518"/>
+            <a:ext cx="9905998" cy="1165015"/>
+          </a:xfrm>
+        </p:spPr>
+        <p:txBody>
+          <a:bodyPr/>
+          <a:lstStyle/>
+          <a:p>
+            <a:r>
+              <a:rPr lang="fr-FR" b="1" dirty="0"/>
+              <a:t>Les routes: comment les construire?</a:t>
+            </a:r>
+            <a:endParaRPr lang="fr-CH" b="1" dirty="0"/>
+          </a:p>
+        </p:txBody>
+      </p:sp>
+      <p:sp>
+        <p:nvSpPr>
+          <p:cNvPr id="3" name="Espace réservé du contenu 2">
+            <a:extLst>
+              <a:ext uri="{FF2B5EF4-FFF2-40B4-BE49-F238E27FC236}">
+                <a16:creationId xmlns:a16="http://schemas.microsoft.com/office/drawing/2014/main" id="{3C2FDAF7-83ED-31D5-CFBE-7F0ED21ED750}"/>
+              </a:ext>
+            </a:extLst>
+          </p:cNvPr>
+          <p:cNvSpPr>
+            <a:spLocks noGrp="1"/>
+          </p:cNvSpPr>
+          <p:nvPr>
+            <p:ph idx="1"/>
+          </p:nvPr>
+        </p:nvSpPr>
+        <p:spPr>
+          <a:xfrm>
+            <a:off x="1141412" y="1783533"/>
+            <a:ext cx="9905999" cy="3635973"/>
+          </a:xfrm>
+        </p:spPr>
+        <p:txBody>
+          <a:bodyPr>
+            <a:normAutofit/>
+          </a:bodyPr>
+          <a:lstStyle/>
+          <a:p>
+            <a:r>
+              <a:rPr lang="fr-FR" b="1" dirty="0"/>
+              <a:t>La plage de destination </a:t>
+            </a:r>
+            <a:r>
+              <a:rPr lang="fr-FR" dirty="0"/>
+              <a:t>se définit en fonction de la base commune des adresses visées, soit l’adresse du sous-réseau. Plus la base est haute, moins la plage est grande, puisqu’il y a un plafond à 255 (voir plus bas si masqué à plus de 0).</a:t>
+            </a:r>
+          </a:p>
+          <a:p>
+            <a:pPr marL="0" indent="0">
+              <a:buNone/>
+            </a:pPr>
+            <a:r>
+              <a:rPr lang="fr-FR" dirty="0"/>
+              <a:t>Exemple:</a:t>
+            </a:r>
+          </a:p>
+        </p:txBody>
+      </p:sp>
+      <p:sp>
+        <p:nvSpPr>
+          <p:cNvPr id="7" name="ZoneTexte 6">
+            <a:extLst>
+              <a:ext uri="{FF2B5EF4-FFF2-40B4-BE49-F238E27FC236}">
+                <a16:creationId xmlns:a16="http://schemas.microsoft.com/office/drawing/2014/main" id="{E0BB2FBF-F7DC-ACC8-6183-6EEA51E5D2C3}"/>
+              </a:ext>
+            </a:extLst>
+          </p:cNvPr>
+          <p:cNvSpPr txBox="1"/>
+          <p:nvPr/>
+        </p:nvSpPr>
+        <p:spPr>
+          <a:xfrm>
+            <a:off x="731520" y="6065836"/>
+            <a:ext cx="11287705" cy="646331"/>
+          </a:xfrm>
+          <a:prstGeom prst="rect">
+            <a:avLst/>
+          </a:prstGeom>
+          <a:noFill/>
+        </p:spPr>
+        <p:txBody>
+          <a:bodyPr wrap="none" rtlCol="0">
+            <a:spAutoFit/>
+          </a:bodyPr>
+          <a:lstStyle/>
+          <a:p>
+            <a:pPr algn="ctr"/>
+            <a:r>
+              <a:rPr lang="fr-FR" dirty="0"/>
+              <a:t>Dans </a:t>
+            </a:r>
+            <a:r>
+              <a:rPr lang="fr-FR" dirty="0" err="1"/>
+              <a:t>Netpractice</a:t>
+            </a:r>
+            <a:r>
+              <a:rPr lang="fr-FR" dirty="0"/>
+              <a:t>, on utilise généralement le default (0.0.0.0/0) pour les destinations d’une route partant d’un ordinateur.</a:t>
+            </a:r>
+          </a:p>
+          <a:p>
+            <a:pPr algn="ctr"/>
+            <a:r>
+              <a:rPr lang="fr-FR" dirty="0"/>
+              <a:t>En effet, peu importe où l’information doit être envoyée, il faudra passer par un même relai.</a:t>
+            </a:r>
+            <a:endParaRPr lang="fr-CH" dirty="0"/>
+          </a:p>
+        </p:txBody>
+      </p:sp>
+      <p:sp>
+        <p:nvSpPr>
+          <p:cNvPr id="9" name="Espace réservé du numéro de diapositive 8">
+            <a:extLst>
+              <a:ext uri="{FF2B5EF4-FFF2-40B4-BE49-F238E27FC236}">
+                <a16:creationId xmlns:a16="http://schemas.microsoft.com/office/drawing/2014/main" id="{AC77D7FC-C5E2-7868-F1E1-94F5A23DA93E}"/>
+              </a:ext>
+            </a:extLst>
+          </p:cNvPr>
+          <p:cNvSpPr>
+            <a:spLocks noGrp="1"/>
+          </p:cNvSpPr>
+          <p:nvPr>
+            <p:ph type="sldNum" sz="quarter" idx="12"/>
+          </p:nvPr>
+        </p:nvSpPr>
+        <p:spPr/>
+        <p:txBody>
+          <a:bodyPr/>
+          <a:lstStyle/>
+          <a:p>
+            <a:fld id="{6D22F896-40B5-4ADD-8801-0D06FADFA095}" type="slidenum">
+              <a:rPr lang="en-US" smtClean="0"/>
+              <a:t>18</a:t>
+            </a:fld>
+            <a:endParaRPr lang="en-US" dirty="0"/>
+          </a:p>
+        </p:txBody>
+      </p:sp>
+      <p:sp>
+        <p:nvSpPr>
+          <p:cNvPr id="4" name="ZoneTexte 3">
+            <a:extLst>
+              <a:ext uri="{FF2B5EF4-FFF2-40B4-BE49-F238E27FC236}">
+                <a16:creationId xmlns:a16="http://schemas.microsoft.com/office/drawing/2014/main" id="{D1C65E7C-1571-A37F-A7CA-AC2DC07FD28F}"/>
+              </a:ext>
+            </a:extLst>
+          </p:cNvPr>
+          <p:cNvSpPr txBox="1"/>
+          <p:nvPr/>
+        </p:nvSpPr>
+        <p:spPr>
+          <a:xfrm>
+            <a:off x="7670125" y="3801304"/>
+            <a:ext cx="4072219" cy="1569660"/>
+          </a:xfrm>
+          <a:prstGeom prst="rect">
+            <a:avLst/>
+          </a:prstGeom>
+          <a:noFill/>
+          <a:ln w="28575">
+            <a:solidFill>
+              <a:schemeClr val="accent2"/>
+            </a:solidFill>
+            <a:prstDash val="sysDot"/>
+          </a:ln>
+        </p:spPr>
+        <p:txBody>
+          <a:bodyPr wrap="square" rtlCol="0">
+            <a:spAutoFit/>
+          </a:bodyPr>
+          <a:lstStyle/>
+          <a:p>
+            <a:r>
+              <a:rPr lang="fr-FR" sz="1600" dirty="0"/>
+              <a:t>En partant de 120.7.18.192 sur un sous-réseau à un seul byte hôte (255.255.255.0),</a:t>
+            </a:r>
+          </a:p>
+          <a:p>
+            <a:r>
+              <a:rPr lang="fr-FR" sz="1600" dirty="0"/>
+              <a:t>il ne nous reste plus que 64 adresses à couvrir, ce qui revient alors à un masque de /26. </a:t>
+            </a:r>
+          </a:p>
+          <a:p>
+            <a:r>
+              <a:rPr lang="fr-FR" sz="1600" dirty="0"/>
+              <a:t>La plage de destination est alors </a:t>
+            </a:r>
+            <a:r>
+              <a:rPr lang="fr-FR" sz="1600" b="1" dirty="0"/>
+              <a:t>120.7.18.192/26.</a:t>
+            </a:r>
+          </a:p>
+        </p:txBody>
+      </p:sp>
+      <p:graphicFrame>
+        <p:nvGraphicFramePr>
+          <p:cNvPr id="5" name="Espace réservé du contenu 5">
+            <a:extLst>
+              <a:ext uri="{FF2B5EF4-FFF2-40B4-BE49-F238E27FC236}">
+                <a16:creationId xmlns:a16="http://schemas.microsoft.com/office/drawing/2014/main" id="{6522A458-0715-2F1E-6946-6FA54AE49FDA}"/>
+              </a:ext>
+            </a:extLst>
+          </p:cNvPr>
+          <p:cNvGraphicFramePr>
+            <a:graphicFrameLocks/>
+          </p:cNvGraphicFramePr>
+          <p:nvPr>
+            <p:extLst>
+              <p:ext uri="{D42A27DB-BD31-4B8C-83A1-F6EECF244321}">
+                <p14:modId xmlns:p14="http://schemas.microsoft.com/office/powerpoint/2010/main" val="1021145048"/>
+              </p:ext>
+            </p:extLst>
+          </p:nvPr>
+        </p:nvGraphicFramePr>
+        <p:xfrm>
+          <a:off x="2528433" y="3714567"/>
+          <a:ext cx="5023996" cy="2148840"/>
+        </p:xfrm>
+        <a:graphic>
+          <a:graphicData uri="http://schemas.openxmlformats.org/drawingml/2006/table">
+            <a:tbl>
+              <a:tblPr firstCol="1" bandRow="1">
+                <a:tableStyleId>{93296810-A885-4BE3-A3E7-6D5BEEA58F35}</a:tableStyleId>
+              </a:tblPr>
+              <a:tblGrid>
+                <a:gridCol w="2394889">
+                  <a:extLst>
+                    <a:ext uri="{9D8B030D-6E8A-4147-A177-3AD203B41FA5}">
+                      <a16:colId xmlns:a16="http://schemas.microsoft.com/office/drawing/2014/main" val="3124624490"/>
+                    </a:ext>
+                  </a:extLst>
+                </a:gridCol>
+                <a:gridCol w="2629107">
+                  <a:extLst>
+                    <a:ext uri="{9D8B030D-6E8A-4147-A177-3AD203B41FA5}">
+                      <a16:colId xmlns:a16="http://schemas.microsoft.com/office/drawing/2014/main" val="1846533452"/>
+                    </a:ext>
+                  </a:extLst>
+                </a:gridCol>
+              </a:tblGrid>
+              <a:tr h="370840">
+                <a:tc>
+                  <a:txBody>
+                    <a:bodyPr/>
+                    <a:lstStyle/>
+                    <a:p>
+                      <a:r>
+                        <a:rPr lang="fr-FR" sz="1400" dirty="0"/>
+                        <a:t>Masque</a:t>
+                      </a:r>
+                      <a:endParaRPr lang="fr-CH" sz="1400" dirty="0"/>
+                    </a:p>
+                  </a:txBody>
+                  <a:tcPr/>
+                </a:tc>
+                <a:tc>
+                  <a:txBody>
+                    <a:bodyPr/>
+                    <a:lstStyle/>
+                    <a:p>
+                      <a:pPr algn="l"/>
+                      <a:r>
+                        <a:rPr lang="fr-FR" sz="1400" b="0" dirty="0">
+                          <a:solidFill>
+                            <a:schemeClr val="bg1"/>
+                          </a:solidFill>
+                        </a:rPr>
+                        <a:t>255.255.255.</a:t>
+                      </a:r>
+                      <a:r>
+                        <a:rPr lang="fr-FR" sz="1400" b="1" dirty="0">
+                          <a:solidFill>
+                            <a:schemeClr val="accent6"/>
+                          </a:solidFill>
+                        </a:rPr>
+                        <a:t>0</a:t>
+                      </a:r>
+                      <a:endParaRPr lang="fr-CH" sz="1400" b="1" dirty="0">
+                        <a:solidFill>
+                          <a:schemeClr val="accent6"/>
+                        </a:solidFill>
+                      </a:endParaRPr>
+                    </a:p>
+                  </a:txBody>
+                  <a:tcPr anchor="ctr"/>
+                </a:tc>
+                <a:extLst>
+                  <a:ext uri="{0D108BD9-81ED-4DB2-BD59-A6C34878D82A}">
+                    <a16:rowId xmlns:a16="http://schemas.microsoft.com/office/drawing/2014/main" val="2322430221"/>
+                  </a:ext>
+                </a:extLst>
+              </a:tr>
+              <a:tr h="370840">
+                <a:tc>
+                  <a:txBody>
+                    <a:bodyPr/>
+                    <a:lstStyle/>
+                    <a:p>
+                      <a:r>
+                        <a:rPr lang="fr-FR" sz="1400" dirty="0"/>
+                        <a:t>Adresse de sous-réseau</a:t>
+                      </a:r>
+                      <a:endParaRPr lang="fr-CH" sz="1400" dirty="0"/>
+                    </a:p>
+                  </a:txBody>
+                  <a:tcPr/>
+                </a:tc>
+                <a:tc>
+                  <a:txBody>
+                    <a:bodyPr/>
+                    <a:lstStyle/>
+                    <a:p>
+                      <a:pPr algn="l"/>
+                      <a:r>
+                        <a:rPr lang="fr-FR" sz="1400" dirty="0"/>
+                        <a:t>120.7.18.</a:t>
+                      </a:r>
+                      <a:r>
+                        <a:rPr lang="fr-FR" sz="1400" b="1" dirty="0">
+                          <a:solidFill>
+                            <a:schemeClr val="accent6"/>
+                          </a:solidFill>
+                        </a:rPr>
+                        <a:t>192</a:t>
+                      </a:r>
+                      <a:endParaRPr lang="fr-CH" sz="1400" b="1" dirty="0">
+                        <a:solidFill>
+                          <a:schemeClr val="accent6"/>
+                        </a:solidFill>
+                      </a:endParaRPr>
+                    </a:p>
+                  </a:txBody>
+                  <a:tcPr anchor="ctr"/>
+                </a:tc>
+                <a:extLst>
+                  <a:ext uri="{0D108BD9-81ED-4DB2-BD59-A6C34878D82A}">
+                    <a16:rowId xmlns:a16="http://schemas.microsoft.com/office/drawing/2014/main" val="263527426"/>
+                  </a:ext>
+                </a:extLst>
+              </a:tr>
+              <a:tr h="370840">
+                <a:tc>
+                  <a:txBody>
+                    <a:bodyPr/>
+                    <a:lstStyle/>
+                    <a:p>
+                      <a:r>
+                        <a:rPr lang="fr-FR" sz="1400" dirty="0"/>
+                        <a:t>Nombre d’adresses dans le sous-réseau</a:t>
+                      </a:r>
+                      <a:endParaRPr lang="fr-CH" sz="1400" dirty="0"/>
+                    </a:p>
+                  </a:txBody>
+                  <a:tcPr/>
+                </a:tc>
+                <a:tc>
+                  <a:txBody>
+                    <a:bodyPr/>
+                    <a:lstStyle/>
+                    <a:p>
+                      <a:pPr algn="l"/>
+                      <a:r>
+                        <a:rPr lang="fr-FR" sz="1400" b="1" dirty="0"/>
+                        <a:t>255</a:t>
+                      </a:r>
+                      <a:r>
+                        <a:rPr lang="fr-FR" sz="1400" dirty="0"/>
+                        <a:t> - </a:t>
+                      </a:r>
+                      <a:r>
+                        <a:rPr lang="fr-FR" sz="1400" b="1" dirty="0">
+                          <a:solidFill>
+                            <a:schemeClr val="accent6"/>
+                          </a:solidFill>
+                        </a:rPr>
+                        <a:t>192</a:t>
+                      </a:r>
+                      <a:r>
+                        <a:rPr lang="fr-FR" sz="1400" dirty="0"/>
+                        <a:t> = 64</a:t>
+                      </a:r>
+                    </a:p>
+                  </a:txBody>
+                  <a:tcPr anchor="ctr"/>
+                </a:tc>
+                <a:extLst>
+                  <a:ext uri="{0D108BD9-81ED-4DB2-BD59-A6C34878D82A}">
+                    <a16:rowId xmlns:a16="http://schemas.microsoft.com/office/drawing/2014/main" val="469128162"/>
+                  </a:ext>
+                </a:extLst>
+              </a:tr>
+              <a:tr h="370840">
+                <a:tc>
+                  <a:txBody>
+                    <a:bodyPr/>
+                    <a:lstStyle/>
+                    <a:p>
+                      <a:r>
+                        <a:rPr lang="fr-FR" sz="1400" dirty="0"/>
+                        <a:t>Bit correspondant au nombre d’adresses</a:t>
+                      </a:r>
+                      <a:endParaRPr lang="fr-CH" sz="1400" dirty="0"/>
+                    </a:p>
+                  </a:txBody>
+                  <a:tcPr/>
+                </a:tc>
+                <a:tc>
+                  <a:txBody>
+                    <a:bodyPr/>
+                    <a:lstStyle/>
+                    <a:p>
+                      <a:pPr algn="l"/>
+                      <a:r>
+                        <a:rPr lang="fr-FR" sz="1400" dirty="0"/>
+                        <a:t>/26</a:t>
+                      </a:r>
+                      <a:endParaRPr lang="fr-CH" sz="1400" dirty="0"/>
+                    </a:p>
+                  </a:txBody>
+                  <a:tcPr anchor="ctr"/>
+                </a:tc>
+                <a:extLst>
+                  <a:ext uri="{0D108BD9-81ED-4DB2-BD59-A6C34878D82A}">
+                    <a16:rowId xmlns:a16="http://schemas.microsoft.com/office/drawing/2014/main" val="2965202747"/>
+                  </a:ext>
+                </a:extLst>
+              </a:tr>
+              <a:tr h="370840">
+                <a:tc>
+                  <a:txBody>
+                    <a:bodyPr/>
+                    <a:lstStyle/>
+                    <a:p>
+                      <a:r>
+                        <a:rPr lang="fr-FR" sz="1400" dirty="0"/>
+                        <a:t>Plage de destination</a:t>
+                      </a:r>
+                      <a:endParaRPr lang="fr-CH" sz="1400" dirty="0"/>
+                    </a:p>
+                  </a:txBody>
+                  <a:tcPr/>
+                </a:tc>
+                <a:tc>
+                  <a:txBody>
+                    <a:bodyPr/>
+                    <a:lstStyle/>
+                    <a:p>
+                      <a:pPr marL="0" marR="0" lvl="0" indent="0" algn="l" defTabSz="914400" rtl="0" eaLnBrk="1" fontAlgn="auto" latinLnBrk="0" hangingPunct="1">
+                        <a:lnSpc>
+                          <a:spcPct val="100000"/>
+                        </a:lnSpc>
+                        <a:spcBef>
+                          <a:spcPts val="0"/>
+                        </a:spcBef>
+                        <a:spcAft>
+                          <a:spcPts val="0"/>
+                        </a:spcAft>
+                        <a:buClrTx/>
+                        <a:buSzTx/>
+                        <a:buFontTx/>
+                        <a:buNone/>
+                        <a:tabLst/>
+                        <a:defRPr/>
+                      </a:pPr>
+                      <a:r>
+                        <a:rPr lang="fr-FR" sz="1400" dirty="0"/>
+                        <a:t>120.7.18.192/26</a:t>
+                      </a:r>
+                      <a:endParaRPr lang="fr-CH" sz="1400" dirty="0"/>
+                    </a:p>
+                  </a:txBody>
+                  <a:tcPr anchor="ctr"/>
+                </a:tc>
+                <a:extLst>
+                  <a:ext uri="{0D108BD9-81ED-4DB2-BD59-A6C34878D82A}">
+                    <a16:rowId xmlns:a16="http://schemas.microsoft.com/office/drawing/2014/main" val="3308466396"/>
+                  </a:ext>
+                </a:extLst>
+              </a:tr>
+            </a:tbl>
+          </a:graphicData>
+        </a:graphic>
+      </p:graphicFrame>
+    </p:spTree>
+    <p:extLst>
+      <p:ext uri="{BB962C8B-B14F-4D97-AF65-F5344CB8AC3E}">
+        <p14:creationId xmlns:p14="http://schemas.microsoft.com/office/powerpoint/2010/main" val="424631290"/>
+      </p:ext>
+    </p:extLst>
+  </p:cSld>
+  <p:clrMapOvr>
+    <a:masterClrMapping/>
+  </p:clrMapOvr>
+</p:sld>
+</file>
+
+<file path=ppt/slides/slide19.xml><?xml version="1.0" encoding="utf-8"?>
 <p:sld xmlns:a="http://schemas.openxmlformats.org/drawingml/2006/main" xmlns:r="http://schemas.openxmlformats.org/officeDocument/2006/relationships" xmlns:p="http://schemas.openxmlformats.org/presentationml/2006/main">
   <p:cSld>
     <p:spTree>
@@ -20944,7 +23887,11 @@
           <a:bodyPr/>
           <a:lstStyle/>
           <a:p>
-            <a:endParaRPr lang="fr-CH"/>
+            <a:r>
+              <a:rPr lang="fr-FR" b="1" dirty="0"/>
+              <a:t>Connecter son réseau à internet</a:t>
+            </a:r>
+            <a:endParaRPr lang="fr-CH" b="1" dirty="0"/>
           </a:p>
         </p:txBody>
       </p:sp>
@@ -20971,6 +23918,64 @@
           </a:bodyPr>
           <a:lstStyle/>
           <a:p>
+            <a:r>
+              <a:rPr lang="fr-FR" dirty="0"/>
+              <a:t>Pour pouvoir communiquer avec internet, il faut utiliser des </a:t>
+            </a:r>
+            <a:r>
+              <a:rPr lang="fr-FR" b="1" dirty="0"/>
+              <a:t>adresses publiques</a:t>
+            </a:r>
+            <a:r>
+              <a:rPr lang="fr-FR" dirty="0"/>
+              <a:t>, et non des </a:t>
+            </a:r>
+            <a:r>
+              <a:rPr lang="fr-FR" b="1" dirty="0"/>
+              <a:t>adresses privées</a:t>
+            </a:r>
+            <a:r>
+              <a:rPr lang="fr-FR" dirty="0"/>
+              <a:t>. </a:t>
+            </a:r>
+          </a:p>
+          <a:p>
+            <a:r>
+              <a:rPr lang="fr-FR" dirty="0"/>
+              <a:t>En effet, des adresses privées pourront certes atteindre internet mais ne pourront pas recevoir d’informations de sa part en retour: le </a:t>
+            </a:r>
+            <a:r>
+              <a:rPr lang="fr-FR" b="1" i="1" dirty="0" err="1"/>
+              <a:t>forward</a:t>
+            </a:r>
+            <a:r>
+              <a:rPr lang="fr-FR" b="1" i="1" dirty="0"/>
+              <a:t> </a:t>
+            </a:r>
+            <a:r>
+              <a:rPr lang="fr-FR" b="1" i="1" dirty="0" err="1"/>
+              <a:t>way</a:t>
+            </a:r>
+            <a:r>
+              <a:rPr lang="fr-FR" b="1" i="1" dirty="0"/>
+              <a:t> </a:t>
+            </a:r>
+            <a:r>
+              <a:rPr lang="fr-FR" dirty="0"/>
+              <a:t>fonctionnera, mais pas le </a:t>
+            </a:r>
+            <a:r>
+              <a:rPr lang="fr-FR" b="1" i="1" dirty="0"/>
+              <a:t>reverse </a:t>
+            </a:r>
+            <a:r>
+              <a:rPr lang="fr-FR" b="1" i="1" dirty="0" err="1"/>
+              <a:t>way</a:t>
+            </a:r>
+            <a:r>
+              <a:rPr lang="fr-FR" dirty="0"/>
+              <a:t>.</a:t>
+            </a:r>
             <a:endParaRPr lang="fr-CH" dirty="0"/>
           </a:p>
         </p:txBody>
@@ -20998,12 +24003,278 @@
           <a:p>
             <a:fld id="{6D22F896-40B5-4ADD-8801-0D06FADFA095}" type="slidenum">
               <a:rPr lang="en-US" smtClean="0"/>
-              <a:t>16</a:t>
+              <a:t>19</a:t>
             </a:fld>
             <a:endParaRPr lang="en-US" dirty="0"/>
           </a:p>
         </p:txBody>
       </p:sp>
+      <p:graphicFrame>
+        <p:nvGraphicFramePr>
+          <p:cNvPr id="4" name="Tableau 3">
+            <a:extLst>
+              <a:ext uri="{FF2B5EF4-FFF2-40B4-BE49-F238E27FC236}">
+                <a16:creationId xmlns:a16="http://schemas.microsoft.com/office/drawing/2014/main" id="{480BEF39-E2B3-25B4-568C-B80906DDAB67}"/>
+              </a:ext>
+            </a:extLst>
+          </p:cNvPr>
+          <p:cNvGraphicFramePr>
+            <a:graphicFrameLocks noGrp="1"/>
+          </p:cNvGraphicFramePr>
+          <p:nvPr>
+            <p:extLst>
+              <p:ext uri="{D42A27DB-BD31-4B8C-83A1-F6EECF244321}">
+                <p14:modId xmlns:p14="http://schemas.microsoft.com/office/powerpoint/2010/main" val="2382915808"/>
+              </p:ext>
+            </p:extLst>
+          </p:nvPr>
+        </p:nvGraphicFramePr>
+        <p:xfrm>
+          <a:off x="2211695" y="4756122"/>
+          <a:ext cx="8128001" cy="1483360"/>
+        </p:xfrm>
+        <a:graphic>
+          <a:graphicData uri="http://schemas.openxmlformats.org/drawingml/2006/table">
+            <a:tbl>
+              <a:tblPr firstRow="1" firstCol="1" bandRow="1">
+                <a:tableStyleId>{93296810-A885-4BE3-A3E7-6D5BEEA58F35}</a:tableStyleId>
+              </a:tblPr>
+              <a:tblGrid>
+                <a:gridCol w="1172927">
+                  <a:extLst>
+                    <a:ext uri="{9D8B030D-6E8A-4147-A177-3AD203B41FA5}">
+                      <a16:colId xmlns:a16="http://schemas.microsoft.com/office/drawing/2014/main" val="3648885434"/>
+                    </a:ext>
+                  </a:extLst>
+                </a:gridCol>
+                <a:gridCol w="3477537">
+                  <a:extLst>
+                    <a:ext uri="{9D8B030D-6E8A-4147-A177-3AD203B41FA5}">
+                      <a16:colId xmlns:a16="http://schemas.microsoft.com/office/drawing/2014/main" val="2158968510"/>
+                    </a:ext>
+                  </a:extLst>
+                </a:gridCol>
+                <a:gridCol w="3477537">
+                  <a:extLst>
+                    <a:ext uri="{9D8B030D-6E8A-4147-A177-3AD203B41FA5}">
+                      <a16:colId xmlns:a16="http://schemas.microsoft.com/office/drawing/2014/main" val="3880607898"/>
+                    </a:ext>
+                  </a:extLst>
+                </a:gridCol>
+              </a:tblGrid>
+              <a:tr h="370840">
+                <a:tc>
+                  <a:txBody>
+                    <a:bodyPr/>
+                    <a:lstStyle/>
+                    <a:p>
+                      <a:endParaRPr lang="fr-CH" dirty="0"/>
+                    </a:p>
+                  </a:txBody>
+                  <a:tcPr/>
+                </a:tc>
+                <a:tc gridSpan="2">
+                  <a:txBody>
+                    <a:bodyPr/>
+                    <a:lstStyle/>
+                    <a:p>
+                      <a:pPr algn="ctr"/>
+                      <a:r>
+                        <a:rPr lang="fr-FR" dirty="0"/>
+                        <a:t>Plages d’adresses privées</a:t>
+                      </a:r>
+                      <a:endParaRPr lang="fr-CH" dirty="0"/>
+                    </a:p>
+                  </a:txBody>
+                  <a:tcPr/>
+                </a:tc>
+                <a:tc hMerge="1">
+                  <a:txBody>
+                    <a:bodyPr/>
+                    <a:lstStyle/>
+                    <a:p>
+                      <a:endParaRPr lang="fr-CH" dirty="0"/>
+                    </a:p>
+                  </a:txBody>
+                  <a:tcPr/>
+                </a:tc>
+                <a:extLst>
+                  <a:ext uri="{0D108BD9-81ED-4DB2-BD59-A6C34878D82A}">
+                    <a16:rowId xmlns:a16="http://schemas.microsoft.com/office/drawing/2014/main" val="2832320190"/>
+                  </a:ext>
+                </a:extLst>
+              </a:tr>
+              <a:tr h="370840">
+                <a:tc>
+                  <a:txBody>
+                    <a:bodyPr/>
+                    <a:lstStyle/>
+                    <a:p>
+                      <a:r>
+                        <a:rPr lang="fr-FR" dirty="0"/>
+                        <a:t>Classe A</a:t>
+                      </a:r>
+                      <a:endParaRPr lang="fr-CH" dirty="0"/>
+                    </a:p>
+                  </a:txBody>
+                  <a:tcPr/>
+                </a:tc>
+                <a:tc>
+                  <a:txBody>
+                    <a:bodyPr/>
+                    <a:lstStyle/>
+                    <a:p>
+                      <a:r>
+                        <a:rPr lang="fr-FR" dirty="0"/>
+                        <a:t>10.0.0.0</a:t>
+                      </a:r>
+                      <a:endParaRPr lang="fr-CH" dirty="0"/>
+                    </a:p>
+                  </a:txBody>
+                  <a:tcPr/>
+                </a:tc>
+                <a:tc>
+                  <a:txBody>
+                    <a:bodyPr/>
+                    <a:lstStyle/>
+                    <a:p>
+                      <a:r>
+                        <a:rPr lang="fr-FR" dirty="0"/>
+                        <a:t>10.255.255.255</a:t>
+                      </a:r>
+                      <a:endParaRPr lang="fr-CH" dirty="0"/>
+                    </a:p>
+                  </a:txBody>
+                  <a:tcPr/>
+                </a:tc>
+                <a:extLst>
+                  <a:ext uri="{0D108BD9-81ED-4DB2-BD59-A6C34878D82A}">
+                    <a16:rowId xmlns:a16="http://schemas.microsoft.com/office/drawing/2014/main" val="406015839"/>
+                  </a:ext>
+                </a:extLst>
+              </a:tr>
+              <a:tr h="370840">
+                <a:tc>
+                  <a:txBody>
+                    <a:bodyPr/>
+                    <a:lstStyle/>
+                    <a:p>
+                      <a:r>
+                        <a:rPr lang="fr-FR" dirty="0"/>
+                        <a:t>Classe B</a:t>
+                      </a:r>
+                      <a:endParaRPr lang="fr-CH" dirty="0"/>
+                    </a:p>
+                  </a:txBody>
+                  <a:tcPr/>
+                </a:tc>
+                <a:tc>
+                  <a:txBody>
+                    <a:bodyPr/>
+                    <a:lstStyle/>
+                    <a:p>
+                      <a:r>
+                        <a:rPr lang="fr-CH" sz="1800" b="0" kern="1200" dirty="0">
+                          <a:solidFill>
+                            <a:schemeClr val="dk1"/>
+                          </a:solidFill>
+                          <a:effectLst/>
+                        </a:rPr>
+                        <a:t>172.16.0.0</a:t>
+                      </a:r>
+                      <a:endParaRPr lang="fr-CH" dirty="0"/>
+                    </a:p>
+                  </a:txBody>
+                  <a:tcPr/>
+                </a:tc>
+                <a:tc>
+                  <a:txBody>
+                    <a:bodyPr/>
+                    <a:lstStyle/>
+                    <a:p>
+                      <a:r>
+                        <a:rPr lang="fr-CH" sz="1800" b="0" kern="1200" dirty="0">
+                          <a:solidFill>
+                            <a:schemeClr val="dk1"/>
+                          </a:solidFill>
+                          <a:effectLst/>
+                        </a:rPr>
+                        <a:t>172.31.0.0</a:t>
+                      </a:r>
+                      <a:endParaRPr lang="fr-CH" dirty="0"/>
+                    </a:p>
+                  </a:txBody>
+                  <a:tcPr/>
+                </a:tc>
+                <a:extLst>
+                  <a:ext uri="{0D108BD9-81ED-4DB2-BD59-A6C34878D82A}">
+                    <a16:rowId xmlns:a16="http://schemas.microsoft.com/office/drawing/2014/main" val="4269024155"/>
+                  </a:ext>
+                </a:extLst>
+              </a:tr>
+              <a:tr h="370840">
+                <a:tc>
+                  <a:txBody>
+                    <a:bodyPr/>
+                    <a:lstStyle/>
+                    <a:p>
+                      <a:r>
+                        <a:rPr lang="fr-FR" dirty="0"/>
+                        <a:t>Classe C</a:t>
+                      </a:r>
+                      <a:endParaRPr lang="fr-CH" dirty="0"/>
+                    </a:p>
+                  </a:txBody>
+                  <a:tcPr/>
+                </a:tc>
+                <a:tc>
+                  <a:txBody>
+                    <a:bodyPr/>
+                    <a:lstStyle/>
+                    <a:p>
+                      <a:r>
+                        <a:rPr lang="fr-CH" sz="1800" b="0" kern="1200" dirty="0">
+                          <a:solidFill>
+                            <a:schemeClr val="dk1"/>
+                          </a:solidFill>
+                          <a:effectLst/>
+                        </a:rPr>
+                        <a:t>192.168.0.0</a:t>
+                      </a:r>
+                      <a:endParaRPr lang="fr-CH" dirty="0"/>
+                    </a:p>
+                  </a:txBody>
+                  <a:tcPr/>
+                </a:tc>
+                <a:tc>
+                  <a:txBody>
+                    <a:bodyPr/>
+                    <a:lstStyle/>
+                    <a:p>
+                      <a:r>
+                        <a:rPr lang="fr-CH" sz="1800" b="0" kern="1200" dirty="0">
+                          <a:solidFill>
+                            <a:schemeClr val="dk1"/>
+                          </a:solidFill>
+                          <a:effectLst/>
+                        </a:rPr>
+                        <a:t>192.168.255.255</a:t>
+                      </a:r>
+                      <a:endParaRPr lang="fr-CH" dirty="0"/>
+                    </a:p>
+                  </a:txBody>
+                  <a:tcPr/>
+                </a:tc>
+                <a:extLst>
+                  <a:ext uri="{0D108BD9-81ED-4DB2-BD59-A6C34878D82A}">
+                    <a16:rowId xmlns:a16="http://schemas.microsoft.com/office/drawing/2014/main" val="3119981469"/>
+                  </a:ext>
+                </a:extLst>
+              </a:tr>
+            </a:tbl>
+          </a:graphicData>
+        </a:graphic>
+      </p:graphicFrame>
     </p:spTree>
     <p:extLst>
       <p:ext uri="{BB962C8B-B14F-4D97-AF65-F5344CB8AC3E}">
@@ -21050,7 +24321,12 @@
             <p:ph type="title"/>
           </p:nvPr>
         </p:nvSpPr>
-        <p:spPr/>
+        <p:spPr>
+          <a:xfrm>
+            <a:off x="1141413" y="618518"/>
+            <a:ext cx="9905998" cy="1056374"/>
+          </a:xfrm>
+        </p:spPr>
         <p:txBody>
           <a:bodyPr/>
           <a:lstStyle/>
@@ -21079,7 +24355,12 @@
             <p:ph idx="1"/>
           </p:nvPr>
         </p:nvSpPr>
-        <p:spPr/>
+        <p:spPr>
+          <a:xfrm>
+            <a:off x="1141412" y="1674892"/>
+            <a:ext cx="9905999" cy="4879818"/>
+          </a:xfrm>
+        </p:spPr>
         <p:txBody>
           <a:bodyPr>
             <a:normAutofit fontScale="70000" lnSpcReduction="20000"/>
@@ -21143,7 +24424,27 @@
             <a:pPr lvl="1"/>
             <a:r>
               <a:rPr lang="fr-CH" b="1" dirty="0"/>
+              <a:t>Les parties d’une adresse IP</a:t>
+            </a:r>
+          </a:p>
+          <a:p>
+            <a:pPr lvl="1"/>
+            <a:r>
+              <a:rPr lang="fr-CH" b="1" dirty="0"/>
               <a:t>Comment choisir son masque?</a:t>
+            </a:r>
+          </a:p>
+          <a:p>
+            <a:pPr lvl="1"/>
+            <a:r>
+              <a:rPr lang="fr-CH" b="1" dirty="0"/>
+              <a:t>Comment écrire un masque?</a:t>
+            </a:r>
+          </a:p>
+          <a:p>
+            <a:r>
+              <a:rPr lang="fr-CH" b="1" dirty="0"/>
+              <a:t>Complexifier un réseau</a:t>
             </a:r>
           </a:p>
           <a:p>
@@ -21157,7 +24458,21 @@
             <a:pPr lvl="1"/>
             <a:r>
               <a:rPr lang="fr-CH" b="1" dirty="0"/>
-              <a:t>Les routes</a:t>
+              <a:t>Les routes: c’est quoi?</a:t>
+            </a:r>
+          </a:p>
+          <a:p>
+            <a:pPr lvl="1"/>
+            <a:r>
+              <a:rPr lang="fr-CH" b="1" dirty="0"/>
+              <a:t>Les routes: comment les construire?</a:t>
+            </a:r>
+          </a:p>
+          <a:p>
+            <a:pPr lvl="1"/>
+            <a:r>
+              <a:rPr lang="fr-CH" b="1" dirty="0"/>
+              <a:t>Connecter son réseau à internet</a:t>
             </a:r>
           </a:p>
           <a:p>
@@ -22205,7 +25520,7 @@
           <a:p>
             <a:r>
               <a:rPr lang="fr-FR" dirty="0"/>
-              <a:t>Internet est un « méta » réseau qui regroupe tous les autres réseaux. On y accède donc également via le protocole TCP/IP</a:t>
+              <a:t>Internet est un « méta » réseau qui regroupe tous les autres réseaux. On y accède donc également via le protocole TCP/IP.</a:t>
             </a:r>
           </a:p>
         </p:txBody>

--- a/Adressage ip.pptx
+++ b/Adressage ip.pptx
@@ -5,7 +5,7 @@
     <p:sldMasterId id="2147483648" r:id="rId1"/>
   </p:sldMasterIdLst>
   <p:notesMasterIdLst>
-    <p:notesMasterId r:id="rId21"/>
+    <p:notesMasterId r:id="rId22"/>
   </p:notesMasterIdLst>
   <p:sldIdLst>
     <p:sldId id="256" r:id="rId2"/>
@@ -24,9 +24,10 @@
     <p:sldId id="275" r:id="rId15"/>
     <p:sldId id="270" r:id="rId16"/>
     <p:sldId id="268" r:id="rId17"/>
-    <p:sldId id="271" r:id="rId18"/>
-    <p:sldId id="277" r:id="rId19"/>
+    <p:sldId id="277" r:id="rId18"/>
+    <p:sldId id="271" r:id="rId19"/>
     <p:sldId id="269" r:id="rId20"/>
+    <p:sldId id="278" r:id="rId21"/>
   </p:sldIdLst>
   <p:sldSz cx="12192000" cy="6858000"/>
   <p:notesSz cx="6858000" cy="9144000"/>
@@ -215,7 +216,7 @@
           <a:p>
             <a:fld id="{880AD81D-A0AD-4219-98DA-75D3EF80A6A9}" type="datetimeFigureOut">
               <a:rPr lang="fr-CH" smtClean="0"/>
-              <a:t>14.08.2025</a:t>
+              <a:t>20.08.2025</a:t>
             </a:fld>
             <a:endParaRPr lang="fr-CH"/>
           </a:p>
@@ -548,7 +549,91 @@
           <a:p>
             <a:fld id="{3D582766-26E7-48A2-BF64-CFD893C580DE}" type="slidenum">
               <a:rPr lang="fr-CH" smtClean="0"/>
-              <a:t>17</a:t>
+              <a:t>13</a:t>
+            </a:fld>
+            <a:endParaRPr lang="fr-CH"/>
+          </a:p>
+        </p:txBody>
+      </p:sp>
+    </p:spTree>
+    <p:extLst>
+      <p:ext uri="{BB962C8B-B14F-4D97-AF65-F5344CB8AC3E}">
+        <p14:creationId xmlns:p14="http://schemas.microsoft.com/office/powerpoint/2010/main" val="2847202338"/>
+      </p:ext>
+    </p:extLst>
+  </p:cSld>
+  <p:clrMapOvr>
+    <a:masterClrMapping/>
+  </p:clrMapOvr>
+</p:notes>
+</file>
+
+<file path=ppt/notesSlides/notesSlide2.xml><?xml version="1.0" encoding="utf-8"?>
+<p:notes xmlns:a="http://schemas.openxmlformats.org/drawingml/2006/main" xmlns:r="http://schemas.openxmlformats.org/officeDocument/2006/relationships" xmlns:p="http://schemas.openxmlformats.org/presentationml/2006/main">
+  <p:cSld>
+    <p:spTree>
+      <p:nvGrpSpPr>
+        <p:cNvPr id="1" name=""/>
+        <p:cNvGrpSpPr/>
+        <p:nvPr/>
+      </p:nvGrpSpPr>
+      <p:grpSpPr>
+        <a:xfrm>
+          <a:off x="0" y="0"/>
+          <a:ext cx="0" cy="0"/>
+          <a:chOff x="0" y="0"/>
+          <a:chExt cx="0" cy="0"/>
+        </a:xfrm>
+      </p:grpSpPr>
+      <p:sp>
+        <p:nvSpPr>
+          <p:cNvPr id="2" name="Espace réservé de l'image des diapositives 1"/>
+          <p:cNvSpPr>
+            <a:spLocks noGrp="1" noRot="1" noChangeAspect="1"/>
+          </p:cNvSpPr>
+          <p:nvPr>
+            <p:ph type="sldImg"/>
+          </p:nvPr>
+        </p:nvSpPr>
+        <p:spPr/>
+      </p:sp>
+      <p:sp>
+        <p:nvSpPr>
+          <p:cNvPr id="3" name="Espace réservé des notes 2"/>
+          <p:cNvSpPr>
+            <a:spLocks noGrp="1"/>
+          </p:cNvSpPr>
+          <p:nvPr>
+            <p:ph type="body" idx="1"/>
+          </p:nvPr>
+        </p:nvSpPr>
+        <p:spPr/>
+        <p:txBody>
+          <a:bodyPr/>
+          <a:lstStyle/>
+          <a:p>
+            <a:endParaRPr lang="fr-CH" dirty="0"/>
+          </a:p>
+        </p:txBody>
+      </p:sp>
+      <p:sp>
+        <p:nvSpPr>
+          <p:cNvPr id="4" name="Espace réservé du numéro de diapositive 3"/>
+          <p:cNvSpPr>
+            <a:spLocks noGrp="1"/>
+          </p:cNvSpPr>
+          <p:nvPr>
+            <p:ph type="sldNum" sz="quarter" idx="5"/>
+          </p:nvPr>
+        </p:nvSpPr>
+        <p:spPr/>
+        <p:txBody>
+          <a:bodyPr/>
+          <a:lstStyle/>
+          <a:p>
+            <a:fld id="{3D582766-26E7-48A2-BF64-CFD893C580DE}" type="slidenum">
+              <a:rPr lang="fr-CH" smtClean="0"/>
+              <a:t>18</a:t>
             </a:fld>
             <a:endParaRPr lang="fr-CH"/>
           </a:p>
@@ -617,7 +702,7 @@
           <a:noFill/>
           <a:extLst>
             <a:ext uri="{909E8E84-426E-40dd-AFC4-6F175D3DCCD1}">
-              <a14:hiddenFill xmlns="" xmlns:a14="http://schemas.microsoft.com/office/drawing/2010/main">
+              <a14:hiddenFill xmlns:a14="http://schemas.microsoft.com/office/drawing/2010/main" xmlns="">
                 <a:solidFill>
                   <a:srgbClr val="FFFFFF"/>
                 </a:solidFill>
@@ -677,7 +762,7 @@
             </a:ln>
             <a:extLst>
               <a:ext uri="{91240B29-F687-4f45-9708-019B960494DF}">
-                <a14:hiddenLine xmlns="" xmlns:a14="http://schemas.microsoft.com/office/drawing/2010/main" w="9525">
+                <a14:hiddenLine xmlns:a14="http://schemas.microsoft.com/office/drawing/2010/main" xmlns="" w="9525">
                   <a:solidFill>
                     <a:srgbClr val="000000"/>
                   </a:solidFill>
@@ -767,7 +852,7 @@
             </a:ln>
             <a:extLst>
               <a:ext uri="{91240B29-F687-4f45-9708-019B960494DF}">
-                <a14:hiddenLine xmlns="" xmlns:a14="http://schemas.microsoft.com/office/drawing/2010/main" w="9525">
+                <a14:hiddenLine xmlns:a14="http://schemas.microsoft.com/office/drawing/2010/main" xmlns="" w="9525">
                   <a:solidFill>
                     <a:srgbClr val="000000"/>
                   </a:solidFill>
@@ -857,7 +942,7 @@
             </a:ln>
             <a:extLst>
               <a:ext uri="{91240B29-F687-4f45-9708-019B960494DF}">
-                <a14:hiddenLine xmlns="" xmlns:a14="http://schemas.microsoft.com/office/drawing/2010/main" w="9525">
+                <a14:hiddenLine xmlns:a14="http://schemas.microsoft.com/office/drawing/2010/main" xmlns="" w="9525">
                   <a:solidFill>
                     <a:srgbClr val="000000"/>
                   </a:solidFill>
@@ -891,7 +976,7 @@
             </a:ln>
             <a:extLst>
               <a:ext uri="{91240B29-F687-4f45-9708-019B960494DF}">
-                <a14:hiddenLine xmlns="" xmlns:a14="http://schemas.microsoft.com/office/drawing/2010/main" w="9525">
+                <a14:hiddenLine xmlns:a14="http://schemas.microsoft.com/office/drawing/2010/main" xmlns="" w="9525">
                   <a:solidFill>
                     <a:srgbClr val="000000"/>
                   </a:solidFill>
@@ -981,7 +1066,7 @@
             </a:ln>
             <a:extLst>
               <a:ext uri="{91240B29-F687-4f45-9708-019B960494DF}">
-                <a14:hiddenLine xmlns="" xmlns:a14="http://schemas.microsoft.com/office/drawing/2010/main" w="9525">
+                <a14:hiddenLine xmlns:a14="http://schemas.microsoft.com/office/drawing/2010/main" xmlns="" w="9525">
                   <a:solidFill>
                     <a:srgbClr val="000000"/>
                   </a:solidFill>
@@ -1043,7 +1128,7 @@
             </a:ln>
             <a:extLst>
               <a:ext uri="{91240B29-F687-4f45-9708-019B960494DF}">
-                <a14:hiddenLine xmlns="" xmlns:a14="http://schemas.microsoft.com/office/drawing/2010/main" w="9525">
+                <a14:hiddenLine xmlns:a14="http://schemas.microsoft.com/office/drawing/2010/main" xmlns="" w="9525">
                   <a:solidFill>
                     <a:srgbClr val="000000"/>
                   </a:solidFill>
@@ -1105,7 +1190,7 @@
             </a:ln>
             <a:extLst>
               <a:ext uri="{91240B29-F687-4f45-9708-019B960494DF}">
-                <a14:hiddenLine xmlns="" xmlns:a14="http://schemas.microsoft.com/office/drawing/2010/main" w="9525">
+                <a14:hiddenLine xmlns:a14="http://schemas.microsoft.com/office/drawing/2010/main" xmlns="" w="9525">
                   <a:solidFill>
                     <a:srgbClr val="000000"/>
                   </a:solidFill>
@@ -1195,7 +1280,7 @@
             </a:ln>
             <a:extLst>
               <a:ext uri="{91240B29-F687-4f45-9708-019B960494DF}">
-                <a14:hiddenLine xmlns="" xmlns:a14="http://schemas.microsoft.com/office/drawing/2010/main" w="9525">
+                <a14:hiddenLine xmlns:a14="http://schemas.microsoft.com/office/drawing/2010/main" xmlns="" w="9525">
                   <a:solidFill>
                     <a:srgbClr val="000000"/>
                   </a:solidFill>
@@ -1257,7 +1342,7 @@
             </a:ln>
             <a:extLst>
               <a:ext uri="{91240B29-F687-4f45-9708-019B960494DF}">
-                <a14:hiddenLine xmlns="" xmlns:a14="http://schemas.microsoft.com/office/drawing/2010/main" w="9525">
+                <a14:hiddenLine xmlns:a14="http://schemas.microsoft.com/office/drawing/2010/main" xmlns="" w="9525">
                   <a:solidFill>
                     <a:srgbClr val="000000"/>
                   </a:solidFill>
@@ -1319,7 +1404,7 @@
             </a:ln>
             <a:extLst>
               <a:ext uri="{91240B29-F687-4f45-9708-019B960494DF}">
-                <a14:hiddenLine xmlns="" xmlns:a14="http://schemas.microsoft.com/office/drawing/2010/main" w="9525">
+                <a14:hiddenLine xmlns:a14="http://schemas.microsoft.com/office/drawing/2010/main" xmlns="" w="9525">
                   <a:solidFill>
                     <a:srgbClr val="000000"/>
                   </a:solidFill>
@@ -1409,7 +1494,7 @@
             </a:ln>
             <a:extLst>
               <a:ext uri="{91240B29-F687-4f45-9708-019B960494DF}">
-                <a14:hiddenLine xmlns="" xmlns:a14="http://schemas.microsoft.com/office/drawing/2010/main" w="9525">
+                <a14:hiddenLine xmlns:a14="http://schemas.microsoft.com/office/drawing/2010/main" xmlns="" w="9525">
                   <a:solidFill>
                     <a:srgbClr val="000000"/>
                   </a:solidFill>
@@ -1499,7 +1584,7 @@
             </a:ln>
             <a:extLst>
               <a:ext uri="{91240B29-F687-4f45-9708-019B960494DF}">
-                <a14:hiddenLine xmlns="" xmlns:a14="http://schemas.microsoft.com/office/drawing/2010/main" w="9525">
+                <a14:hiddenLine xmlns:a14="http://schemas.microsoft.com/office/drawing/2010/main" xmlns="" w="9525">
                   <a:solidFill>
                     <a:srgbClr val="000000"/>
                   </a:solidFill>
@@ -1561,7 +1646,7 @@
             </a:ln>
             <a:extLst>
               <a:ext uri="{91240B29-F687-4f45-9708-019B960494DF}">
-                <a14:hiddenLine xmlns="" xmlns:a14="http://schemas.microsoft.com/office/drawing/2010/main" w="9525">
+                <a14:hiddenLine xmlns:a14="http://schemas.microsoft.com/office/drawing/2010/main" xmlns="" w="9525">
                   <a:solidFill>
                     <a:srgbClr val="000000"/>
                   </a:solidFill>
@@ -1671,7 +1756,7 @@
             </a:ln>
             <a:extLst>
               <a:ext uri="{91240B29-F687-4f45-9708-019B960494DF}">
-                <a14:hiddenLine xmlns="" xmlns:a14="http://schemas.microsoft.com/office/drawing/2010/main" w="9525">
+                <a14:hiddenLine xmlns:a14="http://schemas.microsoft.com/office/drawing/2010/main" xmlns="" w="9525">
                   <a:solidFill>
                     <a:srgbClr val="000000"/>
                   </a:solidFill>
@@ -1733,7 +1818,7 @@
             </a:ln>
             <a:extLst>
               <a:ext uri="{91240B29-F687-4f45-9708-019B960494DF}">
-                <a14:hiddenLine xmlns="" xmlns:a14="http://schemas.microsoft.com/office/drawing/2010/main" w="9525">
+                <a14:hiddenLine xmlns:a14="http://schemas.microsoft.com/office/drawing/2010/main" xmlns="" w="9525">
                   <a:solidFill>
                     <a:srgbClr val="000000"/>
                   </a:solidFill>
@@ -1823,7 +1908,7 @@
             </a:ln>
             <a:extLst>
               <a:ext uri="{91240B29-F687-4f45-9708-019B960494DF}">
-                <a14:hiddenLine xmlns="" xmlns:a14="http://schemas.microsoft.com/office/drawing/2010/main" w="9525">
+                <a14:hiddenLine xmlns:a14="http://schemas.microsoft.com/office/drawing/2010/main" xmlns="" w="9525">
                   <a:solidFill>
                     <a:srgbClr val="000000"/>
                   </a:solidFill>
@@ -1913,7 +1998,7 @@
             </a:ln>
             <a:extLst>
               <a:ext uri="{91240B29-F687-4f45-9708-019B960494DF}">
-                <a14:hiddenLine xmlns="" xmlns:a14="http://schemas.microsoft.com/office/drawing/2010/main" w="9525">
+                <a14:hiddenLine xmlns:a14="http://schemas.microsoft.com/office/drawing/2010/main" xmlns="" w="9525">
                   <a:solidFill>
                     <a:srgbClr val="000000"/>
                   </a:solidFill>
@@ -1975,7 +2060,7 @@
             </a:ln>
             <a:extLst>
               <a:ext uri="{91240B29-F687-4f45-9708-019B960494DF}">
-                <a14:hiddenLine xmlns="" xmlns:a14="http://schemas.microsoft.com/office/drawing/2010/main" w="9525">
+                <a14:hiddenLine xmlns:a14="http://schemas.microsoft.com/office/drawing/2010/main" xmlns="" w="9525">
                   <a:solidFill>
                     <a:srgbClr val="000000"/>
                   </a:solidFill>
@@ -2065,7 +2150,7 @@
             </a:ln>
             <a:extLst>
               <a:ext uri="{91240B29-F687-4f45-9708-019B960494DF}">
-                <a14:hiddenLine xmlns="" xmlns:a14="http://schemas.microsoft.com/office/drawing/2010/main" w="9525">
+                <a14:hiddenLine xmlns:a14="http://schemas.microsoft.com/office/drawing/2010/main" xmlns="" w="9525">
                   <a:solidFill>
                     <a:srgbClr val="000000"/>
                   </a:solidFill>
@@ -2155,7 +2240,7 @@
             </a:ln>
             <a:extLst>
               <a:ext uri="{91240B29-F687-4f45-9708-019B960494DF}">
-                <a14:hiddenLine xmlns="" xmlns:a14="http://schemas.microsoft.com/office/drawing/2010/main" w="9525">
+                <a14:hiddenLine xmlns:a14="http://schemas.microsoft.com/office/drawing/2010/main" xmlns="" w="9525">
                   <a:solidFill>
                     <a:srgbClr val="000000"/>
                   </a:solidFill>
@@ -2211,7 +2296,7 @@
             </a:ln>
             <a:extLst>
               <a:ext uri="{91240B29-F687-4f45-9708-019B960494DF}">
-                <a14:hiddenLine xmlns="" xmlns:a14="http://schemas.microsoft.com/office/drawing/2010/main" w="9525">
+                <a14:hiddenLine xmlns:a14="http://schemas.microsoft.com/office/drawing/2010/main" xmlns="" w="9525">
                   <a:solidFill>
                     <a:srgbClr val="000000"/>
                   </a:solidFill>
@@ -2301,7 +2386,7 @@
             </a:ln>
             <a:extLst>
               <a:ext uri="{91240B29-F687-4f45-9708-019B960494DF}">
-                <a14:hiddenLine xmlns="" xmlns:a14="http://schemas.microsoft.com/office/drawing/2010/main" w="9525">
+                <a14:hiddenLine xmlns:a14="http://schemas.microsoft.com/office/drawing/2010/main" xmlns="" w="9525">
                   <a:solidFill>
                     <a:srgbClr val="000000"/>
                   </a:solidFill>
@@ -2357,7 +2442,7 @@
             </a:ln>
             <a:extLst>
               <a:ext uri="{91240B29-F687-4f45-9708-019B960494DF}">
-                <a14:hiddenLine xmlns="" xmlns:a14="http://schemas.microsoft.com/office/drawing/2010/main" w="9525">
+                <a14:hiddenLine xmlns:a14="http://schemas.microsoft.com/office/drawing/2010/main" xmlns="" w="9525">
                   <a:solidFill>
                     <a:srgbClr val="000000"/>
                   </a:solidFill>
@@ -2447,7 +2532,7 @@
             </a:ln>
             <a:extLst>
               <a:ext uri="{91240B29-F687-4f45-9708-019B960494DF}">
-                <a14:hiddenLine xmlns="" xmlns:a14="http://schemas.microsoft.com/office/drawing/2010/main" w="9525">
+                <a14:hiddenLine xmlns:a14="http://schemas.microsoft.com/office/drawing/2010/main" xmlns="" w="9525">
                   <a:solidFill>
                     <a:srgbClr val="000000"/>
                   </a:solidFill>
@@ -2515,7 +2600,7 @@
             </a:ln>
             <a:extLst>
               <a:ext uri="{91240B29-F687-4f45-9708-019B960494DF}">
-                <a14:hiddenLine xmlns="" xmlns:a14="http://schemas.microsoft.com/office/drawing/2010/main" w="9525">
+                <a14:hiddenLine xmlns:a14="http://schemas.microsoft.com/office/drawing/2010/main" xmlns="" w="9525">
                   <a:solidFill>
                     <a:srgbClr val="000000"/>
                   </a:solidFill>
@@ -2605,7 +2690,7 @@
             </a:ln>
             <a:extLst>
               <a:ext uri="{91240B29-F687-4f45-9708-019B960494DF}">
-                <a14:hiddenLine xmlns="" xmlns:a14="http://schemas.microsoft.com/office/drawing/2010/main" w="9525">
+                <a14:hiddenLine xmlns:a14="http://schemas.microsoft.com/office/drawing/2010/main" xmlns="" w="9525">
                   <a:solidFill>
                     <a:srgbClr val="000000"/>
                   </a:solidFill>
@@ -2673,7 +2758,7 @@
             </a:ln>
             <a:extLst>
               <a:ext uri="{91240B29-F687-4f45-9708-019B960494DF}">
-                <a14:hiddenLine xmlns="" xmlns:a14="http://schemas.microsoft.com/office/drawing/2010/main" w="9525">
+                <a14:hiddenLine xmlns:a14="http://schemas.microsoft.com/office/drawing/2010/main" xmlns="" w="9525">
                   <a:solidFill>
                     <a:srgbClr val="000000"/>
                   </a:solidFill>
@@ -2763,7 +2848,7 @@
             </a:ln>
             <a:extLst>
               <a:ext uri="{91240B29-F687-4f45-9708-019B960494DF}">
-                <a14:hiddenLine xmlns="" xmlns:a14="http://schemas.microsoft.com/office/drawing/2010/main" w="9525">
+                <a14:hiddenLine xmlns:a14="http://schemas.microsoft.com/office/drawing/2010/main" xmlns="" w="9525">
                   <a:solidFill>
                     <a:srgbClr val="000000"/>
                   </a:solidFill>
@@ -2797,7 +2882,7 @@
             </a:ln>
             <a:extLst>
               <a:ext uri="{91240B29-F687-4f45-9708-019B960494DF}">
-                <a14:hiddenLine xmlns="" xmlns:a14="http://schemas.microsoft.com/office/drawing/2010/main" w="9525">
+                <a14:hiddenLine xmlns:a14="http://schemas.microsoft.com/office/drawing/2010/main" xmlns="" w="9525">
                   <a:solidFill>
                     <a:srgbClr val="000000"/>
                   </a:solidFill>
@@ -2887,7 +2972,7 @@
             </a:ln>
             <a:extLst>
               <a:ext uri="{91240B29-F687-4f45-9708-019B960494DF}">
-                <a14:hiddenLine xmlns="" xmlns:a14="http://schemas.microsoft.com/office/drawing/2010/main" w="9525">
+                <a14:hiddenLine xmlns:a14="http://schemas.microsoft.com/office/drawing/2010/main" xmlns="" w="9525">
                   <a:solidFill>
                     <a:srgbClr val="000000"/>
                   </a:solidFill>
@@ -2949,7 +3034,7 @@
             </a:ln>
             <a:extLst>
               <a:ext uri="{91240B29-F687-4f45-9708-019B960494DF}">
-                <a14:hiddenLine xmlns="" xmlns:a14="http://schemas.microsoft.com/office/drawing/2010/main" w="9525">
+                <a14:hiddenLine xmlns:a14="http://schemas.microsoft.com/office/drawing/2010/main" xmlns="" w="9525">
                   <a:solidFill>
                     <a:srgbClr val="000000"/>
                   </a:solidFill>
@@ -3011,7 +3096,7 @@
             </a:ln>
             <a:extLst>
               <a:ext uri="{91240B29-F687-4f45-9708-019B960494DF}">
-                <a14:hiddenLine xmlns="" xmlns:a14="http://schemas.microsoft.com/office/drawing/2010/main" w="9525">
+                <a14:hiddenLine xmlns:a14="http://schemas.microsoft.com/office/drawing/2010/main" xmlns="" w="9525">
                   <a:solidFill>
                     <a:srgbClr val="000000"/>
                   </a:solidFill>
@@ -3101,7 +3186,7 @@
             </a:ln>
             <a:extLst>
               <a:ext uri="{91240B29-F687-4f45-9708-019B960494DF}">
-                <a14:hiddenLine xmlns="" xmlns:a14="http://schemas.microsoft.com/office/drawing/2010/main" w="9525">
+                <a14:hiddenLine xmlns:a14="http://schemas.microsoft.com/office/drawing/2010/main" xmlns="" w="9525">
                   <a:solidFill>
                     <a:srgbClr val="000000"/>
                   </a:solidFill>
@@ -3169,7 +3254,7 @@
             </a:ln>
             <a:extLst>
               <a:ext uri="{91240B29-F687-4f45-9708-019B960494DF}">
-                <a14:hiddenLine xmlns="" xmlns:a14="http://schemas.microsoft.com/office/drawing/2010/main" w="9525">
+                <a14:hiddenLine xmlns:a14="http://schemas.microsoft.com/office/drawing/2010/main" xmlns="" w="9525">
                   <a:solidFill>
                     <a:srgbClr val="000000"/>
                   </a:solidFill>
@@ -3231,7 +3316,7 @@
             </a:ln>
             <a:extLst>
               <a:ext uri="{91240B29-F687-4f45-9708-019B960494DF}">
-                <a14:hiddenLine xmlns="" xmlns:a14="http://schemas.microsoft.com/office/drawing/2010/main" w="9525">
+                <a14:hiddenLine xmlns:a14="http://schemas.microsoft.com/office/drawing/2010/main" xmlns="" w="9525">
                   <a:solidFill>
                     <a:srgbClr val="000000"/>
                   </a:solidFill>
@@ -3321,7 +3406,7 @@
             </a:ln>
             <a:extLst>
               <a:ext uri="{91240B29-F687-4f45-9708-019B960494DF}">
-                <a14:hiddenLine xmlns="" xmlns:a14="http://schemas.microsoft.com/office/drawing/2010/main" w="9525">
+                <a14:hiddenLine xmlns:a14="http://schemas.microsoft.com/office/drawing/2010/main" xmlns="" w="9525">
                   <a:solidFill>
                     <a:srgbClr val="000000"/>
                   </a:solidFill>
@@ -3383,7 +3468,7 @@
             </a:ln>
             <a:extLst>
               <a:ext uri="{91240B29-F687-4f45-9708-019B960494DF}">
-                <a14:hiddenLine xmlns="" xmlns:a14="http://schemas.microsoft.com/office/drawing/2010/main" w="9525">
+                <a14:hiddenLine xmlns:a14="http://schemas.microsoft.com/office/drawing/2010/main" xmlns="" w="9525">
                   <a:solidFill>
                     <a:srgbClr val="000000"/>
                   </a:solidFill>
@@ -3473,7 +3558,7 @@
             </a:ln>
             <a:extLst>
               <a:ext uri="{91240B29-F687-4f45-9708-019B960494DF}">
-                <a14:hiddenLine xmlns="" xmlns:a14="http://schemas.microsoft.com/office/drawing/2010/main" w="9525">
+                <a14:hiddenLine xmlns:a14="http://schemas.microsoft.com/office/drawing/2010/main" xmlns="" w="9525">
                   <a:solidFill>
                     <a:srgbClr val="000000"/>
                   </a:solidFill>
@@ -3535,7 +3620,7 @@
             </a:ln>
             <a:extLst>
               <a:ext uri="{91240B29-F687-4f45-9708-019B960494DF}">
-                <a14:hiddenLine xmlns="" xmlns:a14="http://schemas.microsoft.com/office/drawing/2010/main" w="9525">
+                <a14:hiddenLine xmlns:a14="http://schemas.microsoft.com/office/drawing/2010/main" xmlns="" w="9525">
                   <a:solidFill>
                     <a:srgbClr val="000000"/>
                   </a:solidFill>
@@ -3625,7 +3710,7 @@
             </a:ln>
             <a:extLst>
               <a:ext uri="{91240B29-F687-4f45-9708-019B960494DF}">
-                <a14:hiddenLine xmlns="" xmlns:a14="http://schemas.microsoft.com/office/drawing/2010/main" w="9525">
+                <a14:hiddenLine xmlns:a14="http://schemas.microsoft.com/office/drawing/2010/main" xmlns="" w="9525">
                   <a:solidFill>
                     <a:srgbClr val="000000"/>
                   </a:solidFill>
@@ -3659,7 +3744,7 @@
             </a:ln>
             <a:extLst>
               <a:ext uri="{91240B29-F687-4f45-9708-019B960494DF}">
-                <a14:hiddenLine xmlns="" xmlns:a14="http://schemas.microsoft.com/office/drawing/2010/main" w="9525">
+                <a14:hiddenLine xmlns:a14="http://schemas.microsoft.com/office/drawing/2010/main" xmlns="" w="9525">
                   <a:solidFill>
                     <a:srgbClr val="000000"/>
                   </a:solidFill>
@@ -3724,7 +3809,7 @@
             </a:ln>
             <a:extLst>
               <a:ext uri="{91240B29-F687-4f45-9708-019B960494DF}">
-                <a14:hiddenLine xmlns="" xmlns:a14="http://schemas.microsoft.com/office/drawing/2010/main" w="9525">
+                <a14:hiddenLine xmlns:a14="http://schemas.microsoft.com/office/drawing/2010/main" xmlns="" w="9525">
                   <a:solidFill>
                     <a:srgbClr val="000000"/>
                   </a:solidFill>
@@ -3814,7 +3899,7 @@
             </a:ln>
             <a:extLst>
               <a:ext uri="{91240B29-F687-4f45-9708-019B960494DF}">
-                <a14:hiddenLine xmlns="" xmlns:a14="http://schemas.microsoft.com/office/drawing/2010/main" w="9525">
+                <a14:hiddenLine xmlns:a14="http://schemas.microsoft.com/office/drawing/2010/main" xmlns="" w="9525">
                   <a:solidFill>
                     <a:srgbClr val="000000"/>
                   </a:solidFill>
@@ -3876,7 +3961,7 @@
             </a:ln>
             <a:extLst>
               <a:ext uri="{91240B29-F687-4f45-9708-019B960494DF}">
-                <a14:hiddenLine xmlns="" xmlns:a14="http://schemas.microsoft.com/office/drawing/2010/main" w="9525">
+                <a14:hiddenLine xmlns:a14="http://schemas.microsoft.com/office/drawing/2010/main" xmlns="" w="9525">
                   <a:solidFill>
                     <a:srgbClr val="000000"/>
                   </a:solidFill>
@@ -3966,7 +4051,7 @@
             </a:ln>
             <a:extLst>
               <a:ext uri="{91240B29-F687-4f45-9708-019B960494DF}">
-                <a14:hiddenLine xmlns="" xmlns:a14="http://schemas.microsoft.com/office/drawing/2010/main" w="9525">
+                <a14:hiddenLine xmlns:a14="http://schemas.microsoft.com/office/drawing/2010/main" xmlns="" w="9525">
                   <a:solidFill>
                     <a:srgbClr val="000000"/>
                   </a:solidFill>
@@ -4056,7 +4141,7 @@
             </a:ln>
             <a:extLst>
               <a:ext uri="{91240B29-F687-4f45-9708-019B960494DF}">
-                <a14:hiddenLine xmlns="" xmlns:a14="http://schemas.microsoft.com/office/drawing/2010/main" w="9525">
+                <a14:hiddenLine xmlns:a14="http://schemas.microsoft.com/office/drawing/2010/main" xmlns="" w="9525">
                   <a:solidFill>
                     <a:srgbClr val="000000"/>
                   </a:solidFill>
@@ -4121,7 +4206,7 @@
             </a:ln>
             <a:extLst>
               <a:ext uri="{91240B29-F687-4f45-9708-019B960494DF}">
-                <a14:hiddenLine xmlns="" xmlns:a14="http://schemas.microsoft.com/office/drawing/2010/main" w="9525">
+                <a14:hiddenLine xmlns:a14="http://schemas.microsoft.com/office/drawing/2010/main" xmlns="" w="9525">
                   <a:solidFill>
                     <a:srgbClr val="000000"/>
                   </a:solidFill>
@@ -4183,7 +4268,7 @@
             </a:ln>
             <a:extLst>
               <a:ext uri="{91240B29-F687-4f45-9708-019B960494DF}">
-                <a14:hiddenLine xmlns="" xmlns:a14="http://schemas.microsoft.com/office/drawing/2010/main" w="9525">
+                <a14:hiddenLine xmlns:a14="http://schemas.microsoft.com/office/drawing/2010/main" xmlns="" w="9525">
                   <a:solidFill>
                     <a:srgbClr val="000000"/>
                   </a:solidFill>
@@ -4273,7 +4358,7 @@
             </a:ln>
             <a:extLst>
               <a:ext uri="{91240B29-F687-4f45-9708-019B960494DF}">
-                <a14:hiddenLine xmlns="" xmlns:a14="http://schemas.microsoft.com/office/drawing/2010/main" w="9525">
+                <a14:hiddenLine xmlns:a14="http://schemas.microsoft.com/office/drawing/2010/main" xmlns="" w="9525">
                   <a:solidFill>
                     <a:srgbClr val="000000"/>
                   </a:solidFill>
@@ -4363,7 +4448,7 @@
             </a:ln>
             <a:extLst>
               <a:ext uri="{91240B29-F687-4f45-9708-019B960494DF}">
-                <a14:hiddenLine xmlns="" xmlns:a14="http://schemas.microsoft.com/office/drawing/2010/main" w="9525">
+                <a14:hiddenLine xmlns:a14="http://schemas.microsoft.com/office/drawing/2010/main" xmlns="" w="9525">
                   <a:solidFill>
                     <a:srgbClr val="000000"/>
                   </a:solidFill>
@@ -4425,7 +4510,7 @@
             </a:ln>
             <a:extLst>
               <a:ext uri="{91240B29-F687-4f45-9708-019B960494DF}">
-                <a14:hiddenLine xmlns="" xmlns:a14="http://schemas.microsoft.com/office/drawing/2010/main" w="9525">
+                <a14:hiddenLine xmlns:a14="http://schemas.microsoft.com/office/drawing/2010/main" xmlns="" w="9525">
                   <a:solidFill>
                     <a:srgbClr val="000000"/>
                   </a:solidFill>
@@ -4545,7 +4630,7 @@
             </a:ln>
             <a:extLst>
               <a:ext uri="{91240B29-F687-4f45-9708-019B960494DF}">
-                <a14:hiddenLine xmlns="" xmlns:a14="http://schemas.microsoft.com/office/drawing/2010/main" w="9525">
+                <a14:hiddenLine xmlns:a14="http://schemas.microsoft.com/office/drawing/2010/main" xmlns="" w="9525">
                   <a:solidFill>
                     <a:srgbClr val="000000"/>
                   </a:solidFill>
@@ -4613,7 +4698,7 @@
             </a:ln>
             <a:extLst>
               <a:ext uri="{91240B29-F687-4f45-9708-019B960494DF}">
-                <a14:hiddenLine xmlns="" xmlns:a14="http://schemas.microsoft.com/office/drawing/2010/main" w="9525">
+                <a14:hiddenLine xmlns:a14="http://schemas.microsoft.com/office/drawing/2010/main" xmlns="" w="9525">
                   <a:solidFill>
                     <a:srgbClr val="000000"/>
                   </a:solidFill>
@@ -4703,7 +4788,7 @@
             </a:ln>
             <a:extLst>
               <a:ext uri="{91240B29-F687-4f45-9708-019B960494DF}">
-                <a14:hiddenLine xmlns="" xmlns:a14="http://schemas.microsoft.com/office/drawing/2010/main" w="9525">
+                <a14:hiddenLine xmlns:a14="http://schemas.microsoft.com/office/drawing/2010/main" xmlns="" w="9525">
                   <a:solidFill>
                     <a:srgbClr val="000000"/>
                   </a:solidFill>
@@ -4843,7 +4928,7 @@
           <a:p>
             <a:fld id="{0935FB8C-4D49-48E6-A2C2-4487B09AF536}" type="datetime1">
               <a:rPr lang="en-US" smtClean="0"/>
-              <a:t>8/14/2025</a:t>
+              <a:t>8/20/2025</a:t>
             </a:fld>
             <a:endParaRPr lang="en-US" dirty="0"/>
           </a:p>
@@ -5105,7 +5190,7 @@
           <a:p>
             <a:fld id="{2A40AEAD-A559-4050-97BA-6C4809874D9D}" type="datetime1">
               <a:rPr lang="en-US" smtClean="0"/>
-              <a:t>8/14/2025</a:t>
+              <a:t>8/20/2025</a:t>
             </a:fld>
             <a:endParaRPr lang="en-US" dirty="0"/>
           </a:p>
@@ -5296,7 +5381,7 @@
           <a:p>
             <a:fld id="{B4B34BEA-0490-4D33-A65E-FE61DA222C26}" type="datetime1">
               <a:rPr lang="en-US" smtClean="0"/>
-              <a:t>8/14/2025</a:t>
+              <a:t>8/20/2025</a:t>
             </a:fld>
             <a:endParaRPr lang="en-US" dirty="0"/>
           </a:p>
@@ -5554,7 +5639,7 @@
           <a:p>
             <a:fld id="{A92377DE-EE21-4114-BBA7-1DACFB519188}" type="datetime1">
               <a:rPr lang="en-US" smtClean="0"/>
-              <a:t>8/14/2025</a:t>
+              <a:t>8/20/2025</a:t>
             </a:fld>
             <a:endParaRPr lang="en-US" dirty="0"/>
           </a:p>
@@ -5983,7 +6068,7 @@
           <a:p>
             <a:fld id="{C8016095-A801-4333-9713-8EF8BB622D16}" type="datetime1">
               <a:rPr lang="en-US" smtClean="0"/>
-              <a:t>8/14/2025</a:t>
+              <a:t>8/20/2025</a:t>
             </a:fld>
             <a:endParaRPr lang="en-US" dirty="0"/>
           </a:p>
@@ -6524,7 +6609,7 @@
           <a:p>
             <a:fld id="{B401AD18-79FA-4079-BDD0-5A25E4EC4528}" type="datetime1">
               <a:rPr lang="en-US" smtClean="0"/>
-              <a:t>8/14/2025</a:t>
+              <a:t>8/20/2025</a:t>
             </a:fld>
             <a:endParaRPr lang="en-US" dirty="0"/>
           </a:p>
@@ -7239,7 +7324,7 @@
           <a:p>
             <a:fld id="{9BF861E8-3617-487F-B0C6-22A633ADE8D4}" type="datetime1">
               <a:rPr lang="en-US" smtClean="0"/>
-              <a:t>8/14/2025</a:t>
+              <a:t>8/20/2025</a:t>
             </a:fld>
             <a:endParaRPr lang="en-US" dirty="0"/>
           </a:p>
@@ -7404,7 +7489,7 @@
           <a:p>
             <a:fld id="{42B83CB8-929E-4E41-BE7E-729975AA201A}" type="datetime1">
               <a:rPr lang="en-US" smtClean="0"/>
-              <a:t>8/14/2025</a:t>
+              <a:t>8/20/2025</a:t>
             </a:fld>
             <a:endParaRPr lang="en-US" dirty="0"/>
           </a:p>
@@ -7579,7 +7664,7 @@
           <a:p>
             <a:fld id="{A53CF0FA-5145-48F8-B72F-91009B0C1F4F}" type="datetime1">
               <a:rPr lang="en-US" smtClean="0"/>
-              <a:t>8/14/2025</a:t>
+              <a:t>8/20/2025</a:t>
             </a:fld>
             <a:endParaRPr lang="en-US" dirty="0"/>
           </a:p>
@@ -7744,7 +7829,7 @@
           <a:p>
             <a:fld id="{1225E1A6-3354-4C52-9E1D-1340BA54A041}" type="datetime1">
               <a:rPr lang="en-US" smtClean="0"/>
-              <a:t>8/14/2025</a:t>
+              <a:t>8/20/2025</a:t>
             </a:fld>
             <a:endParaRPr lang="en-US" dirty="0"/>
           </a:p>
@@ -7989,7 +8074,7 @@
           <a:p>
             <a:fld id="{FCAEC299-2B29-4624-9DDA-8D516754AE00}" type="datetime1">
               <a:rPr lang="en-US" smtClean="0"/>
-              <a:t>8/14/2025</a:t>
+              <a:t>8/20/2025</a:t>
             </a:fld>
             <a:endParaRPr lang="en-US" dirty="0"/>
           </a:p>
@@ -8216,7 +8301,7 @@
           <a:p>
             <a:fld id="{51170FDE-8198-4A29-AA53-5EC40E541252}" type="datetime1">
               <a:rPr lang="en-US" smtClean="0"/>
-              <a:t>8/14/2025</a:t>
+              <a:t>8/20/2025</a:t>
             </a:fld>
             <a:endParaRPr lang="en-US" dirty="0"/>
           </a:p>
@@ -8592,7 +8677,7 @@
           <a:p>
             <a:fld id="{FC0C84AF-64DF-42AF-A0D6-6477A8E1CFFA}" type="datetime1">
               <a:rPr lang="en-US" smtClean="0"/>
-              <a:t>8/14/2025</a:t>
+              <a:t>8/20/2025</a:t>
             </a:fld>
             <a:endParaRPr lang="en-US" dirty="0"/>
           </a:p>
@@ -8705,7 +8790,7 @@
           <a:p>
             <a:fld id="{BD7F8CFD-406F-4658-A8ED-2C3A0C585094}" type="datetime1">
               <a:rPr lang="en-US" smtClean="0"/>
-              <a:t>8/14/2025</a:t>
+              <a:t>8/20/2025</a:t>
             </a:fld>
             <a:endParaRPr lang="en-US" dirty="0"/>
           </a:p>
@@ -8795,7 +8880,7 @@
           <a:p>
             <a:fld id="{C7F8FE3E-88A5-4226-BF84-E80290216322}" type="datetime1">
               <a:rPr lang="en-US" smtClean="0"/>
-              <a:t>8/14/2025</a:t>
+              <a:t>8/20/2025</a:t>
             </a:fld>
             <a:endParaRPr lang="en-US" dirty="0"/>
           </a:p>
@@ -9039,7 +9124,7 @@
           <a:p>
             <a:fld id="{515EDEA9-E486-4637-BFE8-37704EB2D651}" type="datetime1">
               <a:rPr lang="en-US" smtClean="0"/>
-              <a:t>8/14/2025</a:t>
+              <a:t>8/20/2025</a:t>
             </a:fld>
             <a:endParaRPr lang="en-US" dirty="0"/>
           </a:p>
@@ -9314,7 +9399,7 @@
           <a:p>
             <a:fld id="{278B6927-10E3-47F1-97F1-E58005017D3A}" type="datetime1">
               <a:rPr lang="en-US" smtClean="0"/>
-              <a:t>8/14/2025</a:t>
+              <a:t>8/20/2025</a:t>
             </a:fld>
             <a:endParaRPr lang="en-US" dirty="0"/>
           </a:p>
@@ -9425,7 +9510,7 @@
           <a:noFill/>
           <a:extLst>
             <a:ext uri="{909E8E84-426E-40dd-AFC4-6F175D3DCCD1}">
-              <a14:hiddenFill xmlns="" xmlns:a14="http://schemas.microsoft.com/office/drawing/2010/main">
+              <a14:hiddenFill xmlns:a14="http://schemas.microsoft.com/office/drawing/2010/main" xmlns="">
                 <a:solidFill>
                   <a:srgbClr val="FFFFFF"/>
                 </a:solidFill>
@@ -9499,7 +9584,7 @@
               </a:ln>
               <a:extLst>
                 <a:ext uri="{91240B29-F687-4f45-9708-019B960494DF}">
-                  <a14:hiddenLine xmlns="" xmlns:a14="http://schemas.microsoft.com/office/drawing/2010/main" w="9525">
+                  <a14:hiddenLine xmlns:a14="http://schemas.microsoft.com/office/drawing/2010/main" xmlns="" w="9525">
                     <a:solidFill>
                       <a:srgbClr val="000000"/>
                     </a:solidFill>
@@ -9589,7 +9674,7 @@
               </a:ln>
               <a:extLst>
                 <a:ext uri="{91240B29-F687-4f45-9708-019B960494DF}">
-                  <a14:hiddenLine xmlns="" xmlns:a14="http://schemas.microsoft.com/office/drawing/2010/main" w="9525">
+                  <a14:hiddenLine xmlns:a14="http://schemas.microsoft.com/office/drawing/2010/main" xmlns="" w="9525">
                     <a:solidFill>
                       <a:srgbClr val="000000"/>
                     </a:solidFill>
@@ -9679,7 +9764,7 @@
               </a:ln>
               <a:extLst>
                 <a:ext uri="{91240B29-F687-4f45-9708-019B960494DF}">
-                  <a14:hiddenLine xmlns="" xmlns:a14="http://schemas.microsoft.com/office/drawing/2010/main" w="9525">
+                  <a14:hiddenLine xmlns:a14="http://schemas.microsoft.com/office/drawing/2010/main" xmlns="" w="9525">
                     <a:solidFill>
                       <a:srgbClr val="000000"/>
                     </a:solidFill>
@@ -9741,7 +9826,7 @@
               </a:ln>
               <a:extLst>
                 <a:ext uri="{91240B29-F687-4f45-9708-019B960494DF}">
-                  <a14:hiddenLine xmlns="" xmlns:a14="http://schemas.microsoft.com/office/drawing/2010/main" w="9525">
+                  <a14:hiddenLine xmlns:a14="http://schemas.microsoft.com/office/drawing/2010/main" xmlns="" w="9525">
                     <a:solidFill>
                       <a:srgbClr val="000000"/>
                     </a:solidFill>
@@ -9831,7 +9916,7 @@
               </a:ln>
               <a:extLst>
                 <a:ext uri="{91240B29-F687-4f45-9708-019B960494DF}">
-                  <a14:hiddenLine xmlns="" xmlns:a14="http://schemas.microsoft.com/office/drawing/2010/main" w="9525">
+                  <a14:hiddenLine xmlns:a14="http://schemas.microsoft.com/office/drawing/2010/main" xmlns="" w="9525">
                     <a:solidFill>
                       <a:srgbClr val="000000"/>
                     </a:solidFill>
@@ -9893,7 +9978,7 @@
               </a:ln>
               <a:extLst>
                 <a:ext uri="{91240B29-F687-4f45-9708-019B960494DF}">
-                  <a14:hiddenLine xmlns="" xmlns:a14="http://schemas.microsoft.com/office/drawing/2010/main" w="9525">
+                  <a14:hiddenLine xmlns:a14="http://schemas.microsoft.com/office/drawing/2010/main" xmlns="" w="9525">
                     <a:solidFill>
                       <a:srgbClr val="000000"/>
                     </a:solidFill>
@@ -9955,7 +10040,7 @@
               </a:ln>
               <a:extLst>
                 <a:ext uri="{91240B29-F687-4f45-9708-019B960494DF}">
-                  <a14:hiddenLine xmlns="" xmlns:a14="http://schemas.microsoft.com/office/drawing/2010/main" w="9525">
+                  <a14:hiddenLine xmlns:a14="http://schemas.microsoft.com/office/drawing/2010/main" xmlns="" w="9525">
                     <a:solidFill>
                       <a:srgbClr val="000000"/>
                     </a:solidFill>
@@ -10045,7 +10130,7 @@
               </a:ln>
               <a:extLst>
                 <a:ext uri="{91240B29-F687-4f45-9708-019B960494DF}">
-                  <a14:hiddenLine xmlns="" xmlns:a14="http://schemas.microsoft.com/office/drawing/2010/main" w="9525">
+                  <a14:hiddenLine xmlns:a14="http://schemas.microsoft.com/office/drawing/2010/main" xmlns="" w="9525">
                     <a:solidFill>
                       <a:srgbClr val="000000"/>
                     </a:solidFill>
@@ -10135,7 +10220,7 @@
               </a:ln>
               <a:extLst>
                 <a:ext uri="{91240B29-F687-4f45-9708-019B960494DF}">
-                  <a14:hiddenLine xmlns="" xmlns:a14="http://schemas.microsoft.com/office/drawing/2010/main" w="9525">
+                  <a14:hiddenLine xmlns:a14="http://schemas.microsoft.com/office/drawing/2010/main" xmlns="" w="9525">
                     <a:solidFill>
                       <a:srgbClr val="000000"/>
                     </a:solidFill>
@@ -10197,7 +10282,7 @@
               </a:ln>
               <a:extLst>
                 <a:ext uri="{91240B29-F687-4f45-9708-019B960494DF}">
-                  <a14:hiddenLine xmlns="" xmlns:a14="http://schemas.microsoft.com/office/drawing/2010/main" w="9525">
+                  <a14:hiddenLine xmlns:a14="http://schemas.microsoft.com/office/drawing/2010/main" xmlns="" w="9525">
                     <a:solidFill>
                       <a:srgbClr val="000000"/>
                     </a:solidFill>
@@ -10307,7 +10392,7 @@
               </a:ln>
               <a:extLst>
                 <a:ext uri="{91240B29-F687-4f45-9708-019B960494DF}">
-                  <a14:hiddenLine xmlns="" xmlns:a14="http://schemas.microsoft.com/office/drawing/2010/main" w="9525">
+                  <a14:hiddenLine xmlns:a14="http://schemas.microsoft.com/office/drawing/2010/main" xmlns="" w="9525">
                     <a:solidFill>
                       <a:srgbClr val="000000"/>
                     </a:solidFill>
@@ -10391,7 +10476,7 @@
               </a:ln>
               <a:extLst>
                 <a:ext uri="{91240B29-F687-4f45-9708-019B960494DF}">
-                  <a14:hiddenLine xmlns="" xmlns:a14="http://schemas.microsoft.com/office/drawing/2010/main" w="9525">
+                  <a14:hiddenLine xmlns:a14="http://schemas.microsoft.com/office/drawing/2010/main" xmlns="" w="9525">
                     <a:solidFill>
                       <a:srgbClr val="000000"/>
                     </a:solidFill>
@@ -10453,7 +10538,7 @@
               </a:ln>
               <a:extLst>
                 <a:ext uri="{91240B29-F687-4f45-9708-019B960494DF}">
-                  <a14:hiddenLine xmlns="" xmlns:a14="http://schemas.microsoft.com/office/drawing/2010/main" w="9525">
+                  <a14:hiddenLine xmlns:a14="http://schemas.microsoft.com/office/drawing/2010/main" xmlns="" w="9525">
                     <a:solidFill>
                       <a:srgbClr val="000000"/>
                     </a:solidFill>
@@ -10515,7 +10600,7 @@
               </a:ln>
               <a:extLst>
                 <a:ext uri="{91240B29-F687-4f45-9708-019B960494DF}">
-                  <a14:hiddenLine xmlns="" xmlns:a14="http://schemas.microsoft.com/office/drawing/2010/main" w="9525">
+                  <a14:hiddenLine xmlns:a14="http://schemas.microsoft.com/office/drawing/2010/main" xmlns="" w="9525">
                     <a:solidFill>
                       <a:srgbClr val="000000"/>
                     </a:solidFill>
@@ -10605,7 +10690,7 @@
               </a:ln>
               <a:extLst>
                 <a:ext uri="{91240B29-F687-4f45-9708-019B960494DF}">
-                  <a14:hiddenLine xmlns="" xmlns:a14="http://schemas.microsoft.com/office/drawing/2010/main" w="9525">
+                  <a14:hiddenLine xmlns:a14="http://schemas.microsoft.com/office/drawing/2010/main" xmlns="" w="9525">
                     <a:solidFill>
                       <a:srgbClr val="000000"/>
                     </a:solidFill>
@@ -10639,7 +10724,7 @@
               </a:ln>
               <a:extLst>
                 <a:ext uri="{91240B29-F687-4f45-9708-019B960494DF}">
-                  <a14:hiddenLine xmlns="" xmlns:a14="http://schemas.microsoft.com/office/drawing/2010/main" w="9525">
+                  <a14:hiddenLine xmlns:a14="http://schemas.microsoft.com/office/drawing/2010/main" xmlns="" w="9525">
                     <a:solidFill>
                       <a:srgbClr val="000000"/>
                     </a:solidFill>
@@ -10704,7 +10789,7 @@
               </a:ln>
               <a:extLst>
                 <a:ext uri="{91240B29-F687-4f45-9708-019B960494DF}">
-                  <a14:hiddenLine xmlns="" xmlns:a14="http://schemas.microsoft.com/office/drawing/2010/main" w="9525">
+                  <a14:hiddenLine xmlns:a14="http://schemas.microsoft.com/office/drawing/2010/main" xmlns="" w="9525">
                     <a:solidFill>
                       <a:srgbClr val="000000"/>
                     </a:solidFill>
@@ -10794,7 +10879,7 @@
               </a:ln>
               <a:extLst>
                 <a:ext uri="{91240B29-F687-4f45-9708-019B960494DF}">
-                  <a14:hiddenLine xmlns="" xmlns:a14="http://schemas.microsoft.com/office/drawing/2010/main" w="9525">
+                  <a14:hiddenLine xmlns:a14="http://schemas.microsoft.com/office/drawing/2010/main" xmlns="" w="9525">
                     <a:solidFill>
                       <a:srgbClr val="000000"/>
                     </a:solidFill>
@@ -10856,7 +10941,7 @@
               </a:ln>
               <a:extLst>
                 <a:ext uri="{91240B29-F687-4f45-9708-019B960494DF}">
-                  <a14:hiddenLine xmlns="" xmlns:a14="http://schemas.microsoft.com/office/drawing/2010/main" w="9525">
+                  <a14:hiddenLine xmlns:a14="http://schemas.microsoft.com/office/drawing/2010/main" xmlns="" w="9525">
                     <a:solidFill>
                       <a:srgbClr val="000000"/>
                     </a:solidFill>
@@ -10946,7 +11031,7 @@
               </a:ln>
               <a:extLst>
                 <a:ext uri="{91240B29-F687-4f45-9708-019B960494DF}">
-                  <a14:hiddenLine xmlns="" xmlns:a14="http://schemas.microsoft.com/office/drawing/2010/main" w="9525">
+                  <a14:hiddenLine xmlns:a14="http://schemas.microsoft.com/office/drawing/2010/main" xmlns="" w="9525">
                     <a:solidFill>
                       <a:srgbClr val="000000"/>
                     </a:solidFill>
@@ -11011,7 +11096,7 @@
               </a:ln>
               <a:extLst>
                 <a:ext uri="{91240B29-F687-4f45-9708-019B960494DF}">
-                  <a14:hiddenLine xmlns="" xmlns:a14="http://schemas.microsoft.com/office/drawing/2010/main" w="9525">
+                  <a14:hiddenLine xmlns:a14="http://schemas.microsoft.com/office/drawing/2010/main" xmlns="" w="9525">
                     <a:solidFill>
                       <a:srgbClr val="000000"/>
                     </a:solidFill>
@@ -11073,7 +11158,7 @@
               </a:ln>
               <a:extLst>
                 <a:ext uri="{91240B29-F687-4f45-9708-019B960494DF}">
-                  <a14:hiddenLine xmlns="" xmlns:a14="http://schemas.microsoft.com/office/drawing/2010/main" w="9525">
+                  <a14:hiddenLine xmlns:a14="http://schemas.microsoft.com/office/drawing/2010/main" xmlns="" w="9525">
                     <a:solidFill>
                       <a:srgbClr val="000000"/>
                     </a:solidFill>
@@ -11163,7 +11248,7 @@
               </a:ln>
               <a:extLst>
                 <a:ext uri="{91240B29-F687-4f45-9708-019B960494DF}">
-                  <a14:hiddenLine xmlns="" xmlns:a14="http://schemas.microsoft.com/office/drawing/2010/main" w="9525">
+                  <a14:hiddenLine xmlns:a14="http://schemas.microsoft.com/office/drawing/2010/main" xmlns="" w="9525">
                     <a:solidFill>
                       <a:srgbClr val="000000"/>
                     </a:solidFill>
@@ -11253,7 +11338,7 @@
               </a:ln>
               <a:extLst>
                 <a:ext uri="{91240B29-F687-4f45-9708-019B960494DF}">
-                  <a14:hiddenLine xmlns="" xmlns:a14="http://schemas.microsoft.com/office/drawing/2010/main" w="9525">
+                  <a14:hiddenLine xmlns:a14="http://schemas.microsoft.com/office/drawing/2010/main" xmlns="" w="9525">
                     <a:solidFill>
                       <a:srgbClr val="000000"/>
                     </a:solidFill>
@@ -11318,7 +11403,7 @@
               </a:ln>
               <a:extLst>
                 <a:ext uri="{91240B29-F687-4f45-9708-019B960494DF}">
-                  <a14:hiddenLine xmlns="" xmlns:a14="http://schemas.microsoft.com/office/drawing/2010/main" w="9525">
+                  <a14:hiddenLine xmlns:a14="http://schemas.microsoft.com/office/drawing/2010/main" xmlns="" w="9525">
                     <a:solidFill>
                       <a:srgbClr val="000000"/>
                     </a:solidFill>
@@ -11438,7 +11523,7 @@
               </a:ln>
               <a:extLst>
                 <a:ext uri="{91240B29-F687-4f45-9708-019B960494DF}">
-                  <a14:hiddenLine xmlns="" xmlns:a14="http://schemas.microsoft.com/office/drawing/2010/main" w="9525">
+                  <a14:hiddenLine xmlns:a14="http://schemas.microsoft.com/office/drawing/2010/main" xmlns="" w="9525">
                     <a:solidFill>
                       <a:srgbClr val="000000"/>
                     </a:solidFill>
@@ -11536,7 +11621,7 @@
               </a:ln>
               <a:extLst>
                 <a:ext uri="{91240B29-F687-4f45-9708-019B960494DF}">
-                  <a14:hiddenLine xmlns="" xmlns:a14="http://schemas.microsoft.com/office/drawing/2010/main" w="9525">
+                  <a14:hiddenLine xmlns:a14="http://schemas.microsoft.com/office/drawing/2010/main" xmlns="" w="9525">
                     <a:solidFill>
                       <a:srgbClr val="000000"/>
                     </a:solidFill>
@@ -11651,7 +11736,7 @@
               </a:ln>
               <a:extLst>
                 <a:ext uri="{91240B29-F687-4f45-9708-019B960494DF}">
-                  <a14:hiddenLine xmlns="" xmlns:a14="http://schemas.microsoft.com/office/drawing/2010/main" w="9525">
+                  <a14:hiddenLine xmlns:a14="http://schemas.microsoft.com/office/drawing/2010/main" xmlns="" w="9525">
                     <a:solidFill>
                       <a:srgbClr val="000000"/>
                     </a:solidFill>
@@ -11741,7 +11826,7 @@
               </a:ln>
               <a:extLst>
                 <a:ext uri="{91240B29-F687-4f45-9708-019B960494DF}">
-                  <a14:hiddenLine xmlns="" xmlns:a14="http://schemas.microsoft.com/office/drawing/2010/main" w="9525">
+                  <a14:hiddenLine xmlns:a14="http://schemas.microsoft.com/office/drawing/2010/main" xmlns="" w="9525">
                     <a:solidFill>
                       <a:srgbClr val="000000"/>
                     </a:solidFill>
@@ -11806,7 +11891,7 @@
               </a:ln>
               <a:extLst>
                 <a:ext uri="{91240B29-F687-4f45-9708-019B960494DF}">
-                  <a14:hiddenLine xmlns="" xmlns:a14="http://schemas.microsoft.com/office/drawing/2010/main" w="9525">
+                  <a14:hiddenLine xmlns:a14="http://schemas.microsoft.com/office/drawing/2010/main" xmlns="" w="9525">
                     <a:solidFill>
                       <a:srgbClr val="000000"/>
                     </a:solidFill>
@@ -11896,7 +11981,7 @@
               </a:ln>
               <a:extLst>
                 <a:ext uri="{91240B29-F687-4f45-9708-019B960494DF}">
-                  <a14:hiddenLine xmlns="" xmlns:a14="http://schemas.microsoft.com/office/drawing/2010/main" w="9525">
+                  <a14:hiddenLine xmlns:a14="http://schemas.microsoft.com/office/drawing/2010/main" xmlns="" w="9525">
                     <a:solidFill>
                       <a:srgbClr val="000000"/>
                     </a:solidFill>
@@ -11964,7 +12049,7 @@
               </a:ln>
               <a:extLst>
                 <a:ext uri="{91240B29-F687-4f45-9708-019B960494DF}">
-                  <a14:hiddenLine xmlns="" xmlns:a14="http://schemas.microsoft.com/office/drawing/2010/main" w="9525">
+                  <a14:hiddenLine xmlns:a14="http://schemas.microsoft.com/office/drawing/2010/main" xmlns="" w="9525">
                     <a:solidFill>
                       <a:srgbClr val="000000"/>
                     </a:solidFill>
@@ -12054,7 +12139,7 @@
               </a:ln>
               <a:extLst>
                 <a:ext uri="{91240B29-F687-4f45-9708-019B960494DF}">
-                  <a14:hiddenLine xmlns="" xmlns:a14="http://schemas.microsoft.com/office/drawing/2010/main" w="9525">
+                  <a14:hiddenLine xmlns:a14="http://schemas.microsoft.com/office/drawing/2010/main" xmlns="" w="9525">
                     <a:solidFill>
                       <a:srgbClr val="000000"/>
                     </a:solidFill>
@@ -12122,7 +12207,7 @@
               </a:ln>
               <a:extLst>
                 <a:ext uri="{91240B29-F687-4f45-9708-019B960494DF}">
-                  <a14:hiddenLine xmlns="" xmlns:a14="http://schemas.microsoft.com/office/drawing/2010/main" w="9525">
+                  <a14:hiddenLine xmlns:a14="http://schemas.microsoft.com/office/drawing/2010/main" xmlns="" w="9525">
                     <a:solidFill>
                       <a:srgbClr val="000000"/>
                     </a:solidFill>
@@ -12212,7 +12297,7 @@
               </a:ln>
               <a:extLst>
                 <a:ext uri="{91240B29-F687-4f45-9708-019B960494DF}">
-                  <a14:hiddenLine xmlns="" xmlns:a14="http://schemas.microsoft.com/office/drawing/2010/main" w="9525">
+                  <a14:hiddenLine xmlns:a14="http://schemas.microsoft.com/office/drawing/2010/main" xmlns="" w="9525">
                     <a:solidFill>
                       <a:srgbClr val="000000"/>
                     </a:solidFill>
@@ -12246,7 +12331,7 @@
               </a:ln>
               <a:extLst>
                 <a:ext uri="{91240B29-F687-4f45-9708-019B960494DF}">
-                  <a14:hiddenLine xmlns="" xmlns:a14="http://schemas.microsoft.com/office/drawing/2010/main" w="9525">
+                  <a14:hiddenLine xmlns:a14="http://schemas.microsoft.com/office/drawing/2010/main" xmlns="" w="9525">
                     <a:solidFill>
                       <a:srgbClr val="000000"/>
                     </a:solidFill>
@@ -12386,7 +12471,7 @@
           <a:p>
             <a:fld id="{23A4A4BE-2037-407F-974F-49BBD6F022A1}" type="datetime1">
               <a:rPr lang="en-US" smtClean="0"/>
-              <a:t>8/14/2025</a:t>
+              <a:t>8/20/2025</a:t>
             </a:fld>
             <a:endParaRPr lang="en-US" dirty="0"/>
           </a:p>
@@ -17760,7 +17845,7 @@
     <p:bg>
       <p:bgPr>
         <a:blipFill>
-          <a:blip r:embed="rId2">
+          <a:blip r:embed="rId3">
             <a:duotone>
               <a:schemeClr val="bg2">
                 <a:shade val="88000"/>
@@ -17927,14 +18012,14 @@
           <p:nvPr/>
         </p:nvPicPr>
         <p:blipFill>
-          <a:blip r:embed="rId3"/>
+          <a:blip r:embed="rId4"/>
           <a:stretch>
             <a:fillRect/>
           </a:stretch>
         </p:blipFill>
         <p:spPr>
           <a:xfrm>
-            <a:off x="138941" y="4275454"/>
+            <a:off x="138941" y="3879797"/>
             <a:ext cx="11914117" cy="1607820"/>
           </a:xfrm>
           <a:prstGeom prst="round2DiagRect">
@@ -17974,11 +18059,17 @@
           <p:cNvGraphicFramePr>
             <a:graphicFrameLocks noGrp="1" noChangeAspect="1"/>
           </p:cNvGraphicFramePr>
-          <p:nvPr/>
+          <p:nvPr>
+            <p:extLst>
+              <p:ext uri="{D42A27DB-BD31-4B8C-83A1-F6EECF244321}">
+                <p14:modId xmlns:p14="http://schemas.microsoft.com/office/powerpoint/2010/main" val="1931841221"/>
+              </p:ext>
+            </p:extLst>
+          </p:nvPr>
         </p:nvGraphicFramePr>
         <p:xfrm>
-          <a:off x="-1412874" y="7268181"/>
-          <a:ext cx="15654553" cy="1920240"/>
+          <a:off x="-1224806" y="6696785"/>
+          <a:ext cx="15654553" cy="2164080"/>
         </p:xfrm>
         <a:graphic>
           <a:graphicData uri="http://schemas.openxmlformats.org/drawingml/2006/table">
@@ -20507,15 +20598,7 @@
                     <a:p>
                       <a:r>
                         <a:rPr lang="fr-FR" sz="1200" dirty="0"/>
-                        <a:t>Nbr adresses utilisables par </a:t>
-                      </a:r>
-                      <a:r>
-                        <a:rPr lang="fr-FR" sz="1200" dirty="0" err="1"/>
-                        <a:t>ss</a:t>
-                      </a:r>
-                      <a:r>
-                        <a:rPr lang="fr-FR" sz="1200" dirty="0"/>
-                        <a:t>-r.</a:t>
+                        <a:t>Nbr adresses utilisables</a:t>
                       </a:r>
                       <a:endParaRPr lang="fr-CH" sz="1200" dirty="0"/>
                     </a:p>
@@ -20530,399 +20613,414 @@
                       <a:pPr algn="ctr"/>
                       <a:r>
                         <a:rPr lang="fr-FR" sz="1000" dirty="0"/>
-                        <a:t>254</a:t>
-                      </a:r>
-                      <a:endParaRPr lang="fr-CH" sz="1000" dirty="0"/>
-                    </a:p>
-                  </a:txBody>
-                  <a:tcPr anchor="ctr"/>
-                </a:tc>
-                <a:tc>
-                  <a:txBody>
-                    <a:bodyPr/>
-                    <a:lstStyle/>
-                    <a:p>
-                      <a:pPr algn="ctr"/>
-                      <a:r>
-                        <a:rPr lang="fr-FR" sz="1000" dirty="0"/>
-                        <a:t>126</a:t>
-                      </a:r>
-                      <a:endParaRPr lang="fr-CH" sz="1000" dirty="0"/>
-                    </a:p>
-                  </a:txBody>
-                  <a:tcPr anchor="ctr"/>
-                </a:tc>
-                <a:tc>
-                  <a:txBody>
-                    <a:bodyPr/>
-                    <a:lstStyle/>
-                    <a:p>
-                      <a:pPr algn="ctr"/>
-                      <a:r>
-                        <a:rPr lang="fr-FR" sz="1000" dirty="0"/>
-                        <a:t>62</a:t>
-                      </a:r>
-                      <a:endParaRPr lang="fr-CH" sz="1000" dirty="0"/>
-                    </a:p>
-                  </a:txBody>
-                  <a:tcPr anchor="ctr"/>
-                </a:tc>
-                <a:tc>
-                  <a:txBody>
-                    <a:bodyPr/>
-                    <a:lstStyle/>
-                    <a:p>
-                      <a:pPr algn="ctr"/>
-                      <a:r>
-                        <a:rPr lang="fr-FR" sz="1000" dirty="0"/>
-                        <a:t>30</a:t>
-                      </a:r>
-                      <a:endParaRPr lang="fr-CH" sz="1000" dirty="0"/>
-                    </a:p>
-                  </a:txBody>
-                  <a:tcPr anchor="ctr"/>
-                </a:tc>
-                <a:tc>
-                  <a:txBody>
-                    <a:bodyPr/>
-                    <a:lstStyle/>
-                    <a:p>
-                      <a:pPr algn="ctr"/>
-                      <a:r>
-                        <a:rPr lang="fr-FR" sz="1000" dirty="0"/>
-                        <a:t>14</a:t>
-                      </a:r>
-                      <a:endParaRPr lang="fr-CH" sz="1000" dirty="0"/>
-                    </a:p>
-                  </a:txBody>
-                  <a:tcPr anchor="ctr"/>
-                </a:tc>
-                <a:tc>
-                  <a:txBody>
-                    <a:bodyPr/>
-                    <a:lstStyle/>
-                    <a:p>
-                      <a:pPr algn="ctr"/>
-                      <a:r>
-                        <a:rPr lang="fr-FR" sz="1000" dirty="0"/>
-                        <a:t>6</a:t>
-                      </a:r>
-                      <a:endParaRPr lang="fr-CH" sz="1000" dirty="0"/>
-                    </a:p>
-                  </a:txBody>
-                  <a:tcPr anchor="ctr"/>
-                </a:tc>
-                <a:tc>
-                  <a:txBody>
-                    <a:bodyPr/>
-                    <a:lstStyle/>
-                    <a:p>
-                      <a:pPr algn="ctr"/>
-                      <a:r>
-                        <a:rPr lang="fr-FR" sz="1000" dirty="0"/>
-                        <a:t>2</a:t>
-                      </a:r>
-                      <a:endParaRPr lang="fr-CH" sz="1000" dirty="0"/>
-                    </a:p>
-                  </a:txBody>
-                  <a:tcPr anchor="ctr"/>
-                </a:tc>
-                <a:tc>
-                  <a:txBody>
-                    <a:bodyPr/>
-                    <a:lstStyle/>
-                    <a:p>
-                      <a:pPr algn="ctr"/>
-                      <a:r>
-                        <a:rPr lang="fr-FR" sz="1000" dirty="0"/>
-                        <a:t>0</a:t>
-                      </a:r>
-                      <a:endParaRPr lang="fr-CH" sz="1000" dirty="0"/>
-                    </a:p>
-                  </a:txBody>
-                  <a:tcPr anchor="ctr"/>
-                </a:tc>
-                <a:tc>
-                  <a:txBody>
-                    <a:bodyPr/>
-                    <a:lstStyle/>
-                    <a:p>
-                      <a:pPr algn="ctr"/>
-                      <a:r>
-                        <a:rPr lang="fr-FR" sz="1000" dirty="0"/>
-                        <a:t>0</a:t>
-                      </a:r>
-                      <a:endParaRPr lang="fr-CH" sz="1000" dirty="0"/>
-                    </a:p>
-                  </a:txBody>
-                  <a:tcPr anchor="ctr"/>
-                </a:tc>
-                <a:tc>
-                  <a:txBody>
-                    <a:bodyPr/>
-                    <a:lstStyle/>
-                    <a:p>
-                      <a:pPr algn="ctr"/>
-                      <a:r>
-                        <a:rPr lang="fr-FR" sz="1000" dirty="0"/>
-                        <a:t>254</a:t>
-                      </a:r>
-                      <a:endParaRPr lang="fr-CH" sz="1000" dirty="0"/>
-                    </a:p>
-                  </a:txBody>
-                  <a:tcPr anchor="ctr"/>
-                </a:tc>
-                <a:tc>
-                  <a:txBody>
-                    <a:bodyPr/>
-                    <a:lstStyle/>
-                    <a:p>
-                      <a:pPr algn="ctr"/>
-                      <a:r>
-                        <a:rPr lang="fr-FR" sz="1000" dirty="0"/>
-                        <a:t>126</a:t>
-                      </a:r>
-                      <a:endParaRPr lang="fr-CH" sz="1000" dirty="0"/>
-                    </a:p>
-                  </a:txBody>
-                  <a:tcPr anchor="ctr"/>
-                </a:tc>
-                <a:tc>
-                  <a:txBody>
-                    <a:bodyPr/>
-                    <a:lstStyle/>
-                    <a:p>
-                      <a:pPr algn="ctr"/>
-                      <a:r>
-                        <a:rPr lang="fr-FR" sz="1000" dirty="0"/>
-                        <a:t>62</a:t>
-                      </a:r>
-                      <a:endParaRPr lang="fr-CH" sz="1000" dirty="0"/>
-                    </a:p>
-                  </a:txBody>
-                  <a:tcPr anchor="ctr"/>
-                </a:tc>
-                <a:tc>
-                  <a:txBody>
-                    <a:bodyPr/>
-                    <a:lstStyle/>
-                    <a:p>
-                      <a:pPr algn="ctr"/>
-                      <a:r>
-                        <a:rPr lang="fr-FR" sz="1000" dirty="0"/>
-                        <a:t>30</a:t>
-                      </a:r>
-                      <a:endParaRPr lang="fr-CH" sz="1000" dirty="0"/>
-                    </a:p>
-                  </a:txBody>
-                  <a:tcPr anchor="ctr"/>
-                </a:tc>
-                <a:tc>
-                  <a:txBody>
-                    <a:bodyPr/>
-                    <a:lstStyle/>
-                    <a:p>
-                      <a:pPr algn="ctr"/>
-                      <a:r>
-                        <a:rPr lang="fr-FR" sz="1000" dirty="0"/>
-                        <a:t>14</a:t>
-                      </a:r>
-                      <a:endParaRPr lang="fr-CH" sz="1000" dirty="0"/>
-                    </a:p>
-                  </a:txBody>
-                  <a:tcPr anchor="ctr"/>
-                </a:tc>
-                <a:tc>
-                  <a:txBody>
-                    <a:bodyPr/>
-                    <a:lstStyle/>
-                    <a:p>
-                      <a:pPr algn="ctr"/>
-                      <a:r>
-                        <a:rPr lang="fr-FR" sz="1000" dirty="0"/>
-                        <a:t>6</a:t>
-                      </a:r>
-                      <a:endParaRPr lang="fr-CH" sz="1000" dirty="0"/>
-                    </a:p>
-                  </a:txBody>
-                  <a:tcPr anchor="ctr"/>
-                </a:tc>
-                <a:tc>
-                  <a:txBody>
-                    <a:bodyPr/>
-                    <a:lstStyle/>
-                    <a:p>
-                      <a:pPr algn="ctr"/>
-                      <a:r>
-                        <a:rPr lang="fr-FR" sz="1000" dirty="0"/>
-                        <a:t>2</a:t>
-                      </a:r>
-                      <a:endParaRPr lang="fr-CH" sz="1000" dirty="0"/>
-                    </a:p>
-                  </a:txBody>
-                  <a:tcPr anchor="ctr"/>
-                </a:tc>
-                <a:tc>
-                  <a:txBody>
-                    <a:bodyPr/>
-                    <a:lstStyle/>
-                    <a:p>
-                      <a:pPr algn="ctr"/>
-                      <a:r>
-                        <a:rPr lang="fr-FR" sz="1000" dirty="0"/>
-                        <a:t>0</a:t>
-                      </a:r>
-                      <a:endParaRPr lang="fr-CH" sz="1000" dirty="0"/>
-                    </a:p>
-                  </a:txBody>
-                  <a:tcPr anchor="ctr"/>
-                </a:tc>
-                <a:tc>
-                  <a:txBody>
-                    <a:bodyPr/>
-                    <a:lstStyle/>
-                    <a:p>
-                      <a:pPr algn="ctr"/>
-                      <a:r>
-                        <a:rPr lang="fr-FR" sz="1000" dirty="0"/>
-                        <a:t>0</a:t>
-                      </a:r>
-                      <a:endParaRPr lang="fr-CH" sz="1000" dirty="0"/>
-                    </a:p>
-                  </a:txBody>
-                  <a:tcPr anchor="ctr"/>
-                </a:tc>
-                <a:tc>
-                  <a:txBody>
-                    <a:bodyPr/>
-                    <a:lstStyle/>
-                    <a:p>
-                      <a:pPr algn="ctr"/>
-                      <a:r>
-                        <a:rPr lang="fr-FR" sz="1000" dirty="0"/>
-                        <a:t>254</a:t>
-                      </a:r>
-                      <a:endParaRPr lang="fr-CH" sz="1000" dirty="0"/>
-                    </a:p>
-                  </a:txBody>
-                  <a:tcPr anchor="ctr"/>
-                </a:tc>
-                <a:tc>
-                  <a:txBody>
-                    <a:bodyPr/>
-                    <a:lstStyle/>
-                    <a:p>
-                      <a:pPr algn="ctr"/>
-                      <a:r>
-                        <a:rPr lang="fr-FR" sz="1000" dirty="0"/>
-                        <a:t>126</a:t>
-                      </a:r>
-                      <a:endParaRPr lang="fr-CH" sz="1000" dirty="0"/>
-                    </a:p>
-                  </a:txBody>
-                  <a:tcPr anchor="ctr"/>
-                </a:tc>
-                <a:tc>
-                  <a:txBody>
-                    <a:bodyPr/>
-                    <a:lstStyle/>
-                    <a:p>
-                      <a:pPr algn="ctr"/>
-                      <a:r>
-                        <a:rPr lang="fr-FR" sz="1000" dirty="0"/>
-                        <a:t>62</a:t>
-                      </a:r>
-                      <a:endParaRPr lang="fr-CH" sz="1000" dirty="0"/>
-                    </a:p>
-                  </a:txBody>
-                  <a:tcPr anchor="ctr"/>
-                </a:tc>
-                <a:tc>
-                  <a:txBody>
-                    <a:bodyPr/>
-                    <a:lstStyle/>
-                    <a:p>
-                      <a:pPr algn="ctr"/>
-                      <a:r>
-                        <a:rPr lang="fr-FR" sz="1000" dirty="0"/>
-                        <a:t>30</a:t>
-                      </a:r>
-                      <a:endParaRPr lang="fr-CH" sz="1000" dirty="0"/>
-                    </a:p>
-                  </a:txBody>
-                  <a:tcPr anchor="ctr"/>
-                </a:tc>
-                <a:tc>
-                  <a:txBody>
-                    <a:bodyPr/>
-                    <a:lstStyle/>
-                    <a:p>
-                      <a:pPr algn="ctr"/>
-                      <a:r>
-                        <a:rPr lang="fr-FR" sz="1000" dirty="0"/>
-                        <a:t>14</a:t>
-                      </a:r>
-                      <a:endParaRPr lang="fr-CH" sz="1000" dirty="0"/>
-                    </a:p>
-                  </a:txBody>
-                  <a:tcPr anchor="ctr"/>
-                </a:tc>
-                <a:tc>
-                  <a:txBody>
-                    <a:bodyPr/>
-                    <a:lstStyle/>
-                    <a:p>
-                      <a:pPr algn="ctr"/>
-                      <a:r>
-                        <a:rPr lang="fr-FR" sz="1000" dirty="0"/>
-                        <a:t>6</a:t>
-                      </a:r>
-                      <a:endParaRPr lang="fr-CH" sz="1000" dirty="0"/>
-                    </a:p>
-                  </a:txBody>
-                  <a:tcPr anchor="ctr"/>
-                </a:tc>
-                <a:tc>
-                  <a:txBody>
-                    <a:bodyPr/>
-                    <a:lstStyle/>
-                    <a:p>
-                      <a:pPr algn="ctr"/>
-                      <a:r>
-                        <a:rPr lang="fr-FR" sz="1000" dirty="0"/>
-                        <a:t>2</a:t>
-                      </a:r>
-                      <a:endParaRPr lang="fr-CH" sz="1000" dirty="0"/>
-                    </a:p>
-                  </a:txBody>
-                  <a:tcPr anchor="ctr"/>
-                </a:tc>
-                <a:tc>
-                  <a:txBody>
-                    <a:bodyPr/>
-                    <a:lstStyle/>
-                    <a:p>
-                      <a:pPr algn="ctr"/>
-                      <a:r>
-                        <a:rPr lang="fr-FR" sz="1000" dirty="0"/>
-                        <a:t>0</a:t>
-                      </a:r>
-                      <a:endParaRPr lang="fr-CH" sz="1000" dirty="0"/>
-                    </a:p>
-                  </a:txBody>
-                  <a:tcPr anchor="ctr"/>
-                </a:tc>
-                <a:tc>
-                  <a:txBody>
-                    <a:bodyPr/>
-                    <a:lstStyle/>
-                    <a:p>
-                      <a:pPr algn="ctr"/>
-                      <a:r>
-                        <a:rPr lang="fr-FR" sz="1000" dirty="0"/>
-                        <a:t>0</a:t>
-                      </a:r>
-                      <a:endParaRPr lang="fr-CH" sz="1000" dirty="0"/>
+                        <a:t>254 + 254 x3</a:t>
+                      </a:r>
+                      <a:endParaRPr lang="fr-CH" sz="1000" dirty="0"/>
+                    </a:p>
+                  </a:txBody>
+                  <a:tcPr anchor="ctr"/>
+                </a:tc>
+                <a:tc>
+                  <a:txBody>
+                    <a:bodyPr/>
+                    <a:lstStyle/>
+                    <a:p>
+                      <a:pPr algn="ctr"/>
+                      <a:r>
+                        <a:rPr lang="fr-FR" sz="1000" dirty="0"/>
+                        <a:t>126 + 254 x3</a:t>
+                      </a:r>
+                      <a:endParaRPr lang="fr-CH" sz="1000" dirty="0"/>
+                    </a:p>
+                  </a:txBody>
+                  <a:tcPr anchor="ctr"/>
+                </a:tc>
+                <a:tc>
+                  <a:txBody>
+                    <a:bodyPr/>
+                    <a:lstStyle/>
+                    <a:p>
+                      <a:pPr algn="ctr"/>
+                      <a:r>
+                        <a:rPr lang="fr-FR" sz="1000" dirty="0"/>
+                        <a:t>62 + 254 x3</a:t>
+                      </a:r>
+                      <a:endParaRPr lang="fr-CH" sz="1000" dirty="0"/>
+                    </a:p>
+                  </a:txBody>
+                  <a:tcPr anchor="ctr"/>
+                </a:tc>
+                <a:tc>
+                  <a:txBody>
+                    <a:bodyPr/>
+                    <a:lstStyle/>
+                    <a:p>
+                      <a:pPr algn="ctr"/>
+                      <a:r>
+                        <a:rPr lang="fr-FR" sz="1000" dirty="0"/>
+                        <a:t>30 + 254 x3</a:t>
+                      </a:r>
+                      <a:endParaRPr lang="fr-CH" sz="1000" dirty="0"/>
+                    </a:p>
+                  </a:txBody>
+                  <a:tcPr anchor="ctr"/>
+                </a:tc>
+                <a:tc>
+                  <a:txBody>
+                    <a:bodyPr/>
+                    <a:lstStyle/>
+                    <a:p>
+                      <a:pPr algn="ctr"/>
+                      <a:r>
+                        <a:rPr lang="fr-FR" sz="1000" dirty="0"/>
+                        <a:t>14 + 254 x3</a:t>
+                      </a:r>
+                      <a:endParaRPr lang="fr-CH" sz="1000" dirty="0"/>
+                    </a:p>
+                  </a:txBody>
+                  <a:tcPr anchor="ctr"/>
+                </a:tc>
+                <a:tc>
+                  <a:txBody>
+                    <a:bodyPr/>
+                    <a:lstStyle/>
+                    <a:p>
+                      <a:pPr algn="ctr"/>
+                      <a:r>
+                        <a:rPr lang="fr-FR" sz="1000" dirty="0"/>
+                        <a:t>6 + 254 x3</a:t>
+                      </a:r>
+                      <a:endParaRPr lang="fr-CH" sz="1000" dirty="0"/>
+                    </a:p>
+                  </a:txBody>
+                  <a:tcPr anchor="ctr"/>
+                </a:tc>
+                <a:tc>
+                  <a:txBody>
+                    <a:bodyPr/>
+                    <a:lstStyle/>
+                    <a:p>
+                      <a:pPr algn="ctr"/>
+                      <a:r>
+                        <a:rPr lang="fr-FR" sz="1000" dirty="0"/>
+                        <a:t>2 + 254 x3</a:t>
+                      </a:r>
+                      <a:endParaRPr lang="fr-CH" sz="1000" dirty="0"/>
+                    </a:p>
+                  </a:txBody>
+                  <a:tcPr anchor="ctr"/>
+                </a:tc>
+                <a:tc>
+                  <a:txBody>
+                    <a:bodyPr/>
+                    <a:lstStyle/>
+                    <a:p>
+                      <a:pPr algn="ctr"/>
+                      <a:r>
+                        <a:rPr lang="fr-FR" sz="1000" dirty="0"/>
+                        <a:t>0 + 254 x3</a:t>
+                      </a:r>
+                      <a:endParaRPr lang="fr-CH" sz="1000" dirty="0"/>
+                    </a:p>
+                  </a:txBody>
+                  <a:tcPr anchor="ctr"/>
+                </a:tc>
+                <a:tc>
+                  <a:txBody>
+                    <a:bodyPr/>
+                    <a:lstStyle/>
+                    <a:p>
+                      <a:pPr algn="ctr"/>
+                      <a:r>
+                        <a:rPr lang="fr-FR" sz="1000" dirty="0"/>
+                        <a:t>0 + 254 x3</a:t>
+                      </a:r>
+                      <a:endParaRPr lang="fr-CH" sz="1000" dirty="0"/>
+                    </a:p>
+                  </a:txBody>
+                  <a:tcPr anchor="ctr"/>
+                </a:tc>
+                <a:tc>
+                  <a:txBody>
+                    <a:bodyPr/>
+                    <a:lstStyle/>
+                    <a:p>
+                      <a:pPr algn="ctr"/>
+                      <a:r>
+                        <a:rPr lang="fr-FR" sz="1000" dirty="0"/>
+                        <a:t>254 + 254 x2</a:t>
+                      </a:r>
+                      <a:endParaRPr lang="fr-CH" sz="1000" dirty="0"/>
+                    </a:p>
+                  </a:txBody>
+                  <a:tcPr anchor="ctr"/>
+                </a:tc>
+                <a:tc>
+                  <a:txBody>
+                    <a:bodyPr/>
+                    <a:lstStyle/>
+                    <a:p>
+                      <a:pPr algn="ctr"/>
+                      <a:r>
+                        <a:rPr lang="fr-FR" sz="1000" dirty="0"/>
+                        <a:t>126 + 254 x2</a:t>
+                      </a:r>
+                      <a:endParaRPr lang="fr-CH" sz="1000" dirty="0"/>
+                    </a:p>
+                  </a:txBody>
+                  <a:tcPr anchor="ctr"/>
+                </a:tc>
+                <a:tc>
+                  <a:txBody>
+                    <a:bodyPr/>
+                    <a:lstStyle/>
+                    <a:p>
+                      <a:pPr algn="ctr"/>
+                      <a:r>
+                        <a:rPr lang="fr-FR" sz="1000" dirty="0"/>
+                        <a:t>62 + 254 x2</a:t>
+                      </a:r>
+                      <a:endParaRPr lang="fr-CH" sz="1000" dirty="0"/>
+                    </a:p>
+                  </a:txBody>
+                  <a:tcPr anchor="ctr"/>
+                </a:tc>
+                <a:tc>
+                  <a:txBody>
+                    <a:bodyPr/>
+                    <a:lstStyle/>
+                    <a:p>
+                      <a:pPr algn="ctr"/>
+                      <a:r>
+                        <a:rPr lang="fr-FR" sz="1000" dirty="0"/>
+                        <a:t>30 + 254 x2</a:t>
+                      </a:r>
+                      <a:endParaRPr lang="fr-CH" sz="1000" dirty="0"/>
+                    </a:p>
+                  </a:txBody>
+                  <a:tcPr anchor="ctr"/>
+                </a:tc>
+                <a:tc>
+                  <a:txBody>
+                    <a:bodyPr/>
+                    <a:lstStyle/>
+                    <a:p>
+                      <a:pPr algn="ctr"/>
+                      <a:r>
+                        <a:rPr lang="fr-FR" sz="1000" dirty="0"/>
+                        <a:t>14 + 254 x2</a:t>
+                      </a:r>
+                      <a:endParaRPr lang="fr-CH" sz="1000" dirty="0"/>
+                    </a:p>
+                  </a:txBody>
+                  <a:tcPr anchor="ctr"/>
+                </a:tc>
+                <a:tc>
+                  <a:txBody>
+                    <a:bodyPr/>
+                    <a:lstStyle/>
+                    <a:p>
+                      <a:pPr algn="ctr"/>
+                      <a:r>
+                        <a:rPr lang="fr-FR" sz="1000" dirty="0"/>
+                        <a:t>6 + 254 x2</a:t>
+                      </a:r>
+                      <a:endParaRPr lang="fr-CH" sz="1000" dirty="0"/>
+                    </a:p>
+                  </a:txBody>
+                  <a:tcPr anchor="ctr"/>
+                </a:tc>
+                <a:tc>
+                  <a:txBody>
+                    <a:bodyPr/>
+                    <a:lstStyle/>
+                    <a:p>
+                      <a:pPr algn="ctr"/>
+                      <a:r>
+                        <a:rPr lang="fr-FR" sz="1000" dirty="0"/>
+                        <a:t>2 + 254 x2</a:t>
+                      </a:r>
+                      <a:endParaRPr lang="fr-CH" sz="1000" dirty="0"/>
+                    </a:p>
+                  </a:txBody>
+                  <a:tcPr anchor="ctr"/>
+                </a:tc>
+                <a:tc>
+                  <a:txBody>
+                    <a:bodyPr/>
+                    <a:lstStyle/>
+                    <a:p>
+                      <a:pPr algn="ctr"/>
+                      <a:r>
+                        <a:rPr lang="fr-FR" sz="1000" dirty="0"/>
+                        <a:t>0 + 254 x2</a:t>
+                      </a:r>
+                      <a:endParaRPr lang="fr-CH" sz="1000" dirty="0"/>
+                    </a:p>
+                  </a:txBody>
+                  <a:tcPr anchor="ctr"/>
+                </a:tc>
+                <a:tc>
+                  <a:txBody>
+                    <a:bodyPr/>
+                    <a:lstStyle/>
+                    <a:p>
+                      <a:pPr algn="ctr"/>
+                      <a:r>
+                        <a:rPr lang="fr-FR" sz="1000" dirty="0"/>
+                        <a:t>0 + 254 x2</a:t>
+                      </a:r>
+                      <a:endParaRPr lang="fr-CH" sz="1000" dirty="0"/>
+                    </a:p>
+                  </a:txBody>
+                  <a:tcPr anchor="ctr"/>
+                </a:tc>
+                <a:tc>
+                  <a:txBody>
+                    <a:bodyPr/>
+                    <a:lstStyle/>
+                    <a:p>
+                      <a:pPr algn="ctr"/>
+                      <a:r>
+                        <a:rPr lang="fr-FR" sz="1000" dirty="0"/>
+                        <a:t>254+ 254</a:t>
+                      </a:r>
+                      <a:endParaRPr lang="fr-CH" sz="1000" dirty="0"/>
+                    </a:p>
+                  </a:txBody>
+                  <a:tcPr anchor="ctr"/>
+                </a:tc>
+                <a:tc>
+                  <a:txBody>
+                    <a:bodyPr/>
+                    <a:lstStyle/>
+                    <a:p>
+                      <a:pPr algn="ctr"/>
+                      <a:r>
+                        <a:rPr lang="fr-FR" sz="1000" dirty="0"/>
+                        <a:t>126+ 254</a:t>
+                      </a:r>
+                      <a:endParaRPr lang="fr-CH" sz="1000" dirty="0"/>
+                    </a:p>
+                  </a:txBody>
+                  <a:tcPr anchor="ctr"/>
+                </a:tc>
+                <a:tc>
+                  <a:txBody>
+                    <a:bodyPr/>
+                    <a:lstStyle/>
+                    <a:p>
+                      <a:pPr algn="ctr"/>
+                      <a:r>
+                        <a:rPr lang="fr-FR" sz="1000" dirty="0"/>
+                        <a:t>62+ 254</a:t>
+                      </a:r>
+                      <a:endParaRPr lang="fr-CH" sz="1000" dirty="0"/>
+                    </a:p>
+                  </a:txBody>
+                  <a:tcPr anchor="ctr"/>
+                </a:tc>
+                <a:tc>
+                  <a:txBody>
+                    <a:bodyPr/>
+                    <a:lstStyle/>
+                    <a:p>
+                      <a:pPr algn="ctr"/>
+                      <a:r>
+                        <a:rPr lang="fr-FR" sz="1000" dirty="0"/>
+                        <a:t>30+ 254</a:t>
+                      </a:r>
+                      <a:endParaRPr lang="fr-CH" sz="1000" dirty="0"/>
+                    </a:p>
+                  </a:txBody>
+                  <a:tcPr anchor="ctr"/>
+                </a:tc>
+                <a:tc>
+                  <a:txBody>
+                    <a:bodyPr/>
+                    <a:lstStyle/>
+                    <a:p>
+                      <a:pPr algn="ctr"/>
+                      <a:r>
+                        <a:rPr lang="fr-FR" sz="1000" dirty="0"/>
+                        <a:t>14 + 254</a:t>
+                      </a:r>
+                      <a:endParaRPr lang="fr-CH" sz="1000" dirty="0"/>
+                    </a:p>
+                  </a:txBody>
+                  <a:tcPr anchor="ctr"/>
+                </a:tc>
+                <a:tc>
+                  <a:txBody>
+                    <a:bodyPr/>
+                    <a:lstStyle/>
+                    <a:p>
+                      <a:pPr marL="0" marR="0" lvl="0" indent="0" algn="ctr" defTabSz="914400" rtl="0" eaLnBrk="1" fontAlgn="auto" latinLnBrk="0" hangingPunct="1">
+                        <a:lnSpc>
+                          <a:spcPct val="100000"/>
+                        </a:lnSpc>
+                        <a:spcBef>
+                          <a:spcPts val="0"/>
+                        </a:spcBef>
+                        <a:spcAft>
+                          <a:spcPts val="0"/>
+                        </a:spcAft>
+                        <a:buClrTx/>
+                        <a:buSzTx/>
+                        <a:buFontTx/>
+                        <a:buNone/>
+                        <a:tabLst/>
+                        <a:defRPr/>
+                      </a:pPr>
+                      <a:r>
+                        <a:rPr lang="fr-FR" sz="1000" dirty="0"/>
+                        <a:t>6 + 254</a:t>
+                      </a:r>
+                      <a:endParaRPr lang="fr-CH" sz="1000" dirty="0"/>
+                    </a:p>
+                  </a:txBody>
+                  <a:tcPr anchor="ctr"/>
+                </a:tc>
+                <a:tc>
+                  <a:txBody>
+                    <a:bodyPr/>
+                    <a:lstStyle/>
+                    <a:p>
+                      <a:pPr algn="ctr"/>
+                      <a:r>
+                        <a:rPr lang="fr-FR" sz="1000" dirty="0"/>
+                        <a:t>2 + 254</a:t>
+                      </a:r>
+                      <a:endParaRPr lang="fr-CH" sz="1000" dirty="0"/>
+                    </a:p>
+                  </a:txBody>
+                  <a:tcPr anchor="ctr"/>
+                </a:tc>
+                <a:tc>
+                  <a:txBody>
+                    <a:bodyPr/>
+                    <a:lstStyle/>
+                    <a:p>
+                      <a:pPr algn="ctr"/>
+                      <a:r>
+                        <a:rPr lang="fr-FR" sz="1000" dirty="0"/>
+                        <a:t>0 + 254</a:t>
+                      </a:r>
+                      <a:endParaRPr lang="fr-CH" sz="1000" dirty="0"/>
+                    </a:p>
+                  </a:txBody>
+                  <a:tcPr anchor="ctr"/>
+                </a:tc>
+                <a:tc>
+                  <a:txBody>
+                    <a:bodyPr/>
+                    <a:lstStyle/>
+                    <a:p>
+                      <a:pPr algn="ctr"/>
+                      <a:r>
+                        <a:rPr lang="fr-FR" sz="1000" dirty="0"/>
+                        <a:t>0 + 254</a:t>
+                      </a:r>
                     </a:p>
                   </a:txBody>
                   <a:tcPr anchor="ctr"/>
@@ -21188,6 +21286,132 @@
               <a:t> /3</a:t>
             </a:r>
             <a:endParaRPr lang="fr-CH" dirty="0"/>
+          </a:p>
+        </p:txBody>
+      </p:sp>
+      <p:sp>
+        <p:nvSpPr>
+          <p:cNvPr id="3" name="ZoneTexte 2">
+            <a:extLst>
+              <a:ext uri="{FF2B5EF4-FFF2-40B4-BE49-F238E27FC236}">
+                <a16:creationId xmlns:a16="http://schemas.microsoft.com/office/drawing/2014/main" id="{3E6E3497-8CF5-A7F0-870A-044FA2466FE8}"/>
+              </a:ext>
+            </a:extLst>
+          </p:cNvPr>
+          <p:cNvSpPr txBox="1"/>
+          <p:nvPr/>
+        </p:nvSpPr>
+        <p:spPr>
+          <a:xfrm>
+            <a:off x="1292834" y="5591644"/>
+            <a:ext cx="6495817" cy="830997"/>
+          </a:xfrm>
+          <a:prstGeom prst="rect">
+            <a:avLst/>
+          </a:prstGeom>
+          <a:noFill/>
+        </p:spPr>
+        <p:txBody>
+          <a:bodyPr wrap="none" rtlCol="0">
+            <a:spAutoFit/>
+          </a:bodyPr>
+          <a:lstStyle/>
+          <a:p>
+            <a:r>
+              <a:rPr lang="fr-FR" sz="1200" b="1" dirty="0"/>
+              <a:t>Bit 32: </a:t>
+            </a:r>
+            <a:r>
+              <a:rPr lang="fr-FR" sz="1200" dirty="0"/>
+              <a:t>1 adresse IP par </a:t>
+            </a:r>
+            <a:r>
+              <a:rPr lang="fr-FR" sz="1200" dirty="0" err="1"/>
+              <a:t>ss</a:t>
+            </a:r>
+            <a:r>
+              <a:rPr lang="fr-FR" sz="1200" dirty="0"/>
+              <a:t>-réseau, 256 / 1 = 256 </a:t>
+            </a:r>
+            <a:r>
+              <a:rPr lang="fr-FR" sz="1200" dirty="0" err="1"/>
+              <a:t>ss</a:t>
+            </a:r>
+            <a:r>
+              <a:rPr lang="fr-FR" sz="1200" dirty="0"/>
+              <a:t>-réseaux possibles,  256 -1 = </a:t>
+            </a:r>
+            <a:r>
+              <a:rPr lang="fr-FR" sz="1200" b="1" dirty="0"/>
+              <a:t>255 (masque).</a:t>
+            </a:r>
+          </a:p>
+          <a:p>
+            <a:r>
+              <a:rPr lang="fr-FR" sz="1200" b="1" dirty="0"/>
+              <a:t>Bit 31: </a:t>
+            </a:r>
+            <a:r>
+              <a:rPr lang="fr-FR" sz="1200" dirty="0"/>
+              <a:t>2 adresses IP par </a:t>
+            </a:r>
+            <a:r>
+              <a:rPr lang="fr-FR" sz="1200" dirty="0" err="1"/>
+              <a:t>ss</a:t>
+            </a:r>
+            <a:r>
+              <a:rPr lang="fr-FR" sz="1200" dirty="0"/>
+              <a:t>-réseau, 256 / 2 = 128 </a:t>
+            </a:r>
+            <a:r>
+              <a:rPr lang="fr-FR" sz="1200" dirty="0" err="1"/>
+              <a:t>ss</a:t>
+            </a:r>
+            <a:r>
+              <a:rPr lang="fr-FR" sz="1200" dirty="0"/>
+              <a:t>-réseaux possibles, 256 -2 = </a:t>
+            </a:r>
+            <a:r>
+              <a:rPr lang="fr-FR" sz="1200" b="1" dirty="0"/>
+              <a:t>254 (masque).</a:t>
+            </a:r>
+          </a:p>
+          <a:p>
+            <a:r>
+              <a:rPr lang="fr-FR" sz="1200" dirty="0"/>
+              <a:t>…</a:t>
+            </a:r>
+          </a:p>
+          <a:p>
+            <a:r>
+              <a:rPr lang="fr-FR" sz="1200" b="1" dirty="0"/>
+              <a:t>Bit 25: </a:t>
+            </a:r>
+            <a:r>
+              <a:rPr lang="fr-FR" sz="1200" dirty="0"/>
+              <a:t>128 adresses IP par </a:t>
+            </a:r>
+            <a:r>
+              <a:rPr lang="fr-FR" sz="1200" dirty="0" err="1"/>
+              <a:t>ss</a:t>
+            </a:r>
+            <a:r>
+              <a:rPr lang="fr-FR" sz="1200" dirty="0"/>
+              <a:t>-réseau, 256 / 128 = 2 </a:t>
+            </a:r>
+            <a:r>
+              <a:rPr lang="fr-FR" sz="1200" dirty="0" err="1"/>
+              <a:t>ss</a:t>
+            </a:r>
+            <a:r>
+              <a:rPr lang="fr-FR" sz="1200" dirty="0"/>
+              <a:t>-réseaux possibles, 256 -128 = </a:t>
+            </a:r>
+            <a:r>
+              <a:rPr lang="fr-FR" sz="1200" b="1" dirty="0"/>
+              <a:t>128 (masque).</a:t>
+            </a:r>
+            <a:endParaRPr lang="fr-CH" sz="1200" b="1" dirty="0"/>
           </a:p>
         </p:txBody>
       </p:sp>
@@ -21790,6 +22014,551 @@
         <p:cNvPr id="1" name="">
           <a:extLst>
             <a:ext uri="{FF2B5EF4-FFF2-40B4-BE49-F238E27FC236}">
+              <a16:creationId xmlns:a16="http://schemas.microsoft.com/office/drawing/2014/main" id="{F8CB6B80-2E31-E75D-3472-1982F8DD9FA3}"/>
+            </a:ext>
+          </a:extLst>
+        </p:cNvPr>
+        <p:cNvGrpSpPr/>
+        <p:nvPr/>
+      </p:nvGrpSpPr>
+      <p:grpSpPr>
+        <a:xfrm>
+          <a:off x="0" y="0"/>
+          <a:ext cx="0" cy="0"/>
+          <a:chOff x="0" y="0"/>
+          <a:chExt cx="0" cy="0"/>
+        </a:xfrm>
+      </p:grpSpPr>
+      <p:sp>
+        <p:nvSpPr>
+          <p:cNvPr id="2" name="Titre 1">
+            <a:extLst>
+              <a:ext uri="{FF2B5EF4-FFF2-40B4-BE49-F238E27FC236}">
+                <a16:creationId xmlns:a16="http://schemas.microsoft.com/office/drawing/2014/main" id="{3EEBBF90-402F-7462-50F2-2B8D761209FB}"/>
+              </a:ext>
+            </a:extLst>
+          </p:cNvPr>
+          <p:cNvSpPr>
+            <a:spLocks noGrp="1"/>
+          </p:cNvSpPr>
+          <p:nvPr>
+            <p:ph type="title"/>
+          </p:nvPr>
+        </p:nvSpPr>
+        <p:spPr>
+          <a:xfrm>
+            <a:off x="1141413" y="618518"/>
+            <a:ext cx="9905998" cy="1165015"/>
+          </a:xfrm>
+        </p:spPr>
+        <p:txBody>
+          <a:bodyPr/>
+          <a:lstStyle/>
+          <a:p>
+            <a:r>
+              <a:rPr lang="fr-FR" b="1" dirty="0"/>
+              <a:t>Les routes: comment les construire?</a:t>
+            </a:r>
+            <a:endParaRPr lang="fr-CH" b="1" dirty="0"/>
+          </a:p>
+        </p:txBody>
+      </p:sp>
+      <p:sp>
+        <p:nvSpPr>
+          <p:cNvPr id="3" name="Espace réservé du contenu 2">
+            <a:extLst>
+              <a:ext uri="{FF2B5EF4-FFF2-40B4-BE49-F238E27FC236}">
+                <a16:creationId xmlns:a16="http://schemas.microsoft.com/office/drawing/2014/main" id="{3C2FDAF7-83ED-31D5-CFBE-7F0ED21ED750}"/>
+              </a:ext>
+            </a:extLst>
+          </p:cNvPr>
+          <p:cNvSpPr>
+            <a:spLocks noGrp="1"/>
+          </p:cNvSpPr>
+          <p:nvPr>
+            <p:ph idx="1"/>
+          </p:nvPr>
+        </p:nvSpPr>
+        <p:spPr>
+          <a:xfrm>
+            <a:off x="1141412" y="1783533"/>
+            <a:ext cx="9905999" cy="3635973"/>
+          </a:xfrm>
+        </p:spPr>
+        <p:txBody>
+          <a:bodyPr>
+            <a:normAutofit/>
+          </a:bodyPr>
+          <a:lstStyle/>
+          <a:p>
+            <a:r>
+              <a:rPr lang="fr-FR" b="1" dirty="0"/>
+              <a:t>La plage de destination </a:t>
+            </a:r>
+            <a:r>
+              <a:rPr lang="fr-FR" dirty="0"/>
+              <a:t>se définit en fonction de la base commune des adresses visées, soit l’adresse du sous-réseau. Plus la base est haute, moins la plage est grande, puisqu’il y a un plafond à 255 (voir plus bas si masqué à plus de 0?).</a:t>
+            </a:r>
+          </a:p>
+          <a:p>
+            <a:pPr marL="0" indent="0">
+              <a:buNone/>
+            </a:pPr>
+            <a:r>
+              <a:rPr lang="fr-FR" dirty="0"/>
+              <a:t>Exemple:</a:t>
+            </a:r>
+          </a:p>
+        </p:txBody>
+      </p:sp>
+      <p:sp>
+        <p:nvSpPr>
+          <p:cNvPr id="7" name="ZoneTexte 6">
+            <a:extLst>
+              <a:ext uri="{FF2B5EF4-FFF2-40B4-BE49-F238E27FC236}">
+                <a16:creationId xmlns:a16="http://schemas.microsoft.com/office/drawing/2014/main" id="{E0BB2FBF-F7DC-ACC8-6183-6EEA51E5D2C3}"/>
+              </a:ext>
+            </a:extLst>
+          </p:cNvPr>
+          <p:cNvSpPr txBox="1"/>
+          <p:nvPr/>
+        </p:nvSpPr>
+        <p:spPr>
+          <a:xfrm>
+            <a:off x="731520" y="6065836"/>
+            <a:ext cx="11287705" cy="646331"/>
+          </a:xfrm>
+          <a:prstGeom prst="rect">
+            <a:avLst/>
+          </a:prstGeom>
+          <a:noFill/>
+        </p:spPr>
+        <p:txBody>
+          <a:bodyPr wrap="none" rtlCol="0">
+            <a:spAutoFit/>
+          </a:bodyPr>
+          <a:lstStyle/>
+          <a:p>
+            <a:pPr algn="ctr"/>
+            <a:r>
+              <a:rPr lang="fr-FR" dirty="0"/>
+              <a:t>Dans </a:t>
+            </a:r>
+            <a:r>
+              <a:rPr lang="fr-FR" dirty="0" err="1"/>
+              <a:t>Netpractice</a:t>
+            </a:r>
+            <a:r>
+              <a:rPr lang="fr-FR" dirty="0"/>
+              <a:t>, on utilise généralement le default (0.0.0.0/0) pour les destinations d’une route partant d’un ordinateur.</a:t>
+            </a:r>
+          </a:p>
+          <a:p>
+            <a:pPr algn="ctr"/>
+            <a:r>
+              <a:rPr lang="fr-FR" dirty="0"/>
+              <a:t>En effet, peu importe où l’information doit être envoyée, il faudra passer par un même relai.</a:t>
+            </a:r>
+            <a:endParaRPr lang="fr-CH" dirty="0"/>
+          </a:p>
+        </p:txBody>
+      </p:sp>
+      <p:sp>
+        <p:nvSpPr>
+          <p:cNvPr id="9" name="Espace réservé du numéro de diapositive 8">
+            <a:extLst>
+              <a:ext uri="{FF2B5EF4-FFF2-40B4-BE49-F238E27FC236}">
+                <a16:creationId xmlns:a16="http://schemas.microsoft.com/office/drawing/2014/main" id="{AC77D7FC-C5E2-7868-F1E1-94F5A23DA93E}"/>
+              </a:ext>
+            </a:extLst>
+          </p:cNvPr>
+          <p:cNvSpPr>
+            <a:spLocks noGrp="1"/>
+          </p:cNvSpPr>
+          <p:nvPr>
+            <p:ph type="sldNum" sz="quarter" idx="12"/>
+          </p:nvPr>
+        </p:nvSpPr>
+        <p:spPr/>
+        <p:txBody>
+          <a:bodyPr/>
+          <a:lstStyle/>
+          <a:p>
+            <a:fld id="{6D22F896-40B5-4ADD-8801-0D06FADFA095}" type="slidenum">
+              <a:rPr lang="en-US" smtClean="0"/>
+              <a:t>17</a:t>
+            </a:fld>
+            <a:endParaRPr lang="en-US" dirty="0"/>
+          </a:p>
+        </p:txBody>
+      </p:sp>
+      <p:sp>
+        <p:nvSpPr>
+          <p:cNvPr id="4" name="ZoneTexte 3">
+            <a:extLst>
+              <a:ext uri="{FF2B5EF4-FFF2-40B4-BE49-F238E27FC236}">
+                <a16:creationId xmlns:a16="http://schemas.microsoft.com/office/drawing/2014/main" id="{D1C65E7C-1571-A37F-A7CA-AC2DC07FD28F}"/>
+              </a:ext>
+            </a:extLst>
+          </p:cNvPr>
+          <p:cNvSpPr txBox="1"/>
+          <p:nvPr/>
+        </p:nvSpPr>
+        <p:spPr>
+          <a:xfrm>
+            <a:off x="7670125" y="3801304"/>
+            <a:ext cx="4072219" cy="1569660"/>
+          </a:xfrm>
+          <a:prstGeom prst="rect">
+            <a:avLst/>
+          </a:prstGeom>
+          <a:noFill/>
+          <a:ln w="28575">
+            <a:solidFill>
+              <a:schemeClr val="accent2"/>
+            </a:solidFill>
+            <a:prstDash val="sysDot"/>
+          </a:ln>
+        </p:spPr>
+        <p:txBody>
+          <a:bodyPr wrap="square" rtlCol="0">
+            <a:spAutoFit/>
+          </a:bodyPr>
+          <a:lstStyle/>
+          <a:p>
+            <a:r>
+              <a:rPr lang="fr-FR" sz="1600" dirty="0"/>
+              <a:t>En partant de 120.7.18.192 sur un sous-réseau à un seul byte hôte (255.255.255.0),</a:t>
+            </a:r>
+          </a:p>
+          <a:p>
+            <a:r>
+              <a:rPr lang="fr-FR" sz="1600" dirty="0"/>
+              <a:t>il ne nous reste plus que 64 adresses à couvrir, ce qui revient alors à un masque de /26. </a:t>
+            </a:r>
+          </a:p>
+          <a:p>
+            <a:r>
+              <a:rPr lang="fr-FR" sz="1600" dirty="0"/>
+              <a:t>La plage de destination est alors </a:t>
+            </a:r>
+            <a:r>
+              <a:rPr lang="fr-FR" sz="1600" b="1" dirty="0"/>
+              <a:t>120.7.18.192/26.</a:t>
+            </a:r>
+          </a:p>
+        </p:txBody>
+      </p:sp>
+      <p:graphicFrame>
+        <p:nvGraphicFramePr>
+          <p:cNvPr id="5" name="Espace réservé du contenu 5">
+            <a:extLst>
+              <a:ext uri="{FF2B5EF4-FFF2-40B4-BE49-F238E27FC236}">
+                <a16:creationId xmlns:a16="http://schemas.microsoft.com/office/drawing/2014/main" id="{6522A458-0715-2F1E-6946-6FA54AE49FDA}"/>
+              </a:ext>
+            </a:extLst>
+          </p:cNvPr>
+          <p:cNvGraphicFramePr>
+            <a:graphicFrameLocks/>
+          </p:cNvGraphicFramePr>
+          <p:nvPr>
+            <p:extLst>
+              <p:ext uri="{D42A27DB-BD31-4B8C-83A1-F6EECF244321}">
+                <p14:modId xmlns:p14="http://schemas.microsoft.com/office/powerpoint/2010/main" val="1021145048"/>
+              </p:ext>
+            </p:extLst>
+          </p:nvPr>
+        </p:nvGraphicFramePr>
+        <p:xfrm>
+          <a:off x="2528433" y="3714567"/>
+          <a:ext cx="5023996" cy="2148840"/>
+        </p:xfrm>
+        <a:graphic>
+          <a:graphicData uri="http://schemas.openxmlformats.org/drawingml/2006/table">
+            <a:tbl>
+              <a:tblPr firstCol="1" bandRow="1">
+                <a:tableStyleId>{93296810-A885-4BE3-A3E7-6D5BEEA58F35}</a:tableStyleId>
+              </a:tblPr>
+              <a:tblGrid>
+                <a:gridCol w="2394889">
+                  <a:extLst>
+                    <a:ext uri="{9D8B030D-6E8A-4147-A177-3AD203B41FA5}">
+                      <a16:colId xmlns:a16="http://schemas.microsoft.com/office/drawing/2014/main" val="3124624490"/>
+                    </a:ext>
+                  </a:extLst>
+                </a:gridCol>
+                <a:gridCol w="2629107">
+                  <a:extLst>
+                    <a:ext uri="{9D8B030D-6E8A-4147-A177-3AD203B41FA5}">
+                      <a16:colId xmlns:a16="http://schemas.microsoft.com/office/drawing/2014/main" val="1846533452"/>
+                    </a:ext>
+                  </a:extLst>
+                </a:gridCol>
+              </a:tblGrid>
+              <a:tr h="370840">
+                <a:tc>
+                  <a:txBody>
+                    <a:bodyPr/>
+                    <a:lstStyle/>
+                    <a:p>
+                      <a:r>
+                        <a:rPr lang="fr-FR" sz="1400" dirty="0"/>
+                        <a:t>Masque</a:t>
+                      </a:r>
+                      <a:endParaRPr lang="fr-CH" sz="1400" dirty="0"/>
+                    </a:p>
+                  </a:txBody>
+                  <a:tcPr/>
+                </a:tc>
+                <a:tc>
+                  <a:txBody>
+                    <a:bodyPr/>
+                    <a:lstStyle/>
+                    <a:p>
+                      <a:pPr algn="l"/>
+                      <a:r>
+                        <a:rPr lang="fr-FR" sz="1400" b="0" dirty="0">
+                          <a:solidFill>
+                            <a:schemeClr val="bg1"/>
+                          </a:solidFill>
+                        </a:rPr>
+                        <a:t>255.255.255.</a:t>
+                      </a:r>
+                      <a:r>
+                        <a:rPr lang="fr-FR" sz="1400" b="1" dirty="0">
+                          <a:solidFill>
+                            <a:schemeClr val="accent6"/>
+                          </a:solidFill>
+                        </a:rPr>
+                        <a:t>0</a:t>
+                      </a:r>
+                      <a:endParaRPr lang="fr-CH" sz="1400" b="1" dirty="0">
+                        <a:solidFill>
+                          <a:schemeClr val="accent6"/>
+                        </a:solidFill>
+                      </a:endParaRPr>
+                    </a:p>
+                  </a:txBody>
+                  <a:tcPr anchor="ctr"/>
+                </a:tc>
+                <a:extLst>
+                  <a:ext uri="{0D108BD9-81ED-4DB2-BD59-A6C34878D82A}">
+                    <a16:rowId xmlns:a16="http://schemas.microsoft.com/office/drawing/2014/main" val="2322430221"/>
+                  </a:ext>
+                </a:extLst>
+              </a:tr>
+              <a:tr h="370840">
+                <a:tc>
+                  <a:txBody>
+                    <a:bodyPr/>
+                    <a:lstStyle/>
+                    <a:p>
+                      <a:r>
+                        <a:rPr lang="fr-FR" sz="1400" dirty="0"/>
+                        <a:t>Adresse de sous-réseau</a:t>
+                      </a:r>
+                      <a:endParaRPr lang="fr-CH" sz="1400" dirty="0"/>
+                    </a:p>
+                  </a:txBody>
+                  <a:tcPr/>
+                </a:tc>
+                <a:tc>
+                  <a:txBody>
+                    <a:bodyPr/>
+                    <a:lstStyle/>
+                    <a:p>
+                      <a:pPr algn="l"/>
+                      <a:r>
+                        <a:rPr lang="fr-FR" sz="1400" dirty="0"/>
+                        <a:t>120.7.18.</a:t>
+                      </a:r>
+                      <a:r>
+                        <a:rPr lang="fr-FR" sz="1400" b="1" dirty="0">
+                          <a:solidFill>
+                            <a:schemeClr val="accent6"/>
+                          </a:solidFill>
+                        </a:rPr>
+                        <a:t>192</a:t>
+                      </a:r>
+                      <a:endParaRPr lang="fr-CH" sz="1400" b="1" dirty="0">
+                        <a:solidFill>
+                          <a:schemeClr val="accent6"/>
+                        </a:solidFill>
+                      </a:endParaRPr>
+                    </a:p>
+                  </a:txBody>
+                  <a:tcPr anchor="ctr"/>
+                </a:tc>
+                <a:extLst>
+                  <a:ext uri="{0D108BD9-81ED-4DB2-BD59-A6C34878D82A}">
+                    <a16:rowId xmlns:a16="http://schemas.microsoft.com/office/drawing/2014/main" val="263527426"/>
+                  </a:ext>
+                </a:extLst>
+              </a:tr>
+              <a:tr h="370840">
+                <a:tc>
+                  <a:txBody>
+                    <a:bodyPr/>
+                    <a:lstStyle/>
+                    <a:p>
+                      <a:r>
+                        <a:rPr lang="fr-FR" sz="1400" dirty="0"/>
+                        <a:t>Nombre d’adresses dans le sous-réseau</a:t>
+                      </a:r>
+                      <a:endParaRPr lang="fr-CH" sz="1400" dirty="0"/>
+                    </a:p>
+                  </a:txBody>
+                  <a:tcPr/>
+                </a:tc>
+                <a:tc>
+                  <a:txBody>
+                    <a:bodyPr/>
+                    <a:lstStyle/>
+                    <a:p>
+                      <a:pPr algn="l"/>
+                      <a:r>
+                        <a:rPr lang="fr-FR" sz="1400" b="1" dirty="0"/>
+                        <a:t>255</a:t>
+                      </a:r>
+                      <a:r>
+                        <a:rPr lang="fr-FR" sz="1400" dirty="0"/>
+                        <a:t> - </a:t>
+                      </a:r>
+                      <a:r>
+                        <a:rPr lang="fr-FR" sz="1400" b="1" dirty="0">
+                          <a:solidFill>
+                            <a:schemeClr val="accent6"/>
+                          </a:solidFill>
+                        </a:rPr>
+                        <a:t>192</a:t>
+                      </a:r>
+                      <a:r>
+                        <a:rPr lang="fr-FR" sz="1400" dirty="0"/>
+                        <a:t> = 64</a:t>
+                      </a:r>
+                    </a:p>
+                  </a:txBody>
+                  <a:tcPr anchor="ctr"/>
+                </a:tc>
+                <a:extLst>
+                  <a:ext uri="{0D108BD9-81ED-4DB2-BD59-A6C34878D82A}">
+                    <a16:rowId xmlns:a16="http://schemas.microsoft.com/office/drawing/2014/main" val="469128162"/>
+                  </a:ext>
+                </a:extLst>
+              </a:tr>
+              <a:tr h="370840">
+                <a:tc>
+                  <a:txBody>
+                    <a:bodyPr/>
+                    <a:lstStyle/>
+                    <a:p>
+                      <a:r>
+                        <a:rPr lang="fr-FR" sz="1400" dirty="0"/>
+                        <a:t>Bit correspondant au nombre d’adresses</a:t>
+                      </a:r>
+                      <a:endParaRPr lang="fr-CH" sz="1400" dirty="0"/>
+                    </a:p>
+                  </a:txBody>
+                  <a:tcPr/>
+                </a:tc>
+                <a:tc>
+                  <a:txBody>
+                    <a:bodyPr/>
+                    <a:lstStyle/>
+                    <a:p>
+                      <a:pPr algn="l"/>
+                      <a:r>
+                        <a:rPr lang="fr-FR" sz="1400" dirty="0"/>
+                        <a:t>/26</a:t>
+                      </a:r>
+                      <a:endParaRPr lang="fr-CH" sz="1400" dirty="0"/>
+                    </a:p>
+                  </a:txBody>
+                  <a:tcPr anchor="ctr"/>
+                </a:tc>
+                <a:extLst>
+                  <a:ext uri="{0D108BD9-81ED-4DB2-BD59-A6C34878D82A}">
+                    <a16:rowId xmlns:a16="http://schemas.microsoft.com/office/drawing/2014/main" val="2965202747"/>
+                  </a:ext>
+                </a:extLst>
+              </a:tr>
+              <a:tr h="370840">
+                <a:tc>
+                  <a:txBody>
+                    <a:bodyPr/>
+                    <a:lstStyle/>
+                    <a:p>
+                      <a:r>
+                        <a:rPr lang="fr-FR" sz="1400" dirty="0"/>
+                        <a:t>Plage de destination</a:t>
+                      </a:r>
+                      <a:endParaRPr lang="fr-CH" sz="1400" dirty="0"/>
+                    </a:p>
+                  </a:txBody>
+                  <a:tcPr/>
+                </a:tc>
+                <a:tc>
+                  <a:txBody>
+                    <a:bodyPr/>
+                    <a:lstStyle/>
+                    <a:p>
+                      <a:pPr marL="0" marR="0" lvl="0" indent="0" algn="l" defTabSz="914400" rtl="0" eaLnBrk="1" fontAlgn="auto" latinLnBrk="0" hangingPunct="1">
+                        <a:lnSpc>
+                          <a:spcPct val="100000"/>
+                        </a:lnSpc>
+                        <a:spcBef>
+                          <a:spcPts val="0"/>
+                        </a:spcBef>
+                        <a:spcAft>
+                          <a:spcPts val="0"/>
+                        </a:spcAft>
+                        <a:buClrTx/>
+                        <a:buSzTx/>
+                        <a:buFontTx/>
+                        <a:buNone/>
+                        <a:tabLst/>
+                        <a:defRPr/>
+                      </a:pPr>
+                      <a:r>
+                        <a:rPr lang="fr-FR" sz="1400" dirty="0"/>
+                        <a:t>120.7.18.192/26</a:t>
+                      </a:r>
+                      <a:endParaRPr lang="fr-CH" sz="1400" dirty="0"/>
+                    </a:p>
+                  </a:txBody>
+                  <a:tcPr anchor="ctr"/>
+                </a:tc>
+                <a:extLst>
+                  <a:ext uri="{0D108BD9-81ED-4DB2-BD59-A6C34878D82A}">
+                    <a16:rowId xmlns:a16="http://schemas.microsoft.com/office/drawing/2014/main" val="3308466396"/>
+                  </a:ext>
+                </a:extLst>
+              </a:tr>
+            </a:tbl>
+          </a:graphicData>
+        </a:graphic>
+      </p:graphicFrame>
+    </p:spTree>
+    <p:extLst>
+      <p:ext uri="{BB962C8B-B14F-4D97-AF65-F5344CB8AC3E}">
+        <p14:creationId xmlns:p14="http://schemas.microsoft.com/office/powerpoint/2010/main" val="424631290"/>
+      </p:ext>
+    </p:extLst>
+  </p:cSld>
+  <p:clrMapOvr>
+    <a:masterClrMapping/>
+  </p:clrMapOvr>
+</p:sld>
+</file>
+
+<file path=ppt/slides/slide18.xml><?xml version="1.0" encoding="utf-8"?>
+<p:sld xmlns:a="http://schemas.openxmlformats.org/drawingml/2006/main" xmlns:r="http://schemas.openxmlformats.org/officeDocument/2006/relationships" xmlns:p="http://schemas.openxmlformats.org/presentationml/2006/main">
+  <p:cSld>
+    <p:spTree>
+      <p:nvGrpSpPr>
+        <p:cNvPr id="1" name="">
+          <a:extLst>
+            <a:ext uri="{FF2B5EF4-FFF2-40B4-BE49-F238E27FC236}">
               <a16:creationId xmlns:a16="http://schemas.microsoft.com/office/drawing/2014/main" id="{97BC040F-E2CE-050E-83F0-8B2CE6318B5A}"/>
             </a:ext>
           </a:extLst>
@@ -21890,7 +22659,7 @@
             </a:r>
             <a:r>
               <a:rPr lang="fr-FR" sz="2000" i="1" dirty="0"/>
-              <a:t>, de celle menant à internet, qui est une adresse à part?</a:t>
+              <a:t>, de celle menant à internet, qui est une adresse à part (toujours donnée)?</a:t>
             </a:r>
           </a:p>
           <a:p>
@@ -21927,7 +22696,7 @@
           <a:p>
             <a:fld id="{6D22F896-40B5-4ADD-8801-0D06FADFA095}" type="slidenum">
               <a:rPr lang="en-US" smtClean="0"/>
-              <a:t>17</a:t>
+              <a:t>18</a:t>
             </a:fld>
             <a:endParaRPr lang="en-US" dirty="0"/>
           </a:p>
@@ -22873,7 +23642,7 @@
         <p:spPr>
           <a:xfrm>
             <a:off x="5966924" y="5549444"/>
-            <a:ext cx="1305165" cy="369332"/>
+            <a:ext cx="1431802" cy="369332"/>
           </a:xfrm>
           <a:prstGeom prst="rect">
             <a:avLst/>
@@ -22893,7 +23662,7 @@
           <a:p>
             <a:r>
               <a:rPr lang="fr-FR" dirty="0"/>
-              <a:t>Interface R2</a:t>
+              <a:t>Interface R12</a:t>
             </a:r>
             <a:endParaRPr lang="fr-CH" dirty="0"/>
           </a:p>
@@ -22955,7 +23724,7 @@
         <p:spPr>
           <a:xfrm>
             <a:off x="7183495" y="4489386"/>
-            <a:ext cx="1305165" cy="369332"/>
+            <a:ext cx="1431802" cy="369332"/>
           </a:xfrm>
           <a:prstGeom prst="rect">
             <a:avLst/>
@@ -22975,7 +23744,7 @@
           <a:p>
             <a:r>
               <a:rPr lang="fr-FR" dirty="0"/>
-              <a:t>Interface R1</a:t>
+              <a:t>Interface R11</a:t>
             </a:r>
             <a:endParaRPr lang="fr-CH" dirty="0"/>
           </a:p>
@@ -22996,7 +23765,7 @@
         <p:spPr>
           <a:xfrm>
             <a:off x="4883831" y="4494250"/>
-            <a:ext cx="1305165" cy="369332"/>
+            <a:ext cx="1431802" cy="369332"/>
           </a:xfrm>
           <a:prstGeom prst="rect">
             <a:avLst/>
@@ -23016,7 +23785,7 @@
           <a:p>
             <a:r>
               <a:rPr lang="fr-FR" dirty="0"/>
-              <a:t>Interface R3</a:t>
+              <a:t>Interface R13</a:t>
             </a:r>
             <a:endParaRPr lang="fr-CH" dirty="0"/>
           </a:p>
@@ -23295,551 +24064,6 @@
     <p:extLst>
       <p:ext uri="{BB962C8B-B14F-4D97-AF65-F5344CB8AC3E}">
         <p14:creationId xmlns:p14="http://schemas.microsoft.com/office/powerpoint/2010/main" val="949814482"/>
-      </p:ext>
-    </p:extLst>
-  </p:cSld>
-  <p:clrMapOvr>
-    <a:masterClrMapping/>
-  </p:clrMapOvr>
-</p:sld>
-</file>
-
-<file path=ppt/slides/slide18.xml><?xml version="1.0" encoding="utf-8"?>
-<p:sld xmlns:a="http://schemas.openxmlformats.org/drawingml/2006/main" xmlns:r="http://schemas.openxmlformats.org/officeDocument/2006/relationships" xmlns:p="http://schemas.openxmlformats.org/presentationml/2006/main">
-  <p:cSld>
-    <p:spTree>
-      <p:nvGrpSpPr>
-        <p:cNvPr id="1" name="">
-          <a:extLst>
-            <a:ext uri="{FF2B5EF4-FFF2-40B4-BE49-F238E27FC236}">
-              <a16:creationId xmlns:a16="http://schemas.microsoft.com/office/drawing/2014/main" id="{F8CB6B80-2E31-E75D-3472-1982F8DD9FA3}"/>
-            </a:ext>
-          </a:extLst>
-        </p:cNvPr>
-        <p:cNvGrpSpPr/>
-        <p:nvPr/>
-      </p:nvGrpSpPr>
-      <p:grpSpPr>
-        <a:xfrm>
-          <a:off x="0" y="0"/>
-          <a:ext cx="0" cy="0"/>
-          <a:chOff x="0" y="0"/>
-          <a:chExt cx="0" cy="0"/>
-        </a:xfrm>
-      </p:grpSpPr>
-      <p:sp>
-        <p:nvSpPr>
-          <p:cNvPr id="2" name="Titre 1">
-            <a:extLst>
-              <a:ext uri="{FF2B5EF4-FFF2-40B4-BE49-F238E27FC236}">
-                <a16:creationId xmlns:a16="http://schemas.microsoft.com/office/drawing/2014/main" id="{3EEBBF90-402F-7462-50F2-2B8D761209FB}"/>
-              </a:ext>
-            </a:extLst>
-          </p:cNvPr>
-          <p:cNvSpPr>
-            <a:spLocks noGrp="1"/>
-          </p:cNvSpPr>
-          <p:nvPr>
-            <p:ph type="title"/>
-          </p:nvPr>
-        </p:nvSpPr>
-        <p:spPr>
-          <a:xfrm>
-            <a:off x="1141413" y="618518"/>
-            <a:ext cx="9905998" cy="1165015"/>
-          </a:xfrm>
-        </p:spPr>
-        <p:txBody>
-          <a:bodyPr/>
-          <a:lstStyle/>
-          <a:p>
-            <a:r>
-              <a:rPr lang="fr-FR" b="1" dirty="0"/>
-              <a:t>Les routes: comment les construire?</a:t>
-            </a:r>
-            <a:endParaRPr lang="fr-CH" b="1" dirty="0"/>
-          </a:p>
-        </p:txBody>
-      </p:sp>
-      <p:sp>
-        <p:nvSpPr>
-          <p:cNvPr id="3" name="Espace réservé du contenu 2">
-            <a:extLst>
-              <a:ext uri="{FF2B5EF4-FFF2-40B4-BE49-F238E27FC236}">
-                <a16:creationId xmlns:a16="http://schemas.microsoft.com/office/drawing/2014/main" id="{3C2FDAF7-83ED-31D5-CFBE-7F0ED21ED750}"/>
-              </a:ext>
-            </a:extLst>
-          </p:cNvPr>
-          <p:cNvSpPr>
-            <a:spLocks noGrp="1"/>
-          </p:cNvSpPr>
-          <p:nvPr>
-            <p:ph idx="1"/>
-          </p:nvPr>
-        </p:nvSpPr>
-        <p:spPr>
-          <a:xfrm>
-            <a:off x="1141412" y="1783533"/>
-            <a:ext cx="9905999" cy="3635973"/>
-          </a:xfrm>
-        </p:spPr>
-        <p:txBody>
-          <a:bodyPr>
-            <a:normAutofit/>
-          </a:bodyPr>
-          <a:lstStyle/>
-          <a:p>
-            <a:r>
-              <a:rPr lang="fr-FR" b="1" dirty="0"/>
-              <a:t>La plage de destination </a:t>
-            </a:r>
-            <a:r>
-              <a:rPr lang="fr-FR" dirty="0"/>
-              <a:t>se définit en fonction de la base commune des adresses visées, soit l’adresse du sous-réseau. Plus la base est haute, moins la plage est grande, puisqu’il y a un plafond à 255 (voir plus bas si masqué à plus de 0).</a:t>
-            </a:r>
-          </a:p>
-          <a:p>
-            <a:pPr marL="0" indent="0">
-              <a:buNone/>
-            </a:pPr>
-            <a:r>
-              <a:rPr lang="fr-FR" dirty="0"/>
-              <a:t>Exemple:</a:t>
-            </a:r>
-          </a:p>
-        </p:txBody>
-      </p:sp>
-      <p:sp>
-        <p:nvSpPr>
-          <p:cNvPr id="7" name="ZoneTexte 6">
-            <a:extLst>
-              <a:ext uri="{FF2B5EF4-FFF2-40B4-BE49-F238E27FC236}">
-                <a16:creationId xmlns:a16="http://schemas.microsoft.com/office/drawing/2014/main" id="{E0BB2FBF-F7DC-ACC8-6183-6EEA51E5D2C3}"/>
-              </a:ext>
-            </a:extLst>
-          </p:cNvPr>
-          <p:cNvSpPr txBox="1"/>
-          <p:nvPr/>
-        </p:nvSpPr>
-        <p:spPr>
-          <a:xfrm>
-            <a:off x="731520" y="6065836"/>
-            <a:ext cx="11287705" cy="646331"/>
-          </a:xfrm>
-          <a:prstGeom prst="rect">
-            <a:avLst/>
-          </a:prstGeom>
-          <a:noFill/>
-        </p:spPr>
-        <p:txBody>
-          <a:bodyPr wrap="none" rtlCol="0">
-            <a:spAutoFit/>
-          </a:bodyPr>
-          <a:lstStyle/>
-          <a:p>
-            <a:pPr algn="ctr"/>
-            <a:r>
-              <a:rPr lang="fr-FR" dirty="0"/>
-              <a:t>Dans </a:t>
-            </a:r>
-            <a:r>
-              <a:rPr lang="fr-FR" dirty="0" err="1"/>
-              <a:t>Netpractice</a:t>
-            </a:r>
-            <a:r>
-              <a:rPr lang="fr-FR" dirty="0"/>
-              <a:t>, on utilise généralement le default (0.0.0.0/0) pour les destinations d’une route partant d’un ordinateur.</a:t>
-            </a:r>
-          </a:p>
-          <a:p>
-            <a:pPr algn="ctr"/>
-            <a:r>
-              <a:rPr lang="fr-FR" dirty="0"/>
-              <a:t>En effet, peu importe où l’information doit être envoyée, il faudra passer par un même relai.</a:t>
-            </a:r>
-            <a:endParaRPr lang="fr-CH" dirty="0"/>
-          </a:p>
-        </p:txBody>
-      </p:sp>
-      <p:sp>
-        <p:nvSpPr>
-          <p:cNvPr id="9" name="Espace réservé du numéro de diapositive 8">
-            <a:extLst>
-              <a:ext uri="{FF2B5EF4-FFF2-40B4-BE49-F238E27FC236}">
-                <a16:creationId xmlns:a16="http://schemas.microsoft.com/office/drawing/2014/main" id="{AC77D7FC-C5E2-7868-F1E1-94F5A23DA93E}"/>
-              </a:ext>
-            </a:extLst>
-          </p:cNvPr>
-          <p:cNvSpPr>
-            <a:spLocks noGrp="1"/>
-          </p:cNvSpPr>
-          <p:nvPr>
-            <p:ph type="sldNum" sz="quarter" idx="12"/>
-          </p:nvPr>
-        </p:nvSpPr>
-        <p:spPr/>
-        <p:txBody>
-          <a:bodyPr/>
-          <a:lstStyle/>
-          <a:p>
-            <a:fld id="{6D22F896-40B5-4ADD-8801-0D06FADFA095}" type="slidenum">
-              <a:rPr lang="en-US" smtClean="0"/>
-              <a:t>18</a:t>
-            </a:fld>
-            <a:endParaRPr lang="en-US" dirty="0"/>
-          </a:p>
-        </p:txBody>
-      </p:sp>
-      <p:sp>
-        <p:nvSpPr>
-          <p:cNvPr id="4" name="ZoneTexte 3">
-            <a:extLst>
-              <a:ext uri="{FF2B5EF4-FFF2-40B4-BE49-F238E27FC236}">
-                <a16:creationId xmlns:a16="http://schemas.microsoft.com/office/drawing/2014/main" id="{D1C65E7C-1571-A37F-A7CA-AC2DC07FD28F}"/>
-              </a:ext>
-            </a:extLst>
-          </p:cNvPr>
-          <p:cNvSpPr txBox="1"/>
-          <p:nvPr/>
-        </p:nvSpPr>
-        <p:spPr>
-          <a:xfrm>
-            <a:off x="7670125" y="3801304"/>
-            <a:ext cx="4072219" cy="1569660"/>
-          </a:xfrm>
-          <a:prstGeom prst="rect">
-            <a:avLst/>
-          </a:prstGeom>
-          <a:noFill/>
-          <a:ln w="28575">
-            <a:solidFill>
-              <a:schemeClr val="accent2"/>
-            </a:solidFill>
-            <a:prstDash val="sysDot"/>
-          </a:ln>
-        </p:spPr>
-        <p:txBody>
-          <a:bodyPr wrap="square" rtlCol="0">
-            <a:spAutoFit/>
-          </a:bodyPr>
-          <a:lstStyle/>
-          <a:p>
-            <a:r>
-              <a:rPr lang="fr-FR" sz="1600" dirty="0"/>
-              <a:t>En partant de 120.7.18.192 sur un sous-réseau à un seul byte hôte (255.255.255.0),</a:t>
-            </a:r>
-          </a:p>
-          <a:p>
-            <a:r>
-              <a:rPr lang="fr-FR" sz="1600" dirty="0"/>
-              <a:t>il ne nous reste plus que 64 adresses à couvrir, ce qui revient alors à un masque de /26. </a:t>
-            </a:r>
-          </a:p>
-          <a:p>
-            <a:r>
-              <a:rPr lang="fr-FR" sz="1600" dirty="0"/>
-              <a:t>La plage de destination est alors </a:t>
-            </a:r>
-            <a:r>
-              <a:rPr lang="fr-FR" sz="1600" b="1" dirty="0"/>
-              <a:t>120.7.18.192/26.</a:t>
-            </a:r>
-          </a:p>
-        </p:txBody>
-      </p:sp>
-      <p:graphicFrame>
-        <p:nvGraphicFramePr>
-          <p:cNvPr id="5" name="Espace réservé du contenu 5">
-            <a:extLst>
-              <a:ext uri="{FF2B5EF4-FFF2-40B4-BE49-F238E27FC236}">
-                <a16:creationId xmlns:a16="http://schemas.microsoft.com/office/drawing/2014/main" id="{6522A458-0715-2F1E-6946-6FA54AE49FDA}"/>
-              </a:ext>
-            </a:extLst>
-          </p:cNvPr>
-          <p:cNvGraphicFramePr>
-            <a:graphicFrameLocks/>
-          </p:cNvGraphicFramePr>
-          <p:nvPr>
-            <p:extLst>
-              <p:ext uri="{D42A27DB-BD31-4B8C-83A1-F6EECF244321}">
-                <p14:modId xmlns:p14="http://schemas.microsoft.com/office/powerpoint/2010/main" val="1021145048"/>
-              </p:ext>
-            </p:extLst>
-          </p:nvPr>
-        </p:nvGraphicFramePr>
-        <p:xfrm>
-          <a:off x="2528433" y="3714567"/>
-          <a:ext cx="5023996" cy="2148840"/>
-        </p:xfrm>
-        <a:graphic>
-          <a:graphicData uri="http://schemas.openxmlformats.org/drawingml/2006/table">
-            <a:tbl>
-              <a:tblPr firstCol="1" bandRow="1">
-                <a:tableStyleId>{93296810-A885-4BE3-A3E7-6D5BEEA58F35}</a:tableStyleId>
-              </a:tblPr>
-              <a:tblGrid>
-                <a:gridCol w="2394889">
-                  <a:extLst>
-                    <a:ext uri="{9D8B030D-6E8A-4147-A177-3AD203B41FA5}">
-                      <a16:colId xmlns:a16="http://schemas.microsoft.com/office/drawing/2014/main" val="3124624490"/>
-                    </a:ext>
-                  </a:extLst>
-                </a:gridCol>
-                <a:gridCol w="2629107">
-                  <a:extLst>
-                    <a:ext uri="{9D8B030D-6E8A-4147-A177-3AD203B41FA5}">
-                      <a16:colId xmlns:a16="http://schemas.microsoft.com/office/drawing/2014/main" val="1846533452"/>
-                    </a:ext>
-                  </a:extLst>
-                </a:gridCol>
-              </a:tblGrid>
-              <a:tr h="370840">
-                <a:tc>
-                  <a:txBody>
-                    <a:bodyPr/>
-                    <a:lstStyle/>
-                    <a:p>
-                      <a:r>
-                        <a:rPr lang="fr-FR" sz="1400" dirty="0"/>
-                        <a:t>Masque</a:t>
-                      </a:r>
-                      <a:endParaRPr lang="fr-CH" sz="1400" dirty="0"/>
-                    </a:p>
-                  </a:txBody>
-                  <a:tcPr/>
-                </a:tc>
-                <a:tc>
-                  <a:txBody>
-                    <a:bodyPr/>
-                    <a:lstStyle/>
-                    <a:p>
-                      <a:pPr algn="l"/>
-                      <a:r>
-                        <a:rPr lang="fr-FR" sz="1400" b="0" dirty="0">
-                          <a:solidFill>
-                            <a:schemeClr val="bg1"/>
-                          </a:solidFill>
-                        </a:rPr>
-                        <a:t>255.255.255.</a:t>
-                      </a:r>
-                      <a:r>
-                        <a:rPr lang="fr-FR" sz="1400" b="1" dirty="0">
-                          <a:solidFill>
-                            <a:schemeClr val="accent6"/>
-                          </a:solidFill>
-                        </a:rPr>
-                        <a:t>0</a:t>
-                      </a:r>
-                      <a:endParaRPr lang="fr-CH" sz="1400" b="1" dirty="0">
-                        <a:solidFill>
-                          <a:schemeClr val="accent6"/>
-                        </a:solidFill>
-                      </a:endParaRPr>
-                    </a:p>
-                  </a:txBody>
-                  <a:tcPr anchor="ctr"/>
-                </a:tc>
-                <a:extLst>
-                  <a:ext uri="{0D108BD9-81ED-4DB2-BD59-A6C34878D82A}">
-                    <a16:rowId xmlns:a16="http://schemas.microsoft.com/office/drawing/2014/main" val="2322430221"/>
-                  </a:ext>
-                </a:extLst>
-              </a:tr>
-              <a:tr h="370840">
-                <a:tc>
-                  <a:txBody>
-                    <a:bodyPr/>
-                    <a:lstStyle/>
-                    <a:p>
-                      <a:r>
-                        <a:rPr lang="fr-FR" sz="1400" dirty="0"/>
-                        <a:t>Adresse de sous-réseau</a:t>
-                      </a:r>
-                      <a:endParaRPr lang="fr-CH" sz="1400" dirty="0"/>
-                    </a:p>
-                  </a:txBody>
-                  <a:tcPr/>
-                </a:tc>
-                <a:tc>
-                  <a:txBody>
-                    <a:bodyPr/>
-                    <a:lstStyle/>
-                    <a:p>
-                      <a:pPr algn="l"/>
-                      <a:r>
-                        <a:rPr lang="fr-FR" sz="1400" dirty="0"/>
-                        <a:t>120.7.18.</a:t>
-                      </a:r>
-                      <a:r>
-                        <a:rPr lang="fr-FR" sz="1400" b="1" dirty="0">
-                          <a:solidFill>
-                            <a:schemeClr val="accent6"/>
-                          </a:solidFill>
-                        </a:rPr>
-                        <a:t>192</a:t>
-                      </a:r>
-                      <a:endParaRPr lang="fr-CH" sz="1400" b="1" dirty="0">
-                        <a:solidFill>
-                          <a:schemeClr val="accent6"/>
-                        </a:solidFill>
-                      </a:endParaRPr>
-                    </a:p>
-                  </a:txBody>
-                  <a:tcPr anchor="ctr"/>
-                </a:tc>
-                <a:extLst>
-                  <a:ext uri="{0D108BD9-81ED-4DB2-BD59-A6C34878D82A}">
-                    <a16:rowId xmlns:a16="http://schemas.microsoft.com/office/drawing/2014/main" val="263527426"/>
-                  </a:ext>
-                </a:extLst>
-              </a:tr>
-              <a:tr h="370840">
-                <a:tc>
-                  <a:txBody>
-                    <a:bodyPr/>
-                    <a:lstStyle/>
-                    <a:p>
-                      <a:r>
-                        <a:rPr lang="fr-FR" sz="1400" dirty="0"/>
-                        <a:t>Nombre d’adresses dans le sous-réseau</a:t>
-                      </a:r>
-                      <a:endParaRPr lang="fr-CH" sz="1400" dirty="0"/>
-                    </a:p>
-                  </a:txBody>
-                  <a:tcPr/>
-                </a:tc>
-                <a:tc>
-                  <a:txBody>
-                    <a:bodyPr/>
-                    <a:lstStyle/>
-                    <a:p>
-                      <a:pPr algn="l"/>
-                      <a:r>
-                        <a:rPr lang="fr-FR" sz="1400" b="1" dirty="0"/>
-                        <a:t>255</a:t>
-                      </a:r>
-                      <a:r>
-                        <a:rPr lang="fr-FR" sz="1400" dirty="0"/>
-                        <a:t> - </a:t>
-                      </a:r>
-                      <a:r>
-                        <a:rPr lang="fr-FR" sz="1400" b="1" dirty="0">
-                          <a:solidFill>
-                            <a:schemeClr val="accent6"/>
-                          </a:solidFill>
-                        </a:rPr>
-                        <a:t>192</a:t>
-                      </a:r>
-                      <a:r>
-                        <a:rPr lang="fr-FR" sz="1400" dirty="0"/>
-                        <a:t> = 64</a:t>
-                      </a:r>
-                    </a:p>
-                  </a:txBody>
-                  <a:tcPr anchor="ctr"/>
-                </a:tc>
-                <a:extLst>
-                  <a:ext uri="{0D108BD9-81ED-4DB2-BD59-A6C34878D82A}">
-                    <a16:rowId xmlns:a16="http://schemas.microsoft.com/office/drawing/2014/main" val="469128162"/>
-                  </a:ext>
-                </a:extLst>
-              </a:tr>
-              <a:tr h="370840">
-                <a:tc>
-                  <a:txBody>
-                    <a:bodyPr/>
-                    <a:lstStyle/>
-                    <a:p>
-                      <a:r>
-                        <a:rPr lang="fr-FR" sz="1400" dirty="0"/>
-                        <a:t>Bit correspondant au nombre d’adresses</a:t>
-                      </a:r>
-                      <a:endParaRPr lang="fr-CH" sz="1400" dirty="0"/>
-                    </a:p>
-                  </a:txBody>
-                  <a:tcPr/>
-                </a:tc>
-                <a:tc>
-                  <a:txBody>
-                    <a:bodyPr/>
-                    <a:lstStyle/>
-                    <a:p>
-                      <a:pPr algn="l"/>
-                      <a:r>
-                        <a:rPr lang="fr-FR" sz="1400" dirty="0"/>
-                        <a:t>/26</a:t>
-                      </a:r>
-                      <a:endParaRPr lang="fr-CH" sz="1400" dirty="0"/>
-                    </a:p>
-                  </a:txBody>
-                  <a:tcPr anchor="ctr"/>
-                </a:tc>
-                <a:extLst>
-                  <a:ext uri="{0D108BD9-81ED-4DB2-BD59-A6C34878D82A}">
-                    <a16:rowId xmlns:a16="http://schemas.microsoft.com/office/drawing/2014/main" val="2965202747"/>
-                  </a:ext>
-                </a:extLst>
-              </a:tr>
-              <a:tr h="370840">
-                <a:tc>
-                  <a:txBody>
-                    <a:bodyPr/>
-                    <a:lstStyle/>
-                    <a:p>
-                      <a:r>
-                        <a:rPr lang="fr-FR" sz="1400" dirty="0"/>
-                        <a:t>Plage de destination</a:t>
-                      </a:r>
-                      <a:endParaRPr lang="fr-CH" sz="1400" dirty="0"/>
-                    </a:p>
-                  </a:txBody>
-                  <a:tcPr/>
-                </a:tc>
-                <a:tc>
-                  <a:txBody>
-                    <a:bodyPr/>
-                    <a:lstStyle/>
-                    <a:p>
-                      <a:pPr marL="0" marR="0" lvl="0" indent="0" algn="l" defTabSz="914400" rtl="0" eaLnBrk="1" fontAlgn="auto" latinLnBrk="0" hangingPunct="1">
-                        <a:lnSpc>
-                          <a:spcPct val="100000"/>
-                        </a:lnSpc>
-                        <a:spcBef>
-                          <a:spcPts val="0"/>
-                        </a:spcBef>
-                        <a:spcAft>
-                          <a:spcPts val="0"/>
-                        </a:spcAft>
-                        <a:buClrTx/>
-                        <a:buSzTx/>
-                        <a:buFontTx/>
-                        <a:buNone/>
-                        <a:tabLst/>
-                        <a:defRPr/>
-                      </a:pPr>
-                      <a:r>
-                        <a:rPr lang="fr-FR" sz="1400" dirty="0"/>
-                        <a:t>120.7.18.192/26</a:t>
-                      </a:r>
-                      <a:endParaRPr lang="fr-CH" sz="1400" dirty="0"/>
-                    </a:p>
-                  </a:txBody>
-                  <a:tcPr anchor="ctr"/>
-                </a:tc>
-                <a:extLst>
-                  <a:ext uri="{0D108BD9-81ED-4DB2-BD59-A6C34878D82A}">
-                    <a16:rowId xmlns:a16="http://schemas.microsoft.com/office/drawing/2014/main" val="3308466396"/>
-                  </a:ext>
-                </a:extLst>
-              </a:tr>
-            </a:tbl>
-          </a:graphicData>
-        </a:graphic>
-      </p:graphicFrame>
-    </p:spTree>
-    <p:extLst>
-      <p:ext uri="{BB962C8B-B14F-4D97-AF65-F5344CB8AC3E}">
-        <p14:creationId xmlns:p14="http://schemas.microsoft.com/office/powerpoint/2010/main" val="424631290"/>
       </p:ext>
     </p:extLst>
   </p:cSld>
@@ -24363,7 +24587,7 @@
         </p:spPr>
         <p:txBody>
           <a:bodyPr>
-            <a:normAutofit fontScale="70000" lnSpcReduction="20000"/>
+            <a:normAutofit fontScale="62500" lnSpcReduction="20000"/>
           </a:bodyPr>
           <a:lstStyle/>
           <a:p>
@@ -24474,6 +24698,17 @@
               <a:rPr lang="fr-CH" b="1" dirty="0"/>
               <a:t>Connecter son réseau à internet</a:t>
             </a:r>
+          </a:p>
+          <a:p>
+            <a:r>
+              <a:rPr lang="fr-CH" b="1" dirty="0"/>
+              <a:t>Astuces </a:t>
+            </a:r>
+            <a:r>
+              <a:rPr lang="fr-CH" b="1" dirty="0" err="1"/>
+              <a:t>Netpractice</a:t>
+            </a:r>
+            <a:endParaRPr lang="fr-CH" b="1" dirty="0"/>
           </a:p>
           <a:p>
             <a:endParaRPr lang="fr-CH" dirty="0"/>
@@ -24513,6 +24748,410 @@
     <p:extLst>
       <p:ext uri="{BB962C8B-B14F-4D97-AF65-F5344CB8AC3E}">
         <p14:creationId xmlns:p14="http://schemas.microsoft.com/office/powerpoint/2010/main" val="2671734130"/>
+      </p:ext>
+    </p:extLst>
+  </p:cSld>
+  <p:clrMapOvr>
+    <a:masterClrMapping/>
+  </p:clrMapOvr>
+</p:sld>
+</file>
+
+<file path=ppt/slides/slide20.xml><?xml version="1.0" encoding="utf-8"?>
+<p:sld xmlns:a="http://schemas.openxmlformats.org/drawingml/2006/main" xmlns:r="http://schemas.openxmlformats.org/officeDocument/2006/relationships" xmlns:p="http://schemas.openxmlformats.org/presentationml/2006/main">
+  <p:cSld>
+    <p:spTree>
+      <p:nvGrpSpPr>
+        <p:cNvPr id="1" name=""/>
+        <p:cNvGrpSpPr/>
+        <p:nvPr/>
+      </p:nvGrpSpPr>
+      <p:grpSpPr>
+        <a:xfrm>
+          <a:off x="0" y="0"/>
+          <a:ext cx="0" cy="0"/>
+          <a:chOff x="0" y="0"/>
+          <a:chExt cx="0" cy="0"/>
+        </a:xfrm>
+      </p:grpSpPr>
+      <p:sp>
+        <p:nvSpPr>
+          <p:cNvPr id="2" name="Titre 1">
+            <a:extLst>
+              <a:ext uri="{FF2B5EF4-FFF2-40B4-BE49-F238E27FC236}">
+                <a16:creationId xmlns:a16="http://schemas.microsoft.com/office/drawing/2014/main" id="{0F3A2EE5-6FE3-57E5-8B04-3F0C637B51B0}"/>
+              </a:ext>
+            </a:extLst>
+          </p:cNvPr>
+          <p:cNvSpPr>
+            <a:spLocks noGrp="1"/>
+          </p:cNvSpPr>
+          <p:nvPr>
+            <p:ph type="title"/>
+          </p:nvPr>
+        </p:nvSpPr>
+        <p:spPr/>
+        <p:txBody>
+          <a:bodyPr/>
+          <a:lstStyle/>
+          <a:p>
+            <a:r>
+              <a:rPr lang="fr-FR" b="1" dirty="0"/>
+              <a:t>Astuces </a:t>
+            </a:r>
+            <a:r>
+              <a:rPr lang="fr-FR" b="1" dirty="0" err="1"/>
+              <a:t>netpractice</a:t>
+            </a:r>
+            <a:endParaRPr lang="fr-CH" b="1" dirty="0"/>
+          </a:p>
+        </p:txBody>
+      </p:sp>
+      <p:sp>
+        <p:nvSpPr>
+          <p:cNvPr id="3" name="Espace réservé du contenu 2">
+            <a:extLst>
+              <a:ext uri="{FF2B5EF4-FFF2-40B4-BE49-F238E27FC236}">
+                <a16:creationId xmlns:a16="http://schemas.microsoft.com/office/drawing/2014/main" id="{E103F489-549D-3441-A58D-CD8A15CFBAB1}"/>
+              </a:ext>
+            </a:extLst>
+          </p:cNvPr>
+          <p:cNvSpPr>
+            <a:spLocks noGrp="1"/>
+          </p:cNvSpPr>
+          <p:nvPr>
+            <p:ph idx="1"/>
+          </p:nvPr>
+        </p:nvSpPr>
+        <p:spPr/>
+        <p:txBody>
+          <a:bodyPr>
+            <a:normAutofit/>
+          </a:bodyPr>
+          <a:lstStyle/>
+          <a:p>
+            <a:r>
+              <a:rPr lang="fr-FR" sz="2000" dirty="0"/>
+              <a:t>Les adresses d’un même sous-réseau doivent se suivre, même si elles sont partagées entre plusieurs sous-sous-réseaux. Si un sous-sous-réseau donné couvre la plage de .0 à .3 par ex., son voisin devra commencer à .4 (première adresse utilisable à .5).</a:t>
+            </a:r>
+          </a:p>
+          <a:p>
+            <a:r>
+              <a:rPr lang="fr-CH" sz="2000" dirty="0"/>
+              <a:t>Le nombre de routes partant d’internet vous indiquent combien il y a de sous-réseaux.</a:t>
+            </a:r>
+          </a:p>
+          <a:p>
+            <a:r>
+              <a:rPr lang="fr-CH" sz="2000" dirty="0"/>
+              <a:t>Les routeurs gèrent plusieurs destinations: on peut donc n’utiliser que 3 routes partant d’internet même si on a 3 sous-réseaux; le default gérera la destination mise de côté jusqu’au routeur, qui redirigera alors vers elle. </a:t>
+            </a:r>
+          </a:p>
+        </p:txBody>
+      </p:sp>
+      <p:sp>
+        <p:nvSpPr>
+          <p:cNvPr id="5" name="Espace réservé du numéro de diapositive 4">
+            <a:extLst>
+              <a:ext uri="{FF2B5EF4-FFF2-40B4-BE49-F238E27FC236}">
+                <a16:creationId xmlns:a16="http://schemas.microsoft.com/office/drawing/2014/main" id="{06B91F34-EAE5-E95B-FB43-84A172E09622}"/>
+              </a:ext>
+            </a:extLst>
+          </p:cNvPr>
+          <p:cNvSpPr>
+            <a:spLocks noGrp="1"/>
+          </p:cNvSpPr>
+          <p:nvPr>
+            <p:ph type="sldNum" sz="quarter" idx="12"/>
+          </p:nvPr>
+        </p:nvSpPr>
+        <p:spPr/>
+        <p:txBody>
+          <a:bodyPr/>
+          <a:lstStyle/>
+          <a:p>
+            <a:fld id="{6D22F896-40B5-4ADD-8801-0D06FADFA095}" type="slidenum">
+              <a:rPr lang="en-US" smtClean="0"/>
+              <a:t>20</a:t>
+            </a:fld>
+            <a:endParaRPr lang="en-US" dirty="0"/>
+          </a:p>
+        </p:txBody>
+      </p:sp>
+      <p:graphicFrame>
+        <p:nvGraphicFramePr>
+          <p:cNvPr id="7" name="Tableau 6">
+            <a:extLst>
+              <a:ext uri="{FF2B5EF4-FFF2-40B4-BE49-F238E27FC236}">
+                <a16:creationId xmlns:a16="http://schemas.microsoft.com/office/drawing/2014/main" id="{F74AC127-BDFD-7BFC-D9D4-40168DA51086}"/>
+              </a:ext>
+            </a:extLst>
+          </p:cNvPr>
+          <p:cNvGraphicFramePr>
+            <a:graphicFrameLocks noGrp="1"/>
+          </p:cNvGraphicFramePr>
+          <p:nvPr>
+            <p:extLst>
+              <p:ext uri="{D42A27DB-BD31-4B8C-83A1-F6EECF244321}">
+                <p14:modId xmlns:p14="http://schemas.microsoft.com/office/powerpoint/2010/main" val="389736876"/>
+              </p:ext>
+            </p:extLst>
+          </p:nvPr>
+        </p:nvGraphicFramePr>
+        <p:xfrm>
+          <a:off x="3932138" y="5273674"/>
+          <a:ext cx="3700833" cy="1219200"/>
+        </p:xfrm>
+        <a:graphic>
+          <a:graphicData uri="http://schemas.openxmlformats.org/drawingml/2006/table">
+            <a:tbl>
+              <a:tblPr firstRow="1" bandRow="1">
+                <a:tableStyleId>{93296810-A885-4BE3-A3E7-6D5BEEA58F35}</a:tableStyleId>
+              </a:tblPr>
+              <a:tblGrid>
+                <a:gridCol w="630804">
+                  <a:extLst>
+                    <a:ext uri="{9D8B030D-6E8A-4147-A177-3AD203B41FA5}">
+                      <a16:colId xmlns:a16="http://schemas.microsoft.com/office/drawing/2014/main" val="2557885343"/>
+                    </a:ext>
+                  </a:extLst>
+                </a:gridCol>
+                <a:gridCol w="1388455">
+                  <a:extLst>
+                    <a:ext uri="{9D8B030D-6E8A-4147-A177-3AD203B41FA5}">
+                      <a16:colId xmlns:a16="http://schemas.microsoft.com/office/drawing/2014/main" val="3489593004"/>
+                    </a:ext>
+                  </a:extLst>
+                </a:gridCol>
+                <a:gridCol w="1681574">
+                  <a:extLst>
+                    <a:ext uri="{9D8B030D-6E8A-4147-A177-3AD203B41FA5}">
+                      <a16:colId xmlns:a16="http://schemas.microsoft.com/office/drawing/2014/main" val="3518237142"/>
+                    </a:ext>
+                  </a:extLst>
+                </a:gridCol>
+              </a:tblGrid>
+              <a:tr h="270670">
+                <a:tc>
+                  <a:txBody>
+                    <a:bodyPr/>
+                    <a:lstStyle/>
+                    <a:p>
+                      <a:r>
+                        <a:rPr lang="fr-FR" sz="1400" dirty="0"/>
+                        <a:t>Route</a:t>
+                      </a:r>
+                      <a:endParaRPr lang="fr-CH" sz="1400" dirty="0"/>
+                    </a:p>
+                  </a:txBody>
+                  <a:tcPr/>
+                </a:tc>
+                <a:tc>
+                  <a:txBody>
+                    <a:bodyPr/>
+                    <a:lstStyle/>
+                    <a:p>
+                      <a:r>
+                        <a:rPr lang="fr-FR" sz="1400" dirty="0"/>
+                        <a:t>Internet</a:t>
+                      </a:r>
+                      <a:endParaRPr lang="fr-CH" sz="1400" dirty="0"/>
+                    </a:p>
+                  </a:txBody>
+                  <a:tcPr/>
+                </a:tc>
+                <a:tc>
+                  <a:txBody>
+                    <a:bodyPr/>
+                    <a:lstStyle/>
+                    <a:p>
+                      <a:r>
+                        <a:rPr lang="fr-FR" sz="1400" dirty="0"/>
+                        <a:t>Routeur</a:t>
+                      </a:r>
+                      <a:endParaRPr lang="fr-CH" sz="1400" dirty="0"/>
+                    </a:p>
+                  </a:txBody>
+                  <a:tcPr/>
+                </a:tc>
+                <a:extLst>
+                  <a:ext uri="{0D108BD9-81ED-4DB2-BD59-A6C34878D82A}">
+                    <a16:rowId xmlns:a16="http://schemas.microsoft.com/office/drawing/2014/main" val="562224240"/>
+                  </a:ext>
+                </a:extLst>
+              </a:tr>
+              <a:tr h="270670">
+                <a:tc>
+                  <a:txBody>
+                    <a:bodyPr/>
+                    <a:lstStyle/>
+                    <a:p>
+                      <a:r>
+                        <a:rPr lang="fr-FR" sz="1400" dirty="0"/>
+                        <a:t>1</a:t>
+                      </a:r>
+                      <a:endParaRPr lang="fr-CH" sz="1400" dirty="0"/>
+                    </a:p>
+                  </a:txBody>
+                  <a:tcPr/>
+                </a:tc>
+                <a:tc>
+                  <a:txBody>
+                    <a:bodyPr/>
+                    <a:lstStyle/>
+                    <a:p>
+                      <a:r>
+                        <a:rPr lang="fr-FR" sz="1400" dirty="0"/>
+                        <a:t>-&gt; A</a:t>
+                      </a:r>
+                      <a:endParaRPr lang="fr-CH" sz="1400" dirty="0"/>
+                    </a:p>
+                  </a:txBody>
+                  <a:tcPr/>
+                </a:tc>
+                <a:tc>
+                  <a:txBody>
+                    <a:bodyPr/>
+                    <a:lstStyle/>
+                    <a:p>
+                      <a:r>
+                        <a:rPr lang="fr-FR" sz="1400" dirty="0"/>
+                        <a:t>-&gt; C</a:t>
+                      </a:r>
+                      <a:endParaRPr lang="fr-CH" sz="1400" dirty="0"/>
+                    </a:p>
+                  </a:txBody>
+                  <a:tcPr/>
+                </a:tc>
+                <a:extLst>
+                  <a:ext uri="{0D108BD9-81ED-4DB2-BD59-A6C34878D82A}">
+                    <a16:rowId xmlns:a16="http://schemas.microsoft.com/office/drawing/2014/main" val="1874630428"/>
+                  </a:ext>
+                </a:extLst>
+              </a:tr>
+              <a:tr h="270670">
+                <a:tc>
+                  <a:txBody>
+                    <a:bodyPr/>
+                    <a:lstStyle/>
+                    <a:p>
+                      <a:r>
+                        <a:rPr lang="fr-FR" sz="1400" dirty="0"/>
+                        <a:t>2</a:t>
+                      </a:r>
+                      <a:endParaRPr lang="fr-CH" sz="1400" dirty="0"/>
+                    </a:p>
+                  </a:txBody>
+                  <a:tcPr/>
+                </a:tc>
+                <a:tc>
+                  <a:txBody>
+                    <a:bodyPr/>
+                    <a:lstStyle/>
+                    <a:p>
+                      <a:r>
+                        <a:rPr lang="fr-FR" sz="1400" dirty="0"/>
+                        <a:t>-&gt; C</a:t>
+                      </a:r>
+                      <a:endParaRPr lang="fr-CH" sz="1400" dirty="0"/>
+                    </a:p>
+                  </a:txBody>
+                  <a:tcPr/>
+                </a:tc>
+                <a:tc>
+                  <a:txBody>
+                    <a:bodyPr/>
+                    <a:lstStyle/>
+                    <a:p>
+                      <a:pPr marL="0" marR="0" lvl="0" indent="0" algn="l" defTabSz="914400" rtl="0" eaLnBrk="1" fontAlgn="auto" latinLnBrk="0" hangingPunct="1">
+                        <a:lnSpc>
+                          <a:spcPct val="100000"/>
+                        </a:lnSpc>
+                        <a:spcBef>
+                          <a:spcPts val="0"/>
+                        </a:spcBef>
+                        <a:spcAft>
+                          <a:spcPts val="0"/>
+                        </a:spcAft>
+                        <a:buClrTx/>
+                        <a:buSzTx/>
+                        <a:buFontTx/>
+                        <a:buNone/>
+                        <a:tabLst/>
+                        <a:defRPr/>
+                      </a:pPr>
+                      <a:r>
+                        <a:rPr lang="fr-FR" sz="1400" dirty="0"/>
+                        <a:t>-&gt; B</a:t>
+                      </a:r>
+                      <a:endParaRPr lang="fr-CH" sz="1400" dirty="0"/>
+                    </a:p>
+                  </a:txBody>
+                  <a:tcPr/>
+                </a:tc>
+                <a:extLst>
+                  <a:ext uri="{0D108BD9-81ED-4DB2-BD59-A6C34878D82A}">
+                    <a16:rowId xmlns:a16="http://schemas.microsoft.com/office/drawing/2014/main" val="2682192962"/>
+                  </a:ext>
+                </a:extLst>
+              </a:tr>
+              <a:tr h="270670">
+                <a:tc>
+                  <a:txBody>
+                    <a:bodyPr/>
+                    <a:lstStyle/>
+                    <a:p>
+                      <a:r>
+                        <a:rPr lang="fr-FR" sz="1400" dirty="0"/>
+                        <a:t>3</a:t>
+                      </a:r>
+                      <a:endParaRPr lang="fr-CH" sz="1400" dirty="0"/>
+                    </a:p>
+                  </a:txBody>
+                  <a:tcPr/>
+                </a:tc>
+                <a:tc>
+                  <a:txBody>
+                    <a:bodyPr/>
+                    <a:lstStyle/>
+                    <a:p>
+                      <a:r>
+                        <a:rPr lang="fr-FR" sz="1400" dirty="0"/>
+                        <a:t>default -&gt; B</a:t>
+                      </a:r>
+                      <a:endParaRPr lang="fr-CH" sz="1400" dirty="0"/>
+                    </a:p>
+                  </a:txBody>
+                  <a:tcPr/>
+                </a:tc>
+                <a:tc>
+                  <a:txBody>
+                    <a:bodyPr/>
+                    <a:lstStyle/>
+                    <a:p>
+                      <a:r>
+                        <a:rPr lang="fr-FR" sz="1400" dirty="0"/>
+                        <a:t>default -&gt; internet</a:t>
+                      </a:r>
+                      <a:endParaRPr lang="fr-CH" sz="1400" dirty="0"/>
+                    </a:p>
+                  </a:txBody>
+                  <a:tcPr/>
+                </a:tc>
+                <a:extLst>
+                  <a:ext uri="{0D108BD9-81ED-4DB2-BD59-A6C34878D82A}">
+                    <a16:rowId xmlns:a16="http://schemas.microsoft.com/office/drawing/2014/main" val="654098747"/>
+                  </a:ext>
+                </a:extLst>
+              </a:tr>
+            </a:tbl>
+          </a:graphicData>
+        </a:graphic>
+      </p:graphicFrame>
+    </p:spTree>
+    <p:extLst>
+      <p:ext uri="{BB962C8B-B14F-4D97-AF65-F5344CB8AC3E}">
+        <p14:creationId xmlns:p14="http://schemas.microsoft.com/office/powerpoint/2010/main" val="3997345359"/>
       </p:ext>
     </p:extLst>
   </p:cSld>

--- a/Adressage ip.pptx
+++ b/Adressage ip.pptx
@@ -21304,7 +21304,7 @@
         <p:spPr>
           <a:xfrm>
             <a:off x="1292834" y="5591644"/>
-            <a:ext cx="6495817" cy="830997"/>
+            <a:ext cx="6553525" cy="1015663"/>
           </a:xfrm>
           <a:prstGeom prst="rect">
             <a:avLst/>
@@ -21385,6 +21385,36 @@
           <a:p>
             <a:r>
               <a:rPr lang="fr-FR" sz="1200" b="1" dirty="0"/>
+              <a:t>Bit 26 : </a:t>
+            </a:r>
+            <a:r>
+              <a:rPr lang="fr-FR" sz="1200" dirty="0"/>
+              <a:t>64 adresses IP par </a:t>
+            </a:r>
+            <a:r>
+              <a:rPr lang="fr-FR" sz="1200" dirty="0" err="1"/>
+              <a:t>ss</a:t>
+            </a:r>
+            <a:r>
+              <a:rPr lang="fr-FR" sz="1200" dirty="0"/>
+              <a:t>-réseau, 256 / 64 = 4 </a:t>
+            </a:r>
+            <a:r>
+              <a:rPr lang="fr-FR" sz="1200" dirty="0" err="1"/>
+              <a:t>ss</a:t>
+            </a:r>
+            <a:r>
+              <a:rPr lang="fr-FR" sz="1200" dirty="0"/>
+              <a:t>-réseaux possibles, 256 – 64 = </a:t>
+            </a:r>
+            <a:r>
+              <a:rPr lang="fr-FR" sz="1200" b="1" dirty="0"/>
+              <a:t>192 (masque). </a:t>
+            </a:r>
+          </a:p>
+          <a:p>
+            <a:r>
+              <a:rPr lang="fr-FR" sz="1200" b="1" dirty="0"/>
               <a:t>Bit 25: </a:t>
             </a:r>
             <a:r>
@@ -21412,6 +21442,54 @@
               <a:t>128 (masque).</a:t>
             </a:r>
             <a:endParaRPr lang="fr-CH" sz="1200" b="1" dirty="0"/>
+          </a:p>
+        </p:txBody>
+      </p:sp>
+      <p:sp>
+        <p:nvSpPr>
+          <p:cNvPr id="4" name="ZoneTexte 3">
+            <a:extLst>
+              <a:ext uri="{FF2B5EF4-FFF2-40B4-BE49-F238E27FC236}">
+                <a16:creationId xmlns:a16="http://schemas.microsoft.com/office/drawing/2014/main" id="{52EC5C18-BCE4-942D-0269-CF03EE08630C}"/>
+              </a:ext>
+            </a:extLst>
+          </p:cNvPr>
+          <p:cNvSpPr txBox="1"/>
+          <p:nvPr/>
+        </p:nvSpPr>
+        <p:spPr>
+          <a:xfrm>
+            <a:off x="7836539" y="5622065"/>
+            <a:ext cx="2877336" cy="923330"/>
+          </a:xfrm>
+          <a:prstGeom prst="rect">
+            <a:avLst/>
+          </a:prstGeom>
+          <a:noFill/>
+        </p:spPr>
+        <p:txBody>
+          <a:bodyPr wrap="square" rtlCol="0">
+            <a:spAutoFit/>
+          </a:bodyPr>
+          <a:lstStyle/>
+          <a:p>
+            <a:r>
+              <a:rPr lang="fr-FR" dirty="0"/>
+              <a:t>1 x 2 = 2</a:t>
+            </a:r>
+          </a:p>
+          <a:p>
+            <a:r>
+              <a:rPr lang="fr-FR" dirty="0"/>
+              <a:t>…</a:t>
+            </a:r>
+          </a:p>
+          <a:p>
+            <a:r>
+              <a:rPr lang="fr-FR" dirty="0"/>
+              <a:t>64 x 2 = 128</a:t>
+            </a:r>
+            <a:endParaRPr lang="fr-CH" dirty="0"/>
           </a:p>
         </p:txBody>
       </p:sp>

--- a/Adressage ip.pptx
+++ b/Adressage ip.pptx
@@ -21405,7 +21405,7 @@
             </a:r>
             <a:r>
               <a:rPr lang="fr-FR" sz="1200" dirty="0"/>
-              <a:t>-réseaux possibles, 256 – 64 = </a:t>
+              <a:t>-réseaux possibles, 256 -64 = </a:t>
             </a:r>
             <a:r>
               <a:rPr lang="fr-FR" sz="1200" b="1" dirty="0"/>
@@ -24910,7 +24910,15 @@
           <a:p>
             <a:r>
               <a:rPr lang="fr-FR" sz="2000" dirty="0"/>
-              <a:t>Les adresses d’un même sous-réseau doivent se suivre, même si elles sont partagées entre plusieurs sous-sous-réseaux. Si un sous-sous-réseau donné couvre la plage de .0 à .3 par ex., son voisin devra commencer à .4 (première adresse utilisable à .5).</a:t>
+              <a:t>Les adresses d’un même sous-réseau partagées entre plusieurs sous-sous-réseaux ne peuvent pas se chevaucher. Si un sous-sous-réseau donné couvre la plage de .0 à .3 par ex., son voisin devra commencer </a:t>
+            </a:r>
+            <a:r>
+              <a:rPr lang="fr-FR" sz="2000"/>
+              <a:t>au minimum à </a:t>
+            </a:r>
+            <a:r>
+              <a:rPr lang="fr-FR" sz="2000" dirty="0"/>
+              <a:t>.4 (première adresse utilisable à .5).</a:t>
             </a:r>
           </a:p>
           <a:p>
